--- a/Modules/02.TaskListingScreen.InitialSetup/02.TaskListingScreen.InitialSetup.Slides.pptx
+++ b/Modules/02.TaskListingScreen.InitialSetup/02.TaskListingScreen.InitialSetup.Slides.pptx
@@ -5,15 +5,30 @@
     <p:sldMasterId id="2147483731" r:id="rId4"/>
   </p:sldMasterIdLst>
   <p:notesMasterIdLst>
-    <p:notesMasterId r:id="rId8"/>
+    <p:notesMasterId r:id="rId23"/>
   </p:notesMasterIdLst>
   <p:handoutMasterIdLst>
-    <p:handoutMasterId r:id="rId9"/>
+    <p:handoutMasterId r:id="rId24"/>
   </p:handoutMasterIdLst>
   <p:sldIdLst>
     <p:sldId id="356" r:id="rId5"/>
     <p:sldId id="357" r:id="rId6"/>
     <p:sldId id="370" r:id="rId7"/>
+    <p:sldId id="371" r:id="rId8"/>
+    <p:sldId id="373" r:id="rId9"/>
+    <p:sldId id="372" r:id="rId10"/>
+    <p:sldId id="374" r:id="rId11"/>
+    <p:sldId id="375" r:id="rId12"/>
+    <p:sldId id="376" r:id="rId13"/>
+    <p:sldId id="377" r:id="rId14"/>
+    <p:sldId id="378" r:id="rId15"/>
+    <p:sldId id="379" r:id="rId16"/>
+    <p:sldId id="380" r:id="rId17"/>
+    <p:sldId id="381" r:id="rId18"/>
+    <p:sldId id="385" r:id="rId19"/>
+    <p:sldId id="382" r:id="rId20"/>
+    <p:sldId id="383" r:id="rId21"/>
+    <p:sldId id="384" r:id="rId22"/>
   </p:sldIdLst>
   <p:sldSz cx="9144000" cy="6858000" type="screen4x3"/>
   <p:notesSz cx="7315200" cy="9601200"/>
@@ -150,6 +165,21 @@
             <p14:sldId id="356"/>
             <p14:sldId id="357"/>
             <p14:sldId id="370"/>
+            <p14:sldId id="371"/>
+            <p14:sldId id="373"/>
+            <p14:sldId id="372"/>
+            <p14:sldId id="374"/>
+            <p14:sldId id="375"/>
+            <p14:sldId id="376"/>
+            <p14:sldId id="377"/>
+            <p14:sldId id="378"/>
+            <p14:sldId id="379"/>
+            <p14:sldId id="380"/>
+            <p14:sldId id="381"/>
+            <p14:sldId id="385"/>
+            <p14:sldId id="382"/>
+            <p14:sldId id="383"/>
+            <p14:sldId id="384"/>
           </p14:sldIdLst>
         </p14:section>
       </p14:sectionLst>
@@ -269,7 +299,7 @@
             <a:fld id="{923FAA13-3E1B-4A40-BCE0-2A4101C91A56}" type="datetimeFigureOut">
               <a:rPr lang="en-US" smtClean="0"/>
               <a:pPr/>
-              <a:t>3/3/2013</a:t>
+              <a:t>3/6/2013</a:t>
             </a:fld>
             <a:endParaRPr lang="en-US"/>
           </a:p>
@@ -850,24 +880,37 @@
           <a:p>
             <a:r>
               <a:rPr lang="en-US" dirty="0" smtClean="0"/>
-              <a:t>Hello and welcome </a:t>
-            </a:r>
+              <a:t>Hello and welcome to module 2 of Html for the XAML developer</a:t>
+            </a:r>
+          </a:p>
+          <a:p>
+            <a:endParaRPr lang="en-US" dirty="0" smtClean="0"/>
+          </a:p>
+          <a:p>
+            <a:pPr marL="0" marR="0" indent="0" algn="l" defTabSz="914400" rtl="0" eaLnBrk="0" fontAlgn="base" latinLnBrk="0" hangingPunct="0">
+              <a:lnSpc>
+                <a:spcPct val="100000"/>
+              </a:lnSpc>
+              <a:spcBef>
+                <a:spcPct val="30000"/>
+              </a:spcBef>
+              <a:spcAft>
+                <a:spcPct val="0"/>
+              </a:spcAft>
+              <a:buClrTx/>
+              <a:buSzTx/>
+              <a:buFontTx/>
+              <a:buNone/>
+              <a:tabLst/>
+              <a:defRPr/>
+            </a:pPr>
             <a:r>
               <a:rPr lang="en-US" dirty="0" smtClean="0"/>
-              <a:t>to module 2 of Html for the XAML developer</a:t>
-            </a:r>
-          </a:p>
-          <a:p>
-            <a:endParaRPr lang="en-US" dirty="0" smtClean="0"/>
-          </a:p>
-          <a:p>
-            <a:r>
-              <a:rPr lang="en-US" dirty="0" smtClean="0"/>
-              <a:t>In this module we are going to</a:t>
+              <a:t>In this module we will kick off our transition from bein</a:t>
             </a:r>
             <a:r>
               <a:rPr lang="en-US" baseline="0" dirty="0" smtClean="0"/>
-              <a:t> start porting our reference XAML application over to HTML.  We are going to focus on building the Listing screen which will show the </a:t>
+              <a:t>g a XAML developer to an HTML developer by getting our hands dirty and pounding out some code.  We will start by focusing on the skills need to port a potion of the </a:t>
             </a:r>
             <a:r>
               <a:rPr lang="en-US" baseline="0" dirty="0" err="1" smtClean="0"/>
@@ -875,17 +918,8 @@
             </a:r>
             <a:r>
               <a:rPr lang="en-US" baseline="0" dirty="0" smtClean="0"/>
-              <a:t> Items in </a:t>
-            </a:r>
-            <a:r>
-              <a:rPr lang="en-US" baseline="0" smtClean="0"/>
-              <a:t>the system.  </a:t>
-            </a:r>
-            <a:r>
-              <a:rPr lang="en-US" baseline="0" dirty="0" smtClean="0"/>
-              <a:t>This module will be the first of 2 which will focus on porting</a:t>
-            </a:r>
-            <a:endParaRPr lang="en-US" dirty="0" smtClean="0"/>
+              <a:t> listing screen over to HTML.  This will be the first of 2 modules focused solely on this screen.</a:t>
+            </a:r>
           </a:p>
         </p:txBody>
       </p:sp>
@@ -922,6 +956,880 @@
     <p:extLst>
       <p:ext uri="{BB962C8B-B14F-4D97-AF65-F5344CB8AC3E}">
         <p14:creationId xmlns:p14="http://schemas.microsoft.com/office/powerpoint/2010/main" val="3178655069"/>
+      </p:ext>
+    </p:extLst>
+  </p:cSld>
+  <p:clrMapOvr>
+    <a:masterClrMapping/>
+  </p:clrMapOvr>
+</p:notes>
+</file>
+
+<file path=ppt/notesSlides/notesSlide10.xml><?xml version="1.0" encoding="utf-8"?>
+<p:notes xmlns:a="http://schemas.openxmlformats.org/drawingml/2006/main" xmlns:r="http://schemas.openxmlformats.org/officeDocument/2006/relationships" xmlns:p="http://schemas.openxmlformats.org/presentationml/2006/main">
+  <p:cSld>
+    <p:spTree>
+      <p:nvGrpSpPr>
+        <p:cNvPr id="1" name=""/>
+        <p:cNvGrpSpPr/>
+        <p:nvPr/>
+      </p:nvGrpSpPr>
+      <p:grpSpPr>
+        <a:xfrm>
+          <a:off x="0" y="0"/>
+          <a:ext cx="0" cy="0"/>
+          <a:chOff x="0" y="0"/>
+          <a:chExt cx="0" cy="0"/>
+        </a:xfrm>
+      </p:grpSpPr>
+      <p:sp>
+        <p:nvSpPr>
+          <p:cNvPr id="2" name="Slide Image Placeholder 1"/>
+          <p:cNvSpPr>
+            <a:spLocks noGrp="1" noRot="1" noChangeAspect="1"/>
+          </p:cNvSpPr>
+          <p:nvPr>
+            <p:ph type="sldImg"/>
+          </p:nvPr>
+        </p:nvSpPr>
+        <p:spPr/>
+      </p:sp>
+      <p:sp>
+        <p:nvSpPr>
+          <p:cNvPr id="3" name="Notes Placeholder 2"/>
+          <p:cNvSpPr>
+            <a:spLocks noGrp="1"/>
+          </p:cNvSpPr>
+          <p:nvPr>
+            <p:ph type="body" idx="1"/>
+          </p:nvPr>
+        </p:nvSpPr>
+        <p:spPr/>
+        <p:txBody>
+          <a:bodyPr/>
+          <a:lstStyle/>
+          <a:p>
+            <a:endParaRPr lang="en-US" dirty="0"/>
+          </a:p>
+        </p:txBody>
+      </p:sp>
+      <p:sp>
+        <p:nvSpPr>
+          <p:cNvPr id="4" name="Slide Number Placeholder 3"/>
+          <p:cNvSpPr>
+            <a:spLocks noGrp="1"/>
+          </p:cNvSpPr>
+          <p:nvPr>
+            <p:ph type="sldNum" sz="quarter" idx="10"/>
+          </p:nvPr>
+        </p:nvSpPr>
+        <p:spPr/>
+        <p:txBody>
+          <a:bodyPr/>
+          <a:lstStyle/>
+          <a:p>
+            <a:pPr>
+              <a:defRPr/>
+            </a:pPr>
+            <a:fld id="{47C584BF-6945-4E60-B2A7-1638FF8EA8EE}" type="slidenum">
+              <a:rPr lang="en-US" smtClean="0"/>
+              <a:pPr>
+                <a:defRPr/>
+              </a:pPr>
+              <a:t>10</a:t>
+            </a:fld>
+            <a:endParaRPr lang="en-US"/>
+          </a:p>
+        </p:txBody>
+      </p:sp>
+    </p:spTree>
+    <p:extLst>
+      <p:ext uri="{BB962C8B-B14F-4D97-AF65-F5344CB8AC3E}">
+        <p14:creationId xmlns:p14="http://schemas.microsoft.com/office/powerpoint/2010/main" val="3592623704"/>
+      </p:ext>
+    </p:extLst>
+  </p:cSld>
+  <p:clrMapOvr>
+    <a:masterClrMapping/>
+  </p:clrMapOvr>
+</p:notes>
+</file>
+
+<file path=ppt/notesSlides/notesSlide11.xml><?xml version="1.0" encoding="utf-8"?>
+<p:notes xmlns:a="http://schemas.openxmlformats.org/drawingml/2006/main" xmlns:r="http://schemas.openxmlformats.org/officeDocument/2006/relationships" xmlns:p="http://schemas.openxmlformats.org/presentationml/2006/main">
+  <p:cSld>
+    <p:spTree>
+      <p:nvGrpSpPr>
+        <p:cNvPr id="1" name=""/>
+        <p:cNvGrpSpPr/>
+        <p:nvPr/>
+      </p:nvGrpSpPr>
+      <p:grpSpPr>
+        <a:xfrm>
+          <a:off x="0" y="0"/>
+          <a:ext cx="0" cy="0"/>
+          <a:chOff x="0" y="0"/>
+          <a:chExt cx="0" cy="0"/>
+        </a:xfrm>
+      </p:grpSpPr>
+      <p:sp>
+        <p:nvSpPr>
+          <p:cNvPr id="2" name="Slide Image Placeholder 1"/>
+          <p:cNvSpPr>
+            <a:spLocks noGrp="1" noRot="1" noChangeAspect="1"/>
+          </p:cNvSpPr>
+          <p:nvPr>
+            <p:ph type="sldImg"/>
+          </p:nvPr>
+        </p:nvSpPr>
+        <p:spPr/>
+      </p:sp>
+      <p:sp>
+        <p:nvSpPr>
+          <p:cNvPr id="3" name="Notes Placeholder 2"/>
+          <p:cNvSpPr>
+            <a:spLocks noGrp="1"/>
+          </p:cNvSpPr>
+          <p:nvPr>
+            <p:ph type="body" idx="1"/>
+          </p:nvPr>
+        </p:nvSpPr>
+        <p:spPr/>
+        <p:txBody>
+          <a:bodyPr/>
+          <a:lstStyle/>
+          <a:p>
+            <a:endParaRPr lang="en-US" dirty="0"/>
+          </a:p>
+        </p:txBody>
+      </p:sp>
+      <p:sp>
+        <p:nvSpPr>
+          <p:cNvPr id="4" name="Slide Number Placeholder 3"/>
+          <p:cNvSpPr>
+            <a:spLocks noGrp="1"/>
+          </p:cNvSpPr>
+          <p:nvPr>
+            <p:ph type="sldNum" sz="quarter" idx="10"/>
+          </p:nvPr>
+        </p:nvSpPr>
+        <p:spPr/>
+        <p:txBody>
+          <a:bodyPr/>
+          <a:lstStyle/>
+          <a:p>
+            <a:pPr>
+              <a:defRPr/>
+            </a:pPr>
+            <a:fld id="{47C584BF-6945-4E60-B2A7-1638FF8EA8EE}" type="slidenum">
+              <a:rPr lang="en-US" smtClean="0">
+                <a:solidFill>
+                  <a:srgbClr val="000000"/>
+                </a:solidFill>
+              </a:rPr>
+              <a:pPr>
+                <a:defRPr/>
+              </a:pPr>
+              <a:t>11</a:t>
+            </a:fld>
+            <a:endParaRPr lang="en-US">
+              <a:solidFill>
+                <a:srgbClr val="000000"/>
+              </a:solidFill>
+            </a:endParaRPr>
+          </a:p>
+        </p:txBody>
+      </p:sp>
+    </p:spTree>
+    <p:extLst>
+      <p:ext uri="{BB962C8B-B14F-4D97-AF65-F5344CB8AC3E}">
+        <p14:creationId xmlns:p14="http://schemas.microsoft.com/office/powerpoint/2010/main" val="905189914"/>
+      </p:ext>
+    </p:extLst>
+  </p:cSld>
+  <p:clrMapOvr>
+    <a:masterClrMapping/>
+  </p:clrMapOvr>
+</p:notes>
+</file>
+
+<file path=ppt/notesSlides/notesSlide12.xml><?xml version="1.0" encoding="utf-8"?>
+<p:notes xmlns:a="http://schemas.openxmlformats.org/drawingml/2006/main" xmlns:r="http://schemas.openxmlformats.org/officeDocument/2006/relationships" xmlns:p="http://schemas.openxmlformats.org/presentationml/2006/main">
+  <p:cSld>
+    <p:spTree>
+      <p:nvGrpSpPr>
+        <p:cNvPr id="1" name=""/>
+        <p:cNvGrpSpPr/>
+        <p:nvPr/>
+      </p:nvGrpSpPr>
+      <p:grpSpPr>
+        <a:xfrm>
+          <a:off x="0" y="0"/>
+          <a:ext cx="0" cy="0"/>
+          <a:chOff x="0" y="0"/>
+          <a:chExt cx="0" cy="0"/>
+        </a:xfrm>
+      </p:grpSpPr>
+      <p:sp>
+        <p:nvSpPr>
+          <p:cNvPr id="2" name="Slide Image Placeholder 1"/>
+          <p:cNvSpPr>
+            <a:spLocks noGrp="1" noRot="1" noChangeAspect="1"/>
+          </p:cNvSpPr>
+          <p:nvPr>
+            <p:ph type="sldImg"/>
+          </p:nvPr>
+        </p:nvSpPr>
+        <p:spPr/>
+      </p:sp>
+      <p:sp>
+        <p:nvSpPr>
+          <p:cNvPr id="3" name="Notes Placeholder 2"/>
+          <p:cNvSpPr>
+            <a:spLocks noGrp="1"/>
+          </p:cNvSpPr>
+          <p:nvPr>
+            <p:ph type="body" idx="1"/>
+          </p:nvPr>
+        </p:nvSpPr>
+        <p:spPr/>
+        <p:txBody>
+          <a:bodyPr/>
+          <a:lstStyle/>
+          <a:p>
+            <a:endParaRPr lang="en-US" dirty="0"/>
+          </a:p>
+        </p:txBody>
+      </p:sp>
+      <p:sp>
+        <p:nvSpPr>
+          <p:cNvPr id="4" name="Slide Number Placeholder 3"/>
+          <p:cNvSpPr>
+            <a:spLocks noGrp="1"/>
+          </p:cNvSpPr>
+          <p:nvPr>
+            <p:ph type="sldNum" sz="quarter" idx="10"/>
+          </p:nvPr>
+        </p:nvSpPr>
+        <p:spPr/>
+        <p:txBody>
+          <a:bodyPr/>
+          <a:lstStyle/>
+          <a:p>
+            <a:pPr>
+              <a:defRPr/>
+            </a:pPr>
+            <a:fld id="{47C584BF-6945-4E60-B2A7-1638FF8EA8EE}" type="slidenum">
+              <a:rPr lang="en-US" smtClean="0">
+                <a:solidFill>
+                  <a:srgbClr val="000000"/>
+                </a:solidFill>
+              </a:rPr>
+              <a:pPr>
+                <a:defRPr/>
+              </a:pPr>
+              <a:t>12</a:t>
+            </a:fld>
+            <a:endParaRPr lang="en-US">
+              <a:solidFill>
+                <a:srgbClr val="000000"/>
+              </a:solidFill>
+            </a:endParaRPr>
+          </a:p>
+        </p:txBody>
+      </p:sp>
+    </p:spTree>
+    <p:extLst>
+      <p:ext uri="{BB962C8B-B14F-4D97-AF65-F5344CB8AC3E}">
+        <p14:creationId xmlns:p14="http://schemas.microsoft.com/office/powerpoint/2010/main" val="3694365366"/>
+      </p:ext>
+    </p:extLst>
+  </p:cSld>
+  <p:clrMapOvr>
+    <a:masterClrMapping/>
+  </p:clrMapOvr>
+</p:notes>
+</file>
+
+<file path=ppt/notesSlides/notesSlide13.xml><?xml version="1.0" encoding="utf-8"?>
+<p:notes xmlns:a="http://schemas.openxmlformats.org/drawingml/2006/main" xmlns:r="http://schemas.openxmlformats.org/officeDocument/2006/relationships" xmlns:p="http://schemas.openxmlformats.org/presentationml/2006/main">
+  <p:cSld>
+    <p:spTree>
+      <p:nvGrpSpPr>
+        <p:cNvPr id="1" name=""/>
+        <p:cNvGrpSpPr/>
+        <p:nvPr/>
+      </p:nvGrpSpPr>
+      <p:grpSpPr>
+        <a:xfrm>
+          <a:off x="0" y="0"/>
+          <a:ext cx="0" cy="0"/>
+          <a:chOff x="0" y="0"/>
+          <a:chExt cx="0" cy="0"/>
+        </a:xfrm>
+      </p:grpSpPr>
+      <p:sp>
+        <p:nvSpPr>
+          <p:cNvPr id="2" name="Slide Image Placeholder 1"/>
+          <p:cNvSpPr>
+            <a:spLocks noGrp="1" noRot="1" noChangeAspect="1"/>
+          </p:cNvSpPr>
+          <p:nvPr>
+            <p:ph type="sldImg"/>
+          </p:nvPr>
+        </p:nvSpPr>
+        <p:spPr/>
+      </p:sp>
+      <p:sp>
+        <p:nvSpPr>
+          <p:cNvPr id="3" name="Notes Placeholder 2"/>
+          <p:cNvSpPr>
+            <a:spLocks noGrp="1"/>
+          </p:cNvSpPr>
+          <p:nvPr>
+            <p:ph type="body" idx="1"/>
+          </p:nvPr>
+        </p:nvSpPr>
+        <p:spPr/>
+        <p:txBody>
+          <a:bodyPr/>
+          <a:lstStyle/>
+          <a:p>
+            <a:endParaRPr lang="en-US" dirty="0"/>
+          </a:p>
+        </p:txBody>
+      </p:sp>
+      <p:sp>
+        <p:nvSpPr>
+          <p:cNvPr id="4" name="Slide Number Placeholder 3"/>
+          <p:cNvSpPr>
+            <a:spLocks noGrp="1"/>
+          </p:cNvSpPr>
+          <p:nvPr>
+            <p:ph type="sldNum" sz="quarter" idx="10"/>
+          </p:nvPr>
+        </p:nvSpPr>
+        <p:spPr/>
+        <p:txBody>
+          <a:bodyPr/>
+          <a:lstStyle/>
+          <a:p>
+            <a:pPr>
+              <a:defRPr/>
+            </a:pPr>
+            <a:fld id="{47C584BF-6945-4E60-B2A7-1638FF8EA8EE}" type="slidenum">
+              <a:rPr lang="en-US" smtClean="0">
+                <a:solidFill>
+                  <a:srgbClr val="000000"/>
+                </a:solidFill>
+              </a:rPr>
+              <a:pPr>
+                <a:defRPr/>
+              </a:pPr>
+              <a:t>13</a:t>
+            </a:fld>
+            <a:endParaRPr lang="en-US">
+              <a:solidFill>
+                <a:srgbClr val="000000"/>
+              </a:solidFill>
+            </a:endParaRPr>
+          </a:p>
+        </p:txBody>
+      </p:sp>
+    </p:spTree>
+    <p:extLst>
+      <p:ext uri="{BB962C8B-B14F-4D97-AF65-F5344CB8AC3E}">
+        <p14:creationId xmlns:p14="http://schemas.microsoft.com/office/powerpoint/2010/main" val="868066523"/>
+      </p:ext>
+    </p:extLst>
+  </p:cSld>
+  <p:clrMapOvr>
+    <a:masterClrMapping/>
+  </p:clrMapOvr>
+</p:notes>
+</file>
+
+<file path=ppt/notesSlides/notesSlide14.xml><?xml version="1.0" encoding="utf-8"?>
+<p:notes xmlns:a="http://schemas.openxmlformats.org/drawingml/2006/main" xmlns:r="http://schemas.openxmlformats.org/officeDocument/2006/relationships" xmlns:p="http://schemas.openxmlformats.org/presentationml/2006/main">
+  <p:cSld>
+    <p:spTree>
+      <p:nvGrpSpPr>
+        <p:cNvPr id="1" name=""/>
+        <p:cNvGrpSpPr/>
+        <p:nvPr/>
+      </p:nvGrpSpPr>
+      <p:grpSpPr>
+        <a:xfrm>
+          <a:off x="0" y="0"/>
+          <a:ext cx="0" cy="0"/>
+          <a:chOff x="0" y="0"/>
+          <a:chExt cx="0" cy="0"/>
+        </a:xfrm>
+      </p:grpSpPr>
+      <p:sp>
+        <p:nvSpPr>
+          <p:cNvPr id="2" name="Slide Image Placeholder 1"/>
+          <p:cNvSpPr>
+            <a:spLocks noGrp="1" noRot="1" noChangeAspect="1"/>
+          </p:cNvSpPr>
+          <p:nvPr>
+            <p:ph type="sldImg"/>
+          </p:nvPr>
+        </p:nvSpPr>
+        <p:spPr/>
+      </p:sp>
+      <p:sp>
+        <p:nvSpPr>
+          <p:cNvPr id="3" name="Notes Placeholder 2"/>
+          <p:cNvSpPr>
+            <a:spLocks noGrp="1"/>
+          </p:cNvSpPr>
+          <p:nvPr>
+            <p:ph type="body" idx="1"/>
+          </p:nvPr>
+        </p:nvSpPr>
+        <p:spPr/>
+        <p:txBody>
+          <a:bodyPr/>
+          <a:lstStyle/>
+          <a:p>
+            <a:endParaRPr lang="en-US" dirty="0"/>
+          </a:p>
+        </p:txBody>
+      </p:sp>
+      <p:sp>
+        <p:nvSpPr>
+          <p:cNvPr id="4" name="Slide Number Placeholder 3"/>
+          <p:cNvSpPr>
+            <a:spLocks noGrp="1"/>
+          </p:cNvSpPr>
+          <p:nvPr>
+            <p:ph type="sldNum" sz="quarter" idx="10"/>
+          </p:nvPr>
+        </p:nvSpPr>
+        <p:spPr/>
+        <p:txBody>
+          <a:bodyPr/>
+          <a:lstStyle/>
+          <a:p>
+            <a:pPr>
+              <a:defRPr/>
+            </a:pPr>
+            <a:fld id="{47C584BF-6945-4E60-B2A7-1638FF8EA8EE}" type="slidenum">
+              <a:rPr lang="en-US" smtClean="0">
+                <a:solidFill>
+                  <a:srgbClr val="000000"/>
+                </a:solidFill>
+              </a:rPr>
+              <a:pPr>
+                <a:defRPr/>
+              </a:pPr>
+              <a:t>14</a:t>
+            </a:fld>
+            <a:endParaRPr lang="en-US">
+              <a:solidFill>
+                <a:srgbClr val="000000"/>
+              </a:solidFill>
+            </a:endParaRPr>
+          </a:p>
+        </p:txBody>
+      </p:sp>
+    </p:spTree>
+    <p:extLst>
+      <p:ext uri="{BB962C8B-B14F-4D97-AF65-F5344CB8AC3E}">
+        <p14:creationId xmlns:p14="http://schemas.microsoft.com/office/powerpoint/2010/main" val="2267756471"/>
+      </p:ext>
+    </p:extLst>
+  </p:cSld>
+  <p:clrMapOvr>
+    <a:masterClrMapping/>
+  </p:clrMapOvr>
+</p:notes>
+</file>
+
+<file path=ppt/notesSlides/notesSlide15.xml><?xml version="1.0" encoding="utf-8"?>
+<p:notes xmlns:a="http://schemas.openxmlformats.org/drawingml/2006/main" xmlns:r="http://schemas.openxmlformats.org/officeDocument/2006/relationships" xmlns:p="http://schemas.openxmlformats.org/presentationml/2006/main">
+  <p:cSld>
+    <p:spTree>
+      <p:nvGrpSpPr>
+        <p:cNvPr id="1" name=""/>
+        <p:cNvGrpSpPr/>
+        <p:nvPr/>
+      </p:nvGrpSpPr>
+      <p:grpSpPr>
+        <a:xfrm>
+          <a:off x="0" y="0"/>
+          <a:ext cx="0" cy="0"/>
+          <a:chOff x="0" y="0"/>
+          <a:chExt cx="0" cy="0"/>
+        </a:xfrm>
+      </p:grpSpPr>
+      <p:sp>
+        <p:nvSpPr>
+          <p:cNvPr id="2" name="Slide Image Placeholder 1"/>
+          <p:cNvSpPr>
+            <a:spLocks noGrp="1" noRot="1" noChangeAspect="1"/>
+          </p:cNvSpPr>
+          <p:nvPr>
+            <p:ph type="sldImg"/>
+          </p:nvPr>
+        </p:nvSpPr>
+        <p:spPr/>
+      </p:sp>
+      <p:sp>
+        <p:nvSpPr>
+          <p:cNvPr id="3" name="Notes Placeholder 2"/>
+          <p:cNvSpPr>
+            <a:spLocks noGrp="1"/>
+          </p:cNvSpPr>
+          <p:nvPr>
+            <p:ph type="body" idx="1"/>
+          </p:nvPr>
+        </p:nvSpPr>
+        <p:spPr/>
+        <p:txBody>
+          <a:bodyPr/>
+          <a:lstStyle/>
+          <a:p>
+            <a:endParaRPr lang="en-US" dirty="0"/>
+          </a:p>
+        </p:txBody>
+      </p:sp>
+      <p:sp>
+        <p:nvSpPr>
+          <p:cNvPr id="4" name="Slide Number Placeholder 3"/>
+          <p:cNvSpPr>
+            <a:spLocks noGrp="1"/>
+          </p:cNvSpPr>
+          <p:nvPr>
+            <p:ph type="sldNum" sz="quarter" idx="10"/>
+          </p:nvPr>
+        </p:nvSpPr>
+        <p:spPr/>
+        <p:txBody>
+          <a:bodyPr/>
+          <a:lstStyle/>
+          <a:p>
+            <a:pPr>
+              <a:defRPr/>
+            </a:pPr>
+            <a:fld id="{47C584BF-6945-4E60-B2A7-1638FF8EA8EE}" type="slidenum">
+              <a:rPr lang="en-US" smtClean="0">
+                <a:solidFill>
+                  <a:srgbClr val="000000"/>
+                </a:solidFill>
+              </a:rPr>
+              <a:pPr>
+                <a:defRPr/>
+              </a:pPr>
+              <a:t>15</a:t>
+            </a:fld>
+            <a:endParaRPr lang="en-US">
+              <a:solidFill>
+                <a:srgbClr val="000000"/>
+              </a:solidFill>
+            </a:endParaRPr>
+          </a:p>
+        </p:txBody>
+      </p:sp>
+    </p:spTree>
+    <p:extLst>
+      <p:ext uri="{BB962C8B-B14F-4D97-AF65-F5344CB8AC3E}">
+        <p14:creationId xmlns:p14="http://schemas.microsoft.com/office/powerpoint/2010/main" val="3616769883"/>
+      </p:ext>
+    </p:extLst>
+  </p:cSld>
+  <p:clrMapOvr>
+    <a:masterClrMapping/>
+  </p:clrMapOvr>
+</p:notes>
+</file>
+
+<file path=ppt/notesSlides/notesSlide16.xml><?xml version="1.0" encoding="utf-8"?>
+<p:notes xmlns:a="http://schemas.openxmlformats.org/drawingml/2006/main" xmlns:r="http://schemas.openxmlformats.org/officeDocument/2006/relationships" xmlns:p="http://schemas.openxmlformats.org/presentationml/2006/main">
+  <p:cSld>
+    <p:spTree>
+      <p:nvGrpSpPr>
+        <p:cNvPr id="1" name=""/>
+        <p:cNvGrpSpPr/>
+        <p:nvPr/>
+      </p:nvGrpSpPr>
+      <p:grpSpPr>
+        <a:xfrm>
+          <a:off x="0" y="0"/>
+          <a:ext cx="0" cy="0"/>
+          <a:chOff x="0" y="0"/>
+          <a:chExt cx="0" cy="0"/>
+        </a:xfrm>
+      </p:grpSpPr>
+      <p:sp>
+        <p:nvSpPr>
+          <p:cNvPr id="2" name="Slide Image Placeholder 1"/>
+          <p:cNvSpPr>
+            <a:spLocks noGrp="1" noRot="1" noChangeAspect="1"/>
+          </p:cNvSpPr>
+          <p:nvPr>
+            <p:ph type="sldImg"/>
+          </p:nvPr>
+        </p:nvSpPr>
+        <p:spPr/>
+      </p:sp>
+      <p:sp>
+        <p:nvSpPr>
+          <p:cNvPr id="3" name="Notes Placeholder 2"/>
+          <p:cNvSpPr>
+            <a:spLocks noGrp="1"/>
+          </p:cNvSpPr>
+          <p:nvPr>
+            <p:ph type="body" idx="1"/>
+          </p:nvPr>
+        </p:nvSpPr>
+        <p:spPr/>
+        <p:txBody>
+          <a:bodyPr/>
+          <a:lstStyle/>
+          <a:p>
+            <a:endParaRPr lang="en-US" dirty="0"/>
+          </a:p>
+        </p:txBody>
+      </p:sp>
+      <p:sp>
+        <p:nvSpPr>
+          <p:cNvPr id="4" name="Slide Number Placeholder 3"/>
+          <p:cNvSpPr>
+            <a:spLocks noGrp="1"/>
+          </p:cNvSpPr>
+          <p:nvPr>
+            <p:ph type="sldNum" sz="quarter" idx="10"/>
+          </p:nvPr>
+        </p:nvSpPr>
+        <p:spPr/>
+        <p:txBody>
+          <a:bodyPr/>
+          <a:lstStyle/>
+          <a:p>
+            <a:pPr>
+              <a:defRPr/>
+            </a:pPr>
+            <a:fld id="{47C584BF-6945-4E60-B2A7-1638FF8EA8EE}" type="slidenum">
+              <a:rPr lang="en-US" smtClean="0">
+                <a:solidFill>
+                  <a:srgbClr val="000000"/>
+                </a:solidFill>
+              </a:rPr>
+              <a:pPr>
+                <a:defRPr/>
+              </a:pPr>
+              <a:t>16</a:t>
+            </a:fld>
+            <a:endParaRPr lang="en-US">
+              <a:solidFill>
+                <a:srgbClr val="000000"/>
+              </a:solidFill>
+            </a:endParaRPr>
+          </a:p>
+        </p:txBody>
+      </p:sp>
+    </p:spTree>
+    <p:extLst>
+      <p:ext uri="{BB962C8B-B14F-4D97-AF65-F5344CB8AC3E}">
+        <p14:creationId xmlns:p14="http://schemas.microsoft.com/office/powerpoint/2010/main" val="1003624885"/>
+      </p:ext>
+    </p:extLst>
+  </p:cSld>
+  <p:clrMapOvr>
+    <a:masterClrMapping/>
+  </p:clrMapOvr>
+</p:notes>
+</file>
+
+<file path=ppt/notesSlides/notesSlide17.xml><?xml version="1.0" encoding="utf-8"?>
+<p:notes xmlns:a="http://schemas.openxmlformats.org/drawingml/2006/main" xmlns:r="http://schemas.openxmlformats.org/officeDocument/2006/relationships" xmlns:p="http://schemas.openxmlformats.org/presentationml/2006/main">
+  <p:cSld>
+    <p:spTree>
+      <p:nvGrpSpPr>
+        <p:cNvPr id="1" name=""/>
+        <p:cNvGrpSpPr/>
+        <p:nvPr/>
+      </p:nvGrpSpPr>
+      <p:grpSpPr>
+        <a:xfrm>
+          <a:off x="0" y="0"/>
+          <a:ext cx="0" cy="0"/>
+          <a:chOff x="0" y="0"/>
+          <a:chExt cx="0" cy="0"/>
+        </a:xfrm>
+      </p:grpSpPr>
+      <p:sp>
+        <p:nvSpPr>
+          <p:cNvPr id="2" name="Slide Image Placeholder 1"/>
+          <p:cNvSpPr>
+            <a:spLocks noGrp="1" noRot="1" noChangeAspect="1"/>
+          </p:cNvSpPr>
+          <p:nvPr>
+            <p:ph type="sldImg"/>
+          </p:nvPr>
+        </p:nvSpPr>
+        <p:spPr/>
+      </p:sp>
+      <p:sp>
+        <p:nvSpPr>
+          <p:cNvPr id="3" name="Notes Placeholder 2"/>
+          <p:cNvSpPr>
+            <a:spLocks noGrp="1"/>
+          </p:cNvSpPr>
+          <p:nvPr>
+            <p:ph type="body" idx="1"/>
+          </p:nvPr>
+        </p:nvSpPr>
+        <p:spPr/>
+        <p:txBody>
+          <a:bodyPr/>
+          <a:lstStyle/>
+          <a:p>
+            <a:endParaRPr lang="en-US" dirty="0"/>
+          </a:p>
+        </p:txBody>
+      </p:sp>
+      <p:sp>
+        <p:nvSpPr>
+          <p:cNvPr id="4" name="Slide Number Placeholder 3"/>
+          <p:cNvSpPr>
+            <a:spLocks noGrp="1"/>
+          </p:cNvSpPr>
+          <p:nvPr>
+            <p:ph type="sldNum" sz="quarter" idx="10"/>
+          </p:nvPr>
+        </p:nvSpPr>
+        <p:spPr/>
+        <p:txBody>
+          <a:bodyPr/>
+          <a:lstStyle/>
+          <a:p>
+            <a:pPr>
+              <a:defRPr/>
+            </a:pPr>
+            <a:fld id="{47C584BF-6945-4E60-B2A7-1638FF8EA8EE}" type="slidenum">
+              <a:rPr lang="en-US" smtClean="0">
+                <a:solidFill>
+                  <a:srgbClr val="000000"/>
+                </a:solidFill>
+              </a:rPr>
+              <a:pPr>
+                <a:defRPr/>
+              </a:pPr>
+              <a:t>17</a:t>
+            </a:fld>
+            <a:endParaRPr lang="en-US">
+              <a:solidFill>
+                <a:srgbClr val="000000"/>
+              </a:solidFill>
+            </a:endParaRPr>
+          </a:p>
+        </p:txBody>
+      </p:sp>
+    </p:spTree>
+    <p:extLst>
+      <p:ext uri="{BB962C8B-B14F-4D97-AF65-F5344CB8AC3E}">
+        <p14:creationId xmlns:p14="http://schemas.microsoft.com/office/powerpoint/2010/main" val="2712885188"/>
+      </p:ext>
+    </p:extLst>
+  </p:cSld>
+  <p:clrMapOvr>
+    <a:masterClrMapping/>
+  </p:clrMapOvr>
+</p:notes>
+</file>
+
+<file path=ppt/notesSlides/notesSlide18.xml><?xml version="1.0" encoding="utf-8"?>
+<p:notes xmlns:a="http://schemas.openxmlformats.org/drawingml/2006/main" xmlns:r="http://schemas.openxmlformats.org/officeDocument/2006/relationships" xmlns:p="http://schemas.openxmlformats.org/presentationml/2006/main">
+  <p:cSld>
+    <p:spTree>
+      <p:nvGrpSpPr>
+        <p:cNvPr id="1" name=""/>
+        <p:cNvGrpSpPr/>
+        <p:nvPr/>
+      </p:nvGrpSpPr>
+      <p:grpSpPr>
+        <a:xfrm>
+          <a:off x="0" y="0"/>
+          <a:ext cx="0" cy="0"/>
+          <a:chOff x="0" y="0"/>
+          <a:chExt cx="0" cy="0"/>
+        </a:xfrm>
+      </p:grpSpPr>
+      <p:sp>
+        <p:nvSpPr>
+          <p:cNvPr id="2" name="Slide Image Placeholder 1"/>
+          <p:cNvSpPr>
+            <a:spLocks noGrp="1" noRot="1" noChangeAspect="1"/>
+          </p:cNvSpPr>
+          <p:nvPr>
+            <p:ph type="sldImg"/>
+          </p:nvPr>
+        </p:nvSpPr>
+        <p:spPr/>
+      </p:sp>
+      <p:sp>
+        <p:nvSpPr>
+          <p:cNvPr id="3" name="Notes Placeholder 2"/>
+          <p:cNvSpPr>
+            <a:spLocks noGrp="1"/>
+          </p:cNvSpPr>
+          <p:nvPr>
+            <p:ph type="body" idx="1"/>
+          </p:nvPr>
+        </p:nvSpPr>
+        <p:spPr/>
+        <p:txBody>
+          <a:bodyPr/>
+          <a:lstStyle/>
+          <a:p>
+            <a:endParaRPr lang="en-US" dirty="0"/>
+          </a:p>
+        </p:txBody>
+      </p:sp>
+      <p:sp>
+        <p:nvSpPr>
+          <p:cNvPr id="4" name="Slide Number Placeholder 3"/>
+          <p:cNvSpPr>
+            <a:spLocks noGrp="1"/>
+          </p:cNvSpPr>
+          <p:nvPr>
+            <p:ph type="sldNum" sz="quarter" idx="10"/>
+          </p:nvPr>
+        </p:nvSpPr>
+        <p:spPr/>
+        <p:txBody>
+          <a:bodyPr/>
+          <a:lstStyle/>
+          <a:p>
+            <a:pPr>
+              <a:defRPr/>
+            </a:pPr>
+            <a:fld id="{47C584BF-6945-4E60-B2A7-1638FF8EA8EE}" type="slidenum">
+              <a:rPr lang="en-US" smtClean="0">
+                <a:solidFill>
+                  <a:srgbClr val="000000"/>
+                </a:solidFill>
+              </a:rPr>
+              <a:pPr>
+                <a:defRPr/>
+              </a:pPr>
+              <a:t>18</a:t>
+            </a:fld>
+            <a:endParaRPr lang="en-US">
+              <a:solidFill>
+                <a:srgbClr val="000000"/>
+              </a:solidFill>
+            </a:endParaRPr>
+          </a:p>
+        </p:txBody>
+      </p:sp>
+    </p:spTree>
+    <p:extLst>
+      <p:ext uri="{BB962C8B-B14F-4D97-AF65-F5344CB8AC3E}">
+        <p14:creationId xmlns:p14="http://schemas.microsoft.com/office/powerpoint/2010/main" val="3117547436"/>
       </p:ext>
     </p:extLst>
   </p:cSld>
@@ -977,20 +1885,15 @@
           <a:p>
             <a:r>
               <a:rPr lang="en-US" dirty="0" smtClean="0"/>
-              <a:t>IN this module we will</a:t>
+              <a:t>Now </a:t>
             </a:r>
             <a:r>
               <a:rPr lang="en-US" baseline="0" dirty="0" smtClean="0"/>
-              <a:t> be</a:t>
-            </a:r>
-            <a:r>
-              <a:rPr lang="en-US" dirty="0" smtClean="0"/>
-              <a:t> focusing on learning and acquiring</a:t>
-            </a:r>
-            <a:r>
-              <a:rPr lang="en-US" baseline="0" dirty="0" smtClean="0"/>
-              <a:t> the skills needed to enable you to get started building your first HTML application.  </a:t>
-            </a:r>
+              <a:t>is the time to start having fun lets roll up our sleeves and begin cranking out code</a:t>
+            </a:r>
+          </a:p>
+          <a:p>
+            <a:endParaRPr lang="en-US" baseline="0" dirty="0" smtClean="0"/>
           </a:p>
           <a:p>
             <a:pPr marL="0" marR="0" indent="0" algn="l" defTabSz="914400" rtl="0" eaLnBrk="0" fontAlgn="base" latinLnBrk="0" hangingPunct="0">
@@ -1010,6 +1913,29 @@
               <a:tabLst/>
               <a:defRPr/>
             </a:pPr>
+            <a:r>
+              <a:rPr lang="en-US" baseline="0" dirty="0" smtClean="0"/>
+              <a:t>[SHOW ANIMATION NOW]</a:t>
+            </a:r>
+          </a:p>
+          <a:p>
+            <a:endParaRPr lang="en-US" baseline="0" dirty="0" smtClean="0"/>
+          </a:p>
+          <a:p>
+            <a:r>
+              <a:rPr lang="en-US" baseline="0" dirty="0" smtClean="0"/>
+              <a:t>We are going to start off by building our first real view model with knockout </a:t>
+            </a:r>
+            <a:r>
+              <a:rPr lang="en-US" baseline="0" dirty="0" err="1" smtClean="0"/>
+              <a:t>js</a:t>
+            </a:r>
+            <a:r>
+              <a:rPr lang="en-US" baseline="0" dirty="0" smtClean="0"/>
+              <a:t> and Typescript.  We will compare the differences between a XAML View Model and a Knockout View Model in order understand where they are similar and where they are different.</a:t>
+            </a:r>
+          </a:p>
+          <a:p>
             <a:endParaRPr lang="en-US" baseline="0" dirty="0" smtClean="0"/>
           </a:p>
           <a:p>
@@ -1041,7 +1967,7 @@
           <a:p>
             <a:r>
               <a:rPr lang="en-US" baseline="0" dirty="0" smtClean="0"/>
-              <a:t>We will start off by taking a look at some of the various XAML or MVVM skills you have acquired and how they can be translated to HTML.  In fact we are going to focus on 4 core components what all XAML developers should understand.  Which are how to set the current data context for the current, how to do text or data binding, how to use commanding to handle user interaction and finally how to change the look and feel of your application by using style converters.</a:t>
+              <a:t>Following this we will create our first view built using HTML.  While building our HTML view we will take a look at the reference XAML application to see how our experience laying out views in XAML will actually help us while building HTML views</a:t>
             </a:r>
           </a:p>
           <a:p>
@@ -1076,7 +2002,15 @@
           <a:p>
             <a:r>
               <a:rPr lang="en-US" baseline="0" dirty="0" smtClean="0"/>
-              <a:t>Next we will review all the tools and frameworks we will be utilizing in this course while making the transition from being a XAML developer to an HTML developer.</a:t>
+              <a:t>Next we will take a look at how to dynamically change the style of UI element by using knockout </a:t>
+            </a:r>
+            <a:r>
+              <a:rPr lang="en-US" baseline="0" dirty="0" err="1" smtClean="0"/>
+              <a:t>js</a:t>
+            </a:r>
+            <a:r>
+              <a:rPr lang="en-US" baseline="0" dirty="0" smtClean="0"/>
+              <a:t>.  We will learn that although they way in which we change styles is different between XAML and HTML the concepts are 100% the same.</a:t>
             </a:r>
           </a:p>
           <a:p>
@@ -1111,77 +2045,27 @@
           <a:p>
             <a:r>
               <a:rPr lang="en-US" baseline="0" dirty="0" smtClean="0"/>
-              <a:t>Following this we will actually crack open visual studio and create our first Asp.net MVC project, this will be the base template we will use for all of our coding demos in this course</a:t>
-            </a:r>
-          </a:p>
-          <a:p>
-            <a:endParaRPr lang="en-US" baseline="0" dirty="0" smtClean="0"/>
-          </a:p>
-          <a:p>
-            <a:pPr marL="0" marR="0" indent="0" algn="l" defTabSz="914400" rtl="0" eaLnBrk="0" fontAlgn="base" latinLnBrk="0" hangingPunct="0">
-              <a:lnSpc>
-                <a:spcPct val="100000"/>
-              </a:lnSpc>
-              <a:spcBef>
-                <a:spcPct val="30000"/>
-              </a:spcBef>
-              <a:spcAft>
-                <a:spcPct val="0"/>
-              </a:spcAft>
-              <a:buClrTx/>
-              <a:buSzTx/>
-              <a:buFontTx/>
-              <a:buNone/>
-              <a:tabLst/>
-              <a:defRPr/>
-            </a:pPr>
+              <a:t>Finally we will complete this module by taking a look at how to use Ajax to query a Web </a:t>
+            </a:r>
+            <a:r>
+              <a:rPr lang="en-US" baseline="0" dirty="0" err="1" smtClean="0"/>
+              <a:t>Api</a:t>
+            </a:r>
             <a:r>
               <a:rPr lang="en-US" baseline="0" dirty="0" smtClean="0"/>
-              <a:t>[SHOW ANIMATION NOW]</a:t>
-            </a:r>
-          </a:p>
-          <a:p>
-            <a:endParaRPr lang="en-US" baseline="0" dirty="0" smtClean="0"/>
-          </a:p>
-          <a:p>
+              <a:t> endpoint.  Once we have received the data from the </a:t>
+            </a:r>
+            <a:r>
+              <a:rPr lang="en-US" baseline="0" dirty="0" err="1" smtClean="0"/>
+              <a:t>api</a:t>
+            </a:r>
             <a:r>
               <a:rPr lang="en-US" baseline="0" dirty="0" smtClean="0"/>
-              <a:t>After this will put all the pieces together and build a very simply hello world application to give you an example of what type of skills you will acquire in this course.</a:t>
-            </a:r>
-          </a:p>
-          <a:p>
-            <a:endParaRPr lang="en-US" baseline="0" dirty="0" smtClean="0"/>
-          </a:p>
-          <a:p>
-            <a:pPr marL="0" marR="0" indent="0" algn="l" defTabSz="914400" rtl="0" eaLnBrk="0" fontAlgn="base" latinLnBrk="0" hangingPunct="0">
-              <a:lnSpc>
-                <a:spcPct val="100000"/>
-              </a:lnSpc>
-              <a:spcBef>
-                <a:spcPct val="30000"/>
-              </a:spcBef>
-              <a:spcAft>
-                <a:spcPct val="0"/>
-              </a:spcAft>
-              <a:buClrTx/>
-              <a:buSzTx/>
-              <a:buFontTx/>
-              <a:buNone/>
-              <a:tabLst/>
-              <a:defRPr/>
-            </a:pPr>
-            <a:r>
-              <a:rPr lang="en-US" baseline="0" dirty="0" smtClean="0"/>
-              <a:t>[SHOW ANIMATION NOW]</a:t>
-            </a:r>
-          </a:p>
-          <a:p>
-            <a:endParaRPr lang="en-US" baseline="0" dirty="0" smtClean="0"/>
-          </a:p>
-          <a:p>
-            <a:r>
-              <a:rPr lang="en-US" baseline="0" dirty="0" smtClean="0"/>
-              <a:t>Finally we will end by reviewing the Silverlight application we are going to be porting as well as what the finally HTML version of this port is expected to look like.</a:t>
+              <a:t> we will learn how to store our data in the view model so it can be displayed to </a:t>
+            </a:r>
+            <a:r>
+              <a:rPr lang="en-US" baseline="0" smtClean="0"/>
+              <a:t>the user.</a:t>
             </a:r>
             <a:endParaRPr lang="en-US" dirty="0"/>
           </a:p>
@@ -1310,6 +2194,1032 @@
     <p:extLst>
       <p:ext uri="{BB962C8B-B14F-4D97-AF65-F5344CB8AC3E}">
         <p14:creationId xmlns:p14="http://schemas.microsoft.com/office/powerpoint/2010/main" val="3410444239"/>
+      </p:ext>
+    </p:extLst>
+  </p:cSld>
+  <p:clrMapOvr>
+    <a:masterClrMapping/>
+  </p:clrMapOvr>
+</p:notes>
+</file>
+
+<file path=ppt/notesSlides/notesSlide4.xml><?xml version="1.0" encoding="utf-8"?>
+<p:notes xmlns:a="http://schemas.openxmlformats.org/drawingml/2006/main" xmlns:r="http://schemas.openxmlformats.org/officeDocument/2006/relationships" xmlns:p="http://schemas.openxmlformats.org/presentationml/2006/main">
+  <p:cSld>
+    <p:spTree>
+      <p:nvGrpSpPr>
+        <p:cNvPr id="1" name=""/>
+        <p:cNvGrpSpPr/>
+        <p:nvPr/>
+      </p:nvGrpSpPr>
+      <p:grpSpPr>
+        <a:xfrm>
+          <a:off x="0" y="0"/>
+          <a:ext cx="0" cy="0"/>
+          <a:chOff x="0" y="0"/>
+          <a:chExt cx="0" cy="0"/>
+        </a:xfrm>
+      </p:grpSpPr>
+      <p:sp>
+        <p:nvSpPr>
+          <p:cNvPr id="2" name="Slide Image Placeholder 1"/>
+          <p:cNvSpPr>
+            <a:spLocks noGrp="1" noRot="1" noChangeAspect="1"/>
+          </p:cNvSpPr>
+          <p:nvPr>
+            <p:ph type="sldImg"/>
+          </p:nvPr>
+        </p:nvSpPr>
+        <p:spPr/>
+      </p:sp>
+      <p:sp>
+        <p:nvSpPr>
+          <p:cNvPr id="3" name="Notes Placeholder 2"/>
+          <p:cNvSpPr>
+            <a:spLocks noGrp="1"/>
+          </p:cNvSpPr>
+          <p:nvPr>
+            <p:ph type="body" idx="1"/>
+          </p:nvPr>
+        </p:nvSpPr>
+        <p:spPr/>
+        <p:txBody>
+          <a:bodyPr/>
+          <a:lstStyle/>
+          <a:p>
+            <a:endParaRPr lang="en-US" dirty="0"/>
+          </a:p>
+        </p:txBody>
+      </p:sp>
+      <p:sp>
+        <p:nvSpPr>
+          <p:cNvPr id="4" name="Slide Number Placeholder 3"/>
+          <p:cNvSpPr>
+            <a:spLocks noGrp="1"/>
+          </p:cNvSpPr>
+          <p:nvPr>
+            <p:ph type="sldNum" sz="quarter" idx="10"/>
+          </p:nvPr>
+        </p:nvSpPr>
+        <p:spPr/>
+        <p:txBody>
+          <a:bodyPr/>
+          <a:lstStyle/>
+          <a:p>
+            <a:pPr>
+              <a:defRPr/>
+            </a:pPr>
+            <a:fld id="{47C584BF-6945-4E60-B2A7-1638FF8EA8EE}" type="slidenum">
+              <a:rPr lang="en-US" smtClean="0"/>
+              <a:pPr>
+                <a:defRPr/>
+              </a:pPr>
+              <a:t>4</a:t>
+            </a:fld>
+            <a:endParaRPr lang="en-US"/>
+          </a:p>
+        </p:txBody>
+      </p:sp>
+    </p:spTree>
+    <p:extLst>
+      <p:ext uri="{BB962C8B-B14F-4D97-AF65-F5344CB8AC3E}">
+        <p14:creationId xmlns:p14="http://schemas.microsoft.com/office/powerpoint/2010/main" val="2818254712"/>
+      </p:ext>
+    </p:extLst>
+  </p:cSld>
+  <p:clrMapOvr>
+    <a:masterClrMapping/>
+  </p:clrMapOvr>
+</p:notes>
+</file>
+
+<file path=ppt/notesSlides/notesSlide5.xml><?xml version="1.0" encoding="utf-8"?>
+<p:notes xmlns:a="http://schemas.openxmlformats.org/drawingml/2006/main" xmlns:r="http://schemas.openxmlformats.org/officeDocument/2006/relationships" xmlns:p="http://schemas.openxmlformats.org/presentationml/2006/main">
+  <p:cSld>
+    <p:spTree>
+      <p:nvGrpSpPr>
+        <p:cNvPr id="1" name=""/>
+        <p:cNvGrpSpPr/>
+        <p:nvPr/>
+      </p:nvGrpSpPr>
+      <p:grpSpPr>
+        <a:xfrm>
+          <a:off x="0" y="0"/>
+          <a:ext cx="0" cy="0"/>
+          <a:chOff x="0" y="0"/>
+          <a:chExt cx="0" cy="0"/>
+        </a:xfrm>
+      </p:grpSpPr>
+      <p:sp>
+        <p:nvSpPr>
+          <p:cNvPr id="2" name="Slide Image Placeholder 1"/>
+          <p:cNvSpPr>
+            <a:spLocks noGrp="1" noRot="1" noChangeAspect="1"/>
+          </p:cNvSpPr>
+          <p:nvPr>
+            <p:ph type="sldImg"/>
+          </p:nvPr>
+        </p:nvSpPr>
+        <p:spPr/>
+      </p:sp>
+      <p:sp>
+        <p:nvSpPr>
+          <p:cNvPr id="3" name="Notes Placeholder 2"/>
+          <p:cNvSpPr>
+            <a:spLocks noGrp="1"/>
+          </p:cNvSpPr>
+          <p:nvPr>
+            <p:ph type="body" idx="1"/>
+          </p:nvPr>
+        </p:nvSpPr>
+        <p:spPr/>
+        <p:txBody>
+          <a:bodyPr/>
+          <a:lstStyle/>
+          <a:p>
+            <a:r>
+              <a:rPr lang="en-US" dirty="0" smtClean="0"/>
+              <a:t>[SHOW</a:t>
+            </a:r>
+            <a:r>
+              <a:rPr lang="en-US" baseline="0" dirty="0" smtClean="0"/>
+              <a:t> ANIMATION]</a:t>
+            </a:r>
+          </a:p>
+          <a:p>
+            <a:r>
+              <a:rPr lang="en-US" baseline="0" dirty="0" smtClean="0"/>
+              <a:t>Here is a View Model declaration, this is something you should be very familiar with.  We have a namespace declared along with a class</a:t>
+            </a:r>
+          </a:p>
+          <a:p>
+            <a:endParaRPr lang="en-US" baseline="0" dirty="0" smtClean="0"/>
+          </a:p>
+          <a:p>
+            <a:pPr marL="0" marR="0" indent="0" algn="l" defTabSz="914400" rtl="0" eaLnBrk="0" fontAlgn="base" latinLnBrk="0" hangingPunct="0">
+              <a:lnSpc>
+                <a:spcPct val="100000"/>
+              </a:lnSpc>
+              <a:spcBef>
+                <a:spcPct val="30000"/>
+              </a:spcBef>
+              <a:spcAft>
+                <a:spcPct val="0"/>
+              </a:spcAft>
+              <a:buClrTx/>
+              <a:buSzTx/>
+              <a:buFontTx/>
+              <a:buNone/>
+              <a:tabLst/>
+              <a:defRPr/>
+            </a:pPr>
+            <a:r>
+              <a:rPr lang="en-US" dirty="0" smtClean="0"/>
+              <a:t>[SHOW</a:t>
+            </a:r>
+            <a:r>
+              <a:rPr lang="en-US" baseline="0" dirty="0" smtClean="0"/>
+              <a:t> ANIMATION]</a:t>
+            </a:r>
+          </a:p>
+          <a:p>
+            <a:r>
+              <a:rPr lang="en-US" dirty="0" smtClean="0"/>
+              <a:t>You can see that</a:t>
+            </a:r>
+            <a:r>
+              <a:rPr lang="en-US" baseline="0" dirty="0" smtClean="0"/>
+              <a:t> this class inherits off a base view model, in our case a VM from the MVVM light framework.  What makes the fact that this view model inherits off a base VM special is the fact that what we are really trying do is have our </a:t>
+            </a:r>
+            <a:r>
+              <a:rPr lang="en-US" baseline="0" dirty="0" err="1" smtClean="0"/>
+              <a:t>Vm</a:t>
+            </a:r>
+            <a:r>
+              <a:rPr lang="en-US" baseline="0" dirty="0" smtClean="0"/>
+              <a:t> implement the </a:t>
+            </a:r>
+            <a:r>
+              <a:rPr lang="en-US" baseline="0" dirty="0" err="1" smtClean="0"/>
+              <a:t>INotifyPropertyCHanged</a:t>
+            </a:r>
+            <a:r>
+              <a:rPr lang="en-US" baseline="0" dirty="0" smtClean="0"/>
+              <a:t> interface.  The </a:t>
+            </a:r>
+            <a:r>
+              <a:rPr lang="en-US" baseline="0" dirty="0" err="1" smtClean="0"/>
+              <a:t>INotifyPropertyChanged</a:t>
+            </a:r>
+            <a:r>
+              <a:rPr lang="en-US" baseline="0" dirty="0" smtClean="0"/>
+              <a:t> interface is the mechanism in XAML which allows binding to work.</a:t>
+            </a:r>
+          </a:p>
+          <a:p>
+            <a:endParaRPr lang="en-US" baseline="0" dirty="0" smtClean="0"/>
+          </a:p>
+          <a:p>
+            <a:r>
+              <a:rPr lang="en-US" baseline="0" dirty="0" smtClean="0"/>
+              <a:t>How would we implement our View Model in the HTML world using typescript? </a:t>
+            </a:r>
+          </a:p>
+          <a:p>
+            <a:endParaRPr lang="en-US" baseline="0" dirty="0" smtClean="0"/>
+          </a:p>
+          <a:p>
+            <a:pPr marL="0" marR="0" indent="0" algn="l" defTabSz="914400" rtl="0" eaLnBrk="0" fontAlgn="base" latinLnBrk="0" hangingPunct="0">
+              <a:lnSpc>
+                <a:spcPct val="100000"/>
+              </a:lnSpc>
+              <a:spcBef>
+                <a:spcPct val="30000"/>
+              </a:spcBef>
+              <a:spcAft>
+                <a:spcPct val="0"/>
+              </a:spcAft>
+              <a:buClrTx/>
+              <a:buSzTx/>
+              <a:buFontTx/>
+              <a:buNone/>
+              <a:tabLst/>
+              <a:defRPr/>
+            </a:pPr>
+            <a:r>
+              <a:rPr lang="en-US" dirty="0" smtClean="0"/>
+              <a:t>[SHOW</a:t>
+            </a:r>
+            <a:r>
+              <a:rPr lang="en-US" baseline="0" dirty="0" smtClean="0"/>
+              <a:t> ANIMATION]</a:t>
+            </a:r>
+          </a:p>
+          <a:p>
+            <a:pPr marL="0" marR="0" indent="0" algn="l" defTabSz="914400" rtl="0" eaLnBrk="0" fontAlgn="base" latinLnBrk="0" hangingPunct="0">
+              <a:lnSpc>
+                <a:spcPct val="100000"/>
+              </a:lnSpc>
+              <a:spcBef>
+                <a:spcPct val="30000"/>
+              </a:spcBef>
+              <a:spcAft>
+                <a:spcPct val="0"/>
+              </a:spcAft>
+              <a:buClrTx/>
+              <a:buSzTx/>
+              <a:buFontTx/>
+              <a:buNone/>
+              <a:tabLst/>
+              <a:defRPr/>
+            </a:pPr>
+            <a:r>
+              <a:rPr lang="en-US" baseline="0" dirty="0" smtClean="0"/>
+              <a:t>If we look at our View Model declaration now, this should look similar to you, but with out one little detail. </a:t>
+            </a:r>
+          </a:p>
+          <a:p>
+            <a:pPr marL="0" marR="0" indent="0" algn="l" defTabSz="914400" rtl="0" eaLnBrk="0" fontAlgn="base" latinLnBrk="0" hangingPunct="0">
+              <a:lnSpc>
+                <a:spcPct val="100000"/>
+              </a:lnSpc>
+              <a:spcBef>
+                <a:spcPct val="30000"/>
+              </a:spcBef>
+              <a:spcAft>
+                <a:spcPct val="0"/>
+              </a:spcAft>
+              <a:buClrTx/>
+              <a:buSzTx/>
+              <a:buFontTx/>
+              <a:buNone/>
+              <a:tabLst/>
+              <a:defRPr/>
+            </a:pPr>
+            <a:endParaRPr lang="en-US" baseline="0" dirty="0" smtClean="0"/>
+          </a:p>
+          <a:p>
+            <a:pPr marL="0" marR="0" indent="0" algn="l" defTabSz="914400" rtl="0" eaLnBrk="0" fontAlgn="base" latinLnBrk="0" hangingPunct="0">
+              <a:lnSpc>
+                <a:spcPct val="100000"/>
+              </a:lnSpc>
+              <a:spcBef>
+                <a:spcPct val="30000"/>
+              </a:spcBef>
+              <a:spcAft>
+                <a:spcPct val="0"/>
+              </a:spcAft>
+              <a:buClrTx/>
+              <a:buSzTx/>
+              <a:buFontTx/>
+              <a:buNone/>
+              <a:tabLst/>
+              <a:defRPr/>
+            </a:pPr>
+            <a:r>
+              <a:rPr lang="en-US" baseline="0" dirty="0" smtClean="0"/>
+              <a:t>[SHOW ANIMATION]</a:t>
+            </a:r>
+          </a:p>
+          <a:p>
+            <a:pPr marL="0" marR="0" indent="0" algn="l" defTabSz="914400" rtl="0" eaLnBrk="0" fontAlgn="base" latinLnBrk="0" hangingPunct="0">
+              <a:lnSpc>
+                <a:spcPct val="100000"/>
+              </a:lnSpc>
+              <a:spcBef>
+                <a:spcPct val="30000"/>
+              </a:spcBef>
+              <a:spcAft>
+                <a:spcPct val="0"/>
+              </a:spcAft>
+              <a:buClrTx/>
+              <a:buSzTx/>
+              <a:buFontTx/>
+              <a:buNone/>
+              <a:tabLst/>
+              <a:defRPr/>
+            </a:pPr>
+            <a:r>
+              <a:rPr lang="en-US" baseline="0" dirty="0" smtClean="0"/>
+              <a:t>There is no need to implement </a:t>
+            </a:r>
+            <a:r>
+              <a:rPr lang="en-US" baseline="0" dirty="0" err="1" smtClean="0"/>
+              <a:t>INotifyPropertyChanged</a:t>
+            </a:r>
+            <a:r>
+              <a:rPr lang="en-US" baseline="0" dirty="0" smtClean="0"/>
+              <a:t>.  The reason we do not need to do anything special is because </a:t>
+            </a:r>
+            <a:r>
+              <a:rPr lang="en-US" baseline="0" dirty="0" err="1" smtClean="0"/>
+              <a:t>Knockoutjs</a:t>
+            </a:r>
+            <a:r>
+              <a:rPr lang="en-US" baseline="0" dirty="0" smtClean="0"/>
+              <a:t> is going to handle all this for us.  This removes the need for us to clutter up our classes and allows us to have cleaner code to work.</a:t>
+            </a:r>
+          </a:p>
+          <a:p>
+            <a:pPr marL="0" marR="0" indent="0" algn="l" defTabSz="914400" rtl="0" eaLnBrk="0" fontAlgn="base" latinLnBrk="0" hangingPunct="0">
+              <a:lnSpc>
+                <a:spcPct val="100000"/>
+              </a:lnSpc>
+              <a:spcBef>
+                <a:spcPct val="30000"/>
+              </a:spcBef>
+              <a:spcAft>
+                <a:spcPct val="0"/>
+              </a:spcAft>
+              <a:buClrTx/>
+              <a:buSzTx/>
+              <a:buFontTx/>
+              <a:buNone/>
+              <a:tabLst/>
+              <a:defRPr/>
+            </a:pPr>
+            <a:endParaRPr lang="en-US" baseline="0" dirty="0" smtClean="0"/>
+          </a:p>
+          <a:p>
+            <a:pPr marL="0" marR="0" indent="0" algn="l" defTabSz="914400" rtl="0" eaLnBrk="0" fontAlgn="base" latinLnBrk="0" hangingPunct="0">
+              <a:lnSpc>
+                <a:spcPct val="100000"/>
+              </a:lnSpc>
+              <a:spcBef>
+                <a:spcPct val="30000"/>
+              </a:spcBef>
+              <a:spcAft>
+                <a:spcPct val="0"/>
+              </a:spcAft>
+              <a:buClrTx/>
+              <a:buSzTx/>
+              <a:buFontTx/>
+              <a:buNone/>
+              <a:tabLst/>
+              <a:defRPr/>
+            </a:pPr>
+            <a:r>
+              <a:rPr lang="en-US" baseline="0" dirty="0" smtClean="0"/>
+              <a:t>As you can see, declaring a view model in </a:t>
+            </a:r>
+            <a:r>
+              <a:rPr lang="en-US" baseline="0" dirty="0" err="1" smtClean="0"/>
+              <a:t>xaml</a:t>
+            </a:r>
+            <a:r>
+              <a:rPr lang="en-US" baseline="0" dirty="0" smtClean="0"/>
+              <a:t> is pretty much identical to how you would declare on in Typescript</a:t>
+            </a:r>
+            <a:endParaRPr lang="en-US" dirty="0" smtClean="0"/>
+          </a:p>
+        </p:txBody>
+      </p:sp>
+      <p:sp>
+        <p:nvSpPr>
+          <p:cNvPr id="4" name="Slide Number Placeholder 3"/>
+          <p:cNvSpPr>
+            <a:spLocks noGrp="1"/>
+          </p:cNvSpPr>
+          <p:nvPr>
+            <p:ph type="sldNum" sz="quarter" idx="10"/>
+          </p:nvPr>
+        </p:nvSpPr>
+        <p:spPr/>
+        <p:txBody>
+          <a:bodyPr/>
+          <a:lstStyle/>
+          <a:p>
+            <a:pPr>
+              <a:defRPr/>
+            </a:pPr>
+            <a:fld id="{47C584BF-6945-4E60-B2A7-1638FF8EA8EE}" type="slidenum">
+              <a:rPr lang="en-US" smtClean="0"/>
+              <a:pPr>
+                <a:defRPr/>
+              </a:pPr>
+              <a:t>5</a:t>
+            </a:fld>
+            <a:endParaRPr lang="en-US"/>
+          </a:p>
+        </p:txBody>
+      </p:sp>
+    </p:spTree>
+    <p:extLst>
+      <p:ext uri="{BB962C8B-B14F-4D97-AF65-F5344CB8AC3E}">
+        <p14:creationId xmlns:p14="http://schemas.microsoft.com/office/powerpoint/2010/main" val="3036987879"/>
+      </p:ext>
+    </p:extLst>
+  </p:cSld>
+  <p:clrMapOvr>
+    <a:masterClrMapping/>
+  </p:clrMapOvr>
+</p:notes>
+</file>
+
+<file path=ppt/notesSlides/notesSlide6.xml><?xml version="1.0" encoding="utf-8"?>
+<p:notes xmlns:a="http://schemas.openxmlformats.org/drawingml/2006/main" xmlns:r="http://schemas.openxmlformats.org/officeDocument/2006/relationships" xmlns:p="http://schemas.openxmlformats.org/presentationml/2006/main">
+  <p:cSld>
+    <p:spTree>
+      <p:nvGrpSpPr>
+        <p:cNvPr id="1" name=""/>
+        <p:cNvGrpSpPr/>
+        <p:nvPr/>
+      </p:nvGrpSpPr>
+      <p:grpSpPr>
+        <a:xfrm>
+          <a:off x="0" y="0"/>
+          <a:ext cx="0" cy="0"/>
+          <a:chOff x="0" y="0"/>
+          <a:chExt cx="0" cy="0"/>
+        </a:xfrm>
+      </p:grpSpPr>
+      <p:sp>
+        <p:nvSpPr>
+          <p:cNvPr id="2" name="Slide Image Placeholder 1"/>
+          <p:cNvSpPr>
+            <a:spLocks noGrp="1" noRot="1" noChangeAspect="1"/>
+          </p:cNvSpPr>
+          <p:nvPr>
+            <p:ph type="sldImg"/>
+          </p:nvPr>
+        </p:nvSpPr>
+        <p:spPr/>
+      </p:sp>
+      <p:sp>
+        <p:nvSpPr>
+          <p:cNvPr id="3" name="Notes Placeholder 2"/>
+          <p:cNvSpPr>
+            <a:spLocks noGrp="1"/>
+          </p:cNvSpPr>
+          <p:nvPr>
+            <p:ph type="body" idx="1"/>
+          </p:nvPr>
+        </p:nvSpPr>
+        <p:spPr/>
+        <p:txBody>
+          <a:bodyPr/>
+          <a:lstStyle/>
+          <a:p>
+            <a:r>
+              <a:rPr lang="en-US" dirty="0" smtClean="0"/>
+              <a:t>We</a:t>
+            </a:r>
+            <a:r>
+              <a:rPr lang="en-US" baseline="0" dirty="0" smtClean="0"/>
+              <a:t> have created our View Model, but what good is a View model if we do not have any properties or method in it.</a:t>
+            </a:r>
+          </a:p>
+          <a:p>
+            <a:endParaRPr lang="en-US" baseline="0" dirty="0" smtClean="0"/>
+          </a:p>
+          <a:p>
+            <a:r>
+              <a:rPr lang="en-US" dirty="0" smtClean="0"/>
+              <a:t>[SHOW</a:t>
+            </a:r>
+            <a:r>
+              <a:rPr lang="en-US" baseline="0" dirty="0" smtClean="0"/>
+              <a:t> ANIMATION]</a:t>
+            </a:r>
+          </a:p>
+          <a:p>
+            <a:r>
+              <a:rPr lang="en-US" baseline="0" dirty="0" smtClean="0"/>
+              <a:t>In Silverlight if you were to create a property and make it observable you would have something as you see now.</a:t>
+            </a:r>
+          </a:p>
+          <a:p>
+            <a:endParaRPr lang="en-US" baseline="0" dirty="0" smtClean="0"/>
+          </a:p>
+          <a:p>
+            <a:r>
+              <a:rPr lang="en-US" baseline="0" dirty="0" smtClean="0"/>
+              <a:t>[Show animation]</a:t>
+            </a:r>
+          </a:p>
+          <a:p>
+            <a:r>
+              <a:rPr lang="en-US" baseline="0" dirty="0" smtClean="0"/>
+              <a:t>We would have a property backing field which is an observable collection.  This means we are not able to use an auto property in our VM which really is a shame.</a:t>
+            </a:r>
+          </a:p>
+          <a:p>
+            <a:endParaRPr lang="en-US" baseline="0" dirty="0" smtClean="0"/>
+          </a:p>
+          <a:p>
+            <a:r>
+              <a:rPr lang="en-US" baseline="0" dirty="0" smtClean="0"/>
+              <a:t>[show animation]</a:t>
+            </a:r>
+          </a:p>
+          <a:p>
+            <a:r>
+              <a:rPr lang="en-US" baseline="0" dirty="0" smtClean="0"/>
+              <a:t>The setter of our </a:t>
+            </a:r>
+            <a:r>
+              <a:rPr lang="en-US" baseline="0" dirty="0" err="1" smtClean="0"/>
+              <a:t>preoprty</a:t>
+            </a:r>
+            <a:r>
+              <a:rPr lang="en-US" baseline="0" dirty="0" smtClean="0"/>
+              <a:t> would also need to some how raise a notification changed event to signal to the UI that something has changed.  This is done here via the </a:t>
+            </a:r>
+            <a:r>
+              <a:rPr lang="en-US" baseline="0" dirty="0" err="1" smtClean="0"/>
+              <a:t>RaisePropertyChanged</a:t>
+            </a:r>
+            <a:r>
+              <a:rPr lang="en-US" baseline="0" dirty="0" smtClean="0"/>
+              <a:t> method which is a helper method that is part of MVVM light.</a:t>
+            </a:r>
+          </a:p>
+          <a:p>
+            <a:endParaRPr lang="en-US" baseline="0" dirty="0" smtClean="0"/>
+          </a:p>
+          <a:p>
+            <a:pPr marL="0" marR="0" indent="0" algn="l" defTabSz="914400" rtl="0" eaLnBrk="0" fontAlgn="base" latinLnBrk="0" hangingPunct="0">
+              <a:lnSpc>
+                <a:spcPct val="100000"/>
+              </a:lnSpc>
+              <a:spcBef>
+                <a:spcPct val="30000"/>
+              </a:spcBef>
+              <a:spcAft>
+                <a:spcPct val="0"/>
+              </a:spcAft>
+              <a:buClrTx/>
+              <a:buSzTx/>
+              <a:buFontTx/>
+              <a:buNone/>
+              <a:tabLst/>
+              <a:defRPr/>
+            </a:pPr>
+            <a:r>
+              <a:rPr lang="en-US" baseline="0" dirty="0" smtClean="0"/>
+              <a:t>How would we implement our Property in the HTML world using Knockout </a:t>
+            </a:r>
+            <a:r>
+              <a:rPr lang="en-US" baseline="0" dirty="0" err="1" smtClean="0"/>
+              <a:t>js</a:t>
+            </a:r>
+            <a:r>
+              <a:rPr lang="en-US" baseline="0" dirty="0" smtClean="0"/>
+              <a:t>?</a:t>
+            </a:r>
+          </a:p>
+          <a:p>
+            <a:pPr marL="0" marR="0" indent="0" algn="l" defTabSz="914400" rtl="0" eaLnBrk="0" fontAlgn="base" latinLnBrk="0" hangingPunct="0">
+              <a:lnSpc>
+                <a:spcPct val="100000"/>
+              </a:lnSpc>
+              <a:spcBef>
+                <a:spcPct val="30000"/>
+              </a:spcBef>
+              <a:spcAft>
+                <a:spcPct val="0"/>
+              </a:spcAft>
+              <a:buClrTx/>
+              <a:buSzTx/>
+              <a:buFontTx/>
+              <a:buNone/>
+              <a:tabLst/>
+              <a:defRPr/>
+            </a:pPr>
+            <a:endParaRPr lang="en-US" baseline="0" dirty="0" smtClean="0"/>
+          </a:p>
+          <a:p>
+            <a:pPr marL="0" marR="0" indent="0" algn="l" defTabSz="914400" rtl="0" eaLnBrk="0" fontAlgn="base" latinLnBrk="0" hangingPunct="0">
+              <a:lnSpc>
+                <a:spcPct val="100000"/>
+              </a:lnSpc>
+              <a:spcBef>
+                <a:spcPct val="30000"/>
+              </a:spcBef>
+              <a:spcAft>
+                <a:spcPct val="0"/>
+              </a:spcAft>
+              <a:buClrTx/>
+              <a:buSzTx/>
+              <a:buFontTx/>
+              <a:buNone/>
+              <a:tabLst/>
+              <a:defRPr/>
+            </a:pPr>
+            <a:r>
+              <a:rPr lang="en-US" baseline="0" dirty="0" smtClean="0"/>
+              <a:t>[show animation]</a:t>
+            </a:r>
+          </a:p>
+          <a:p>
+            <a:r>
+              <a:rPr lang="en-US" baseline="0" dirty="0" smtClean="0"/>
+              <a:t>In the Typescript/knockout world we would still have to declare our property</a:t>
+            </a:r>
+          </a:p>
+          <a:p>
+            <a:endParaRPr lang="en-US" baseline="0" dirty="0" smtClean="0"/>
+          </a:p>
+          <a:p>
+            <a:r>
+              <a:rPr lang="en-US" baseline="0" dirty="0" smtClean="0"/>
+              <a:t>[show animation]</a:t>
+            </a:r>
+          </a:p>
+          <a:p>
+            <a:r>
+              <a:rPr lang="en-US" baseline="0" dirty="0" smtClean="0"/>
+              <a:t>And this property would have to be an observable.</a:t>
+            </a:r>
+          </a:p>
+          <a:p>
+            <a:endParaRPr lang="en-US" baseline="0" dirty="0" smtClean="0"/>
+          </a:p>
+          <a:p>
+            <a:r>
+              <a:rPr lang="en-US" baseline="0" dirty="0" smtClean="0"/>
+              <a:t>[show animation]</a:t>
+            </a:r>
+          </a:p>
+          <a:p>
+            <a:r>
+              <a:rPr lang="en-US" baseline="0" dirty="0" smtClean="0"/>
+              <a:t>However, unlike in XAML there is NO need to have a backing field OR to manually have to signal that our property has changed, all of this is taken care of for you via knockout.</a:t>
+            </a:r>
+          </a:p>
+          <a:p>
+            <a:endParaRPr lang="en-US" baseline="0" dirty="0" smtClean="0"/>
+          </a:p>
+          <a:p>
+            <a:r>
+              <a:rPr lang="en-US" baseline="0" dirty="0" smtClean="0"/>
+              <a:t>As you can see the implementation of a property is a bit different between XAML and Typescript w/ knockout.  But different in a good way if you ask me.  I have never liked the fact that I have to go through the ceremony of raising changed events and with </a:t>
+            </a:r>
+            <a:r>
+              <a:rPr lang="en-US" baseline="0" smtClean="0"/>
+              <a:t>knockout I do not need to</a:t>
+            </a:r>
+            <a:endParaRPr lang="en-US" baseline="0" dirty="0" smtClean="0"/>
+          </a:p>
+          <a:p>
+            <a:endParaRPr lang="en-US" baseline="0" dirty="0" smtClean="0"/>
+          </a:p>
+          <a:p>
+            <a:endParaRPr lang="en-US" dirty="0"/>
+          </a:p>
+        </p:txBody>
+      </p:sp>
+      <p:sp>
+        <p:nvSpPr>
+          <p:cNvPr id="4" name="Slide Number Placeholder 3"/>
+          <p:cNvSpPr>
+            <a:spLocks noGrp="1"/>
+          </p:cNvSpPr>
+          <p:nvPr>
+            <p:ph type="sldNum" sz="quarter" idx="10"/>
+          </p:nvPr>
+        </p:nvSpPr>
+        <p:spPr/>
+        <p:txBody>
+          <a:bodyPr/>
+          <a:lstStyle/>
+          <a:p>
+            <a:pPr>
+              <a:defRPr/>
+            </a:pPr>
+            <a:fld id="{47C584BF-6945-4E60-B2A7-1638FF8EA8EE}" type="slidenum">
+              <a:rPr lang="en-US" smtClean="0"/>
+              <a:pPr>
+                <a:defRPr/>
+              </a:pPr>
+              <a:t>6</a:t>
+            </a:fld>
+            <a:endParaRPr lang="en-US"/>
+          </a:p>
+        </p:txBody>
+      </p:sp>
+    </p:spTree>
+    <p:extLst>
+      <p:ext uri="{BB962C8B-B14F-4D97-AF65-F5344CB8AC3E}">
+        <p14:creationId xmlns:p14="http://schemas.microsoft.com/office/powerpoint/2010/main" val="3099554342"/>
+      </p:ext>
+    </p:extLst>
+  </p:cSld>
+  <p:clrMapOvr>
+    <a:masterClrMapping/>
+  </p:clrMapOvr>
+</p:notes>
+</file>
+
+<file path=ppt/notesSlides/notesSlide7.xml><?xml version="1.0" encoding="utf-8"?>
+<p:notes xmlns:a="http://schemas.openxmlformats.org/drawingml/2006/main" xmlns:r="http://schemas.openxmlformats.org/officeDocument/2006/relationships" xmlns:p="http://schemas.openxmlformats.org/presentationml/2006/main">
+  <p:cSld>
+    <p:spTree>
+      <p:nvGrpSpPr>
+        <p:cNvPr id="1" name=""/>
+        <p:cNvGrpSpPr/>
+        <p:nvPr/>
+      </p:nvGrpSpPr>
+      <p:grpSpPr>
+        <a:xfrm>
+          <a:off x="0" y="0"/>
+          <a:ext cx="0" cy="0"/>
+          <a:chOff x="0" y="0"/>
+          <a:chExt cx="0" cy="0"/>
+        </a:xfrm>
+      </p:grpSpPr>
+      <p:sp>
+        <p:nvSpPr>
+          <p:cNvPr id="2" name="Slide Image Placeholder 1"/>
+          <p:cNvSpPr>
+            <a:spLocks noGrp="1" noRot="1" noChangeAspect="1"/>
+          </p:cNvSpPr>
+          <p:nvPr>
+            <p:ph type="sldImg"/>
+          </p:nvPr>
+        </p:nvSpPr>
+        <p:spPr/>
+      </p:sp>
+      <p:sp>
+        <p:nvSpPr>
+          <p:cNvPr id="3" name="Notes Placeholder 2"/>
+          <p:cNvSpPr>
+            <a:spLocks noGrp="1"/>
+          </p:cNvSpPr>
+          <p:nvPr>
+            <p:ph type="body" idx="1"/>
+          </p:nvPr>
+        </p:nvSpPr>
+        <p:spPr/>
+        <p:txBody>
+          <a:bodyPr/>
+          <a:lstStyle/>
+          <a:p>
+            <a:endParaRPr lang="en-US" dirty="0"/>
+          </a:p>
+        </p:txBody>
+      </p:sp>
+      <p:sp>
+        <p:nvSpPr>
+          <p:cNvPr id="4" name="Slide Number Placeholder 3"/>
+          <p:cNvSpPr>
+            <a:spLocks noGrp="1"/>
+          </p:cNvSpPr>
+          <p:nvPr>
+            <p:ph type="sldNum" sz="quarter" idx="10"/>
+          </p:nvPr>
+        </p:nvSpPr>
+        <p:spPr/>
+        <p:txBody>
+          <a:bodyPr/>
+          <a:lstStyle/>
+          <a:p>
+            <a:pPr>
+              <a:defRPr/>
+            </a:pPr>
+            <a:fld id="{47C584BF-6945-4E60-B2A7-1638FF8EA8EE}" type="slidenum">
+              <a:rPr lang="en-US" smtClean="0"/>
+              <a:pPr>
+                <a:defRPr/>
+              </a:pPr>
+              <a:t>7</a:t>
+            </a:fld>
+            <a:endParaRPr lang="en-US"/>
+          </a:p>
+        </p:txBody>
+      </p:sp>
+    </p:spTree>
+    <p:extLst>
+      <p:ext uri="{BB962C8B-B14F-4D97-AF65-F5344CB8AC3E}">
+        <p14:creationId xmlns:p14="http://schemas.microsoft.com/office/powerpoint/2010/main" val="3986740516"/>
+      </p:ext>
+    </p:extLst>
+  </p:cSld>
+  <p:clrMapOvr>
+    <a:masterClrMapping/>
+  </p:clrMapOvr>
+</p:notes>
+</file>
+
+<file path=ppt/notesSlides/notesSlide8.xml><?xml version="1.0" encoding="utf-8"?>
+<p:notes xmlns:a="http://schemas.openxmlformats.org/drawingml/2006/main" xmlns:r="http://schemas.openxmlformats.org/officeDocument/2006/relationships" xmlns:p="http://schemas.openxmlformats.org/presentationml/2006/main">
+  <p:cSld>
+    <p:spTree>
+      <p:nvGrpSpPr>
+        <p:cNvPr id="1" name=""/>
+        <p:cNvGrpSpPr/>
+        <p:nvPr/>
+      </p:nvGrpSpPr>
+      <p:grpSpPr>
+        <a:xfrm>
+          <a:off x="0" y="0"/>
+          <a:ext cx="0" cy="0"/>
+          <a:chOff x="0" y="0"/>
+          <a:chExt cx="0" cy="0"/>
+        </a:xfrm>
+      </p:grpSpPr>
+      <p:sp>
+        <p:nvSpPr>
+          <p:cNvPr id="2" name="Slide Image Placeholder 1"/>
+          <p:cNvSpPr>
+            <a:spLocks noGrp="1" noRot="1" noChangeAspect="1"/>
+          </p:cNvSpPr>
+          <p:nvPr>
+            <p:ph type="sldImg"/>
+          </p:nvPr>
+        </p:nvSpPr>
+        <p:spPr/>
+      </p:sp>
+      <p:sp>
+        <p:nvSpPr>
+          <p:cNvPr id="3" name="Notes Placeholder 2"/>
+          <p:cNvSpPr>
+            <a:spLocks noGrp="1"/>
+          </p:cNvSpPr>
+          <p:nvPr>
+            <p:ph type="body" idx="1"/>
+          </p:nvPr>
+        </p:nvSpPr>
+        <p:spPr/>
+        <p:txBody>
+          <a:bodyPr/>
+          <a:lstStyle/>
+          <a:p>
+            <a:endParaRPr lang="en-US" dirty="0"/>
+          </a:p>
+        </p:txBody>
+      </p:sp>
+      <p:sp>
+        <p:nvSpPr>
+          <p:cNvPr id="4" name="Slide Number Placeholder 3"/>
+          <p:cNvSpPr>
+            <a:spLocks noGrp="1"/>
+          </p:cNvSpPr>
+          <p:nvPr>
+            <p:ph type="sldNum" sz="quarter" idx="10"/>
+          </p:nvPr>
+        </p:nvSpPr>
+        <p:spPr/>
+        <p:txBody>
+          <a:bodyPr/>
+          <a:lstStyle/>
+          <a:p>
+            <a:pPr>
+              <a:defRPr/>
+            </a:pPr>
+            <a:fld id="{47C584BF-6945-4E60-B2A7-1638FF8EA8EE}" type="slidenum">
+              <a:rPr lang="en-US" smtClean="0"/>
+              <a:pPr>
+                <a:defRPr/>
+              </a:pPr>
+              <a:t>8</a:t>
+            </a:fld>
+            <a:endParaRPr lang="en-US"/>
+          </a:p>
+        </p:txBody>
+      </p:sp>
+    </p:spTree>
+    <p:extLst>
+      <p:ext uri="{BB962C8B-B14F-4D97-AF65-F5344CB8AC3E}">
+        <p14:creationId xmlns:p14="http://schemas.microsoft.com/office/powerpoint/2010/main" val="2154171175"/>
+      </p:ext>
+    </p:extLst>
+  </p:cSld>
+  <p:clrMapOvr>
+    <a:masterClrMapping/>
+  </p:clrMapOvr>
+</p:notes>
+</file>
+
+<file path=ppt/notesSlides/notesSlide9.xml><?xml version="1.0" encoding="utf-8"?>
+<p:notes xmlns:a="http://schemas.openxmlformats.org/drawingml/2006/main" xmlns:r="http://schemas.openxmlformats.org/officeDocument/2006/relationships" xmlns:p="http://schemas.openxmlformats.org/presentationml/2006/main">
+  <p:cSld>
+    <p:spTree>
+      <p:nvGrpSpPr>
+        <p:cNvPr id="1" name=""/>
+        <p:cNvGrpSpPr/>
+        <p:nvPr/>
+      </p:nvGrpSpPr>
+      <p:grpSpPr>
+        <a:xfrm>
+          <a:off x="0" y="0"/>
+          <a:ext cx="0" cy="0"/>
+          <a:chOff x="0" y="0"/>
+          <a:chExt cx="0" cy="0"/>
+        </a:xfrm>
+      </p:grpSpPr>
+      <p:sp>
+        <p:nvSpPr>
+          <p:cNvPr id="2" name="Slide Image Placeholder 1"/>
+          <p:cNvSpPr>
+            <a:spLocks noGrp="1" noRot="1" noChangeAspect="1"/>
+          </p:cNvSpPr>
+          <p:nvPr>
+            <p:ph type="sldImg"/>
+          </p:nvPr>
+        </p:nvSpPr>
+        <p:spPr/>
+      </p:sp>
+      <p:sp>
+        <p:nvSpPr>
+          <p:cNvPr id="3" name="Notes Placeholder 2"/>
+          <p:cNvSpPr>
+            <a:spLocks noGrp="1"/>
+          </p:cNvSpPr>
+          <p:nvPr>
+            <p:ph type="body" idx="1"/>
+          </p:nvPr>
+        </p:nvSpPr>
+        <p:spPr/>
+        <p:txBody>
+          <a:bodyPr/>
+          <a:lstStyle/>
+          <a:p>
+            <a:endParaRPr lang="en-US" dirty="0"/>
+          </a:p>
+        </p:txBody>
+      </p:sp>
+      <p:sp>
+        <p:nvSpPr>
+          <p:cNvPr id="4" name="Slide Number Placeholder 3"/>
+          <p:cNvSpPr>
+            <a:spLocks noGrp="1"/>
+          </p:cNvSpPr>
+          <p:nvPr>
+            <p:ph type="sldNum" sz="quarter" idx="10"/>
+          </p:nvPr>
+        </p:nvSpPr>
+        <p:spPr/>
+        <p:txBody>
+          <a:bodyPr/>
+          <a:lstStyle/>
+          <a:p>
+            <a:pPr>
+              <a:defRPr/>
+            </a:pPr>
+            <a:fld id="{47C584BF-6945-4E60-B2A7-1638FF8EA8EE}" type="slidenum">
+              <a:rPr lang="en-US" smtClean="0">
+                <a:solidFill>
+                  <a:srgbClr val="000000"/>
+                </a:solidFill>
+              </a:rPr>
+              <a:pPr>
+                <a:defRPr/>
+              </a:pPr>
+              <a:t>9</a:t>
+            </a:fld>
+            <a:endParaRPr lang="en-US">
+              <a:solidFill>
+                <a:srgbClr val="000000"/>
+              </a:solidFill>
+            </a:endParaRPr>
+          </a:p>
+        </p:txBody>
+      </p:sp>
+    </p:spTree>
+    <p:extLst>
+      <p:ext uri="{BB962C8B-B14F-4D97-AF65-F5344CB8AC3E}">
+        <p14:creationId xmlns:p14="http://schemas.microsoft.com/office/powerpoint/2010/main" val="516962397"/>
       </p:ext>
     </p:extLst>
   </p:cSld>
@@ -3066,6 +4976,2975 @@
 </p:sld>
 </file>
 
+<file path=ppt/slides/slide10.xml><?xml version="1.0" encoding="utf-8"?>
+<p:sld xmlns:a="http://schemas.openxmlformats.org/drawingml/2006/main" xmlns:r="http://schemas.openxmlformats.org/officeDocument/2006/relationships" xmlns:p="http://schemas.openxmlformats.org/presentationml/2006/main">
+  <p:cSld>
+    <p:spTree>
+      <p:nvGrpSpPr>
+        <p:cNvPr id="1" name=""/>
+        <p:cNvGrpSpPr/>
+        <p:nvPr/>
+      </p:nvGrpSpPr>
+      <p:grpSpPr>
+        <a:xfrm>
+          <a:off x="0" y="0"/>
+          <a:ext cx="0" cy="0"/>
+          <a:chOff x="0" y="0"/>
+          <a:chExt cx="0" cy="0"/>
+        </a:xfrm>
+      </p:grpSpPr>
+      <p:sp>
+        <p:nvSpPr>
+          <p:cNvPr id="2" name="Title 1"/>
+          <p:cNvSpPr>
+            <a:spLocks noGrp="1"/>
+          </p:cNvSpPr>
+          <p:nvPr>
+            <p:ph type="title"/>
+          </p:nvPr>
+        </p:nvSpPr>
+        <p:spPr/>
+        <p:txBody>
+          <a:bodyPr/>
+          <a:lstStyle/>
+          <a:p>
+            <a:r>
+              <a:rPr lang="en-US" dirty="0" smtClean="0"/>
+              <a:t>Implementing our </a:t>
+            </a:r>
+            <a:r>
+              <a:rPr lang="en-US" dirty="0" smtClean="0"/>
+              <a:t>View</a:t>
+            </a:r>
+            <a:r>
+              <a:rPr lang="en-US" dirty="0" smtClean="0"/>
+              <a:t>		</a:t>
+            </a:r>
+            <a:endParaRPr lang="en-GB" dirty="0"/>
+          </a:p>
+        </p:txBody>
+      </p:sp>
+      <p:sp>
+        <p:nvSpPr>
+          <p:cNvPr id="3" name="Text Placeholder 2"/>
+          <p:cNvSpPr>
+            <a:spLocks noGrp="1"/>
+          </p:cNvSpPr>
+          <p:nvPr>
+            <p:ph type="body" idx="1"/>
+          </p:nvPr>
+        </p:nvSpPr>
+        <p:spPr/>
+        <p:txBody>
+          <a:bodyPr/>
+          <a:lstStyle/>
+          <a:p>
+            <a:endParaRPr lang="en-GB" dirty="0"/>
+          </a:p>
+        </p:txBody>
+      </p:sp>
+    </p:spTree>
+    <p:extLst>
+      <p:ext uri="{BB962C8B-B14F-4D97-AF65-F5344CB8AC3E}">
+        <p14:creationId xmlns:p14="http://schemas.microsoft.com/office/powerpoint/2010/main" val="3822145966"/>
+      </p:ext>
+    </p:extLst>
+  </p:cSld>
+  <p:clrMapOvr>
+    <a:masterClrMapping/>
+  </p:clrMapOvr>
+  <p:transition>
+    <p:fade/>
+  </p:transition>
+  <p:timing>
+    <p:tnLst>
+      <p:par>
+        <p:cTn id="1" dur="indefinite" restart="never" nodeType="tmRoot">
+          <p:childTnLst>
+            <p:seq concurrent="1" nextAc="seek">
+              <p:cTn id="2" dur="indefinite" nodeType="mainSeq">
+                <p:childTnLst>
+                  <p:par>
+                    <p:cTn id="3" fill="hold">
+                      <p:stCondLst>
+                        <p:cond delay="indefinite"/>
+                      </p:stCondLst>
+                      <p:childTnLst>
+                        <p:par>
+                          <p:cTn id="4" fill="hold">
+                            <p:stCondLst>
+                              <p:cond delay="0"/>
+                            </p:stCondLst>
+                            <p:childTnLst>
+                              <p:par>
+                                <p:cTn id="5" presetID="10" presetClass="entr" presetSubtype="0" fill="hold" grpId="0" nodeType="clickEffect" nodePh="1">
+                                  <p:stCondLst>
+                                    <p:cond delay="0"/>
+                                  </p:stCondLst>
+                                  <p:endCondLst>
+                                    <p:cond evt="begin" delay="0">
+                                      <p:tn val="5"/>
+                                    </p:cond>
+                                  </p:endCondLst>
+                                  <p:childTnLst>
+                                    <p:set>
+                                      <p:cBhvr>
+                                        <p:cTn id="6" dur="1" fill="hold">
+                                          <p:stCondLst>
+                                            <p:cond delay="0"/>
+                                          </p:stCondLst>
+                                        </p:cTn>
+                                        <p:tgtEl>
+                                          <p:spTgt spid="3">
+                                            <p:txEl>
+                                              <p:pRg st="0" end="0"/>
+                                            </p:txEl>
+                                          </p:spTgt>
+                                        </p:tgtEl>
+                                        <p:attrNameLst>
+                                          <p:attrName>style.visibility</p:attrName>
+                                        </p:attrNameLst>
+                                      </p:cBhvr>
+                                      <p:to>
+                                        <p:strVal val="visible"/>
+                                      </p:to>
+                                    </p:set>
+                                    <p:animEffect transition="in" filter="fade">
+                                      <p:cBhvr>
+                                        <p:cTn id="7" dur="500"/>
+                                        <p:tgtEl>
+                                          <p:spTgt spid="3">
+                                            <p:txEl>
+                                              <p:pRg st="0" end="0"/>
+                                            </p:txEl>
+                                          </p:spTgt>
+                                        </p:tgtEl>
+                                      </p:cBhvr>
+                                    </p:animEffect>
+                                  </p:childTnLst>
+                                </p:cTn>
+                              </p:par>
+                            </p:childTnLst>
+                          </p:cTn>
+                        </p:par>
+                      </p:childTnLst>
+                    </p:cTn>
+                  </p:par>
+                </p:childTnLst>
+              </p:cTn>
+              <p:prevCondLst>
+                <p:cond evt="onPrev" delay="0">
+                  <p:tgtEl>
+                    <p:sldTgt/>
+                  </p:tgtEl>
+                </p:cond>
+              </p:prevCondLst>
+              <p:nextCondLst>
+                <p:cond evt="onNext" delay="0">
+                  <p:tgtEl>
+                    <p:sldTgt/>
+                  </p:tgtEl>
+                </p:cond>
+              </p:nextCondLst>
+            </p:seq>
+          </p:childTnLst>
+        </p:cTn>
+      </p:par>
+    </p:tnLst>
+    <p:bldLst>
+      <p:bldP spid="3" grpId="0" build="p"/>
+    </p:bldLst>
+  </p:timing>
+</p:sld>
+</file>
+
+<file path=ppt/slides/slide11.xml><?xml version="1.0" encoding="utf-8"?>
+<p:sld xmlns:a="http://schemas.openxmlformats.org/drawingml/2006/main" xmlns:r="http://schemas.openxmlformats.org/officeDocument/2006/relationships" xmlns:p="http://schemas.openxmlformats.org/presentationml/2006/main" show="0">
+  <p:cSld>
+    <p:bg>
+      <p:bgPr>
+        <a:solidFill>
+          <a:schemeClr val="accent2"/>
+        </a:solidFill>
+        <a:effectLst/>
+      </p:bgPr>
+    </p:bg>
+    <p:spTree>
+      <p:nvGrpSpPr>
+        <p:cNvPr id="1" name=""/>
+        <p:cNvGrpSpPr/>
+        <p:nvPr/>
+      </p:nvGrpSpPr>
+      <p:grpSpPr>
+        <a:xfrm>
+          <a:off x="0" y="0"/>
+          <a:ext cx="0" cy="0"/>
+          <a:chOff x="0" y="0"/>
+          <a:chExt cx="0" cy="0"/>
+        </a:xfrm>
+      </p:grpSpPr>
+      <p:sp>
+        <p:nvSpPr>
+          <p:cNvPr id="2" name="Title 1"/>
+          <p:cNvSpPr>
+            <a:spLocks noGrp="1"/>
+          </p:cNvSpPr>
+          <p:nvPr>
+            <p:ph type="title"/>
+          </p:nvPr>
+        </p:nvSpPr>
+        <p:spPr/>
+        <p:txBody>
+          <a:bodyPr/>
+          <a:lstStyle/>
+          <a:p>
+            <a:r>
+              <a:rPr lang="en-US" dirty="0" smtClean="0"/>
+              <a:t>END OF Overview Slides		</a:t>
+            </a:r>
+            <a:endParaRPr lang="en-GB" dirty="0"/>
+          </a:p>
+        </p:txBody>
+      </p:sp>
+      <p:sp>
+        <p:nvSpPr>
+          <p:cNvPr id="3" name="Text Placeholder 2"/>
+          <p:cNvSpPr>
+            <a:spLocks noGrp="1"/>
+          </p:cNvSpPr>
+          <p:nvPr>
+            <p:ph type="body" idx="1"/>
+          </p:nvPr>
+        </p:nvSpPr>
+        <p:spPr/>
+        <p:txBody>
+          <a:bodyPr/>
+          <a:lstStyle/>
+          <a:p>
+            <a:pPr marL="0" indent="0">
+              <a:buNone/>
+            </a:pPr>
+            <a:r>
+              <a:rPr lang="en-GB" dirty="0" smtClean="0"/>
+              <a:t>	</a:t>
+            </a:r>
+            <a:endParaRPr lang="en-GB" dirty="0"/>
+          </a:p>
+        </p:txBody>
+      </p:sp>
+    </p:spTree>
+    <p:extLst>
+      <p:ext uri="{BB962C8B-B14F-4D97-AF65-F5344CB8AC3E}">
+        <p14:creationId xmlns:p14="http://schemas.microsoft.com/office/powerpoint/2010/main" val="4028874041"/>
+      </p:ext>
+    </p:extLst>
+  </p:cSld>
+  <p:clrMapOvr>
+    <a:masterClrMapping/>
+  </p:clrMapOvr>
+  <p:transition>
+    <p:fade/>
+  </p:transition>
+  <p:timing>
+    <p:tnLst>
+      <p:par>
+        <p:cTn id="1" dur="indefinite" restart="never" nodeType="tmRoot"/>
+      </p:par>
+    </p:tnLst>
+  </p:timing>
+</p:sld>
+</file>
+
+<file path=ppt/slides/slide12.xml><?xml version="1.0" encoding="utf-8"?>
+<p:sld xmlns:a="http://schemas.openxmlformats.org/drawingml/2006/main" xmlns:r="http://schemas.openxmlformats.org/officeDocument/2006/relationships" xmlns:p="http://schemas.openxmlformats.org/presentationml/2006/main">
+  <p:cSld>
+    <p:spTree>
+      <p:nvGrpSpPr>
+        <p:cNvPr id="1" name=""/>
+        <p:cNvGrpSpPr/>
+        <p:nvPr/>
+      </p:nvGrpSpPr>
+      <p:grpSpPr>
+        <a:xfrm>
+          <a:off x="0" y="0"/>
+          <a:ext cx="0" cy="0"/>
+          <a:chOff x="0" y="0"/>
+          <a:chExt cx="0" cy="0"/>
+        </a:xfrm>
+      </p:grpSpPr>
+      <p:sp>
+        <p:nvSpPr>
+          <p:cNvPr id="2" name="Title 1"/>
+          <p:cNvSpPr>
+            <a:spLocks noGrp="1"/>
+          </p:cNvSpPr>
+          <p:nvPr>
+            <p:ph type="title"/>
+          </p:nvPr>
+        </p:nvSpPr>
+        <p:spPr/>
+        <p:txBody>
+          <a:bodyPr/>
+          <a:lstStyle/>
+          <a:p>
+            <a:r>
+              <a:rPr lang="en-US" dirty="0" smtClean="0"/>
+              <a:t>Fetching Remote Data</a:t>
+            </a:r>
+            <a:r>
+              <a:rPr lang="en-US" dirty="0" smtClean="0"/>
+              <a:t>		</a:t>
+            </a:r>
+            <a:endParaRPr lang="en-GB" dirty="0"/>
+          </a:p>
+        </p:txBody>
+      </p:sp>
+      <p:sp>
+        <p:nvSpPr>
+          <p:cNvPr id="3" name="Text Placeholder 2"/>
+          <p:cNvSpPr>
+            <a:spLocks noGrp="1"/>
+          </p:cNvSpPr>
+          <p:nvPr>
+            <p:ph type="body" idx="1"/>
+          </p:nvPr>
+        </p:nvSpPr>
+        <p:spPr/>
+        <p:txBody>
+          <a:bodyPr/>
+          <a:lstStyle/>
+          <a:p>
+            <a:endParaRPr lang="en-GB" dirty="0"/>
+          </a:p>
+        </p:txBody>
+      </p:sp>
+    </p:spTree>
+    <p:extLst>
+      <p:ext uri="{BB962C8B-B14F-4D97-AF65-F5344CB8AC3E}">
+        <p14:creationId xmlns:p14="http://schemas.microsoft.com/office/powerpoint/2010/main" val="3894257488"/>
+      </p:ext>
+    </p:extLst>
+  </p:cSld>
+  <p:clrMapOvr>
+    <a:masterClrMapping/>
+  </p:clrMapOvr>
+  <p:transition>
+    <p:fade/>
+  </p:transition>
+  <p:timing>
+    <p:tnLst>
+      <p:par>
+        <p:cTn id="1" dur="indefinite" restart="never" nodeType="tmRoot">
+          <p:childTnLst>
+            <p:seq concurrent="1" nextAc="seek">
+              <p:cTn id="2" dur="indefinite" nodeType="mainSeq">
+                <p:childTnLst>
+                  <p:par>
+                    <p:cTn id="3" fill="hold">
+                      <p:stCondLst>
+                        <p:cond delay="indefinite"/>
+                      </p:stCondLst>
+                      <p:childTnLst>
+                        <p:par>
+                          <p:cTn id="4" fill="hold">
+                            <p:stCondLst>
+                              <p:cond delay="0"/>
+                            </p:stCondLst>
+                            <p:childTnLst>
+                              <p:par>
+                                <p:cTn id="5" presetID="10" presetClass="entr" presetSubtype="0" fill="hold" grpId="0" nodeType="clickEffect" nodePh="1">
+                                  <p:stCondLst>
+                                    <p:cond delay="0"/>
+                                  </p:stCondLst>
+                                  <p:endCondLst>
+                                    <p:cond evt="begin" delay="0">
+                                      <p:tn val="5"/>
+                                    </p:cond>
+                                  </p:endCondLst>
+                                  <p:childTnLst>
+                                    <p:set>
+                                      <p:cBhvr>
+                                        <p:cTn id="6" dur="1" fill="hold">
+                                          <p:stCondLst>
+                                            <p:cond delay="0"/>
+                                          </p:stCondLst>
+                                        </p:cTn>
+                                        <p:tgtEl>
+                                          <p:spTgt spid="3">
+                                            <p:txEl>
+                                              <p:pRg st="0" end="0"/>
+                                            </p:txEl>
+                                          </p:spTgt>
+                                        </p:tgtEl>
+                                        <p:attrNameLst>
+                                          <p:attrName>style.visibility</p:attrName>
+                                        </p:attrNameLst>
+                                      </p:cBhvr>
+                                      <p:to>
+                                        <p:strVal val="visible"/>
+                                      </p:to>
+                                    </p:set>
+                                    <p:animEffect transition="in" filter="fade">
+                                      <p:cBhvr>
+                                        <p:cTn id="7" dur="500"/>
+                                        <p:tgtEl>
+                                          <p:spTgt spid="3">
+                                            <p:txEl>
+                                              <p:pRg st="0" end="0"/>
+                                            </p:txEl>
+                                          </p:spTgt>
+                                        </p:tgtEl>
+                                      </p:cBhvr>
+                                    </p:animEffect>
+                                  </p:childTnLst>
+                                </p:cTn>
+                              </p:par>
+                            </p:childTnLst>
+                          </p:cTn>
+                        </p:par>
+                      </p:childTnLst>
+                    </p:cTn>
+                  </p:par>
+                </p:childTnLst>
+              </p:cTn>
+              <p:prevCondLst>
+                <p:cond evt="onPrev" delay="0">
+                  <p:tgtEl>
+                    <p:sldTgt/>
+                  </p:tgtEl>
+                </p:cond>
+              </p:prevCondLst>
+              <p:nextCondLst>
+                <p:cond evt="onNext" delay="0">
+                  <p:tgtEl>
+                    <p:sldTgt/>
+                  </p:tgtEl>
+                </p:cond>
+              </p:nextCondLst>
+            </p:seq>
+          </p:childTnLst>
+        </p:cTn>
+      </p:par>
+    </p:tnLst>
+    <p:bldLst>
+      <p:bldP spid="3" grpId="0" build="p"/>
+    </p:bldLst>
+  </p:timing>
+</p:sld>
+</file>
+
+<file path=ppt/slides/slide13.xml><?xml version="1.0" encoding="utf-8"?>
+<p:sld xmlns:a="http://schemas.openxmlformats.org/drawingml/2006/main" xmlns:r="http://schemas.openxmlformats.org/officeDocument/2006/relationships" xmlns:p="http://schemas.openxmlformats.org/presentationml/2006/main" show="0">
+  <p:cSld>
+    <p:bg>
+      <p:bgPr>
+        <a:solidFill>
+          <a:schemeClr val="accent2"/>
+        </a:solidFill>
+        <a:effectLst/>
+      </p:bgPr>
+    </p:bg>
+    <p:spTree>
+      <p:nvGrpSpPr>
+        <p:cNvPr id="1" name=""/>
+        <p:cNvGrpSpPr/>
+        <p:nvPr/>
+      </p:nvGrpSpPr>
+      <p:grpSpPr>
+        <a:xfrm>
+          <a:off x="0" y="0"/>
+          <a:ext cx="0" cy="0"/>
+          <a:chOff x="0" y="0"/>
+          <a:chExt cx="0" cy="0"/>
+        </a:xfrm>
+      </p:grpSpPr>
+      <p:sp>
+        <p:nvSpPr>
+          <p:cNvPr id="2" name="Title 1"/>
+          <p:cNvSpPr>
+            <a:spLocks noGrp="1"/>
+          </p:cNvSpPr>
+          <p:nvPr>
+            <p:ph type="title"/>
+          </p:nvPr>
+        </p:nvSpPr>
+        <p:spPr/>
+        <p:txBody>
+          <a:bodyPr/>
+          <a:lstStyle/>
+          <a:p>
+            <a:r>
+              <a:rPr lang="en-US" dirty="0" smtClean="0"/>
+              <a:t>END OF Overview Slides		</a:t>
+            </a:r>
+            <a:endParaRPr lang="en-GB" dirty="0"/>
+          </a:p>
+        </p:txBody>
+      </p:sp>
+      <p:sp>
+        <p:nvSpPr>
+          <p:cNvPr id="3" name="Text Placeholder 2"/>
+          <p:cNvSpPr>
+            <a:spLocks noGrp="1"/>
+          </p:cNvSpPr>
+          <p:nvPr>
+            <p:ph type="body" idx="1"/>
+          </p:nvPr>
+        </p:nvSpPr>
+        <p:spPr/>
+        <p:txBody>
+          <a:bodyPr/>
+          <a:lstStyle/>
+          <a:p>
+            <a:pPr marL="0" indent="0">
+              <a:buNone/>
+            </a:pPr>
+            <a:r>
+              <a:rPr lang="en-GB" dirty="0" smtClean="0"/>
+              <a:t>	</a:t>
+            </a:r>
+            <a:endParaRPr lang="en-GB" dirty="0"/>
+          </a:p>
+        </p:txBody>
+      </p:sp>
+    </p:spTree>
+    <p:extLst>
+      <p:ext uri="{BB962C8B-B14F-4D97-AF65-F5344CB8AC3E}">
+        <p14:creationId xmlns:p14="http://schemas.microsoft.com/office/powerpoint/2010/main" val="2063079255"/>
+      </p:ext>
+    </p:extLst>
+  </p:cSld>
+  <p:clrMapOvr>
+    <a:masterClrMapping/>
+  </p:clrMapOvr>
+  <p:transition>
+    <p:fade/>
+  </p:transition>
+  <p:timing>
+    <p:tnLst>
+      <p:par>
+        <p:cTn id="1" dur="indefinite" restart="never" nodeType="tmRoot"/>
+      </p:par>
+    </p:tnLst>
+  </p:timing>
+</p:sld>
+</file>
+
+<file path=ppt/slides/slide14.xml><?xml version="1.0" encoding="utf-8"?>
+<p:sld xmlns:a="http://schemas.openxmlformats.org/drawingml/2006/main" xmlns:r="http://schemas.openxmlformats.org/officeDocument/2006/relationships" xmlns:p="http://schemas.openxmlformats.org/presentationml/2006/main">
+  <p:cSld>
+    <p:spTree>
+      <p:nvGrpSpPr>
+        <p:cNvPr id="1" name=""/>
+        <p:cNvGrpSpPr/>
+        <p:nvPr/>
+      </p:nvGrpSpPr>
+      <p:grpSpPr>
+        <a:xfrm>
+          <a:off x="0" y="0"/>
+          <a:ext cx="0" cy="0"/>
+          <a:chOff x="0" y="0"/>
+          <a:chExt cx="0" cy="0"/>
+        </a:xfrm>
+      </p:grpSpPr>
+      <p:sp>
+        <p:nvSpPr>
+          <p:cNvPr id="2" name="Title 1"/>
+          <p:cNvSpPr>
+            <a:spLocks noGrp="1"/>
+          </p:cNvSpPr>
+          <p:nvPr>
+            <p:ph type="title"/>
+          </p:nvPr>
+        </p:nvSpPr>
+        <p:spPr/>
+        <p:txBody>
+          <a:bodyPr/>
+          <a:lstStyle/>
+          <a:p>
+            <a:r>
+              <a:rPr lang="en-US" dirty="0" smtClean="0"/>
+              <a:t>Changing Styles on the Fly</a:t>
+            </a:r>
+            <a:r>
+              <a:rPr lang="en-US" dirty="0" smtClean="0"/>
+              <a:t>		</a:t>
+            </a:r>
+            <a:endParaRPr lang="en-GB" dirty="0"/>
+          </a:p>
+        </p:txBody>
+      </p:sp>
+      <p:sp>
+        <p:nvSpPr>
+          <p:cNvPr id="5" name="Text Placeholder 2"/>
+          <p:cNvSpPr>
+            <a:spLocks noGrp="1"/>
+          </p:cNvSpPr>
+          <p:nvPr>
+            <p:ph type="body" idx="1"/>
+          </p:nvPr>
+        </p:nvSpPr>
+        <p:spPr>
+          <a:xfrm>
+            <a:off x="457200" y="1371600"/>
+            <a:ext cx="8229600" cy="4495800"/>
+          </a:xfrm>
+        </p:spPr>
+        <p:txBody>
+          <a:bodyPr/>
+          <a:lstStyle/>
+          <a:p>
+            <a:pPr marL="0" indent="0">
+              <a:buNone/>
+            </a:pPr>
+            <a:r>
+              <a:rPr lang="en-GB" dirty="0" smtClean="0"/>
+              <a:t>Silverlight Value Converter</a:t>
+            </a:r>
+            <a:endParaRPr lang="en-GB" dirty="0" smtClean="0"/>
+          </a:p>
+          <a:p>
+            <a:pPr marL="0" indent="0">
+              <a:buNone/>
+            </a:pPr>
+            <a:endParaRPr lang="en-GB" dirty="0"/>
+          </a:p>
+          <a:p>
+            <a:pPr marL="0" indent="0">
+              <a:buNone/>
+            </a:pPr>
+            <a:endParaRPr lang="en-GB" dirty="0" smtClean="0"/>
+          </a:p>
+          <a:p>
+            <a:pPr marL="0" indent="0">
+              <a:buNone/>
+            </a:pPr>
+            <a:endParaRPr lang="en-GB" dirty="0"/>
+          </a:p>
+          <a:p>
+            <a:pPr marL="0" indent="0">
+              <a:buNone/>
+            </a:pPr>
+            <a:endParaRPr lang="en-GB" dirty="0" smtClean="0"/>
+          </a:p>
+          <a:p>
+            <a:pPr marL="0" indent="0">
+              <a:buNone/>
+            </a:pPr>
+            <a:endParaRPr lang="en-GB" dirty="0"/>
+          </a:p>
+          <a:p>
+            <a:pPr marL="0" indent="0">
+              <a:buNone/>
+            </a:pPr>
+            <a:endParaRPr lang="en-GB" dirty="0" smtClean="0"/>
+          </a:p>
+          <a:p>
+            <a:pPr marL="0" indent="0">
+              <a:buNone/>
+            </a:pPr>
+            <a:r>
+              <a:rPr lang="en-GB" dirty="0" smtClean="0"/>
+              <a:t/>
+            </a:r>
+            <a:br>
+              <a:rPr lang="en-GB" dirty="0" smtClean="0"/>
+            </a:br>
+            <a:r>
+              <a:rPr lang="en-GB" dirty="0" smtClean="0"/>
+              <a:t/>
+            </a:r>
+            <a:br>
+              <a:rPr lang="en-GB" dirty="0" smtClean="0"/>
+            </a:br>
+            <a:r>
+              <a:rPr lang="en-GB" dirty="0" smtClean="0"/>
+              <a:t>XAML Implementation</a:t>
+            </a:r>
+            <a:endParaRPr lang="en-GB" dirty="0" smtClean="0"/>
+          </a:p>
+          <a:p>
+            <a:pPr marL="0" indent="0">
+              <a:buNone/>
+            </a:pPr>
+            <a:endParaRPr lang="en-GB" dirty="0"/>
+          </a:p>
+        </p:txBody>
+      </p:sp>
+      <p:pic>
+        <p:nvPicPr>
+          <p:cNvPr id="6" name="Picture 5"/>
+          <p:cNvPicPr>
+            <a:picLocks noChangeAspect="1"/>
+          </p:cNvPicPr>
+          <p:nvPr/>
+        </p:nvPicPr>
+        <p:blipFill>
+          <a:blip r:embed="rId3"/>
+          <a:stretch>
+            <a:fillRect/>
+          </a:stretch>
+        </p:blipFill>
+        <p:spPr>
+          <a:xfrm>
+            <a:off x="838200" y="1915841"/>
+            <a:ext cx="7743825" cy="2427559"/>
+          </a:xfrm>
+          <a:prstGeom prst="rect">
+            <a:avLst/>
+          </a:prstGeom>
+        </p:spPr>
+      </p:pic>
+      <p:cxnSp>
+        <p:nvCxnSpPr>
+          <p:cNvPr id="8" name="Straight Arrow Connector 7"/>
+          <p:cNvCxnSpPr/>
+          <p:nvPr/>
+        </p:nvCxnSpPr>
+        <p:spPr bwMode="auto">
+          <a:xfrm flipH="1">
+            <a:off x="5181600" y="1676400"/>
+            <a:ext cx="1219200" cy="239441"/>
+          </a:xfrm>
+          <a:prstGeom prst="straightConnector1">
+            <a:avLst/>
+          </a:prstGeom>
+          <a:ln w="63500">
+            <a:solidFill>
+              <a:schemeClr val="tx1"/>
+            </a:solidFill>
+            <a:headEnd type="none" w="med" len="med"/>
+            <a:tailEnd type="triangle"/>
+          </a:ln>
+        </p:spPr>
+        <p:style>
+          <a:lnRef idx="1">
+            <a:schemeClr val="accent2"/>
+          </a:lnRef>
+          <a:fillRef idx="0">
+            <a:schemeClr val="accent2"/>
+          </a:fillRef>
+          <a:effectRef idx="0">
+            <a:schemeClr val="accent2"/>
+          </a:effectRef>
+          <a:fontRef idx="minor">
+            <a:schemeClr val="tx1"/>
+          </a:fontRef>
+        </p:style>
+      </p:cxnSp>
+      <p:sp>
+        <p:nvSpPr>
+          <p:cNvPr id="9" name="TextBox 8"/>
+          <p:cNvSpPr txBox="1"/>
+          <p:nvPr/>
+        </p:nvSpPr>
+        <p:spPr bwMode="auto">
+          <a:xfrm>
+            <a:off x="6400800" y="1219200"/>
+            <a:ext cx="2743200" cy="646331"/>
+          </a:xfrm>
+          <a:prstGeom prst="rect">
+            <a:avLst/>
+          </a:prstGeom>
+          <a:noFill/>
+          <a:ln w="9525">
+            <a:noFill/>
+            <a:miter lim="800000"/>
+            <a:headEnd/>
+            <a:tailEnd/>
+          </a:ln>
+        </p:spPr>
+        <p:txBody>
+          <a:bodyPr wrap="square" rtlCol="0">
+            <a:spAutoFit/>
+          </a:bodyPr>
+          <a:lstStyle/>
+          <a:p>
+            <a:r>
+              <a:rPr lang="en-US" dirty="0" smtClean="0">
+                <a:latin typeface="+mj-lt"/>
+              </a:rPr>
+              <a:t>Custom Class implements </a:t>
+            </a:r>
+            <a:r>
+              <a:rPr lang="en-US" dirty="0" err="1" smtClean="0">
+                <a:latin typeface="+mj-lt"/>
+              </a:rPr>
+              <a:t>IValueConverter</a:t>
+            </a:r>
+            <a:endParaRPr lang="en-US" sz="1800" dirty="0">
+              <a:latin typeface="+mj-lt"/>
+            </a:endParaRPr>
+          </a:p>
+        </p:txBody>
+      </p:sp>
+      <p:cxnSp>
+        <p:nvCxnSpPr>
+          <p:cNvPr id="11" name="Straight Arrow Connector 10"/>
+          <p:cNvCxnSpPr/>
+          <p:nvPr/>
+        </p:nvCxnSpPr>
+        <p:spPr bwMode="auto">
+          <a:xfrm flipH="1" flipV="1">
+            <a:off x="3733800" y="2514600"/>
+            <a:ext cx="2743200" cy="674959"/>
+          </a:xfrm>
+          <a:prstGeom prst="straightConnector1">
+            <a:avLst/>
+          </a:prstGeom>
+          <a:ln w="63500">
+            <a:solidFill>
+              <a:schemeClr val="tx1"/>
+            </a:solidFill>
+            <a:headEnd type="none" w="med" len="med"/>
+            <a:tailEnd type="triangle"/>
+          </a:ln>
+        </p:spPr>
+        <p:style>
+          <a:lnRef idx="1">
+            <a:schemeClr val="accent2"/>
+          </a:lnRef>
+          <a:fillRef idx="0">
+            <a:schemeClr val="accent2"/>
+          </a:fillRef>
+          <a:effectRef idx="0">
+            <a:schemeClr val="accent2"/>
+          </a:effectRef>
+          <a:fontRef idx="minor">
+            <a:schemeClr val="tx1"/>
+          </a:fontRef>
+        </p:style>
+      </p:cxnSp>
+      <p:sp>
+        <p:nvSpPr>
+          <p:cNvPr id="12" name="TextBox 11"/>
+          <p:cNvSpPr txBox="1"/>
+          <p:nvPr/>
+        </p:nvSpPr>
+        <p:spPr bwMode="auto">
+          <a:xfrm>
+            <a:off x="6477000" y="2732359"/>
+            <a:ext cx="2743200" cy="646331"/>
+          </a:xfrm>
+          <a:prstGeom prst="rect">
+            <a:avLst/>
+          </a:prstGeom>
+          <a:noFill/>
+          <a:ln w="9525">
+            <a:noFill/>
+            <a:miter lim="800000"/>
+            <a:headEnd/>
+            <a:tailEnd/>
+          </a:ln>
+        </p:spPr>
+        <p:txBody>
+          <a:bodyPr wrap="square" rtlCol="0">
+            <a:spAutoFit/>
+          </a:bodyPr>
+          <a:lstStyle/>
+          <a:p>
+            <a:r>
+              <a:rPr lang="en-US" dirty="0" smtClean="0">
+                <a:latin typeface="+mj-lt"/>
+              </a:rPr>
+              <a:t>Value to ‘test’ agains</a:t>
+            </a:r>
+            <a:r>
+              <a:rPr lang="en-US" dirty="0" smtClean="0">
+                <a:latin typeface="+mj-lt"/>
+              </a:rPr>
+              <a:t>t</a:t>
+            </a:r>
+          </a:p>
+          <a:p>
+            <a:r>
+              <a:rPr lang="en-US" sz="1800" dirty="0" smtClean="0">
+                <a:latin typeface="+mj-lt"/>
+              </a:rPr>
+              <a:t>provided</a:t>
+            </a:r>
+            <a:endParaRPr lang="en-US" sz="1800" dirty="0">
+              <a:latin typeface="+mj-lt"/>
+            </a:endParaRPr>
+          </a:p>
+        </p:txBody>
+      </p:sp>
+      <p:sp>
+        <p:nvSpPr>
+          <p:cNvPr id="17" name="TextBox 16"/>
+          <p:cNvSpPr txBox="1"/>
+          <p:nvPr/>
+        </p:nvSpPr>
+        <p:spPr bwMode="auto">
+          <a:xfrm>
+            <a:off x="6400800" y="4484959"/>
+            <a:ext cx="2743200" cy="646331"/>
+          </a:xfrm>
+          <a:prstGeom prst="rect">
+            <a:avLst/>
+          </a:prstGeom>
+          <a:noFill/>
+          <a:ln w="9525">
+            <a:noFill/>
+            <a:miter lim="800000"/>
+            <a:headEnd/>
+            <a:tailEnd/>
+          </a:ln>
+        </p:spPr>
+        <p:txBody>
+          <a:bodyPr wrap="square" rtlCol="0">
+            <a:spAutoFit/>
+          </a:bodyPr>
+          <a:lstStyle/>
+          <a:p>
+            <a:r>
+              <a:rPr lang="en-US" dirty="0" smtClean="0">
+                <a:latin typeface="+mj-lt"/>
+              </a:rPr>
+              <a:t>Bound property to ‘test’ against</a:t>
+            </a:r>
+            <a:endParaRPr lang="en-US" sz="1800" dirty="0">
+              <a:latin typeface="+mj-lt"/>
+            </a:endParaRPr>
+          </a:p>
+        </p:txBody>
+      </p:sp>
+      <p:sp>
+        <p:nvSpPr>
+          <p:cNvPr id="20" name="TextBox 19"/>
+          <p:cNvSpPr txBox="1"/>
+          <p:nvPr/>
+        </p:nvSpPr>
+        <p:spPr bwMode="auto">
+          <a:xfrm>
+            <a:off x="6400800" y="5856559"/>
+            <a:ext cx="2743200" cy="646331"/>
+          </a:xfrm>
+          <a:prstGeom prst="rect">
+            <a:avLst/>
+          </a:prstGeom>
+          <a:noFill/>
+          <a:ln w="9525">
+            <a:noFill/>
+            <a:miter lim="800000"/>
+            <a:headEnd/>
+            <a:tailEnd/>
+          </a:ln>
+        </p:spPr>
+        <p:txBody>
+          <a:bodyPr wrap="square" rtlCol="0">
+            <a:spAutoFit/>
+          </a:bodyPr>
+          <a:lstStyle/>
+          <a:p>
+            <a:r>
+              <a:rPr lang="en-US" dirty="0" smtClean="0">
+                <a:latin typeface="+mj-lt"/>
+              </a:rPr>
+              <a:t>Invoking the </a:t>
+            </a:r>
+            <a:r>
+              <a:rPr lang="en-US" dirty="0" err="1" smtClean="0">
+                <a:latin typeface="+mj-lt"/>
+              </a:rPr>
+              <a:t>IValueConverter</a:t>
+            </a:r>
+            <a:endParaRPr lang="en-US" sz="1800" dirty="0">
+              <a:latin typeface="+mj-lt"/>
+            </a:endParaRPr>
+          </a:p>
+        </p:txBody>
+      </p:sp>
+      <p:pic>
+        <p:nvPicPr>
+          <p:cNvPr id="21" name="Picture 20"/>
+          <p:cNvPicPr>
+            <a:picLocks noChangeAspect="1"/>
+          </p:cNvPicPr>
+          <p:nvPr/>
+        </p:nvPicPr>
+        <p:blipFill>
+          <a:blip r:embed="rId4"/>
+          <a:stretch>
+            <a:fillRect/>
+          </a:stretch>
+        </p:blipFill>
+        <p:spPr>
+          <a:xfrm>
+            <a:off x="753156" y="5230652"/>
+            <a:ext cx="5419725" cy="1066800"/>
+          </a:xfrm>
+          <a:prstGeom prst="rect">
+            <a:avLst/>
+          </a:prstGeom>
+        </p:spPr>
+      </p:pic>
+      <p:cxnSp>
+        <p:nvCxnSpPr>
+          <p:cNvPr id="16" name="Straight Arrow Connector 15"/>
+          <p:cNvCxnSpPr/>
+          <p:nvPr/>
+        </p:nvCxnSpPr>
+        <p:spPr bwMode="auto">
+          <a:xfrm flipH="1">
+            <a:off x="3810000" y="4942159"/>
+            <a:ext cx="2590800" cy="468041"/>
+          </a:xfrm>
+          <a:prstGeom prst="straightConnector1">
+            <a:avLst/>
+          </a:prstGeom>
+          <a:ln w="63500">
+            <a:solidFill>
+              <a:schemeClr val="tx1"/>
+            </a:solidFill>
+            <a:headEnd type="none" w="med" len="med"/>
+            <a:tailEnd type="triangle"/>
+          </a:ln>
+        </p:spPr>
+        <p:style>
+          <a:lnRef idx="1">
+            <a:schemeClr val="accent2"/>
+          </a:lnRef>
+          <a:fillRef idx="0">
+            <a:schemeClr val="accent2"/>
+          </a:fillRef>
+          <a:effectRef idx="0">
+            <a:schemeClr val="accent2"/>
+          </a:effectRef>
+          <a:fontRef idx="minor">
+            <a:schemeClr val="tx1"/>
+          </a:fontRef>
+        </p:style>
+      </p:cxnSp>
+      <p:cxnSp>
+        <p:nvCxnSpPr>
+          <p:cNvPr id="19" name="Straight Arrow Connector 18"/>
+          <p:cNvCxnSpPr/>
+          <p:nvPr/>
+        </p:nvCxnSpPr>
+        <p:spPr bwMode="auto">
+          <a:xfrm flipH="1" flipV="1">
+            <a:off x="5181600" y="6065424"/>
+            <a:ext cx="1219200" cy="248335"/>
+          </a:xfrm>
+          <a:prstGeom prst="straightConnector1">
+            <a:avLst/>
+          </a:prstGeom>
+          <a:ln w="63500">
+            <a:solidFill>
+              <a:schemeClr val="tx1"/>
+            </a:solidFill>
+            <a:headEnd type="none" w="med" len="med"/>
+            <a:tailEnd type="triangle"/>
+          </a:ln>
+        </p:spPr>
+        <p:style>
+          <a:lnRef idx="1">
+            <a:schemeClr val="accent2"/>
+          </a:lnRef>
+          <a:fillRef idx="0">
+            <a:schemeClr val="accent2"/>
+          </a:fillRef>
+          <a:effectRef idx="0">
+            <a:schemeClr val="accent2"/>
+          </a:effectRef>
+          <a:fontRef idx="minor">
+            <a:schemeClr val="tx1"/>
+          </a:fontRef>
+        </p:style>
+      </p:cxnSp>
+    </p:spTree>
+    <p:extLst>
+      <p:ext uri="{BB962C8B-B14F-4D97-AF65-F5344CB8AC3E}">
+        <p14:creationId xmlns:p14="http://schemas.microsoft.com/office/powerpoint/2010/main" val="1297574530"/>
+      </p:ext>
+    </p:extLst>
+  </p:cSld>
+  <p:clrMapOvr>
+    <a:masterClrMapping/>
+  </p:clrMapOvr>
+  <p:transition>
+    <p:fade/>
+  </p:transition>
+  <p:timing>
+    <p:tnLst>
+      <p:par>
+        <p:cTn id="1" dur="indefinite" restart="never" nodeType="tmRoot">
+          <p:childTnLst>
+            <p:seq concurrent="1" nextAc="seek">
+              <p:cTn id="2" dur="indefinite" nodeType="mainSeq">
+                <p:childTnLst>
+                  <p:par>
+                    <p:cTn id="3" fill="hold">
+                      <p:stCondLst>
+                        <p:cond delay="indefinite"/>
+                      </p:stCondLst>
+                      <p:childTnLst>
+                        <p:par>
+                          <p:cTn id="4" fill="hold">
+                            <p:stCondLst>
+                              <p:cond delay="0"/>
+                            </p:stCondLst>
+                            <p:childTnLst>
+                              <p:par>
+                                <p:cTn id="5" presetID="10" presetClass="entr" presetSubtype="0" fill="hold" grpId="0" nodeType="clickEffect">
+                                  <p:stCondLst>
+                                    <p:cond delay="0"/>
+                                  </p:stCondLst>
+                                  <p:childTnLst>
+                                    <p:set>
+                                      <p:cBhvr>
+                                        <p:cTn id="6" dur="1" fill="hold">
+                                          <p:stCondLst>
+                                            <p:cond delay="0"/>
+                                          </p:stCondLst>
+                                        </p:cTn>
+                                        <p:tgtEl>
+                                          <p:spTgt spid="5">
+                                            <p:txEl>
+                                              <p:pRg st="0" end="0"/>
+                                            </p:txEl>
+                                          </p:spTgt>
+                                        </p:tgtEl>
+                                        <p:attrNameLst>
+                                          <p:attrName>style.visibility</p:attrName>
+                                        </p:attrNameLst>
+                                      </p:cBhvr>
+                                      <p:to>
+                                        <p:strVal val="visible"/>
+                                      </p:to>
+                                    </p:set>
+                                    <p:animEffect transition="in" filter="fade">
+                                      <p:cBhvr>
+                                        <p:cTn id="7" dur="500"/>
+                                        <p:tgtEl>
+                                          <p:spTgt spid="5">
+                                            <p:txEl>
+                                              <p:pRg st="0" end="0"/>
+                                            </p:txEl>
+                                          </p:spTgt>
+                                        </p:tgtEl>
+                                      </p:cBhvr>
+                                    </p:animEffect>
+                                  </p:childTnLst>
+                                </p:cTn>
+                              </p:par>
+                              <p:par>
+                                <p:cTn id="8" presetID="1" presetClass="entr" presetSubtype="0" fill="hold" nodeType="withEffect">
+                                  <p:stCondLst>
+                                    <p:cond delay="0"/>
+                                  </p:stCondLst>
+                                  <p:childTnLst>
+                                    <p:set>
+                                      <p:cBhvr>
+                                        <p:cTn id="9" dur="1" fill="hold">
+                                          <p:stCondLst>
+                                            <p:cond delay="0"/>
+                                          </p:stCondLst>
+                                        </p:cTn>
+                                        <p:tgtEl>
+                                          <p:spTgt spid="6"/>
+                                        </p:tgtEl>
+                                        <p:attrNameLst>
+                                          <p:attrName>style.visibility</p:attrName>
+                                        </p:attrNameLst>
+                                      </p:cBhvr>
+                                      <p:to>
+                                        <p:strVal val="visible"/>
+                                      </p:to>
+                                    </p:set>
+                                  </p:childTnLst>
+                                </p:cTn>
+                              </p:par>
+                            </p:childTnLst>
+                          </p:cTn>
+                        </p:par>
+                      </p:childTnLst>
+                    </p:cTn>
+                  </p:par>
+                  <p:par>
+                    <p:cTn id="10" fill="hold">
+                      <p:stCondLst>
+                        <p:cond delay="indefinite"/>
+                      </p:stCondLst>
+                      <p:childTnLst>
+                        <p:par>
+                          <p:cTn id="11" fill="hold">
+                            <p:stCondLst>
+                              <p:cond delay="0"/>
+                            </p:stCondLst>
+                            <p:childTnLst>
+                              <p:par>
+                                <p:cTn id="12" presetID="1" presetClass="entr" presetSubtype="0" fill="hold" nodeType="clickEffect">
+                                  <p:stCondLst>
+                                    <p:cond delay="0"/>
+                                  </p:stCondLst>
+                                  <p:childTnLst>
+                                    <p:set>
+                                      <p:cBhvr>
+                                        <p:cTn id="13" dur="1" fill="hold">
+                                          <p:stCondLst>
+                                            <p:cond delay="0"/>
+                                          </p:stCondLst>
+                                        </p:cTn>
+                                        <p:tgtEl>
+                                          <p:spTgt spid="8"/>
+                                        </p:tgtEl>
+                                        <p:attrNameLst>
+                                          <p:attrName>style.visibility</p:attrName>
+                                        </p:attrNameLst>
+                                      </p:cBhvr>
+                                      <p:to>
+                                        <p:strVal val="visible"/>
+                                      </p:to>
+                                    </p:set>
+                                  </p:childTnLst>
+                                </p:cTn>
+                              </p:par>
+                              <p:par>
+                                <p:cTn id="14" presetID="1" presetClass="entr" presetSubtype="0" fill="hold" grpId="0" nodeType="withEffect">
+                                  <p:stCondLst>
+                                    <p:cond delay="0"/>
+                                  </p:stCondLst>
+                                  <p:childTnLst>
+                                    <p:set>
+                                      <p:cBhvr>
+                                        <p:cTn id="15" dur="1" fill="hold">
+                                          <p:stCondLst>
+                                            <p:cond delay="0"/>
+                                          </p:stCondLst>
+                                        </p:cTn>
+                                        <p:tgtEl>
+                                          <p:spTgt spid="9"/>
+                                        </p:tgtEl>
+                                        <p:attrNameLst>
+                                          <p:attrName>style.visibility</p:attrName>
+                                        </p:attrNameLst>
+                                      </p:cBhvr>
+                                      <p:to>
+                                        <p:strVal val="visible"/>
+                                      </p:to>
+                                    </p:set>
+                                  </p:childTnLst>
+                                </p:cTn>
+                              </p:par>
+                            </p:childTnLst>
+                          </p:cTn>
+                        </p:par>
+                      </p:childTnLst>
+                    </p:cTn>
+                  </p:par>
+                  <p:par>
+                    <p:cTn id="16" fill="hold">
+                      <p:stCondLst>
+                        <p:cond delay="indefinite"/>
+                      </p:stCondLst>
+                      <p:childTnLst>
+                        <p:par>
+                          <p:cTn id="17" fill="hold">
+                            <p:stCondLst>
+                              <p:cond delay="0"/>
+                            </p:stCondLst>
+                            <p:childTnLst>
+                              <p:par>
+                                <p:cTn id="18" presetID="1" presetClass="entr" presetSubtype="0" fill="hold" nodeType="clickEffect">
+                                  <p:stCondLst>
+                                    <p:cond delay="0"/>
+                                  </p:stCondLst>
+                                  <p:childTnLst>
+                                    <p:set>
+                                      <p:cBhvr>
+                                        <p:cTn id="19" dur="1" fill="hold">
+                                          <p:stCondLst>
+                                            <p:cond delay="0"/>
+                                          </p:stCondLst>
+                                        </p:cTn>
+                                        <p:tgtEl>
+                                          <p:spTgt spid="11"/>
+                                        </p:tgtEl>
+                                        <p:attrNameLst>
+                                          <p:attrName>style.visibility</p:attrName>
+                                        </p:attrNameLst>
+                                      </p:cBhvr>
+                                      <p:to>
+                                        <p:strVal val="visible"/>
+                                      </p:to>
+                                    </p:set>
+                                  </p:childTnLst>
+                                </p:cTn>
+                              </p:par>
+                              <p:par>
+                                <p:cTn id="20" presetID="1" presetClass="entr" presetSubtype="0" fill="hold" grpId="0" nodeType="withEffect">
+                                  <p:stCondLst>
+                                    <p:cond delay="0"/>
+                                  </p:stCondLst>
+                                  <p:childTnLst>
+                                    <p:set>
+                                      <p:cBhvr>
+                                        <p:cTn id="21" dur="1" fill="hold">
+                                          <p:stCondLst>
+                                            <p:cond delay="0"/>
+                                          </p:stCondLst>
+                                        </p:cTn>
+                                        <p:tgtEl>
+                                          <p:spTgt spid="12"/>
+                                        </p:tgtEl>
+                                        <p:attrNameLst>
+                                          <p:attrName>style.visibility</p:attrName>
+                                        </p:attrNameLst>
+                                      </p:cBhvr>
+                                      <p:to>
+                                        <p:strVal val="visible"/>
+                                      </p:to>
+                                    </p:set>
+                                  </p:childTnLst>
+                                </p:cTn>
+                              </p:par>
+                            </p:childTnLst>
+                          </p:cTn>
+                        </p:par>
+                      </p:childTnLst>
+                    </p:cTn>
+                  </p:par>
+                  <p:par>
+                    <p:cTn id="22" fill="hold">
+                      <p:stCondLst>
+                        <p:cond delay="indefinite"/>
+                      </p:stCondLst>
+                      <p:childTnLst>
+                        <p:par>
+                          <p:cTn id="23" fill="hold">
+                            <p:stCondLst>
+                              <p:cond delay="0"/>
+                            </p:stCondLst>
+                            <p:childTnLst>
+                              <p:par>
+                                <p:cTn id="24" presetID="10" presetClass="entr" presetSubtype="0" fill="hold" grpId="0" nodeType="clickEffect">
+                                  <p:stCondLst>
+                                    <p:cond delay="0"/>
+                                  </p:stCondLst>
+                                  <p:childTnLst>
+                                    <p:set>
+                                      <p:cBhvr>
+                                        <p:cTn id="25" dur="1" fill="hold">
+                                          <p:stCondLst>
+                                            <p:cond delay="0"/>
+                                          </p:stCondLst>
+                                        </p:cTn>
+                                        <p:tgtEl>
+                                          <p:spTgt spid="5">
+                                            <p:txEl>
+                                              <p:pRg st="7" end="7"/>
+                                            </p:txEl>
+                                          </p:spTgt>
+                                        </p:tgtEl>
+                                        <p:attrNameLst>
+                                          <p:attrName>style.visibility</p:attrName>
+                                        </p:attrNameLst>
+                                      </p:cBhvr>
+                                      <p:to>
+                                        <p:strVal val="visible"/>
+                                      </p:to>
+                                    </p:set>
+                                    <p:animEffect transition="in" filter="fade">
+                                      <p:cBhvr>
+                                        <p:cTn id="26" dur="500"/>
+                                        <p:tgtEl>
+                                          <p:spTgt spid="5">
+                                            <p:txEl>
+                                              <p:pRg st="7" end="7"/>
+                                            </p:txEl>
+                                          </p:spTgt>
+                                        </p:tgtEl>
+                                      </p:cBhvr>
+                                    </p:animEffect>
+                                  </p:childTnLst>
+                                </p:cTn>
+                              </p:par>
+                              <p:par>
+                                <p:cTn id="27" presetID="1" presetClass="entr" presetSubtype="0" fill="hold" nodeType="withEffect">
+                                  <p:stCondLst>
+                                    <p:cond delay="0"/>
+                                  </p:stCondLst>
+                                  <p:childTnLst>
+                                    <p:set>
+                                      <p:cBhvr>
+                                        <p:cTn id="28" dur="1" fill="hold">
+                                          <p:stCondLst>
+                                            <p:cond delay="0"/>
+                                          </p:stCondLst>
+                                        </p:cTn>
+                                        <p:tgtEl>
+                                          <p:spTgt spid="21"/>
+                                        </p:tgtEl>
+                                        <p:attrNameLst>
+                                          <p:attrName>style.visibility</p:attrName>
+                                        </p:attrNameLst>
+                                      </p:cBhvr>
+                                      <p:to>
+                                        <p:strVal val="visible"/>
+                                      </p:to>
+                                    </p:set>
+                                  </p:childTnLst>
+                                </p:cTn>
+                              </p:par>
+                            </p:childTnLst>
+                          </p:cTn>
+                        </p:par>
+                      </p:childTnLst>
+                    </p:cTn>
+                  </p:par>
+                  <p:par>
+                    <p:cTn id="29" fill="hold">
+                      <p:stCondLst>
+                        <p:cond delay="indefinite"/>
+                      </p:stCondLst>
+                      <p:childTnLst>
+                        <p:par>
+                          <p:cTn id="30" fill="hold">
+                            <p:stCondLst>
+                              <p:cond delay="0"/>
+                            </p:stCondLst>
+                            <p:childTnLst>
+                              <p:par>
+                                <p:cTn id="31" presetID="1" presetClass="entr" presetSubtype="0" fill="hold" nodeType="clickEffect">
+                                  <p:stCondLst>
+                                    <p:cond delay="0"/>
+                                  </p:stCondLst>
+                                  <p:childTnLst>
+                                    <p:set>
+                                      <p:cBhvr>
+                                        <p:cTn id="32" dur="1" fill="hold">
+                                          <p:stCondLst>
+                                            <p:cond delay="0"/>
+                                          </p:stCondLst>
+                                        </p:cTn>
+                                        <p:tgtEl>
+                                          <p:spTgt spid="16"/>
+                                        </p:tgtEl>
+                                        <p:attrNameLst>
+                                          <p:attrName>style.visibility</p:attrName>
+                                        </p:attrNameLst>
+                                      </p:cBhvr>
+                                      <p:to>
+                                        <p:strVal val="visible"/>
+                                      </p:to>
+                                    </p:set>
+                                  </p:childTnLst>
+                                </p:cTn>
+                              </p:par>
+                              <p:par>
+                                <p:cTn id="33" presetID="1" presetClass="entr" presetSubtype="0" fill="hold" grpId="0" nodeType="withEffect">
+                                  <p:stCondLst>
+                                    <p:cond delay="0"/>
+                                  </p:stCondLst>
+                                  <p:childTnLst>
+                                    <p:set>
+                                      <p:cBhvr>
+                                        <p:cTn id="34" dur="1" fill="hold">
+                                          <p:stCondLst>
+                                            <p:cond delay="0"/>
+                                          </p:stCondLst>
+                                        </p:cTn>
+                                        <p:tgtEl>
+                                          <p:spTgt spid="17"/>
+                                        </p:tgtEl>
+                                        <p:attrNameLst>
+                                          <p:attrName>style.visibility</p:attrName>
+                                        </p:attrNameLst>
+                                      </p:cBhvr>
+                                      <p:to>
+                                        <p:strVal val="visible"/>
+                                      </p:to>
+                                    </p:set>
+                                  </p:childTnLst>
+                                </p:cTn>
+                              </p:par>
+                            </p:childTnLst>
+                          </p:cTn>
+                        </p:par>
+                      </p:childTnLst>
+                    </p:cTn>
+                  </p:par>
+                  <p:par>
+                    <p:cTn id="35" fill="hold">
+                      <p:stCondLst>
+                        <p:cond delay="indefinite"/>
+                      </p:stCondLst>
+                      <p:childTnLst>
+                        <p:par>
+                          <p:cTn id="36" fill="hold">
+                            <p:stCondLst>
+                              <p:cond delay="0"/>
+                            </p:stCondLst>
+                            <p:childTnLst>
+                              <p:par>
+                                <p:cTn id="37" presetID="1" presetClass="entr" presetSubtype="0" fill="hold" nodeType="clickEffect">
+                                  <p:stCondLst>
+                                    <p:cond delay="0"/>
+                                  </p:stCondLst>
+                                  <p:childTnLst>
+                                    <p:set>
+                                      <p:cBhvr>
+                                        <p:cTn id="38" dur="1" fill="hold">
+                                          <p:stCondLst>
+                                            <p:cond delay="0"/>
+                                          </p:stCondLst>
+                                        </p:cTn>
+                                        <p:tgtEl>
+                                          <p:spTgt spid="19"/>
+                                        </p:tgtEl>
+                                        <p:attrNameLst>
+                                          <p:attrName>style.visibility</p:attrName>
+                                        </p:attrNameLst>
+                                      </p:cBhvr>
+                                      <p:to>
+                                        <p:strVal val="visible"/>
+                                      </p:to>
+                                    </p:set>
+                                  </p:childTnLst>
+                                </p:cTn>
+                              </p:par>
+                              <p:par>
+                                <p:cTn id="39" presetID="1" presetClass="entr" presetSubtype="0" fill="hold" grpId="0" nodeType="withEffect">
+                                  <p:stCondLst>
+                                    <p:cond delay="0"/>
+                                  </p:stCondLst>
+                                  <p:childTnLst>
+                                    <p:set>
+                                      <p:cBhvr>
+                                        <p:cTn id="40" dur="1" fill="hold">
+                                          <p:stCondLst>
+                                            <p:cond delay="0"/>
+                                          </p:stCondLst>
+                                        </p:cTn>
+                                        <p:tgtEl>
+                                          <p:spTgt spid="20"/>
+                                        </p:tgtEl>
+                                        <p:attrNameLst>
+                                          <p:attrName>style.visibility</p:attrName>
+                                        </p:attrNameLst>
+                                      </p:cBhvr>
+                                      <p:to>
+                                        <p:strVal val="visible"/>
+                                      </p:to>
+                                    </p:set>
+                                  </p:childTnLst>
+                                </p:cTn>
+                              </p:par>
+                            </p:childTnLst>
+                          </p:cTn>
+                        </p:par>
+                      </p:childTnLst>
+                    </p:cTn>
+                  </p:par>
+                </p:childTnLst>
+              </p:cTn>
+              <p:prevCondLst>
+                <p:cond evt="onPrev" delay="0">
+                  <p:tgtEl>
+                    <p:sldTgt/>
+                  </p:tgtEl>
+                </p:cond>
+              </p:prevCondLst>
+              <p:nextCondLst>
+                <p:cond evt="onNext" delay="0">
+                  <p:tgtEl>
+                    <p:sldTgt/>
+                  </p:tgtEl>
+                </p:cond>
+              </p:nextCondLst>
+            </p:seq>
+          </p:childTnLst>
+        </p:cTn>
+      </p:par>
+    </p:tnLst>
+    <p:bldLst>
+      <p:bldP spid="5" grpId="0" uiExpand="1" build="p"/>
+      <p:bldP spid="9" grpId="0"/>
+      <p:bldP spid="12" grpId="0"/>
+      <p:bldP spid="17" grpId="0"/>
+      <p:bldP spid="20" grpId="0"/>
+    </p:bldLst>
+  </p:timing>
+</p:sld>
+</file>
+
+<file path=ppt/slides/slide15.xml><?xml version="1.0" encoding="utf-8"?>
+<p:sld xmlns:a="http://schemas.openxmlformats.org/drawingml/2006/main" xmlns:r="http://schemas.openxmlformats.org/officeDocument/2006/relationships" xmlns:p="http://schemas.openxmlformats.org/presentationml/2006/main">
+  <p:cSld>
+    <p:spTree>
+      <p:nvGrpSpPr>
+        <p:cNvPr id="1" name=""/>
+        <p:cNvGrpSpPr/>
+        <p:nvPr/>
+      </p:nvGrpSpPr>
+      <p:grpSpPr>
+        <a:xfrm>
+          <a:off x="0" y="0"/>
+          <a:ext cx="0" cy="0"/>
+          <a:chOff x="0" y="0"/>
+          <a:chExt cx="0" cy="0"/>
+        </a:xfrm>
+      </p:grpSpPr>
+      <p:sp>
+        <p:nvSpPr>
+          <p:cNvPr id="2" name="Title 1"/>
+          <p:cNvSpPr>
+            <a:spLocks noGrp="1"/>
+          </p:cNvSpPr>
+          <p:nvPr>
+            <p:ph type="title"/>
+          </p:nvPr>
+        </p:nvSpPr>
+        <p:spPr/>
+        <p:txBody>
+          <a:bodyPr/>
+          <a:lstStyle/>
+          <a:p>
+            <a:r>
+              <a:rPr lang="en-US" dirty="0" smtClean="0"/>
+              <a:t>Changing Styles on the Fly</a:t>
+            </a:r>
+            <a:r>
+              <a:rPr lang="en-US" dirty="0" smtClean="0"/>
+              <a:t>		</a:t>
+            </a:r>
+            <a:endParaRPr lang="en-GB" dirty="0"/>
+          </a:p>
+        </p:txBody>
+      </p:sp>
+      <p:sp>
+        <p:nvSpPr>
+          <p:cNvPr id="5" name="Text Placeholder 2"/>
+          <p:cNvSpPr>
+            <a:spLocks noGrp="1"/>
+          </p:cNvSpPr>
+          <p:nvPr>
+            <p:ph type="body" idx="1"/>
+          </p:nvPr>
+        </p:nvSpPr>
+        <p:spPr>
+          <a:xfrm>
+            <a:off x="457200" y="1371600"/>
+            <a:ext cx="8229600" cy="4495800"/>
+          </a:xfrm>
+        </p:spPr>
+        <p:txBody>
+          <a:bodyPr/>
+          <a:lstStyle/>
+          <a:p>
+            <a:pPr marL="0" indent="0">
+              <a:buNone/>
+            </a:pPr>
+            <a:r>
+              <a:rPr lang="en-GB" dirty="0" smtClean="0"/>
+              <a:t>Knockout Computed Method</a:t>
+            </a:r>
+            <a:endParaRPr lang="en-GB" dirty="0" smtClean="0"/>
+          </a:p>
+          <a:p>
+            <a:pPr marL="0" indent="0">
+              <a:buNone/>
+            </a:pPr>
+            <a:endParaRPr lang="en-GB" dirty="0"/>
+          </a:p>
+          <a:p>
+            <a:pPr marL="0" indent="0">
+              <a:buNone/>
+            </a:pPr>
+            <a:endParaRPr lang="en-GB" dirty="0" smtClean="0"/>
+          </a:p>
+          <a:p>
+            <a:pPr marL="0" indent="0">
+              <a:buNone/>
+            </a:pPr>
+            <a:endParaRPr lang="en-GB" dirty="0"/>
+          </a:p>
+          <a:p>
+            <a:pPr marL="0" indent="0">
+              <a:buNone/>
+            </a:pPr>
+            <a:endParaRPr lang="en-GB" dirty="0" smtClean="0"/>
+          </a:p>
+          <a:p>
+            <a:pPr marL="0" indent="0">
+              <a:buNone/>
+            </a:pPr>
+            <a:endParaRPr lang="en-GB" dirty="0"/>
+          </a:p>
+          <a:p>
+            <a:pPr marL="0" indent="0">
+              <a:buNone/>
+            </a:pPr>
+            <a:endParaRPr lang="en-GB" dirty="0" smtClean="0"/>
+          </a:p>
+          <a:p>
+            <a:pPr marL="0" indent="0">
+              <a:buNone/>
+            </a:pPr>
+            <a:r>
+              <a:rPr lang="en-GB" dirty="0" smtClean="0"/>
+              <a:t>HTML Implementation</a:t>
+            </a:r>
+            <a:endParaRPr lang="en-GB" dirty="0" smtClean="0"/>
+          </a:p>
+          <a:p>
+            <a:pPr marL="0" indent="0">
+              <a:buNone/>
+            </a:pPr>
+            <a:endParaRPr lang="en-GB" dirty="0"/>
+          </a:p>
+        </p:txBody>
+      </p:sp>
+      <p:pic>
+        <p:nvPicPr>
+          <p:cNvPr id="3" name="Picture 2"/>
+          <p:cNvPicPr>
+            <a:picLocks noChangeAspect="1"/>
+          </p:cNvPicPr>
+          <p:nvPr/>
+        </p:nvPicPr>
+        <p:blipFill>
+          <a:blip r:embed="rId3"/>
+          <a:stretch>
+            <a:fillRect/>
+          </a:stretch>
+        </p:blipFill>
+        <p:spPr>
+          <a:xfrm>
+            <a:off x="838200" y="1981200"/>
+            <a:ext cx="6086475" cy="1219200"/>
+          </a:xfrm>
+          <a:prstGeom prst="rect">
+            <a:avLst/>
+          </a:prstGeom>
+        </p:spPr>
+      </p:pic>
+      <p:pic>
+        <p:nvPicPr>
+          <p:cNvPr id="4" name="Picture 3"/>
+          <p:cNvPicPr>
+            <a:picLocks noChangeAspect="1"/>
+          </p:cNvPicPr>
+          <p:nvPr/>
+        </p:nvPicPr>
+        <p:blipFill>
+          <a:blip r:embed="rId4"/>
+          <a:stretch>
+            <a:fillRect/>
+          </a:stretch>
+        </p:blipFill>
+        <p:spPr>
+          <a:xfrm>
+            <a:off x="849086" y="4648200"/>
+            <a:ext cx="4152900" cy="476250"/>
+          </a:xfrm>
+          <a:prstGeom prst="rect">
+            <a:avLst/>
+          </a:prstGeom>
+        </p:spPr>
+      </p:pic>
+      <p:cxnSp>
+        <p:nvCxnSpPr>
+          <p:cNvPr id="7" name="Straight Arrow Connector 6"/>
+          <p:cNvCxnSpPr/>
+          <p:nvPr/>
+        </p:nvCxnSpPr>
+        <p:spPr bwMode="auto">
+          <a:xfrm flipH="1">
+            <a:off x="5181600" y="1676400"/>
+            <a:ext cx="1219200" cy="239441"/>
+          </a:xfrm>
+          <a:prstGeom prst="straightConnector1">
+            <a:avLst/>
+          </a:prstGeom>
+          <a:ln w="63500">
+            <a:solidFill>
+              <a:schemeClr val="tx1"/>
+            </a:solidFill>
+            <a:headEnd type="none" w="med" len="med"/>
+            <a:tailEnd type="triangle"/>
+          </a:ln>
+        </p:spPr>
+        <p:style>
+          <a:lnRef idx="1">
+            <a:schemeClr val="accent2"/>
+          </a:lnRef>
+          <a:fillRef idx="0">
+            <a:schemeClr val="accent2"/>
+          </a:fillRef>
+          <a:effectRef idx="0">
+            <a:schemeClr val="accent2"/>
+          </a:effectRef>
+          <a:fontRef idx="minor">
+            <a:schemeClr val="tx1"/>
+          </a:fontRef>
+        </p:style>
+      </p:cxnSp>
+      <p:sp>
+        <p:nvSpPr>
+          <p:cNvPr id="8" name="TextBox 7"/>
+          <p:cNvSpPr txBox="1"/>
+          <p:nvPr/>
+        </p:nvSpPr>
+        <p:spPr bwMode="auto">
+          <a:xfrm>
+            <a:off x="6400800" y="1459468"/>
+            <a:ext cx="2743200" cy="369332"/>
+          </a:xfrm>
+          <a:prstGeom prst="rect">
+            <a:avLst/>
+          </a:prstGeom>
+          <a:noFill/>
+          <a:ln w="9525">
+            <a:noFill/>
+            <a:miter lim="800000"/>
+            <a:headEnd/>
+            <a:tailEnd/>
+          </a:ln>
+        </p:spPr>
+        <p:txBody>
+          <a:bodyPr wrap="square" rtlCol="0">
+            <a:spAutoFit/>
+          </a:bodyPr>
+          <a:lstStyle/>
+          <a:p>
+            <a:r>
+              <a:rPr lang="en-US" dirty="0" smtClean="0">
+                <a:latin typeface="+mj-lt"/>
+              </a:rPr>
+              <a:t>Computed Observable</a:t>
+            </a:r>
+          </a:p>
+        </p:txBody>
+      </p:sp>
+      <p:cxnSp>
+        <p:nvCxnSpPr>
+          <p:cNvPr id="9" name="Straight Arrow Connector 8"/>
+          <p:cNvCxnSpPr/>
+          <p:nvPr/>
+        </p:nvCxnSpPr>
+        <p:spPr bwMode="auto">
+          <a:xfrm flipH="1" flipV="1">
+            <a:off x="4572000" y="2819400"/>
+            <a:ext cx="1828800" cy="293132"/>
+          </a:xfrm>
+          <a:prstGeom prst="straightConnector1">
+            <a:avLst/>
+          </a:prstGeom>
+          <a:ln w="63500">
+            <a:solidFill>
+              <a:schemeClr val="tx1"/>
+            </a:solidFill>
+            <a:headEnd type="none" w="med" len="med"/>
+            <a:tailEnd type="triangle"/>
+          </a:ln>
+        </p:spPr>
+        <p:style>
+          <a:lnRef idx="1">
+            <a:schemeClr val="accent2"/>
+          </a:lnRef>
+          <a:fillRef idx="0">
+            <a:schemeClr val="accent2"/>
+          </a:fillRef>
+          <a:effectRef idx="0">
+            <a:schemeClr val="accent2"/>
+          </a:effectRef>
+          <a:fontRef idx="minor">
+            <a:schemeClr val="tx1"/>
+          </a:fontRef>
+        </p:style>
+      </p:cxnSp>
+      <p:sp>
+        <p:nvSpPr>
+          <p:cNvPr id="10" name="TextBox 9"/>
+          <p:cNvSpPr txBox="1"/>
+          <p:nvPr/>
+        </p:nvSpPr>
+        <p:spPr bwMode="auto">
+          <a:xfrm>
+            <a:off x="6400800" y="2895600"/>
+            <a:ext cx="2743200" cy="646331"/>
+          </a:xfrm>
+          <a:prstGeom prst="rect">
+            <a:avLst/>
+          </a:prstGeom>
+          <a:noFill/>
+          <a:ln w="9525">
+            <a:noFill/>
+            <a:miter lim="800000"/>
+            <a:headEnd/>
+            <a:tailEnd/>
+          </a:ln>
+        </p:spPr>
+        <p:txBody>
+          <a:bodyPr wrap="square" rtlCol="0">
+            <a:spAutoFit/>
+          </a:bodyPr>
+          <a:lstStyle/>
+          <a:p>
+            <a:r>
+              <a:rPr lang="en-US" dirty="0" smtClean="0">
+                <a:latin typeface="+mj-lt"/>
+              </a:rPr>
+              <a:t>Triggers off another Observable</a:t>
+            </a:r>
+            <a:endParaRPr lang="en-US" dirty="0" smtClean="0">
+              <a:latin typeface="+mj-lt"/>
+            </a:endParaRPr>
+          </a:p>
+        </p:txBody>
+      </p:sp>
+      <p:cxnSp>
+        <p:nvCxnSpPr>
+          <p:cNvPr id="12" name="Straight Arrow Connector 11"/>
+          <p:cNvCxnSpPr/>
+          <p:nvPr/>
+        </p:nvCxnSpPr>
+        <p:spPr bwMode="auto">
+          <a:xfrm flipH="1">
+            <a:off x="5181600" y="4408759"/>
+            <a:ext cx="1219200" cy="239441"/>
+          </a:xfrm>
+          <a:prstGeom prst="straightConnector1">
+            <a:avLst/>
+          </a:prstGeom>
+          <a:ln w="63500">
+            <a:solidFill>
+              <a:schemeClr val="tx1"/>
+            </a:solidFill>
+            <a:headEnd type="none" w="med" len="med"/>
+            <a:tailEnd type="triangle"/>
+          </a:ln>
+        </p:spPr>
+        <p:style>
+          <a:lnRef idx="1">
+            <a:schemeClr val="accent2"/>
+          </a:lnRef>
+          <a:fillRef idx="0">
+            <a:schemeClr val="accent2"/>
+          </a:fillRef>
+          <a:effectRef idx="0">
+            <a:schemeClr val="accent2"/>
+          </a:effectRef>
+          <a:fontRef idx="minor">
+            <a:schemeClr val="tx1"/>
+          </a:fontRef>
+        </p:style>
+      </p:cxnSp>
+      <p:sp>
+        <p:nvSpPr>
+          <p:cNvPr id="13" name="TextBox 12"/>
+          <p:cNvSpPr txBox="1"/>
+          <p:nvPr/>
+        </p:nvSpPr>
+        <p:spPr bwMode="auto">
+          <a:xfrm>
+            <a:off x="6400800" y="4191827"/>
+            <a:ext cx="2743200" cy="369332"/>
+          </a:xfrm>
+          <a:prstGeom prst="rect">
+            <a:avLst/>
+          </a:prstGeom>
+          <a:noFill/>
+          <a:ln w="9525">
+            <a:noFill/>
+            <a:miter lim="800000"/>
+            <a:headEnd/>
+            <a:tailEnd/>
+          </a:ln>
+        </p:spPr>
+        <p:txBody>
+          <a:bodyPr wrap="square" rtlCol="0">
+            <a:spAutoFit/>
+          </a:bodyPr>
+          <a:lstStyle/>
+          <a:p>
+            <a:r>
+              <a:rPr lang="en-US" dirty="0" smtClean="0">
+                <a:latin typeface="+mj-lt"/>
+              </a:rPr>
+              <a:t>Bound to the Observable</a:t>
+            </a:r>
+          </a:p>
+        </p:txBody>
+      </p:sp>
+      <p:cxnSp>
+        <p:nvCxnSpPr>
+          <p:cNvPr id="14" name="Straight Arrow Connector 13"/>
+          <p:cNvCxnSpPr/>
+          <p:nvPr/>
+        </p:nvCxnSpPr>
+        <p:spPr bwMode="auto">
+          <a:xfrm flipV="1">
+            <a:off x="2514600" y="5029200"/>
+            <a:ext cx="0" cy="556141"/>
+          </a:xfrm>
+          <a:prstGeom prst="straightConnector1">
+            <a:avLst/>
+          </a:prstGeom>
+          <a:ln w="63500">
+            <a:solidFill>
+              <a:schemeClr val="tx1"/>
+            </a:solidFill>
+            <a:headEnd type="none" w="med" len="med"/>
+            <a:tailEnd type="triangle"/>
+          </a:ln>
+        </p:spPr>
+        <p:style>
+          <a:lnRef idx="1">
+            <a:schemeClr val="accent2"/>
+          </a:lnRef>
+          <a:fillRef idx="0">
+            <a:schemeClr val="accent2"/>
+          </a:fillRef>
+          <a:effectRef idx="0">
+            <a:schemeClr val="accent2"/>
+          </a:effectRef>
+          <a:fontRef idx="minor">
+            <a:schemeClr val="tx1"/>
+          </a:fontRef>
+        </p:style>
+      </p:cxnSp>
+      <p:sp>
+        <p:nvSpPr>
+          <p:cNvPr id="15" name="TextBox 14"/>
+          <p:cNvSpPr txBox="1"/>
+          <p:nvPr/>
+        </p:nvSpPr>
+        <p:spPr bwMode="auto">
+          <a:xfrm>
+            <a:off x="1143000" y="5640116"/>
+            <a:ext cx="2743200" cy="369332"/>
+          </a:xfrm>
+          <a:prstGeom prst="rect">
+            <a:avLst/>
+          </a:prstGeom>
+          <a:noFill/>
+          <a:ln w="9525">
+            <a:noFill/>
+            <a:miter lim="800000"/>
+            <a:headEnd/>
+            <a:tailEnd/>
+          </a:ln>
+        </p:spPr>
+        <p:txBody>
+          <a:bodyPr wrap="square" rtlCol="0">
+            <a:spAutoFit/>
+          </a:bodyPr>
+          <a:lstStyle/>
+          <a:p>
+            <a:r>
+              <a:rPr lang="en-US" dirty="0" smtClean="0">
+                <a:latin typeface="+mj-lt"/>
+              </a:rPr>
+              <a:t>Uses the </a:t>
+            </a:r>
+            <a:r>
+              <a:rPr lang="en-US" dirty="0" err="1" smtClean="0">
+                <a:latin typeface="+mj-lt"/>
+              </a:rPr>
+              <a:t>attr</a:t>
+            </a:r>
+            <a:r>
+              <a:rPr lang="en-US" dirty="0" smtClean="0">
+                <a:latin typeface="+mj-lt"/>
+              </a:rPr>
+              <a:t> binding key</a:t>
+            </a:r>
+          </a:p>
+        </p:txBody>
+      </p:sp>
+    </p:spTree>
+    <p:extLst>
+      <p:ext uri="{BB962C8B-B14F-4D97-AF65-F5344CB8AC3E}">
+        <p14:creationId xmlns:p14="http://schemas.microsoft.com/office/powerpoint/2010/main" val="4247314008"/>
+      </p:ext>
+    </p:extLst>
+  </p:cSld>
+  <p:clrMapOvr>
+    <a:masterClrMapping/>
+  </p:clrMapOvr>
+  <p:transition>
+    <p:fade/>
+  </p:transition>
+  <p:timing>
+    <p:tnLst>
+      <p:par>
+        <p:cTn id="1" dur="indefinite" restart="never" nodeType="tmRoot">
+          <p:childTnLst>
+            <p:seq concurrent="1" nextAc="seek">
+              <p:cTn id="2" dur="indefinite" nodeType="mainSeq">
+                <p:childTnLst>
+                  <p:par>
+                    <p:cTn id="3" fill="hold">
+                      <p:stCondLst>
+                        <p:cond delay="indefinite"/>
+                      </p:stCondLst>
+                      <p:childTnLst>
+                        <p:par>
+                          <p:cTn id="4" fill="hold">
+                            <p:stCondLst>
+                              <p:cond delay="0"/>
+                            </p:stCondLst>
+                            <p:childTnLst>
+                              <p:par>
+                                <p:cTn id="5" presetID="10" presetClass="entr" presetSubtype="0" fill="hold" grpId="0" nodeType="clickEffect">
+                                  <p:stCondLst>
+                                    <p:cond delay="0"/>
+                                  </p:stCondLst>
+                                  <p:childTnLst>
+                                    <p:set>
+                                      <p:cBhvr>
+                                        <p:cTn id="6" dur="1" fill="hold">
+                                          <p:stCondLst>
+                                            <p:cond delay="0"/>
+                                          </p:stCondLst>
+                                        </p:cTn>
+                                        <p:tgtEl>
+                                          <p:spTgt spid="5">
+                                            <p:txEl>
+                                              <p:pRg st="0" end="0"/>
+                                            </p:txEl>
+                                          </p:spTgt>
+                                        </p:tgtEl>
+                                        <p:attrNameLst>
+                                          <p:attrName>style.visibility</p:attrName>
+                                        </p:attrNameLst>
+                                      </p:cBhvr>
+                                      <p:to>
+                                        <p:strVal val="visible"/>
+                                      </p:to>
+                                    </p:set>
+                                    <p:animEffect transition="in" filter="fade">
+                                      <p:cBhvr>
+                                        <p:cTn id="7" dur="500"/>
+                                        <p:tgtEl>
+                                          <p:spTgt spid="5">
+                                            <p:txEl>
+                                              <p:pRg st="0" end="0"/>
+                                            </p:txEl>
+                                          </p:spTgt>
+                                        </p:tgtEl>
+                                      </p:cBhvr>
+                                    </p:animEffect>
+                                  </p:childTnLst>
+                                </p:cTn>
+                              </p:par>
+                              <p:par>
+                                <p:cTn id="8" presetID="1" presetClass="entr" presetSubtype="0" fill="hold" nodeType="withEffect">
+                                  <p:stCondLst>
+                                    <p:cond delay="0"/>
+                                  </p:stCondLst>
+                                  <p:childTnLst>
+                                    <p:set>
+                                      <p:cBhvr>
+                                        <p:cTn id="9" dur="1" fill="hold">
+                                          <p:stCondLst>
+                                            <p:cond delay="0"/>
+                                          </p:stCondLst>
+                                        </p:cTn>
+                                        <p:tgtEl>
+                                          <p:spTgt spid="3"/>
+                                        </p:tgtEl>
+                                        <p:attrNameLst>
+                                          <p:attrName>style.visibility</p:attrName>
+                                        </p:attrNameLst>
+                                      </p:cBhvr>
+                                      <p:to>
+                                        <p:strVal val="visible"/>
+                                      </p:to>
+                                    </p:set>
+                                  </p:childTnLst>
+                                </p:cTn>
+                              </p:par>
+                            </p:childTnLst>
+                          </p:cTn>
+                        </p:par>
+                      </p:childTnLst>
+                    </p:cTn>
+                  </p:par>
+                  <p:par>
+                    <p:cTn id="10" fill="hold">
+                      <p:stCondLst>
+                        <p:cond delay="indefinite"/>
+                      </p:stCondLst>
+                      <p:childTnLst>
+                        <p:par>
+                          <p:cTn id="11" fill="hold">
+                            <p:stCondLst>
+                              <p:cond delay="0"/>
+                            </p:stCondLst>
+                            <p:childTnLst>
+                              <p:par>
+                                <p:cTn id="12" presetID="1" presetClass="entr" presetSubtype="0" fill="hold" nodeType="clickEffect">
+                                  <p:stCondLst>
+                                    <p:cond delay="0"/>
+                                  </p:stCondLst>
+                                  <p:childTnLst>
+                                    <p:set>
+                                      <p:cBhvr>
+                                        <p:cTn id="13" dur="1" fill="hold">
+                                          <p:stCondLst>
+                                            <p:cond delay="0"/>
+                                          </p:stCondLst>
+                                        </p:cTn>
+                                        <p:tgtEl>
+                                          <p:spTgt spid="7"/>
+                                        </p:tgtEl>
+                                        <p:attrNameLst>
+                                          <p:attrName>style.visibility</p:attrName>
+                                        </p:attrNameLst>
+                                      </p:cBhvr>
+                                      <p:to>
+                                        <p:strVal val="visible"/>
+                                      </p:to>
+                                    </p:set>
+                                  </p:childTnLst>
+                                </p:cTn>
+                              </p:par>
+                              <p:par>
+                                <p:cTn id="14" presetID="1" presetClass="entr" presetSubtype="0" fill="hold" grpId="0" nodeType="withEffect">
+                                  <p:stCondLst>
+                                    <p:cond delay="0"/>
+                                  </p:stCondLst>
+                                  <p:childTnLst>
+                                    <p:set>
+                                      <p:cBhvr>
+                                        <p:cTn id="15" dur="1" fill="hold">
+                                          <p:stCondLst>
+                                            <p:cond delay="0"/>
+                                          </p:stCondLst>
+                                        </p:cTn>
+                                        <p:tgtEl>
+                                          <p:spTgt spid="8"/>
+                                        </p:tgtEl>
+                                        <p:attrNameLst>
+                                          <p:attrName>style.visibility</p:attrName>
+                                        </p:attrNameLst>
+                                      </p:cBhvr>
+                                      <p:to>
+                                        <p:strVal val="visible"/>
+                                      </p:to>
+                                    </p:set>
+                                  </p:childTnLst>
+                                </p:cTn>
+                              </p:par>
+                            </p:childTnLst>
+                          </p:cTn>
+                        </p:par>
+                      </p:childTnLst>
+                    </p:cTn>
+                  </p:par>
+                  <p:par>
+                    <p:cTn id="16" fill="hold">
+                      <p:stCondLst>
+                        <p:cond delay="indefinite"/>
+                      </p:stCondLst>
+                      <p:childTnLst>
+                        <p:par>
+                          <p:cTn id="17" fill="hold">
+                            <p:stCondLst>
+                              <p:cond delay="0"/>
+                            </p:stCondLst>
+                            <p:childTnLst>
+                              <p:par>
+                                <p:cTn id="18" presetID="1" presetClass="entr" presetSubtype="0" fill="hold" nodeType="clickEffect">
+                                  <p:stCondLst>
+                                    <p:cond delay="0"/>
+                                  </p:stCondLst>
+                                  <p:childTnLst>
+                                    <p:set>
+                                      <p:cBhvr>
+                                        <p:cTn id="19" dur="1" fill="hold">
+                                          <p:stCondLst>
+                                            <p:cond delay="0"/>
+                                          </p:stCondLst>
+                                        </p:cTn>
+                                        <p:tgtEl>
+                                          <p:spTgt spid="9"/>
+                                        </p:tgtEl>
+                                        <p:attrNameLst>
+                                          <p:attrName>style.visibility</p:attrName>
+                                        </p:attrNameLst>
+                                      </p:cBhvr>
+                                      <p:to>
+                                        <p:strVal val="visible"/>
+                                      </p:to>
+                                    </p:set>
+                                  </p:childTnLst>
+                                </p:cTn>
+                              </p:par>
+                              <p:par>
+                                <p:cTn id="20" presetID="1" presetClass="entr" presetSubtype="0" fill="hold" grpId="0" nodeType="withEffect">
+                                  <p:stCondLst>
+                                    <p:cond delay="0"/>
+                                  </p:stCondLst>
+                                  <p:childTnLst>
+                                    <p:set>
+                                      <p:cBhvr>
+                                        <p:cTn id="21" dur="1" fill="hold">
+                                          <p:stCondLst>
+                                            <p:cond delay="0"/>
+                                          </p:stCondLst>
+                                        </p:cTn>
+                                        <p:tgtEl>
+                                          <p:spTgt spid="10"/>
+                                        </p:tgtEl>
+                                        <p:attrNameLst>
+                                          <p:attrName>style.visibility</p:attrName>
+                                        </p:attrNameLst>
+                                      </p:cBhvr>
+                                      <p:to>
+                                        <p:strVal val="visible"/>
+                                      </p:to>
+                                    </p:set>
+                                  </p:childTnLst>
+                                </p:cTn>
+                              </p:par>
+                            </p:childTnLst>
+                          </p:cTn>
+                        </p:par>
+                      </p:childTnLst>
+                    </p:cTn>
+                  </p:par>
+                  <p:par>
+                    <p:cTn id="22" fill="hold">
+                      <p:stCondLst>
+                        <p:cond delay="indefinite"/>
+                      </p:stCondLst>
+                      <p:childTnLst>
+                        <p:par>
+                          <p:cTn id="23" fill="hold">
+                            <p:stCondLst>
+                              <p:cond delay="0"/>
+                            </p:stCondLst>
+                            <p:childTnLst>
+                              <p:par>
+                                <p:cTn id="24" presetID="10" presetClass="entr" presetSubtype="0" fill="hold" grpId="0" nodeType="clickEffect">
+                                  <p:stCondLst>
+                                    <p:cond delay="0"/>
+                                  </p:stCondLst>
+                                  <p:childTnLst>
+                                    <p:set>
+                                      <p:cBhvr>
+                                        <p:cTn id="25" dur="1" fill="hold">
+                                          <p:stCondLst>
+                                            <p:cond delay="0"/>
+                                          </p:stCondLst>
+                                        </p:cTn>
+                                        <p:tgtEl>
+                                          <p:spTgt spid="5">
+                                            <p:txEl>
+                                              <p:pRg st="7" end="7"/>
+                                            </p:txEl>
+                                          </p:spTgt>
+                                        </p:tgtEl>
+                                        <p:attrNameLst>
+                                          <p:attrName>style.visibility</p:attrName>
+                                        </p:attrNameLst>
+                                      </p:cBhvr>
+                                      <p:to>
+                                        <p:strVal val="visible"/>
+                                      </p:to>
+                                    </p:set>
+                                    <p:animEffect transition="in" filter="fade">
+                                      <p:cBhvr>
+                                        <p:cTn id="26" dur="500"/>
+                                        <p:tgtEl>
+                                          <p:spTgt spid="5">
+                                            <p:txEl>
+                                              <p:pRg st="7" end="7"/>
+                                            </p:txEl>
+                                          </p:spTgt>
+                                        </p:tgtEl>
+                                      </p:cBhvr>
+                                    </p:animEffect>
+                                  </p:childTnLst>
+                                </p:cTn>
+                              </p:par>
+                              <p:par>
+                                <p:cTn id="27" presetID="1" presetClass="entr" presetSubtype="0" fill="hold" nodeType="withEffect">
+                                  <p:stCondLst>
+                                    <p:cond delay="0"/>
+                                  </p:stCondLst>
+                                  <p:childTnLst>
+                                    <p:set>
+                                      <p:cBhvr>
+                                        <p:cTn id="28" dur="1" fill="hold">
+                                          <p:stCondLst>
+                                            <p:cond delay="0"/>
+                                          </p:stCondLst>
+                                        </p:cTn>
+                                        <p:tgtEl>
+                                          <p:spTgt spid="4"/>
+                                        </p:tgtEl>
+                                        <p:attrNameLst>
+                                          <p:attrName>style.visibility</p:attrName>
+                                        </p:attrNameLst>
+                                      </p:cBhvr>
+                                      <p:to>
+                                        <p:strVal val="visible"/>
+                                      </p:to>
+                                    </p:set>
+                                  </p:childTnLst>
+                                </p:cTn>
+                              </p:par>
+                            </p:childTnLst>
+                          </p:cTn>
+                        </p:par>
+                      </p:childTnLst>
+                    </p:cTn>
+                  </p:par>
+                  <p:par>
+                    <p:cTn id="29" fill="hold">
+                      <p:stCondLst>
+                        <p:cond delay="indefinite"/>
+                      </p:stCondLst>
+                      <p:childTnLst>
+                        <p:par>
+                          <p:cTn id="30" fill="hold">
+                            <p:stCondLst>
+                              <p:cond delay="0"/>
+                            </p:stCondLst>
+                            <p:childTnLst>
+                              <p:par>
+                                <p:cTn id="31" presetID="1" presetClass="entr" presetSubtype="0" fill="hold" nodeType="clickEffect">
+                                  <p:stCondLst>
+                                    <p:cond delay="0"/>
+                                  </p:stCondLst>
+                                  <p:childTnLst>
+                                    <p:set>
+                                      <p:cBhvr>
+                                        <p:cTn id="32" dur="1" fill="hold">
+                                          <p:stCondLst>
+                                            <p:cond delay="0"/>
+                                          </p:stCondLst>
+                                        </p:cTn>
+                                        <p:tgtEl>
+                                          <p:spTgt spid="14"/>
+                                        </p:tgtEl>
+                                        <p:attrNameLst>
+                                          <p:attrName>style.visibility</p:attrName>
+                                        </p:attrNameLst>
+                                      </p:cBhvr>
+                                      <p:to>
+                                        <p:strVal val="visible"/>
+                                      </p:to>
+                                    </p:set>
+                                  </p:childTnLst>
+                                </p:cTn>
+                              </p:par>
+                              <p:par>
+                                <p:cTn id="33" presetID="1" presetClass="entr" presetSubtype="0" fill="hold" grpId="0" nodeType="withEffect">
+                                  <p:stCondLst>
+                                    <p:cond delay="0"/>
+                                  </p:stCondLst>
+                                  <p:childTnLst>
+                                    <p:set>
+                                      <p:cBhvr>
+                                        <p:cTn id="34" dur="1" fill="hold">
+                                          <p:stCondLst>
+                                            <p:cond delay="0"/>
+                                          </p:stCondLst>
+                                        </p:cTn>
+                                        <p:tgtEl>
+                                          <p:spTgt spid="15"/>
+                                        </p:tgtEl>
+                                        <p:attrNameLst>
+                                          <p:attrName>style.visibility</p:attrName>
+                                        </p:attrNameLst>
+                                      </p:cBhvr>
+                                      <p:to>
+                                        <p:strVal val="visible"/>
+                                      </p:to>
+                                    </p:set>
+                                  </p:childTnLst>
+                                </p:cTn>
+                              </p:par>
+                            </p:childTnLst>
+                          </p:cTn>
+                        </p:par>
+                      </p:childTnLst>
+                    </p:cTn>
+                  </p:par>
+                  <p:par>
+                    <p:cTn id="35" fill="hold">
+                      <p:stCondLst>
+                        <p:cond delay="indefinite"/>
+                      </p:stCondLst>
+                      <p:childTnLst>
+                        <p:par>
+                          <p:cTn id="36" fill="hold">
+                            <p:stCondLst>
+                              <p:cond delay="0"/>
+                            </p:stCondLst>
+                            <p:childTnLst>
+                              <p:par>
+                                <p:cTn id="37" presetID="1" presetClass="entr" presetSubtype="0" fill="hold" nodeType="clickEffect">
+                                  <p:stCondLst>
+                                    <p:cond delay="0"/>
+                                  </p:stCondLst>
+                                  <p:childTnLst>
+                                    <p:set>
+                                      <p:cBhvr>
+                                        <p:cTn id="38" dur="1" fill="hold">
+                                          <p:stCondLst>
+                                            <p:cond delay="0"/>
+                                          </p:stCondLst>
+                                        </p:cTn>
+                                        <p:tgtEl>
+                                          <p:spTgt spid="12"/>
+                                        </p:tgtEl>
+                                        <p:attrNameLst>
+                                          <p:attrName>style.visibility</p:attrName>
+                                        </p:attrNameLst>
+                                      </p:cBhvr>
+                                      <p:to>
+                                        <p:strVal val="visible"/>
+                                      </p:to>
+                                    </p:set>
+                                  </p:childTnLst>
+                                </p:cTn>
+                              </p:par>
+                              <p:par>
+                                <p:cTn id="39" presetID="1" presetClass="entr" presetSubtype="0" fill="hold" grpId="0" nodeType="withEffect">
+                                  <p:stCondLst>
+                                    <p:cond delay="0"/>
+                                  </p:stCondLst>
+                                  <p:childTnLst>
+                                    <p:set>
+                                      <p:cBhvr>
+                                        <p:cTn id="40" dur="1" fill="hold">
+                                          <p:stCondLst>
+                                            <p:cond delay="0"/>
+                                          </p:stCondLst>
+                                        </p:cTn>
+                                        <p:tgtEl>
+                                          <p:spTgt spid="13"/>
+                                        </p:tgtEl>
+                                        <p:attrNameLst>
+                                          <p:attrName>style.visibility</p:attrName>
+                                        </p:attrNameLst>
+                                      </p:cBhvr>
+                                      <p:to>
+                                        <p:strVal val="visible"/>
+                                      </p:to>
+                                    </p:set>
+                                  </p:childTnLst>
+                                </p:cTn>
+                              </p:par>
+                            </p:childTnLst>
+                          </p:cTn>
+                        </p:par>
+                      </p:childTnLst>
+                    </p:cTn>
+                  </p:par>
+                </p:childTnLst>
+              </p:cTn>
+              <p:prevCondLst>
+                <p:cond evt="onPrev" delay="0">
+                  <p:tgtEl>
+                    <p:sldTgt/>
+                  </p:tgtEl>
+                </p:cond>
+              </p:prevCondLst>
+              <p:nextCondLst>
+                <p:cond evt="onNext" delay="0">
+                  <p:tgtEl>
+                    <p:sldTgt/>
+                  </p:tgtEl>
+                </p:cond>
+              </p:nextCondLst>
+            </p:seq>
+          </p:childTnLst>
+        </p:cTn>
+      </p:par>
+    </p:tnLst>
+    <p:bldLst>
+      <p:bldP spid="5" grpId="0" uiExpand="1" build="p"/>
+      <p:bldP spid="8" grpId="0"/>
+      <p:bldP spid="10" grpId="0"/>
+      <p:bldP spid="13" grpId="0"/>
+      <p:bldP spid="15" grpId="0"/>
+    </p:bldLst>
+  </p:timing>
+</p:sld>
+</file>
+
+<file path=ppt/slides/slide16.xml><?xml version="1.0" encoding="utf-8"?>
+<p:sld xmlns:a="http://schemas.openxmlformats.org/drawingml/2006/main" xmlns:r="http://schemas.openxmlformats.org/officeDocument/2006/relationships" xmlns:p="http://schemas.openxmlformats.org/presentationml/2006/main" show="0">
+  <p:cSld>
+    <p:bg>
+      <p:bgPr>
+        <a:solidFill>
+          <a:schemeClr val="accent2"/>
+        </a:solidFill>
+        <a:effectLst/>
+      </p:bgPr>
+    </p:bg>
+    <p:spTree>
+      <p:nvGrpSpPr>
+        <p:cNvPr id="1" name=""/>
+        <p:cNvGrpSpPr/>
+        <p:nvPr/>
+      </p:nvGrpSpPr>
+      <p:grpSpPr>
+        <a:xfrm>
+          <a:off x="0" y="0"/>
+          <a:ext cx="0" cy="0"/>
+          <a:chOff x="0" y="0"/>
+          <a:chExt cx="0" cy="0"/>
+        </a:xfrm>
+      </p:grpSpPr>
+      <p:sp>
+        <p:nvSpPr>
+          <p:cNvPr id="2" name="Title 1"/>
+          <p:cNvSpPr>
+            <a:spLocks noGrp="1"/>
+          </p:cNvSpPr>
+          <p:nvPr>
+            <p:ph type="title"/>
+          </p:nvPr>
+        </p:nvSpPr>
+        <p:spPr/>
+        <p:txBody>
+          <a:bodyPr/>
+          <a:lstStyle/>
+          <a:p>
+            <a:r>
+              <a:rPr lang="en-US" dirty="0" smtClean="0"/>
+              <a:t>END OF Overview Slides		</a:t>
+            </a:r>
+            <a:endParaRPr lang="en-GB" dirty="0"/>
+          </a:p>
+        </p:txBody>
+      </p:sp>
+      <p:sp>
+        <p:nvSpPr>
+          <p:cNvPr id="3" name="Text Placeholder 2"/>
+          <p:cNvSpPr>
+            <a:spLocks noGrp="1"/>
+          </p:cNvSpPr>
+          <p:nvPr>
+            <p:ph type="body" idx="1"/>
+          </p:nvPr>
+        </p:nvSpPr>
+        <p:spPr/>
+        <p:txBody>
+          <a:bodyPr/>
+          <a:lstStyle/>
+          <a:p>
+            <a:pPr marL="0" indent="0">
+              <a:buNone/>
+            </a:pPr>
+            <a:r>
+              <a:rPr lang="en-GB" dirty="0" smtClean="0"/>
+              <a:t>	</a:t>
+            </a:r>
+            <a:endParaRPr lang="en-GB" dirty="0"/>
+          </a:p>
+        </p:txBody>
+      </p:sp>
+    </p:spTree>
+    <p:extLst>
+      <p:ext uri="{BB962C8B-B14F-4D97-AF65-F5344CB8AC3E}">
+        <p14:creationId xmlns:p14="http://schemas.microsoft.com/office/powerpoint/2010/main" val="1582496404"/>
+      </p:ext>
+    </p:extLst>
+  </p:cSld>
+  <p:clrMapOvr>
+    <a:masterClrMapping/>
+  </p:clrMapOvr>
+  <p:transition>
+    <p:fade/>
+  </p:transition>
+  <p:timing>
+    <p:tnLst>
+      <p:par>
+        <p:cTn id="1" dur="indefinite" restart="never" nodeType="tmRoot"/>
+      </p:par>
+    </p:tnLst>
+  </p:timing>
+</p:sld>
+</file>
+
+<file path=ppt/slides/slide17.xml><?xml version="1.0" encoding="utf-8"?>
+<p:sld xmlns:a="http://schemas.openxmlformats.org/drawingml/2006/main" xmlns:r="http://schemas.openxmlformats.org/officeDocument/2006/relationships" xmlns:p="http://schemas.openxmlformats.org/presentationml/2006/main">
+  <p:cSld>
+    <p:spTree>
+      <p:nvGrpSpPr>
+        <p:cNvPr id="1" name=""/>
+        <p:cNvGrpSpPr/>
+        <p:nvPr/>
+      </p:nvGrpSpPr>
+      <p:grpSpPr>
+        <a:xfrm>
+          <a:off x="0" y="0"/>
+          <a:ext cx="0" cy="0"/>
+          <a:chOff x="0" y="0"/>
+          <a:chExt cx="0" cy="0"/>
+        </a:xfrm>
+      </p:grpSpPr>
+      <p:sp>
+        <p:nvSpPr>
+          <p:cNvPr id="2" name="Title 1"/>
+          <p:cNvSpPr>
+            <a:spLocks noGrp="1"/>
+          </p:cNvSpPr>
+          <p:nvPr>
+            <p:ph type="title"/>
+          </p:nvPr>
+        </p:nvSpPr>
+        <p:spPr/>
+        <p:txBody>
+          <a:bodyPr/>
+          <a:lstStyle/>
+          <a:p>
+            <a:r>
+              <a:rPr lang="en-US" dirty="0" smtClean="0"/>
+              <a:t>Formatting Data</a:t>
+            </a:r>
+            <a:r>
+              <a:rPr lang="en-US" dirty="0" smtClean="0"/>
+              <a:t>		</a:t>
+            </a:r>
+            <a:endParaRPr lang="en-GB" dirty="0"/>
+          </a:p>
+        </p:txBody>
+      </p:sp>
+      <p:sp>
+        <p:nvSpPr>
+          <p:cNvPr id="3" name="Text Placeholder 2"/>
+          <p:cNvSpPr>
+            <a:spLocks noGrp="1"/>
+          </p:cNvSpPr>
+          <p:nvPr>
+            <p:ph type="body" idx="1"/>
+          </p:nvPr>
+        </p:nvSpPr>
+        <p:spPr/>
+        <p:txBody>
+          <a:bodyPr/>
+          <a:lstStyle/>
+          <a:p>
+            <a:endParaRPr lang="en-GB" dirty="0"/>
+          </a:p>
+        </p:txBody>
+      </p:sp>
+    </p:spTree>
+    <p:extLst>
+      <p:ext uri="{BB962C8B-B14F-4D97-AF65-F5344CB8AC3E}">
+        <p14:creationId xmlns:p14="http://schemas.microsoft.com/office/powerpoint/2010/main" val="2719798708"/>
+      </p:ext>
+    </p:extLst>
+  </p:cSld>
+  <p:clrMapOvr>
+    <a:masterClrMapping/>
+  </p:clrMapOvr>
+  <p:transition>
+    <p:fade/>
+  </p:transition>
+  <p:timing>
+    <p:tnLst>
+      <p:par>
+        <p:cTn id="1" dur="indefinite" restart="never" nodeType="tmRoot">
+          <p:childTnLst>
+            <p:seq concurrent="1" nextAc="seek">
+              <p:cTn id="2" dur="indefinite" nodeType="mainSeq">
+                <p:childTnLst>
+                  <p:par>
+                    <p:cTn id="3" fill="hold">
+                      <p:stCondLst>
+                        <p:cond delay="indefinite"/>
+                      </p:stCondLst>
+                      <p:childTnLst>
+                        <p:par>
+                          <p:cTn id="4" fill="hold">
+                            <p:stCondLst>
+                              <p:cond delay="0"/>
+                            </p:stCondLst>
+                            <p:childTnLst>
+                              <p:par>
+                                <p:cTn id="5" presetID="10" presetClass="entr" presetSubtype="0" fill="hold" grpId="0" nodeType="clickEffect" nodePh="1">
+                                  <p:stCondLst>
+                                    <p:cond delay="0"/>
+                                  </p:stCondLst>
+                                  <p:endCondLst>
+                                    <p:cond evt="begin" delay="0">
+                                      <p:tn val="5"/>
+                                    </p:cond>
+                                  </p:endCondLst>
+                                  <p:childTnLst>
+                                    <p:set>
+                                      <p:cBhvr>
+                                        <p:cTn id="6" dur="1" fill="hold">
+                                          <p:stCondLst>
+                                            <p:cond delay="0"/>
+                                          </p:stCondLst>
+                                        </p:cTn>
+                                        <p:tgtEl>
+                                          <p:spTgt spid="3">
+                                            <p:txEl>
+                                              <p:pRg st="0" end="0"/>
+                                            </p:txEl>
+                                          </p:spTgt>
+                                        </p:tgtEl>
+                                        <p:attrNameLst>
+                                          <p:attrName>style.visibility</p:attrName>
+                                        </p:attrNameLst>
+                                      </p:cBhvr>
+                                      <p:to>
+                                        <p:strVal val="visible"/>
+                                      </p:to>
+                                    </p:set>
+                                    <p:animEffect transition="in" filter="fade">
+                                      <p:cBhvr>
+                                        <p:cTn id="7" dur="500"/>
+                                        <p:tgtEl>
+                                          <p:spTgt spid="3">
+                                            <p:txEl>
+                                              <p:pRg st="0" end="0"/>
+                                            </p:txEl>
+                                          </p:spTgt>
+                                        </p:tgtEl>
+                                      </p:cBhvr>
+                                    </p:animEffect>
+                                  </p:childTnLst>
+                                </p:cTn>
+                              </p:par>
+                            </p:childTnLst>
+                          </p:cTn>
+                        </p:par>
+                      </p:childTnLst>
+                    </p:cTn>
+                  </p:par>
+                </p:childTnLst>
+              </p:cTn>
+              <p:prevCondLst>
+                <p:cond evt="onPrev" delay="0">
+                  <p:tgtEl>
+                    <p:sldTgt/>
+                  </p:tgtEl>
+                </p:cond>
+              </p:prevCondLst>
+              <p:nextCondLst>
+                <p:cond evt="onNext" delay="0">
+                  <p:tgtEl>
+                    <p:sldTgt/>
+                  </p:tgtEl>
+                </p:cond>
+              </p:nextCondLst>
+            </p:seq>
+          </p:childTnLst>
+        </p:cTn>
+      </p:par>
+    </p:tnLst>
+    <p:bldLst>
+      <p:bldP spid="3" grpId="0" build="p"/>
+    </p:bldLst>
+  </p:timing>
+</p:sld>
+</file>
+
+<file path=ppt/slides/slide18.xml><?xml version="1.0" encoding="utf-8"?>
+<p:sld xmlns:a="http://schemas.openxmlformats.org/drawingml/2006/main" xmlns:r="http://schemas.openxmlformats.org/officeDocument/2006/relationships" xmlns:p="http://schemas.openxmlformats.org/presentationml/2006/main" show="0">
+  <p:cSld>
+    <p:bg>
+      <p:bgPr>
+        <a:solidFill>
+          <a:schemeClr val="accent2"/>
+        </a:solidFill>
+        <a:effectLst/>
+      </p:bgPr>
+    </p:bg>
+    <p:spTree>
+      <p:nvGrpSpPr>
+        <p:cNvPr id="1" name=""/>
+        <p:cNvGrpSpPr/>
+        <p:nvPr/>
+      </p:nvGrpSpPr>
+      <p:grpSpPr>
+        <a:xfrm>
+          <a:off x="0" y="0"/>
+          <a:ext cx="0" cy="0"/>
+          <a:chOff x="0" y="0"/>
+          <a:chExt cx="0" cy="0"/>
+        </a:xfrm>
+      </p:grpSpPr>
+      <p:sp>
+        <p:nvSpPr>
+          <p:cNvPr id="2" name="Title 1"/>
+          <p:cNvSpPr>
+            <a:spLocks noGrp="1"/>
+          </p:cNvSpPr>
+          <p:nvPr>
+            <p:ph type="title"/>
+          </p:nvPr>
+        </p:nvSpPr>
+        <p:spPr/>
+        <p:txBody>
+          <a:bodyPr/>
+          <a:lstStyle/>
+          <a:p>
+            <a:r>
+              <a:rPr lang="en-US" dirty="0" smtClean="0"/>
+              <a:t>END OF Overview Slides		</a:t>
+            </a:r>
+            <a:endParaRPr lang="en-GB" dirty="0"/>
+          </a:p>
+        </p:txBody>
+      </p:sp>
+      <p:sp>
+        <p:nvSpPr>
+          <p:cNvPr id="3" name="Text Placeholder 2"/>
+          <p:cNvSpPr>
+            <a:spLocks noGrp="1"/>
+          </p:cNvSpPr>
+          <p:nvPr>
+            <p:ph type="body" idx="1"/>
+          </p:nvPr>
+        </p:nvSpPr>
+        <p:spPr/>
+        <p:txBody>
+          <a:bodyPr/>
+          <a:lstStyle/>
+          <a:p>
+            <a:pPr marL="0" indent="0">
+              <a:buNone/>
+            </a:pPr>
+            <a:r>
+              <a:rPr lang="en-GB" dirty="0" smtClean="0"/>
+              <a:t>	</a:t>
+            </a:r>
+            <a:endParaRPr lang="en-GB" dirty="0"/>
+          </a:p>
+        </p:txBody>
+      </p:sp>
+    </p:spTree>
+    <p:extLst>
+      <p:ext uri="{BB962C8B-B14F-4D97-AF65-F5344CB8AC3E}">
+        <p14:creationId xmlns:p14="http://schemas.microsoft.com/office/powerpoint/2010/main" val="1213900605"/>
+      </p:ext>
+    </p:extLst>
+  </p:cSld>
+  <p:clrMapOvr>
+    <a:masterClrMapping/>
+  </p:clrMapOvr>
+  <p:transition>
+    <p:fade/>
+  </p:transition>
+  <p:timing>
+    <p:tnLst>
+      <p:par>
+        <p:cTn id="1" dur="indefinite" restart="never" nodeType="tmRoot"/>
+      </p:par>
+    </p:tnLst>
+  </p:timing>
+</p:sld>
+</file>
+
 <file path=ppt/slides/slide2.xml><?xml version="1.0" encoding="utf-8"?>
 <p:sld xmlns:a="http://schemas.openxmlformats.org/drawingml/2006/main" xmlns:r="http://schemas.openxmlformats.org/officeDocument/2006/relationships" xmlns:p="http://schemas.openxmlformats.org/presentationml/2006/main">
   <p:cSld>
@@ -3134,7 +8013,7 @@
               <a:rPr lang="en-US" dirty="0" smtClean="0">
                 <a:latin typeface="+mn-lt"/>
               </a:rPr>
-              <a:t>Compare Knockout </a:t>
+              <a:t>Knockout </a:t>
             </a:r>
             <a:r>
               <a:rPr lang="en-US" dirty="0" err="1" smtClean="0">
@@ -3176,7 +8055,7 @@
             <a:pPr lvl="1"/>
             <a:r>
               <a:rPr lang="en-GB" dirty="0" smtClean="0"/>
-              <a:t>Compare layout ideas </a:t>
+              <a:t>Compare layout in HTML </a:t>
             </a:r>
             <a:r>
               <a:rPr lang="en-GB" dirty="0" err="1" smtClean="0"/>
@@ -3188,20 +8067,30 @@
             </a:r>
           </a:p>
           <a:p>
+            <a:pPr marL="457200" lvl="1" indent="0">
+              <a:buNone/>
+            </a:pPr>
+            <a:endParaRPr lang="en-GB" dirty="0" smtClean="0"/>
+          </a:p>
+          <a:p>
+            <a:r>
+              <a:rPr lang="en-GB" dirty="0" smtClean="0"/>
+              <a:t>Fetch data via </a:t>
+            </a:r>
+            <a:r>
+              <a:rPr lang="en-GB" dirty="0" err="1" smtClean="0"/>
+              <a:t>ajax</a:t>
+            </a:r>
+            <a:r>
+              <a:rPr lang="en-GB" dirty="0" smtClean="0"/>
+              <a:t> from our Web API endpoint</a:t>
+            </a:r>
+          </a:p>
+          <a:p>
             <a:pPr lvl="1"/>
-            <a:endParaRPr lang="en-GB" dirty="0" smtClean="0"/>
-          </a:p>
-          <a:p>
             <a:r>
               <a:rPr lang="en-GB" dirty="0" smtClean="0"/>
-              <a:t>Apply styles to an HTML element via Knockout</a:t>
-            </a:r>
-          </a:p>
-          <a:p>
-            <a:pPr lvl="1"/>
-            <a:r>
-              <a:rPr lang="en-GB" dirty="0" smtClean="0"/>
-              <a:t>Compare using Knockout </a:t>
+              <a:t>Ajax </a:t>
             </a:r>
             <a:r>
               <a:rPr lang="en-GB" dirty="0" err="1" smtClean="0"/>
@@ -3213,48 +8102,68 @@
             </a:r>
             <a:r>
               <a:rPr lang="en-GB" dirty="0" err="1" smtClean="0"/>
+              <a:t>HttpClient</a:t>
+            </a:r>
+            <a:endParaRPr lang="en-GB" dirty="0" smtClean="0"/>
+          </a:p>
+          <a:p>
+            <a:pPr lvl="1"/>
+            <a:endParaRPr lang="en-GB" dirty="0"/>
+          </a:p>
+          <a:p>
+            <a:r>
+              <a:rPr lang="en-GB" dirty="0"/>
+              <a:t>Apply styles to an HTML element via Knockout</a:t>
+            </a:r>
+          </a:p>
+          <a:p>
+            <a:pPr lvl="1"/>
+            <a:r>
+              <a:rPr lang="en-GB" dirty="0"/>
+              <a:t>Knockout </a:t>
+            </a:r>
+            <a:r>
+              <a:rPr lang="en-GB" dirty="0" err="1"/>
+              <a:t>css</a:t>
+            </a:r>
+            <a:r>
+              <a:rPr lang="en-GB" dirty="0"/>
+              <a:t> binding </a:t>
+            </a:r>
+            <a:r>
+              <a:rPr lang="en-GB" dirty="0" err="1"/>
+              <a:t>vs</a:t>
+            </a:r>
+            <a:r>
+              <a:rPr lang="en-GB" dirty="0"/>
+              <a:t> </a:t>
+            </a:r>
+            <a:r>
+              <a:rPr lang="en-GB" dirty="0" err="1" smtClean="0"/>
               <a:t>StyleConverters</a:t>
             </a:r>
+            <a:endParaRPr lang="en-GB" dirty="0" smtClean="0"/>
+          </a:p>
+          <a:p>
+            <a:pPr lvl="1"/>
+            <a:endParaRPr lang="en-GB" dirty="0"/>
+          </a:p>
+          <a:p>
             <a:r>
               <a:rPr lang="en-GB" dirty="0" smtClean="0"/>
-              <a:t> in XAML</a:t>
-            </a:r>
+              <a:t>Formatting data via Computed Observables</a:t>
+            </a:r>
+            <a:endParaRPr lang="en-GB" dirty="0"/>
           </a:p>
           <a:p>
             <a:pPr lvl="1"/>
-            <a:endParaRPr lang="en-GB" dirty="0" smtClean="0"/>
-          </a:p>
-          <a:p>
+            <a:r>
+              <a:rPr lang="en-GB" dirty="0"/>
+              <a:t>Knockout </a:t>
+            </a:r>
             <a:r>
               <a:rPr lang="en-GB" dirty="0" smtClean="0"/>
-              <a:t>Fetch data via </a:t>
-            </a:r>
-            <a:r>
-              <a:rPr lang="en-GB" dirty="0" err="1" smtClean="0"/>
-              <a:t>ajax</a:t>
-            </a:r>
-            <a:r>
-              <a:rPr lang="en-GB" dirty="0" smtClean="0"/>
-              <a:t> from our Web API endpoint</a:t>
-            </a:r>
-          </a:p>
-          <a:p>
-            <a:pPr lvl="1"/>
-            <a:r>
-              <a:rPr lang="en-GB" dirty="0" err="1" smtClean="0"/>
-              <a:t>Campare</a:t>
-            </a:r>
-            <a:r>
-              <a:rPr lang="en-GB" dirty="0" smtClean="0"/>
-              <a:t> using </a:t>
-            </a:r>
-            <a:r>
-              <a:rPr lang="en-GB" dirty="0" err="1" smtClean="0"/>
-              <a:t>ajax</a:t>
-            </a:r>
-            <a:r>
-              <a:rPr lang="en-GB" dirty="0" smtClean="0"/>
-              <a:t> </a:t>
+              <a:t>computed </a:t>
             </a:r>
             <a:r>
               <a:rPr lang="en-GB" dirty="0" err="1" smtClean="0"/>
@@ -3262,12 +8171,14 @@
             </a:r>
             <a:r>
               <a:rPr lang="en-GB" dirty="0" smtClean="0"/>
-              <a:t> </a:t>
-            </a:r>
-            <a:r>
-              <a:rPr lang="en-GB" dirty="0" err="1" smtClean="0"/>
-              <a:t>HttpClient</a:t>
-            </a:r>
+              <a:t> Formatters</a:t>
+            </a:r>
+            <a:endParaRPr lang="en-GB" dirty="0"/>
+          </a:p>
+          <a:p>
+            <a:pPr marL="457200" lvl="1" indent="0">
+              <a:buNone/>
+            </a:pPr>
             <a:endParaRPr lang="en-GB" dirty="0"/>
           </a:p>
         </p:txBody>
@@ -3709,6 +8620,110 @@
                       </p:childTnLst>
                     </p:cTn>
                   </p:par>
+                  <p:par>
+                    <p:cTn id="35" fill="hold">
+                      <p:stCondLst>
+                        <p:cond delay="indefinite"/>
+                      </p:stCondLst>
+                      <p:childTnLst>
+                        <p:par>
+                          <p:cTn id="36" fill="hold">
+                            <p:stCondLst>
+                              <p:cond delay="0"/>
+                            </p:stCondLst>
+                            <p:childTnLst>
+                              <p:par>
+                                <p:cTn id="37" presetID="10" presetClass="entr" presetSubtype="0" fill="hold" grpId="0" nodeType="clickEffect">
+                                  <p:stCondLst>
+                                    <p:cond delay="0"/>
+                                  </p:stCondLst>
+                                  <p:childTnLst>
+                                    <p:set>
+                                      <p:cBhvr>
+                                        <p:cTn id="38" dur="1" fill="hold">
+                                          <p:stCondLst>
+                                            <p:cond delay="0"/>
+                                          </p:stCondLst>
+                                        </p:cTn>
+                                        <p:tgtEl>
+                                          <p:spTgt spid="3">
+                                            <p:txEl>
+                                              <p:pRg st="12" end="12"/>
+                                            </p:txEl>
+                                          </p:spTgt>
+                                        </p:tgtEl>
+                                        <p:attrNameLst>
+                                          <p:attrName>style.visibility</p:attrName>
+                                        </p:attrNameLst>
+                                      </p:cBhvr>
+                                      <p:to>
+                                        <p:strVal val="visible"/>
+                                      </p:to>
+                                    </p:set>
+                                    <p:animEffect transition="in" filter="fade">
+                                      <p:cBhvr>
+                                        <p:cTn id="39" dur="500"/>
+                                        <p:tgtEl>
+                                          <p:spTgt spid="3">
+                                            <p:txEl>
+                                              <p:pRg st="12" end="12"/>
+                                            </p:txEl>
+                                          </p:spTgt>
+                                        </p:tgtEl>
+                                      </p:cBhvr>
+                                    </p:animEffect>
+                                  </p:childTnLst>
+                                </p:cTn>
+                              </p:par>
+                              <p:par>
+                                <p:cTn id="40" presetID="10" presetClass="entr" presetSubtype="0" fill="hold" grpId="0" nodeType="withEffect">
+                                  <p:stCondLst>
+                                    <p:cond delay="0"/>
+                                  </p:stCondLst>
+                                  <p:childTnLst>
+                                    <p:set>
+                                      <p:cBhvr>
+                                        <p:cTn id="41" dur="1" fill="hold">
+                                          <p:stCondLst>
+                                            <p:cond delay="0"/>
+                                          </p:stCondLst>
+                                        </p:cTn>
+                                        <p:tgtEl>
+                                          <p:spTgt spid="3">
+                                            <p:txEl>
+                                              <p:pRg st="13" end="13"/>
+                                            </p:txEl>
+                                          </p:spTgt>
+                                        </p:tgtEl>
+                                        <p:attrNameLst>
+                                          <p:attrName>style.visibility</p:attrName>
+                                        </p:attrNameLst>
+                                      </p:cBhvr>
+                                      <p:to>
+                                        <p:strVal val="visible"/>
+                                      </p:to>
+                                    </p:set>
+                                    <p:animEffect transition="in" filter="fade">
+                                      <p:cBhvr>
+                                        <p:cTn id="42" dur="500"/>
+                                        <p:tgtEl>
+                                          <p:spTgt spid="3">
+                                            <p:txEl>
+                                              <p:pRg st="13" end="13"/>
+                                            </p:txEl>
+                                          </p:spTgt>
+                                        </p:tgtEl>
+                                      </p:cBhvr>
+                                    </p:animEffect>
+                                  </p:childTnLst>
+                                </p:cTn>
+                              </p:par>
+                            </p:childTnLst>
+                          </p:cTn>
+                        </p:par>
+                      </p:childTnLst>
+                    </p:cTn>
+                  </p:par>
                 </p:childTnLst>
               </p:cTn>
               <p:prevCondLst>
@@ -3738,7 +8753,7 @@
 </file>
 
 <file path=ppt/slides/slide3.xml><?xml version="1.0" encoding="utf-8"?>
-<p:sld xmlns:a="http://schemas.openxmlformats.org/drawingml/2006/main" xmlns:r="http://schemas.openxmlformats.org/officeDocument/2006/relationships" xmlns:p="http://schemas.openxmlformats.org/presentationml/2006/main">
+<p:sld xmlns:a="http://schemas.openxmlformats.org/drawingml/2006/main" xmlns:r="http://schemas.openxmlformats.org/officeDocument/2006/relationships" xmlns:p="http://schemas.openxmlformats.org/presentationml/2006/main" show="0">
   <p:cSld>
     <p:bg>
       <p:bgPr>
@@ -3815,6 +8830,3874 @@
     <p:extLst>
       <p:ext uri="{BB962C8B-B14F-4D97-AF65-F5344CB8AC3E}">
         <p14:creationId xmlns:p14="http://schemas.microsoft.com/office/powerpoint/2010/main" val="2033327349"/>
+      </p:ext>
+    </p:extLst>
+  </p:cSld>
+  <p:clrMapOvr>
+    <a:masterClrMapping/>
+  </p:clrMapOvr>
+  <p:transition>
+    <p:fade/>
+  </p:transition>
+  <p:timing>
+    <p:tnLst>
+      <p:par>
+        <p:cTn id="1" dur="indefinite" restart="never" nodeType="tmRoot"/>
+      </p:par>
+    </p:tnLst>
+  </p:timing>
+</p:sld>
+</file>
+
+<file path=ppt/slides/slide4.xml><?xml version="1.0" encoding="utf-8"?>
+<p:sld xmlns:a="http://schemas.openxmlformats.org/drawingml/2006/main" xmlns:r="http://schemas.openxmlformats.org/officeDocument/2006/relationships" xmlns:p="http://schemas.openxmlformats.org/presentationml/2006/main">
+  <p:cSld>
+    <p:spTree>
+      <p:nvGrpSpPr>
+        <p:cNvPr id="1" name=""/>
+        <p:cNvGrpSpPr/>
+        <p:nvPr/>
+      </p:nvGrpSpPr>
+      <p:grpSpPr>
+        <a:xfrm>
+          <a:off x="0" y="0"/>
+          <a:ext cx="0" cy="0"/>
+          <a:chOff x="0" y="0"/>
+          <a:chExt cx="0" cy="0"/>
+        </a:xfrm>
+      </p:grpSpPr>
+      <p:sp>
+        <p:nvSpPr>
+          <p:cNvPr id="2" name="Title 1"/>
+          <p:cNvSpPr>
+            <a:spLocks noGrp="1"/>
+          </p:cNvSpPr>
+          <p:nvPr>
+            <p:ph type="title"/>
+          </p:nvPr>
+        </p:nvSpPr>
+        <p:spPr/>
+        <p:txBody>
+          <a:bodyPr/>
+          <a:lstStyle/>
+          <a:p>
+            <a:r>
+              <a:rPr lang="en-US" dirty="0" smtClean="0"/>
+              <a:t>Implementing our View Model		</a:t>
+            </a:r>
+            <a:endParaRPr lang="en-GB" dirty="0"/>
+          </a:p>
+        </p:txBody>
+      </p:sp>
+      <p:sp>
+        <p:nvSpPr>
+          <p:cNvPr id="3" name="Text Placeholder 2"/>
+          <p:cNvSpPr>
+            <a:spLocks noGrp="1"/>
+          </p:cNvSpPr>
+          <p:nvPr>
+            <p:ph type="body" idx="1"/>
+          </p:nvPr>
+        </p:nvSpPr>
+        <p:spPr/>
+        <p:txBody>
+          <a:bodyPr/>
+          <a:lstStyle/>
+          <a:p>
+            <a:r>
+              <a:rPr lang="en-GB" dirty="0" smtClean="0"/>
+              <a:t>No need to implement </a:t>
+            </a:r>
+            <a:r>
+              <a:rPr lang="en-GB" dirty="0" err="1" smtClean="0"/>
+              <a:t>INotifyPropertyChanged</a:t>
+            </a:r>
+            <a:endParaRPr lang="en-GB" dirty="0"/>
+          </a:p>
+          <a:p>
+            <a:pPr lvl="1"/>
+            <a:endParaRPr lang="en-GB" dirty="0" smtClean="0"/>
+          </a:p>
+          <a:p>
+            <a:r>
+              <a:rPr lang="en-GB" dirty="0" smtClean="0"/>
+              <a:t>No need to raise Property Changed events on each property</a:t>
+            </a:r>
+          </a:p>
+          <a:p>
+            <a:endParaRPr lang="en-GB" dirty="0"/>
+          </a:p>
+          <a:p>
+            <a:r>
+              <a:rPr lang="en-GB" dirty="0" smtClean="0"/>
+              <a:t>Properties must be Knockout Observables to be found</a:t>
+            </a:r>
+          </a:p>
+          <a:p>
+            <a:endParaRPr lang="en-GB" dirty="0"/>
+          </a:p>
+          <a:p>
+            <a:r>
+              <a:rPr lang="en-GB" dirty="0" smtClean="0"/>
+              <a:t>Knockout Observables are treated as methods not as ‘properties’</a:t>
+            </a:r>
+            <a:endParaRPr lang="en-GB" dirty="0"/>
+          </a:p>
+        </p:txBody>
+      </p:sp>
+    </p:spTree>
+    <p:extLst>
+      <p:ext uri="{BB962C8B-B14F-4D97-AF65-F5344CB8AC3E}">
+        <p14:creationId xmlns:p14="http://schemas.microsoft.com/office/powerpoint/2010/main" val="984193769"/>
+      </p:ext>
+    </p:extLst>
+  </p:cSld>
+  <p:clrMapOvr>
+    <a:masterClrMapping/>
+  </p:clrMapOvr>
+  <p:transition>
+    <p:fade/>
+  </p:transition>
+  <p:timing>
+    <p:tnLst>
+      <p:par>
+        <p:cTn id="1" dur="indefinite" restart="never" nodeType="tmRoot">
+          <p:childTnLst>
+            <p:seq concurrent="1" nextAc="seek">
+              <p:cTn id="2" dur="indefinite" nodeType="mainSeq">
+                <p:childTnLst>
+                  <p:par>
+                    <p:cTn id="3" fill="hold">
+                      <p:stCondLst>
+                        <p:cond delay="indefinite"/>
+                      </p:stCondLst>
+                      <p:childTnLst>
+                        <p:par>
+                          <p:cTn id="4" fill="hold">
+                            <p:stCondLst>
+                              <p:cond delay="0"/>
+                            </p:stCondLst>
+                            <p:childTnLst>
+                              <p:par>
+                                <p:cTn id="5" presetID="10" presetClass="entr" presetSubtype="0" fill="hold" grpId="0" nodeType="clickEffect">
+                                  <p:stCondLst>
+                                    <p:cond delay="0"/>
+                                  </p:stCondLst>
+                                  <p:childTnLst>
+                                    <p:set>
+                                      <p:cBhvr>
+                                        <p:cTn id="6" dur="1" fill="hold">
+                                          <p:stCondLst>
+                                            <p:cond delay="0"/>
+                                          </p:stCondLst>
+                                        </p:cTn>
+                                        <p:tgtEl>
+                                          <p:spTgt spid="3">
+                                            <p:txEl>
+                                              <p:pRg st="0" end="0"/>
+                                            </p:txEl>
+                                          </p:spTgt>
+                                        </p:tgtEl>
+                                        <p:attrNameLst>
+                                          <p:attrName>style.visibility</p:attrName>
+                                        </p:attrNameLst>
+                                      </p:cBhvr>
+                                      <p:to>
+                                        <p:strVal val="visible"/>
+                                      </p:to>
+                                    </p:set>
+                                    <p:animEffect transition="in" filter="fade">
+                                      <p:cBhvr>
+                                        <p:cTn id="7" dur="500"/>
+                                        <p:tgtEl>
+                                          <p:spTgt spid="3">
+                                            <p:txEl>
+                                              <p:pRg st="0" end="0"/>
+                                            </p:txEl>
+                                          </p:spTgt>
+                                        </p:tgtEl>
+                                      </p:cBhvr>
+                                    </p:animEffect>
+                                  </p:childTnLst>
+                                </p:cTn>
+                              </p:par>
+                            </p:childTnLst>
+                          </p:cTn>
+                        </p:par>
+                      </p:childTnLst>
+                    </p:cTn>
+                  </p:par>
+                  <p:par>
+                    <p:cTn id="8" fill="hold">
+                      <p:stCondLst>
+                        <p:cond delay="indefinite"/>
+                      </p:stCondLst>
+                      <p:childTnLst>
+                        <p:par>
+                          <p:cTn id="9" fill="hold">
+                            <p:stCondLst>
+                              <p:cond delay="0"/>
+                            </p:stCondLst>
+                            <p:childTnLst>
+                              <p:par>
+                                <p:cTn id="10" presetID="10" presetClass="entr" presetSubtype="0" fill="hold" grpId="0" nodeType="clickEffect">
+                                  <p:stCondLst>
+                                    <p:cond delay="0"/>
+                                  </p:stCondLst>
+                                  <p:childTnLst>
+                                    <p:set>
+                                      <p:cBhvr>
+                                        <p:cTn id="11" dur="1" fill="hold">
+                                          <p:stCondLst>
+                                            <p:cond delay="0"/>
+                                          </p:stCondLst>
+                                        </p:cTn>
+                                        <p:tgtEl>
+                                          <p:spTgt spid="3">
+                                            <p:txEl>
+                                              <p:pRg st="2" end="2"/>
+                                            </p:txEl>
+                                          </p:spTgt>
+                                        </p:tgtEl>
+                                        <p:attrNameLst>
+                                          <p:attrName>style.visibility</p:attrName>
+                                        </p:attrNameLst>
+                                      </p:cBhvr>
+                                      <p:to>
+                                        <p:strVal val="visible"/>
+                                      </p:to>
+                                    </p:set>
+                                    <p:animEffect transition="in" filter="fade">
+                                      <p:cBhvr>
+                                        <p:cTn id="12" dur="500"/>
+                                        <p:tgtEl>
+                                          <p:spTgt spid="3">
+                                            <p:txEl>
+                                              <p:pRg st="2" end="2"/>
+                                            </p:txEl>
+                                          </p:spTgt>
+                                        </p:tgtEl>
+                                      </p:cBhvr>
+                                    </p:animEffect>
+                                  </p:childTnLst>
+                                </p:cTn>
+                              </p:par>
+                            </p:childTnLst>
+                          </p:cTn>
+                        </p:par>
+                      </p:childTnLst>
+                    </p:cTn>
+                  </p:par>
+                  <p:par>
+                    <p:cTn id="13" fill="hold">
+                      <p:stCondLst>
+                        <p:cond delay="indefinite"/>
+                      </p:stCondLst>
+                      <p:childTnLst>
+                        <p:par>
+                          <p:cTn id="14" fill="hold">
+                            <p:stCondLst>
+                              <p:cond delay="0"/>
+                            </p:stCondLst>
+                            <p:childTnLst>
+                              <p:par>
+                                <p:cTn id="15" presetID="10" presetClass="entr" presetSubtype="0" fill="hold" grpId="0" nodeType="clickEffect">
+                                  <p:stCondLst>
+                                    <p:cond delay="0"/>
+                                  </p:stCondLst>
+                                  <p:childTnLst>
+                                    <p:set>
+                                      <p:cBhvr>
+                                        <p:cTn id="16" dur="1" fill="hold">
+                                          <p:stCondLst>
+                                            <p:cond delay="0"/>
+                                          </p:stCondLst>
+                                        </p:cTn>
+                                        <p:tgtEl>
+                                          <p:spTgt spid="3">
+                                            <p:txEl>
+                                              <p:pRg st="4" end="4"/>
+                                            </p:txEl>
+                                          </p:spTgt>
+                                        </p:tgtEl>
+                                        <p:attrNameLst>
+                                          <p:attrName>style.visibility</p:attrName>
+                                        </p:attrNameLst>
+                                      </p:cBhvr>
+                                      <p:to>
+                                        <p:strVal val="visible"/>
+                                      </p:to>
+                                    </p:set>
+                                    <p:animEffect transition="in" filter="fade">
+                                      <p:cBhvr>
+                                        <p:cTn id="17" dur="500"/>
+                                        <p:tgtEl>
+                                          <p:spTgt spid="3">
+                                            <p:txEl>
+                                              <p:pRg st="4" end="4"/>
+                                            </p:txEl>
+                                          </p:spTgt>
+                                        </p:tgtEl>
+                                      </p:cBhvr>
+                                    </p:animEffect>
+                                  </p:childTnLst>
+                                </p:cTn>
+                              </p:par>
+                            </p:childTnLst>
+                          </p:cTn>
+                        </p:par>
+                      </p:childTnLst>
+                    </p:cTn>
+                  </p:par>
+                  <p:par>
+                    <p:cTn id="18" fill="hold">
+                      <p:stCondLst>
+                        <p:cond delay="indefinite"/>
+                      </p:stCondLst>
+                      <p:childTnLst>
+                        <p:par>
+                          <p:cTn id="19" fill="hold">
+                            <p:stCondLst>
+                              <p:cond delay="0"/>
+                            </p:stCondLst>
+                            <p:childTnLst>
+                              <p:par>
+                                <p:cTn id="20" presetID="10" presetClass="entr" presetSubtype="0" fill="hold" grpId="0" nodeType="clickEffect">
+                                  <p:stCondLst>
+                                    <p:cond delay="0"/>
+                                  </p:stCondLst>
+                                  <p:childTnLst>
+                                    <p:set>
+                                      <p:cBhvr>
+                                        <p:cTn id="21" dur="1" fill="hold">
+                                          <p:stCondLst>
+                                            <p:cond delay="0"/>
+                                          </p:stCondLst>
+                                        </p:cTn>
+                                        <p:tgtEl>
+                                          <p:spTgt spid="3">
+                                            <p:txEl>
+                                              <p:pRg st="6" end="6"/>
+                                            </p:txEl>
+                                          </p:spTgt>
+                                        </p:tgtEl>
+                                        <p:attrNameLst>
+                                          <p:attrName>style.visibility</p:attrName>
+                                        </p:attrNameLst>
+                                      </p:cBhvr>
+                                      <p:to>
+                                        <p:strVal val="visible"/>
+                                      </p:to>
+                                    </p:set>
+                                    <p:animEffect transition="in" filter="fade">
+                                      <p:cBhvr>
+                                        <p:cTn id="22" dur="500"/>
+                                        <p:tgtEl>
+                                          <p:spTgt spid="3">
+                                            <p:txEl>
+                                              <p:pRg st="6" end="6"/>
+                                            </p:txEl>
+                                          </p:spTgt>
+                                        </p:tgtEl>
+                                      </p:cBhvr>
+                                    </p:animEffect>
+                                  </p:childTnLst>
+                                </p:cTn>
+                              </p:par>
+                            </p:childTnLst>
+                          </p:cTn>
+                        </p:par>
+                      </p:childTnLst>
+                    </p:cTn>
+                  </p:par>
+                </p:childTnLst>
+              </p:cTn>
+              <p:prevCondLst>
+                <p:cond evt="onPrev" delay="0">
+                  <p:tgtEl>
+                    <p:sldTgt/>
+                  </p:tgtEl>
+                </p:cond>
+              </p:prevCondLst>
+              <p:nextCondLst>
+                <p:cond evt="onNext" delay="0">
+                  <p:tgtEl>
+                    <p:sldTgt/>
+                  </p:tgtEl>
+                </p:cond>
+              </p:nextCondLst>
+            </p:seq>
+          </p:childTnLst>
+        </p:cTn>
+      </p:par>
+    </p:tnLst>
+    <p:bldLst>
+      <p:bldP spid="3" grpId="0" build="p"/>
+    </p:bldLst>
+  </p:timing>
+</p:sld>
+</file>
+
+<file path=ppt/slides/slide5.xml><?xml version="1.0" encoding="utf-8"?>
+<p:sld xmlns:a="http://schemas.openxmlformats.org/drawingml/2006/main" xmlns:r="http://schemas.openxmlformats.org/officeDocument/2006/relationships" xmlns:p="http://schemas.openxmlformats.org/presentationml/2006/main">
+  <p:cSld>
+    <p:spTree>
+      <p:nvGrpSpPr>
+        <p:cNvPr id="1" name=""/>
+        <p:cNvGrpSpPr/>
+        <p:nvPr/>
+      </p:nvGrpSpPr>
+      <p:grpSpPr>
+        <a:xfrm>
+          <a:off x="0" y="0"/>
+          <a:ext cx="0" cy="0"/>
+          <a:chOff x="0" y="0"/>
+          <a:chExt cx="0" cy="0"/>
+        </a:xfrm>
+      </p:grpSpPr>
+      <p:sp>
+        <p:nvSpPr>
+          <p:cNvPr id="2" name="Title 1"/>
+          <p:cNvSpPr>
+            <a:spLocks noGrp="1"/>
+          </p:cNvSpPr>
+          <p:nvPr>
+            <p:ph type="title"/>
+          </p:nvPr>
+        </p:nvSpPr>
+        <p:spPr/>
+        <p:txBody>
+          <a:bodyPr/>
+          <a:lstStyle/>
+          <a:p>
+            <a:r>
+              <a:rPr lang="en-US" dirty="0" smtClean="0"/>
+              <a:t>Our First View Model		</a:t>
+            </a:r>
+            <a:endParaRPr lang="en-GB" dirty="0"/>
+          </a:p>
+        </p:txBody>
+      </p:sp>
+      <p:sp>
+        <p:nvSpPr>
+          <p:cNvPr id="3" name="Text Placeholder 2"/>
+          <p:cNvSpPr>
+            <a:spLocks noGrp="1"/>
+          </p:cNvSpPr>
+          <p:nvPr>
+            <p:ph type="body" idx="1"/>
+          </p:nvPr>
+        </p:nvSpPr>
+        <p:spPr/>
+        <p:txBody>
+          <a:bodyPr/>
+          <a:lstStyle/>
+          <a:p>
+            <a:pPr marL="0" indent="0">
+              <a:buNone/>
+            </a:pPr>
+            <a:r>
+              <a:rPr lang="en-GB" dirty="0" smtClean="0"/>
+              <a:t>Silverlight View Model</a:t>
+            </a:r>
+          </a:p>
+          <a:p>
+            <a:pPr marL="0" indent="0">
+              <a:buNone/>
+            </a:pPr>
+            <a:endParaRPr lang="en-GB" dirty="0"/>
+          </a:p>
+          <a:p>
+            <a:pPr marL="0" indent="0">
+              <a:buNone/>
+            </a:pPr>
+            <a:endParaRPr lang="en-GB" dirty="0" smtClean="0"/>
+          </a:p>
+          <a:p>
+            <a:pPr marL="0" indent="0">
+              <a:buNone/>
+            </a:pPr>
+            <a:endParaRPr lang="en-GB" dirty="0"/>
+          </a:p>
+          <a:p>
+            <a:pPr marL="0" indent="0">
+              <a:buNone/>
+            </a:pPr>
+            <a:endParaRPr lang="en-GB" dirty="0" smtClean="0"/>
+          </a:p>
+          <a:p>
+            <a:pPr marL="0" indent="0">
+              <a:buNone/>
+            </a:pPr>
+            <a:endParaRPr lang="en-GB" dirty="0"/>
+          </a:p>
+          <a:p>
+            <a:pPr marL="0" indent="0">
+              <a:buNone/>
+            </a:pPr>
+            <a:r>
+              <a:rPr lang="en-GB" dirty="0" smtClean="0"/>
+              <a:t>Typescript View Model</a:t>
+            </a:r>
+          </a:p>
+          <a:p>
+            <a:pPr marL="0" indent="0">
+              <a:buNone/>
+            </a:pPr>
+            <a:endParaRPr lang="en-GB" dirty="0"/>
+          </a:p>
+        </p:txBody>
+      </p:sp>
+      <p:pic>
+        <p:nvPicPr>
+          <p:cNvPr id="4" name="Picture 3"/>
+          <p:cNvPicPr>
+            <a:picLocks noChangeAspect="1"/>
+          </p:cNvPicPr>
+          <p:nvPr/>
+        </p:nvPicPr>
+        <p:blipFill>
+          <a:blip r:embed="rId3"/>
+          <a:stretch>
+            <a:fillRect/>
+          </a:stretch>
+        </p:blipFill>
+        <p:spPr>
+          <a:xfrm>
+            <a:off x="914400" y="1828800"/>
+            <a:ext cx="5962650" cy="1495425"/>
+          </a:xfrm>
+          <a:prstGeom prst="rect">
+            <a:avLst/>
+          </a:prstGeom>
+        </p:spPr>
+      </p:pic>
+      <p:pic>
+        <p:nvPicPr>
+          <p:cNvPr id="5" name="Picture 4"/>
+          <p:cNvPicPr>
+            <a:picLocks noChangeAspect="1"/>
+          </p:cNvPicPr>
+          <p:nvPr/>
+        </p:nvPicPr>
+        <p:blipFill>
+          <a:blip r:embed="rId4"/>
+          <a:stretch>
+            <a:fillRect/>
+          </a:stretch>
+        </p:blipFill>
+        <p:spPr>
+          <a:xfrm>
+            <a:off x="890516" y="4052887"/>
+            <a:ext cx="3476625" cy="1085850"/>
+          </a:xfrm>
+          <a:prstGeom prst="rect">
+            <a:avLst/>
+          </a:prstGeom>
+        </p:spPr>
+      </p:pic>
+      <p:cxnSp>
+        <p:nvCxnSpPr>
+          <p:cNvPr id="6" name="Straight Arrow Connector 5"/>
+          <p:cNvCxnSpPr/>
+          <p:nvPr/>
+        </p:nvCxnSpPr>
+        <p:spPr bwMode="auto">
+          <a:xfrm flipH="1">
+            <a:off x="5638800" y="1828800"/>
+            <a:ext cx="762000" cy="381000"/>
+          </a:xfrm>
+          <a:prstGeom prst="straightConnector1">
+            <a:avLst/>
+          </a:prstGeom>
+          <a:ln w="63500">
+            <a:solidFill>
+              <a:schemeClr val="tx1"/>
+            </a:solidFill>
+            <a:headEnd type="none" w="med" len="med"/>
+            <a:tailEnd type="triangle"/>
+          </a:ln>
+        </p:spPr>
+        <p:style>
+          <a:lnRef idx="1">
+            <a:schemeClr val="accent2"/>
+          </a:lnRef>
+          <a:fillRef idx="0">
+            <a:schemeClr val="accent2"/>
+          </a:fillRef>
+          <a:effectRef idx="0">
+            <a:schemeClr val="accent2"/>
+          </a:effectRef>
+          <a:fontRef idx="minor">
+            <a:schemeClr val="tx1"/>
+          </a:fontRef>
+        </p:style>
+      </p:cxnSp>
+      <p:sp>
+        <p:nvSpPr>
+          <p:cNvPr id="7" name="TextBox 6"/>
+          <p:cNvSpPr txBox="1"/>
+          <p:nvPr/>
+        </p:nvSpPr>
+        <p:spPr bwMode="auto">
+          <a:xfrm>
+            <a:off x="6400800" y="1371600"/>
+            <a:ext cx="2536207" cy="646331"/>
+          </a:xfrm>
+          <a:prstGeom prst="rect">
+            <a:avLst/>
+          </a:prstGeom>
+          <a:noFill/>
+          <a:ln w="9525">
+            <a:noFill/>
+            <a:miter lim="800000"/>
+            <a:headEnd/>
+            <a:tailEnd/>
+          </a:ln>
+        </p:spPr>
+        <p:txBody>
+          <a:bodyPr wrap="none" rtlCol="0">
+            <a:spAutoFit/>
+          </a:bodyPr>
+          <a:lstStyle/>
+          <a:p>
+            <a:r>
+              <a:rPr lang="en-US" dirty="0" smtClean="0">
+                <a:latin typeface="+mj-lt"/>
+              </a:rPr>
+              <a:t>Implements </a:t>
+            </a:r>
+          </a:p>
+          <a:p>
+            <a:r>
+              <a:rPr lang="en-US" sz="1800" dirty="0" err="1" smtClean="0">
+                <a:latin typeface="+mj-lt"/>
+              </a:rPr>
+              <a:t>INotifyPropertyChanged</a:t>
+            </a:r>
+            <a:endParaRPr lang="en-US" sz="1800" dirty="0">
+              <a:latin typeface="+mj-lt"/>
+            </a:endParaRPr>
+          </a:p>
+        </p:txBody>
+      </p:sp>
+      <p:cxnSp>
+        <p:nvCxnSpPr>
+          <p:cNvPr id="14" name="Straight Arrow Connector 13"/>
+          <p:cNvCxnSpPr/>
+          <p:nvPr/>
+        </p:nvCxnSpPr>
+        <p:spPr bwMode="auto">
+          <a:xfrm flipH="1">
+            <a:off x="4572000" y="4038600"/>
+            <a:ext cx="1828800" cy="189131"/>
+          </a:xfrm>
+          <a:prstGeom prst="straightConnector1">
+            <a:avLst/>
+          </a:prstGeom>
+          <a:ln w="63500">
+            <a:solidFill>
+              <a:schemeClr val="tx1"/>
+            </a:solidFill>
+            <a:headEnd type="none" w="med" len="med"/>
+            <a:tailEnd type="triangle"/>
+          </a:ln>
+        </p:spPr>
+        <p:style>
+          <a:lnRef idx="1">
+            <a:schemeClr val="accent2"/>
+          </a:lnRef>
+          <a:fillRef idx="0">
+            <a:schemeClr val="accent2"/>
+          </a:fillRef>
+          <a:effectRef idx="0">
+            <a:schemeClr val="accent2"/>
+          </a:effectRef>
+          <a:fontRef idx="minor">
+            <a:schemeClr val="tx1"/>
+          </a:fontRef>
+        </p:style>
+      </p:cxnSp>
+      <p:sp>
+        <p:nvSpPr>
+          <p:cNvPr id="15" name="TextBox 14"/>
+          <p:cNvSpPr txBox="1"/>
+          <p:nvPr/>
+        </p:nvSpPr>
+        <p:spPr bwMode="auto">
+          <a:xfrm>
+            <a:off x="6400800" y="3581400"/>
+            <a:ext cx="2536207" cy="646331"/>
+          </a:xfrm>
+          <a:prstGeom prst="rect">
+            <a:avLst/>
+          </a:prstGeom>
+          <a:noFill/>
+          <a:ln w="9525">
+            <a:noFill/>
+            <a:miter lim="800000"/>
+            <a:headEnd/>
+            <a:tailEnd/>
+          </a:ln>
+        </p:spPr>
+        <p:txBody>
+          <a:bodyPr wrap="none" rtlCol="0">
+            <a:spAutoFit/>
+          </a:bodyPr>
+          <a:lstStyle/>
+          <a:p>
+            <a:r>
+              <a:rPr lang="en-US" dirty="0" smtClean="0">
+                <a:latin typeface="+mj-lt"/>
+              </a:rPr>
+              <a:t>No need to implement</a:t>
+            </a:r>
+          </a:p>
+          <a:p>
+            <a:r>
+              <a:rPr lang="en-US" sz="1800" dirty="0" err="1" smtClean="0">
+                <a:latin typeface="+mj-lt"/>
+              </a:rPr>
+              <a:t>INotifyPropertyChanged</a:t>
+            </a:r>
+            <a:endParaRPr lang="en-US" sz="1800" dirty="0">
+              <a:latin typeface="+mj-lt"/>
+            </a:endParaRPr>
+          </a:p>
+        </p:txBody>
+      </p:sp>
+    </p:spTree>
+    <p:extLst>
+      <p:ext uri="{BB962C8B-B14F-4D97-AF65-F5344CB8AC3E}">
+        <p14:creationId xmlns:p14="http://schemas.microsoft.com/office/powerpoint/2010/main" val="2146904846"/>
+      </p:ext>
+    </p:extLst>
+  </p:cSld>
+  <p:clrMapOvr>
+    <a:masterClrMapping/>
+  </p:clrMapOvr>
+  <p:transition>
+    <p:fade/>
+  </p:transition>
+  <p:timing>
+    <p:tnLst>
+      <p:par>
+        <p:cTn id="1" dur="indefinite" restart="never" nodeType="tmRoot">
+          <p:childTnLst>
+            <p:seq concurrent="1" nextAc="seek">
+              <p:cTn id="2" dur="indefinite" nodeType="mainSeq">
+                <p:childTnLst>
+                  <p:par>
+                    <p:cTn id="3" fill="hold">
+                      <p:stCondLst>
+                        <p:cond delay="indefinite"/>
+                      </p:stCondLst>
+                      <p:childTnLst>
+                        <p:par>
+                          <p:cTn id="4" fill="hold">
+                            <p:stCondLst>
+                              <p:cond delay="0"/>
+                            </p:stCondLst>
+                            <p:childTnLst>
+                              <p:par>
+                                <p:cTn id="5" presetID="10" presetClass="entr" presetSubtype="0" fill="hold" grpId="0" nodeType="clickEffect">
+                                  <p:stCondLst>
+                                    <p:cond delay="0"/>
+                                  </p:stCondLst>
+                                  <p:childTnLst>
+                                    <p:set>
+                                      <p:cBhvr>
+                                        <p:cTn id="6" dur="1" fill="hold">
+                                          <p:stCondLst>
+                                            <p:cond delay="0"/>
+                                          </p:stCondLst>
+                                        </p:cTn>
+                                        <p:tgtEl>
+                                          <p:spTgt spid="3">
+                                            <p:txEl>
+                                              <p:pRg st="0" end="0"/>
+                                            </p:txEl>
+                                          </p:spTgt>
+                                        </p:tgtEl>
+                                        <p:attrNameLst>
+                                          <p:attrName>style.visibility</p:attrName>
+                                        </p:attrNameLst>
+                                      </p:cBhvr>
+                                      <p:to>
+                                        <p:strVal val="visible"/>
+                                      </p:to>
+                                    </p:set>
+                                    <p:animEffect transition="in" filter="fade">
+                                      <p:cBhvr>
+                                        <p:cTn id="7" dur="500"/>
+                                        <p:tgtEl>
+                                          <p:spTgt spid="3">
+                                            <p:txEl>
+                                              <p:pRg st="0" end="0"/>
+                                            </p:txEl>
+                                          </p:spTgt>
+                                        </p:tgtEl>
+                                      </p:cBhvr>
+                                    </p:animEffect>
+                                  </p:childTnLst>
+                                </p:cTn>
+                              </p:par>
+                              <p:par>
+                                <p:cTn id="8" presetID="1" presetClass="entr" presetSubtype="0" fill="hold" nodeType="withEffect">
+                                  <p:stCondLst>
+                                    <p:cond delay="0"/>
+                                  </p:stCondLst>
+                                  <p:childTnLst>
+                                    <p:set>
+                                      <p:cBhvr>
+                                        <p:cTn id="9" dur="1" fill="hold">
+                                          <p:stCondLst>
+                                            <p:cond delay="0"/>
+                                          </p:stCondLst>
+                                        </p:cTn>
+                                        <p:tgtEl>
+                                          <p:spTgt spid="4"/>
+                                        </p:tgtEl>
+                                        <p:attrNameLst>
+                                          <p:attrName>style.visibility</p:attrName>
+                                        </p:attrNameLst>
+                                      </p:cBhvr>
+                                      <p:to>
+                                        <p:strVal val="visible"/>
+                                      </p:to>
+                                    </p:set>
+                                  </p:childTnLst>
+                                </p:cTn>
+                              </p:par>
+                            </p:childTnLst>
+                          </p:cTn>
+                        </p:par>
+                      </p:childTnLst>
+                    </p:cTn>
+                  </p:par>
+                  <p:par>
+                    <p:cTn id="10" fill="hold">
+                      <p:stCondLst>
+                        <p:cond delay="indefinite"/>
+                      </p:stCondLst>
+                      <p:childTnLst>
+                        <p:par>
+                          <p:cTn id="11" fill="hold">
+                            <p:stCondLst>
+                              <p:cond delay="0"/>
+                            </p:stCondLst>
+                            <p:childTnLst>
+                              <p:par>
+                                <p:cTn id="12" presetID="1" presetClass="entr" presetSubtype="0" fill="hold" nodeType="clickEffect">
+                                  <p:stCondLst>
+                                    <p:cond delay="0"/>
+                                  </p:stCondLst>
+                                  <p:childTnLst>
+                                    <p:set>
+                                      <p:cBhvr>
+                                        <p:cTn id="13" dur="1" fill="hold">
+                                          <p:stCondLst>
+                                            <p:cond delay="0"/>
+                                          </p:stCondLst>
+                                        </p:cTn>
+                                        <p:tgtEl>
+                                          <p:spTgt spid="6"/>
+                                        </p:tgtEl>
+                                        <p:attrNameLst>
+                                          <p:attrName>style.visibility</p:attrName>
+                                        </p:attrNameLst>
+                                      </p:cBhvr>
+                                      <p:to>
+                                        <p:strVal val="visible"/>
+                                      </p:to>
+                                    </p:set>
+                                  </p:childTnLst>
+                                </p:cTn>
+                              </p:par>
+                              <p:par>
+                                <p:cTn id="14" presetID="1" presetClass="entr" presetSubtype="0" fill="hold" grpId="0" nodeType="withEffect">
+                                  <p:stCondLst>
+                                    <p:cond delay="0"/>
+                                  </p:stCondLst>
+                                  <p:childTnLst>
+                                    <p:set>
+                                      <p:cBhvr>
+                                        <p:cTn id="15" dur="1" fill="hold">
+                                          <p:stCondLst>
+                                            <p:cond delay="0"/>
+                                          </p:stCondLst>
+                                        </p:cTn>
+                                        <p:tgtEl>
+                                          <p:spTgt spid="7"/>
+                                        </p:tgtEl>
+                                        <p:attrNameLst>
+                                          <p:attrName>style.visibility</p:attrName>
+                                        </p:attrNameLst>
+                                      </p:cBhvr>
+                                      <p:to>
+                                        <p:strVal val="visible"/>
+                                      </p:to>
+                                    </p:set>
+                                  </p:childTnLst>
+                                </p:cTn>
+                              </p:par>
+                            </p:childTnLst>
+                          </p:cTn>
+                        </p:par>
+                      </p:childTnLst>
+                    </p:cTn>
+                  </p:par>
+                  <p:par>
+                    <p:cTn id="16" fill="hold">
+                      <p:stCondLst>
+                        <p:cond delay="indefinite"/>
+                      </p:stCondLst>
+                      <p:childTnLst>
+                        <p:par>
+                          <p:cTn id="17" fill="hold">
+                            <p:stCondLst>
+                              <p:cond delay="0"/>
+                            </p:stCondLst>
+                            <p:childTnLst>
+                              <p:par>
+                                <p:cTn id="18" presetID="10" presetClass="entr" presetSubtype="0" fill="hold" grpId="0" nodeType="clickEffect">
+                                  <p:stCondLst>
+                                    <p:cond delay="0"/>
+                                  </p:stCondLst>
+                                  <p:childTnLst>
+                                    <p:set>
+                                      <p:cBhvr>
+                                        <p:cTn id="19" dur="1" fill="hold">
+                                          <p:stCondLst>
+                                            <p:cond delay="0"/>
+                                          </p:stCondLst>
+                                        </p:cTn>
+                                        <p:tgtEl>
+                                          <p:spTgt spid="3">
+                                            <p:txEl>
+                                              <p:pRg st="6" end="6"/>
+                                            </p:txEl>
+                                          </p:spTgt>
+                                        </p:tgtEl>
+                                        <p:attrNameLst>
+                                          <p:attrName>style.visibility</p:attrName>
+                                        </p:attrNameLst>
+                                      </p:cBhvr>
+                                      <p:to>
+                                        <p:strVal val="visible"/>
+                                      </p:to>
+                                    </p:set>
+                                    <p:animEffect transition="in" filter="fade">
+                                      <p:cBhvr>
+                                        <p:cTn id="20" dur="500"/>
+                                        <p:tgtEl>
+                                          <p:spTgt spid="3">
+                                            <p:txEl>
+                                              <p:pRg st="6" end="6"/>
+                                            </p:txEl>
+                                          </p:spTgt>
+                                        </p:tgtEl>
+                                      </p:cBhvr>
+                                    </p:animEffect>
+                                  </p:childTnLst>
+                                </p:cTn>
+                              </p:par>
+                              <p:par>
+                                <p:cTn id="21" presetID="1" presetClass="entr" presetSubtype="0" fill="hold" nodeType="withEffect">
+                                  <p:stCondLst>
+                                    <p:cond delay="0"/>
+                                  </p:stCondLst>
+                                  <p:childTnLst>
+                                    <p:set>
+                                      <p:cBhvr>
+                                        <p:cTn id="22" dur="1" fill="hold">
+                                          <p:stCondLst>
+                                            <p:cond delay="0"/>
+                                          </p:stCondLst>
+                                        </p:cTn>
+                                        <p:tgtEl>
+                                          <p:spTgt spid="5"/>
+                                        </p:tgtEl>
+                                        <p:attrNameLst>
+                                          <p:attrName>style.visibility</p:attrName>
+                                        </p:attrNameLst>
+                                      </p:cBhvr>
+                                      <p:to>
+                                        <p:strVal val="visible"/>
+                                      </p:to>
+                                    </p:set>
+                                  </p:childTnLst>
+                                </p:cTn>
+                              </p:par>
+                            </p:childTnLst>
+                          </p:cTn>
+                        </p:par>
+                      </p:childTnLst>
+                    </p:cTn>
+                  </p:par>
+                  <p:par>
+                    <p:cTn id="23" fill="hold">
+                      <p:stCondLst>
+                        <p:cond delay="indefinite"/>
+                      </p:stCondLst>
+                      <p:childTnLst>
+                        <p:par>
+                          <p:cTn id="24" fill="hold">
+                            <p:stCondLst>
+                              <p:cond delay="0"/>
+                            </p:stCondLst>
+                            <p:childTnLst>
+                              <p:par>
+                                <p:cTn id="25" presetID="1" presetClass="entr" presetSubtype="0" fill="hold" nodeType="clickEffect">
+                                  <p:stCondLst>
+                                    <p:cond delay="0"/>
+                                  </p:stCondLst>
+                                  <p:childTnLst>
+                                    <p:set>
+                                      <p:cBhvr>
+                                        <p:cTn id="26" dur="1" fill="hold">
+                                          <p:stCondLst>
+                                            <p:cond delay="0"/>
+                                          </p:stCondLst>
+                                        </p:cTn>
+                                        <p:tgtEl>
+                                          <p:spTgt spid="14"/>
+                                        </p:tgtEl>
+                                        <p:attrNameLst>
+                                          <p:attrName>style.visibility</p:attrName>
+                                        </p:attrNameLst>
+                                      </p:cBhvr>
+                                      <p:to>
+                                        <p:strVal val="visible"/>
+                                      </p:to>
+                                    </p:set>
+                                  </p:childTnLst>
+                                </p:cTn>
+                              </p:par>
+                              <p:par>
+                                <p:cTn id="27" presetID="1" presetClass="entr" presetSubtype="0" fill="hold" grpId="0" nodeType="withEffect">
+                                  <p:stCondLst>
+                                    <p:cond delay="0"/>
+                                  </p:stCondLst>
+                                  <p:childTnLst>
+                                    <p:set>
+                                      <p:cBhvr>
+                                        <p:cTn id="28" dur="1" fill="hold">
+                                          <p:stCondLst>
+                                            <p:cond delay="0"/>
+                                          </p:stCondLst>
+                                        </p:cTn>
+                                        <p:tgtEl>
+                                          <p:spTgt spid="15"/>
+                                        </p:tgtEl>
+                                        <p:attrNameLst>
+                                          <p:attrName>style.visibility</p:attrName>
+                                        </p:attrNameLst>
+                                      </p:cBhvr>
+                                      <p:to>
+                                        <p:strVal val="visible"/>
+                                      </p:to>
+                                    </p:set>
+                                  </p:childTnLst>
+                                </p:cTn>
+                              </p:par>
+                            </p:childTnLst>
+                          </p:cTn>
+                        </p:par>
+                      </p:childTnLst>
+                    </p:cTn>
+                  </p:par>
+                </p:childTnLst>
+              </p:cTn>
+              <p:prevCondLst>
+                <p:cond evt="onPrev" delay="0">
+                  <p:tgtEl>
+                    <p:sldTgt/>
+                  </p:tgtEl>
+                </p:cond>
+              </p:prevCondLst>
+              <p:nextCondLst>
+                <p:cond evt="onNext" delay="0">
+                  <p:tgtEl>
+                    <p:sldTgt/>
+                  </p:tgtEl>
+                </p:cond>
+              </p:nextCondLst>
+            </p:seq>
+          </p:childTnLst>
+        </p:cTn>
+      </p:par>
+    </p:tnLst>
+    <p:bldLst>
+      <p:bldP spid="3" grpId="0" build="p"/>
+      <p:bldP spid="7" grpId="0"/>
+      <p:bldP spid="15" grpId="0"/>
+    </p:bldLst>
+  </p:timing>
+</p:sld>
+</file>
+
+<file path=ppt/slides/slide6.xml><?xml version="1.0" encoding="utf-8"?>
+<p:sld xmlns:a="http://schemas.openxmlformats.org/drawingml/2006/main" xmlns:r="http://schemas.openxmlformats.org/officeDocument/2006/relationships" xmlns:p="http://schemas.openxmlformats.org/presentationml/2006/main">
+  <p:cSld>
+    <p:spTree>
+      <p:nvGrpSpPr>
+        <p:cNvPr id="1" name=""/>
+        <p:cNvGrpSpPr/>
+        <p:nvPr/>
+      </p:nvGrpSpPr>
+      <p:grpSpPr>
+        <a:xfrm>
+          <a:off x="0" y="0"/>
+          <a:ext cx="0" cy="0"/>
+          <a:chOff x="0" y="0"/>
+          <a:chExt cx="0" cy="0"/>
+        </a:xfrm>
+      </p:grpSpPr>
+      <p:sp>
+        <p:nvSpPr>
+          <p:cNvPr id="3" name="Text Placeholder 2"/>
+          <p:cNvSpPr>
+            <a:spLocks noGrp="1"/>
+          </p:cNvSpPr>
+          <p:nvPr>
+            <p:ph type="body" idx="1"/>
+          </p:nvPr>
+        </p:nvSpPr>
+        <p:spPr/>
+        <p:txBody>
+          <a:bodyPr/>
+          <a:lstStyle/>
+          <a:p>
+            <a:pPr marL="0" indent="0">
+              <a:buNone/>
+            </a:pPr>
+            <a:r>
+              <a:rPr lang="en-GB" dirty="0" smtClean="0"/>
+              <a:t>Silverlight Property</a:t>
+            </a:r>
+          </a:p>
+          <a:p>
+            <a:pPr marL="0" indent="0">
+              <a:buNone/>
+            </a:pPr>
+            <a:endParaRPr lang="en-GB" dirty="0"/>
+          </a:p>
+          <a:p>
+            <a:pPr marL="0" indent="0">
+              <a:buNone/>
+            </a:pPr>
+            <a:endParaRPr lang="en-GB" dirty="0" smtClean="0"/>
+          </a:p>
+          <a:p>
+            <a:pPr marL="0" indent="0">
+              <a:buNone/>
+            </a:pPr>
+            <a:endParaRPr lang="en-GB" dirty="0"/>
+          </a:p>
+          <a:p>
+            <a:pPr marL="0" indent="0">
+              <a:buNone/>
+            </a:pPr>
+            <a:endParaRPr lang="en-GB" dirty="0" smtClean="0"/>
+          </a:p>
+          <a:p>
+            <a:pPr marL="0" indent="0">
+              <a:buNone/>
+            </a:pPr>
+            <a:endParaRPr lang="en-GB" dirty="0"/>
+          </a:p>
+          <a:p>
+            <a:pPr marL="0" indent="0">
+              <a:buNone/>
+            </a:pPr>
+            <a:endParaRPr lang="en-GB" dirty="0" smtClean="0"/>
+          </a:p>
+          <a:p>
+            <a:pPr marL="0" indent="0">
+              <a:buNone/>
+            </a:pPr>
+            <a:endParaRPr lang="en-GB" dirty="0" smtClean="0"/>
+          </a:p>
+          <a:p>
+            <a:pPr marL="0" indent="0">
+              <a:buNone/>
+            </a:pPr>
+            <a:endParaRPr lang="en-GB" dirty="0"/>
+          </a:p>
+          <a:p>
+            <a:pPr marL="0" indent="0">
+              <a:buNone/>
+            </a:pPr>
+            <a:r>
+              <a:rPr lang="en-GB" dirty="0" smtClean="0"/>
+              <a:t>Typescript View Model w/ Knockout </a:t>
+            </a:r>
+            <a:r>
+              <a:rPr lang="en-GB" dirty="0" err="1" smtClean="0"/>
+              <a:t>js</a:t>
+            </a:r>
+            <a:endParaRPr lang="en-GB" dirty="0" smtClean="0"/>
+          </a:p>
+          <a:p>
+            <a:pPr marL="0" indent="0">
+              <a:buNone/>
+            </a:pPr>
+            <a:endParaRPr lang="en-GB" dirty="0"/>
+          </a:p>
+        </p:txBody>
+      </p:sp>
+      <p:pic>
+        <p:nvPicPr>
+          <p:cNvPr id="25" name="Picture 24"/>
+          <p:cNvPicPr>
+            <a:picLocks noChangeAspect="1"/>
+          </p:cNvPicPr>
+          <p:nvPr/>
+        </p:nvPicPr>
+        <p:blipFill>
+          <a:blip r:embed="rId3"/>
+          <a:stretch>
+            <a:fillRect/>
+          </a:stretch>
+        </p:blipFill>
+        <p:spPr>
+          <a:xfrm>
+            <a:off x="685800" y="1981200"/>
+            <a:ext cx="6543675" cy="2238375"/>
+          </a:xfrm>
+          <a:prstGeom prst="rect">
+            <a:avLst/>
+          </a:prstGeom>
+        </p:spPr>
+      </p:pic>
+      <p:sp>
+        <p:nvSpPr>
+          <p:cNvPr id="2" name="Title 1"/>
+          <p:cNvSpPr>
+            <a:spLocks noGrp="1"/>
+          </p:cNvSpPr>
+          <p:nvPr>
+            <p:ph type="title"/>
+          </p:nvPr>
+        </p:nvSpPr>
+        <p:spPr/>
+        <p:txBody>
+          <a:bodyPr/>
+          <a:lstStyle/>
+          <a:p>
+            <a:r>
+              <a:rPr lang="en-US" dirty="0" smtClean="0"/>
+              <a:t>Our First Observable Property		</a:t>
+            </a:r>
+            <a:endParaRPr lang="en-GB" dirty="0"/>
+          </a:p>
+        </p:txBody>
+      </p:sp>
+      <p:pic>
+        <p:nvPicPr>
+          <p:cNvPr id="18" name="Picture 17"/>
+          <p:cNvPicPr>
+            <a:picLocks noChangeAspect="1"/>
+          </p:cNvPicPr>
+          <p:nvPr/>
+        </p:nvPicPr>
+        <p:blipFill>
+          <a:blip r:embed="rId4"/>
+          <a:stretch>
+            <a:fillRect/>
+          </a:stretch>
+        </p:blipFill>
+        <p:spPr>
+          <a:xfrm>
+            <a:off x="905756" y="5173980"/>
+            <a:ext cx="5895975" cy="723900"/>
+          </a:xfrm>
+          <a:prstGeom prst="rect">
+            <a:avLst/>
+          </a:prstGeom>
+        </p:spPr>
+      </p:pic>
+      <p:cxnSp>
+        <p:nvCxnSpPr>
+          <p:cNvPr id="19" name="Straight Arrow Connector 18"/>
+          <p:cNvCxnSpPr/>
+          <p:nvPr/>
+        </p:nvCxnSpPr>
+        <p:spPr bwMode="auto">
+          <a:xfrm flipH="1">
+            <a:off x="5334000" y="1981200"/>
+            <a:ext cx="1066800" cy="457200"/>
+          </a:xfrm>
+          <a:prstGeom prst="straightConnector1">
+            <a:avLst/>
+          </a:prstGeom>
+          <a:ln w="63500">
+            <a:solidFill>
+              <a:schemeClr val="tx1"/>
+            </a:solidFill>
+            <a:headEnd type="none" w="med" len="med"/>
+            <a:tailEnd type="triangle"/>
+          </a:ln>
+        </p:spPr>
+        <p:style>
+          <a:lnRef idx="1">
+            <a:schemeClr val="accent2"/>
+          </a:lnRef>
+          <a:fillRef idx="0">
+            <a:schemeClr val="accent2"/>
+          </a:fillRef>
+          <a:effectRef idx="0">
+            <a:schemeClr val="accent2"/>
+          </a:effectRef>
+          <a:fontRef idx="minor">
+            <a:schemeClr val="tx1"/>
+          </a:fontRef>
+        </p:style>
+      </p:cxnSp>
+      <p:sp>
+        <p:nvSpPr>
+          <p:cNvPr id="20" name="TextBox 19"/>
+          <p:cNvSpPr txBox="1"/>
+          <p:nvPr/>
+        </p:nvSpPr>
+        <p:spPr bwMode="auto">
+          <a:xfrm>
+            <a:off x="6400800" y="1524000"/>
+            <a:ext cx="2536207" cy="646331"/>
+          </a:xfrm>
+          <a:prstGeom prst="rect">
+            <a:avLst/>
+          </a:prstGeom>
+          <a:noFill/>
+          <a:ln w="9525">
+            <a:noFill/>
+            <a:miter lim="800000"/>
+            <a:headEnd/>
+            <a:tailEnd/>
+          </a:ln>
+        </p:spPr>
+        <p:txBody>
+          <a:bodyPr wrap="square" rtlCol="0">
+            <a:spAutoFit/>
+          </a:bodyPr>
+          <a:lstStyle/>
+          <a:p>
+            <a:r>
+              <a:rPr lang="en-US" dirty="0" smtClean="0">
+                <a:latin typeface="+mj-lt"/>
+              </a:rPr>
+              <a:t>Implements </a:t>
+            </a:r>
+          </a:p>
+          <a:p>
+            <a:r>
+              <a:rPr lang="en-US" dirty="0" smtClean="0">
+                <a:latin typeface="+mj-lt"/>
+              </a:rPr>
+              <a:t>Observable Collection</a:t>
+            </a:r>
+            <a:endParaRPr lang="en-US" sz="1800" dirty="0">
+              <a:latin typeface="+mj-lt"/>
+            </a:endParaRPr>
+          </a:p>
+        </p:txBody>
+      </p:sp>
+      <p:cxnSp>
+        <p:nvCxnSpPr>
+          <p:cNvPr id="22" name="Straight Arrow Connector 21"/>
+          <p:cNvCxnSpPr/>
+          <p:nvPr/>
+        </p:nvCxnSpPr>
+        <p:spPr bwMode="auto">
+          <a:xfrm flipH="1">
+            <a:off x="5486400" y="3316069"/>
+            <a:ext cx="914400" cy="189131"/>
+          </a:xfrm>
+          <a:prstGeom prst="straightConnector1">
+            <a:avLst/>
+          </a:prstGeom>
+          <a:ln w="63500">
+            <a:solidFill>
+              <a:schemeClr val="tx1"/>
+            </a:solidFill>
+            <a:headEnd type="none" w="med" len="med"/>
+            <a:tailEnd type="triangle"/>
+          </a:ln>
+        </p:spPr>
+        <p:style>
+          <a:lnRef idx="1">
+            <a:schemeClr val="accent2"/>
+          </a:lnRef>
+          <a:fillRef idx="0">
+            <a:schemeClr val="accent2"/>
+          </a:fillRef>
+          <a:effectRef idx="0">
+            <a:schemeClr val="accent2"/>
+          </a:effectRef>
+          <a:fontRef idx="minor">
+            <a:schemeClr val="tx1"/>
+          </a:fontRef>
+        </p:style>
+      </p:cxnSp>
+      <p:sp>
+        <p:nvSpPr>
+          <p:cNvPr id="23" name="TextBox 22"/>
+          <p:cNvSpPr txBox="1"/>
+          <p:nvPr/>
+        </p:nvSpPr>
+        <p:spPr bwMode="auto">
+          <a:xfrm>
+            <a:off x="6400800" y="2858869"/>
+            <a:ext cx="2098203" cy="646331"/>
+          </a:xfrm>
+          <a:prstGeom prst="rect">
+            <a:avLst/>
+          </a:prstGeom>
+          <a:noFill/>
+          <a:ln w="9525">
+            <a:noFill/>
+            <a:miter lim="800000"/>
+            <a:headEnd/>
+            <a:tailEnd/>
+          </a:ln>
+        </p:spPr>
+        <p:txBody>
+          <a:bodyPr wrap="none" rtlCol="0">
+            <a:spAutoFit/>
+          </a:bodyPr>
+          <a:lstStyle/>
+          <a:p>
+            <a:r>
+              <a:rPr lang="en-US" dirty="0" smtClean="0">
+                <a:latin typeface="+mj-lt"/>
+              </a:rPr>
+              <a:t>Must manually raise</a:t>
+            </a:r>
+          </a:p>
+          <a:p>
+            <a:r>
+              <a:rPr lang="en-US" dirty="0" smtClean="0">
+                <a:latin typeface="+mj-lt"/>
+              </a:rPr>
+              <a:t>Property Changed</a:t>
+            </a:r>
+            <a:endParaRPr lang="en-US" sz="1800" dirty="0">
+              <a:latin typeface="+mj-lt"/>
+            </a:endParaRPr>
+          </a:p>
+        </p:txBody>
+      </p:sp>
+      <p:cxnSp>
+        <p:nvCxnSpPr>
+          <p:cNvPr id="26" name="Straight Arrow Connector 25"/>
+          <p:cNvCxnSpPr/>
+          <p:nvPr/>
+        </p:nvCxnSpPr>
+        <p:spPr bwMode="auto">
+          <a:xfrm flipH="1">
+            <a:off x="5334000" y="4953000"/>
+            <a:ext cx="1066800" cy="457200"/>
+          </a:xfrm>
+          <a:prstGeom prst="straightConnector1">
+            <a:avLst/>
+          </a:prstGeom>
+          <a:ln w="63500">
+            <a:solidFill>
+              <a:schemeClr val="tx1"/>
+            </a:solidFill>
+            <a:headEnd type="none" w="med" len="med"/>
+            <a:tailEnd type="triangle"/>
+          </a:ln>
+        </p:spPr>
+        <p:style>
+          <a:lnRef idx="1">
+            <a:schemeClr val="accent2"/>
+          </a:lnRef>
+          <a:fillRef idx="0">
+            <a:schemeClr val="accent2"/>
+          </a:fillRef>
+          <a:effectRef idx="0">
+            <a:schemeClr val="accent2"/>
+          </a:effectRef>
+          <a:fontRef idx="minor">
+            <a:schemeClr val="tx1"/>
+          </a:fontRef>
+        </p:style>
+      </p:cxnSp>
+      <p:sp>
+        <p:nvSpPr>
+          <p:cNvPr id="27" name="TextBox 26"/>
+          <p:cNvSpPr txBox="1"/>
+          <p:nvPr/>
+        </p:nvSpPr>
+        <p:spPr bwMode="auto">
+          <a:xfrm>
+            <a:off x="6400800" y="4495800"/>
+            <a:ext cx="2536207" cy="646331"/>
+          </a:xfrm>
+          <a:prstGeom prst="rect">
+            <a:avLst/>
+          </a:prstGeom>
+          <a:noFill/>
+          <a:ln w="9525">
+            <a:noFill/>
+            <a:miter lim="800000"/>
+            <a:headEnd/>
+            <a:tailEnd/>
+          </a:ln>
+        </p:spPr>
+        <p:txBody>
+          <a:bodyPr wrap="square" rtlCol="0">
+            <a:spAutoFit/>
+          </a:bodyPr>
+          <a:lstStyle/>
+          <a:p>
+            <a:r>
+              <a:rPr lang="en-US" dirty="0" smtClean="0">
+                <a:latin typeface="+mj-lt"/>
+              </a:rPr>
+              <a:t>Implements </a:t>
+            </a:r>
+          </a:p>
+          <a:p>
+            <a:r>
+              <a:rPr lang="en-US" dirty="0" smtClean="0">
+                <a:latin typeface="+mj-lt"/>
+              </a:rPr>
+              <a:t>Observable Array</a:t>
+            </a:r>
+            <a:endParaRPr lang="en-US" sz="1800" dirty="0">
+              <a:latin typeface="+mj-lt"/>
+            </a:endParaRPr>
+          </a:p>
+        </p:txBody>
+      </p:sp>
+      <p:cxnSp>
+        <p:nvCxnSpPr>
+          <p:cNvPr id="28" name="Straight Arrow Connector 27"/>
+          <p:cNvCxnSpPr/>
+          <p:nvPr/>
+        </p:nvCxnSpPr>
+        <p:spPr bwMode="auto">
+          <a:xfrm flipH="1" flipV="1">
+            <a:off x="5334000" y="5759351"/>
+            <a:ext cx="1066800" cy="489049"/>
+          </a:xfrm>
+          <a:prstGeom prst="straightConnector1">
+            <a:avLst/>
+          </a:prstGeom>
+          <a:ln w="63500">
+            <a:solidFill>
+              <a:schemeClr val="tx1"/>
+            </a:solidFill>
+            <a:headEnd type="none" w="med" len="med"/>
+            <a:tailEnd type="triangle"/>
+          </a:ln>
+        </p:spPr>
+        <p:style>
+          <a:lnRef idx="1">
+            <a:schemeClr val="accent2"/>
+          </a:lnRef>
+          <a:fillRef idx="0">
+            <a:schemeClr val="accent2"/>
+          </a:fillRef>
+          <a:effectRef idx="0">
+            <a:schemeClr val="accent2"/>
+          </a:effectRef>
+          <a:fontRef idx="minor">
+            <a:schemeClr val="tx1"/>
+          </a:fontRef>
+        </p:style>
+      </p:cxnSp>
+      <p:sp>
+        <p:nvSpPr>
+          <p:cNvPr id="29" name="TextBox 28"/>
+          <p:cNvSpPr txBox="1"/>
+          <p:nvPr/>
+        </p:nvSpPr>
+        <p:spPr bwMode="auto">
+          <a:xfrm>
+            <a:off x="6400800" y="5791200"/>
+            <a:ext cx="2536207" cy="646331"/>
+          </a:xfrm>
+          <a:prstGeom prst="rect">
+            <a:avLst/>
+          </a:prstGeom>
+          <a:noFill/>
+          <a:ln w="9525">
+            <a:noFill/>
+            <a:miter lim="800000"/>
+            <a:headEnd/>
+            <a:tailEnd/>
+          </a:ln>
+        </p:spPr>
+        <p:txBody>
+          <a:bodyPr wrap="square" rtlCol="0">
+            <a:spAutoFit/>
+          </a:bodyPr>
+          <a:lstStyle/>
+          <a:p>
+            <a:r>
+              <a:rPr lang="en-US" dirty="0" smtClean="0">
+                <a:latin typeface="+mj-lt"/>
+              </a:rPr>
+              <a:t>No need to raise any</a:t>
+            </a:r>
+          </a:p>
+          <a:p>
+            <a:r>
+              <a:rPr lang="en-US" sz="1800" dirty="0" smtClean="0">
+                <a:latin typeface="+mj-lt"/>
+              </a:rPr>
+              <a:t>Property Changed</a:t>
+            </a:r>
+            <a:endParaRPr lang="en-US" sz="1800" dirty="0">
+              <a:latin typeface="+mj-lt"/>
+            </a:endParaRPr>
+          </a:p>
+        </p:txBody>
+      </p:sp>
+    </p:spTree>
+    <p:extLst>
+      <p:ext uri="{BB962C8B-B14F-4D97-AF65-F5344CB8AC3E}">
+        <p14:creationId xmlns:p14="http://schemas.microsoft.com/office/powerpoint/2010/main" val="2628489798"/>
+      </p:ext>
+    </p:extLst>
+  </p:cSld>
+  <p:clrMapOvr>
+    <a:masterClrMapping/>
+  </p:clrMapOvr>
+  <p:transition>
+    <p:fade/>
+  </p:transition>
+  <p:timing>
+    <p:tnLst>
+      <p:par>
+        <p:cTn id="1" dur="indefinite" restart="never" nodeType="tmRoot">
+          <p:childTnLst>
+            <p:seq concurrent="1" nextAc="seek">
+              <p:cTn id="2" dur="indefinite" nodeType="mainSeq">
+                <p:childTnLst>
+                  <p:par>
+                    <p:cTn id="3" fill="hold">
+                      <p:stCondLst>
+                        <p:cond delay="indefinite"/>
+                      </p:stCondLst>
+                      <p:childTnLst>
+                        <p:par>
+                          <p:cTn id="4" fill="hold">
+                            <p:stCondLst>
+                              <p:cond delay="0"/>
+                            </p:stCondLst>
+                            <p:childTnLst>
+                              <p:par>
+                                <p:cTn id="5" presetID="10" presetClass="entr" presetSubtype="0" fill="hold" grpId="0" nodeType="clickEffect">
+                                  <p:stCondLst>
+                                    <p:cond delay="0"/>
+                                  </p:stCondLst>
+                                  <p:childTnLst>
+                                    <p:set>
+                                      <p:cBhvr>
+                                        <p:cTn id="6" dur="1" fill="hold">
+                                          <p:stCondLst>
+                                            <p:cond delay="0"/>
+                                          </p:stCondLst>
+                                        </p:cTn>
+                                        <p:tgtEl>
+                                          <p:spTgt spid="3">
+                                            <p:txEl>
+                                              <p:pRg st="0" end="0"/>
+                                            </p:txEl>
+                                          </p:spTgt>
+                                        </p:tgtEl>
+                                        <p:attrNameLst>
+                                          <p:attrName>style.visibility</p:attrName>
+                                        </p:attrNameLst>
+                                      </p:cBhvr>
+                                      <p:to>
+                                        <p:strVal val="visible"/>
+                                      </p:to>
+                                    </p:set>
+                                    <p:animEffect transition="in" filter="fade">
+                                      <p:cBhvr>
+                                        <p:cTn id="7" dur="500"/>
+                                        <p:tgtEl>
+                                          <p:spTgt spid="3">
+                                            <p:txEl>
+                                              <p:pRg st="0" end="0"/>
+                                            </p:txEl>
+                                          </p:spTgt>
+                                        </p:tgtEl>
+                                      </p:cBhvr>
+                                    </p:animEffect>
+                                  </p:childTnLst>
+                                </p:cTn>
+                              </p:par>
+                              <p:par>
+                                <p:cTn id="8" presetID="1" presetClass="entr" presetSubtype="0" fill="hold" nodeType="withEffect">
+                                  <p:stCondLst>
+                                    <p:cond delay="0"/>
+                                  </p:stCondLst>
+                                  <p:childTnLst>
+                                    <p:set>
+                                      <p:cBhvr>
+                                        <p:cTn id="9" dur="1" fill="hold">
+                                          <p:stCondLst>
+                                            <p:cond delay="0"/>
+                                          </p:stCondLst>
+                                        </p:cTn>
+                                        <p:tgtEl>
+                                          <p:spTgt spid="25"/>
+                                        </p:tgtEl>
+                                        <p:attrNameLst>
+                                          <p:attrName>style.visibility</p:attrName>
+                                        </p:attrNameLst>
+                                      </p:cBhvr>
+                                      <p:to>
+                                        <p:strVal val="visible"/>
+                                      </p:to>
+                                    </p:set>
+                                  </p:childTnLst>
+                                </p:cTn>
+                              </p:par>
+                            </p:childTnLst>
+                          </p:cTn>
+                        </p:par>
+                      </p:childTnLst>
+                    </p:cTn>
+                  </p:par>
+                  <p:par>
+                    <p:cTn id="10" fill="hold">
+                      <p:stCondLst>
+                        <p:cond delay="indefinite"/>
+                      </p:stCondLst>
+                      <p:childTnLst>
+                        <p:par>
+                          <p:cTn id="11" fill="hold">
+                            <p:stCondLst>
+                              <p:cond delay="0"/>
+                            </p:stCondLst>
+                            <p:childTnLst>
+                              <p:par>
+                                <p:cTn id="12" presetID="1" presetClass="entr" presetSubtype="0" fill="hold" nodeType="clickEffect">
+                                  <p:stCondLst>
+                                    <p:cond delay="0"/>
+                                  </p:stCondLst>
+                                  <p:childTnLst>
+                                    <p:set>
+                                      <p:cBhvr>
+                                        <p:cTn id="13" dur="1" fill="hold">
+                                          <p:stCondLst>
+                                            <p:cond delay="0"/>
+                                          </p:stCondLst>
+                                        </p:cTn>
+                                        <p:tgtEl>
+                                          <p:spTgt spid="19"/>
+                                        </p:tgtEl>
+                                        <p:attrNameLst>
+                                          <p:attrName>style.visibility</p:attrName>
+                                        </p:attrNameLst>
+                                      </p:cBhvr>
+                                      <p:to>
+                                        <p:strVal val="visible"/>
+                                      </p:to>
+                                    </p:set>
+                                  </p:childTnLst>
+                                </p:cTn>
+                              </p:par>
+                              <p:par>
+                                <p:cTn id="14" presetID="1" presetClass="entr" presetSubtype="0" fill="hold" grpId="0" nodeType="withEffect">
+                                  <p:stCondLst>
+                                    <p:cond delay="0"/>
+                                  </p:stCondLst>
+                                  <p:childTnLst>
+                                    <p:set>
+                                      <p:cBhvr>
+                                        <p:cTn id="15" dur="1" fill="hold">
+                                          <p:stCondLst>
+                                            <p:cond delay="0"/>
+                                          </p:stCondLst>
+                                        </p:cTn>
+                                        <p:tgtEl>
+                                          <p:spTgt spid="20"/>
+                                        </p:tgtEl>
+                                        <p:attrNameLst>
+                                          <p:attrName>style.visibility</p:attrName>
+                                        </p:attrNameLst>
+                                      </p:cBhvr>
+                                      <p:to>
+                                        <p:strVal val="visible"/>
+                                      </p:to>
+                                    </p:set>
+                                  </p:childTnLst>
+                                </p:cTn>
+                              </p:par>
+                            </p:childTnLst>
+                          </p:cTn>
+                        </p:par>
+                      </p:childTnLst>
+                    </p:cTn>
+                  </p:par>
+                  <p:par>
+                    <p:cTn id="16" fill="hold">
+                      <p:stCondLst>
+                        <p:cond delay="indefinite"/>
+                      </p:stCondLst>
+                      <p:childTnLst>
+                        <p:par>
+                          <p:cTn id="17" fill="hold">
+                            <p:stCondLst>
+                              <p:cond delay="0"/>
+                            </p:stCondLst>
+                            <p:childTnLst>
+                              <p:par>
+                                <p:cTn id="18" presetID="1" presetClass="entr" presetSubtype="0" fill="hold" nodeType="clickEffect">
+                                  <p:stCondLst>
+                                    <p:cond delay="0"/>
+                                  </p:stCondLst>
+                                  <p:childTnLst>
+                                    <p:set>
+                                      <p:cBhvr>
+                                        <p:cTn id="19" dur="1" fill="hold">
+                                          <p:stCondLst>
+                                            <p:cond delay="0"/>
+                                          </p:stCondLst>
+                                        </p:cTn>
+                                        <p:tgtEl>
+                                          <p:spTgt spid="22"/>
+                                        </p:tgtEl>
+                                        <p:attrNameLst>
+                                          <p:attrName>style.visibility</p:attrName>
+                                        </p:attrNameLst>
+                                      </p:cBhvr>
+                                      <p:to>
+                                        <p:strVal val="visible"/>
+                                      </p:to>
+                                    </p:set>
+                                  </p:childTnLst>
+                                </p:cTn>
+                              </p:par>
+                              <p:par>
+                                <p:cTn id="20" presetID="1" presetClass="entr" presetSubtype="0" fill="hold" grpId="0" nodeType="withEffect">
+                                  <p:stCondLst>
+                                    <p:cond delay="0"/>
+                                  </p:stCondLst>
+                                  <p:childTnLst>
+                                    <p:set>
+                                      <p:cBhvr>
+                                        <p:cTn id="21" dur="1" fill="hold">
+                                          <p:stCondLst>
+                                            <p:cond delay="0"/>
+                                          </p:stCondLst>
+                                        </p:cTn>
+                                        <p:tgtEl>
+                                          <p:spTgt spid="23"/>
+                                        </p:tgtEl>
+                                        <p:attrNameLst>
+                                          <p:attrName>style.visibility</p:attrName>
+                                        </p:attrNameLst>
+                                      </p:cBhvr>
+                                      <p:to>
+                                        <p:strVal val="visible"/>
+                                      </p:to>
+                                    </p:set>
+                                  </p:childTnLst>
+                                </p:cTn>
+                              </p:par>
+                            </p:childTnLst>
+                          </p:cTn>
+                        </p:par>
+                      </p:childTnLst>
+                    </p:cTn>
+                  </p:par>
+                  <p:par>
+                    <p:cTn id="22" fill="hold">
+                      <p:stCondLst>
+                        <p:cond delay="indefinite"/>
+                      </p:stCondLst>
+                      <p:childTnLst>
+                        <p:par>
+                          <p:cTn id="23" fill="hold">
+                            <p:stCondLst>
+                              <p:cond delay="0"/>
+                            </p:stCondLst>
+                            <p:childTnLst>
+                              <p:par>
+                                <p:cTn id="24" presetID="10" presetClass="entr" presetSubtype="0" fill="hold" grpId="0" nodeType="clickEffect">
+                                  <p:stCondLst>
+                                    <p:cond delay="0"/>
+                                  </p:stCondLst>
+                                  <p:childTnLst>
+                                    <p:set>
+                                      <p:cBhvr>
+                                        <p:cTn id="25" dur="1" fill="hold">
+                                          <p:stCondLst>
+                                            <p:cond delay="0"/>
+                                          </p:stCondLst>
+                                        </p:cTn>
+                                        <p:tgtEl>
+                                          <p:spTgt spid="3">
+                                            <p:txEl>
+                                              <p:pRg st="9" end="9"/>
+                                            </p:txEl>
+                                          </p:spTgt>
+                                        </p:tgtEl>
+                                        <p:attrNameLst>
+                                          <p:attrName>style.visibility</p:attrName>
+                                        </p:attrNameLst>
+                                      </p:cBhvr>
+                                      <p:to>
+                                        <p:strVal val="visible"/>
+                                      </p:to>
+                                    </p:set>
+                                    <p:animEffect transition="in" filter="fade">
+                                      <p:cBhvr>
+                                        <p:cTn id="26" dur="500"/>
+                                        <p:tgtEl>
+                                          <p:spTgt spid="3">
+                                            <p:txEl>
+                                              <p:pRg st="9" end="9"/>
+                                            </p:txEl>
+                                          </p:spTgt>
+                                        </p:tgtEl>
+                                      </p:cBhvr>
+                                    </p:animEffect>
+                                  </p:childTnLst>
+                                </p:cTn>
+                              </p:par>
+                              <p:par>
+                                <p:cTn id="27" presetID="1" presetClass="entr" presetSubtype="0" fill="hold" nodeType="withEffect">
+                                  <p:stCondLst>
+                                    <p:cond delay="0"/>
+                                  </p:stCondLst>
+                                  <p:childTnLst>
+                                    <p:set>
+                                      <p:cBhvr>
+                                        <p:cTn id="28" dur="1" fill="hold">
+                                          <p:stCondLst>
+                                            <p:cond delay="0"/>
+                                          </p:stCondLst>
+                                        </p:cTn>
+                                        <p:tgtEl>
+                                          <p:spTgt spid="18"/>
+                                        </p:tgtEl>
+                                        <p:attrNameLst>
+                                          <p:attrName>style.visibility</p:attrName>
+                                        </p:attrNameLst>
+                                      </p:cBhvr>
+                                      <p:to>
+                                        <p:strVal val="visible"/>
+                                      </p:to>
+                                    </p:set>
+                                  </p:childTnLst>
+                                </p:cTn>
+                              </p:par>
+                            </p:childTnLst>
+                          </p:cTn>
+                        </p:par>
+                      </p:childTnLst>
+                    </p:cTn>
+                  </p:par>
+                  <p:par>
+                    <p:cTn id="29" fill="hold">
+                      <p:stCondLst>
+                        <p:cond delay="indefinite"/>
+                      </p:stCondLst>
+                      <p:childTnLst>
+                        <p:par>
+                          <p:cTn id="30" fill="hold">
+                            <p:stCondLst>
+                              <p:cond delay="0"/>
+                            </p:stCondLst>
+                            <p:childTnLst>
+                              <p:par>
+                                <p:cTn id="31" presetID="1" presetClass="entr" presetSubtype="0" fill="hold" nodeType="clickEffect">
+                                  <p:stCondLst>
+                                    <p:cond delay="0"/>
+                                  </p:stCondLst>
+                                  <p:childTnLst>
+                                    <p:set>
+                                      <p:cBhvr>
+                                        <p:cTn id="32" dur="1" fill="hold">
+                                          <p:stCondLst>
+                                            <p:cond delay="0"/>
+                                          </p:stCondLst>
+                                        </p:cTn>
+                                        <p:tgtEl>
+                                          <p:spTgt spid="26"/>
+                                        </p:tgtEl>
+                                        <p:attrNameLst>
+                                          <p:attrName>style.visibility</p:attrName>
+                                        </p:attrNameLst>
+                                      </p:cBhvr>
+                                      <p:to>
+                                        <p:strVal val="visible"/>
+                                      </p:to>
+                                    </p:set>
+                                  </p:childTnLst>
+                                </p:cTn>
+                              </p:par>
+                              <p:par>
+                                <p:cTn id="33" presetID="1" presetClass="entr" presetSubtype="0" fill="hold" grpId="0" nodeType="withEffect">
+                                  <p:stCondLst>
+                                    <p:cond delay="0"/>
+                                  </p:stCondLst>
+                                  <p:childTnLst>
+                                    <p:set>
+                                      <p:cBhvr>
+                                        <p:cTn id="34" dur="1" fill="hold">
+                                          <p:stCondLst>
+                                            <p:cond delay="0"/>
+                                          </p:stCondLst>
+                                        </p:cTn>
+                                        <p:tgtEl>
+                                          <p:spTgt spid="27"/>
+                                        </p:tgtEl>
+                                        <p:attrNameLst>
+                                          <p:attrName>style.visibility</p:attrName>
+                                        </p:attrNameLst>
+                                      </p:cBhvr>
+                                      <p:to>
+                                        <p:strVal val="visible"/>
+                                      </p:to>
+                                    </p:set>
+                                  </p:childTnLst>
+                                </p:cTn>
+                              </p:par>
+                            </p:childTnLst>
+                          </p:cTn>
+                        </p:par>
+                      </p:childTnLst>
+                    </p:cTn>
+                  </p:par>
+                  <p:par>
+                    <p:cTn id="35" fill="hold">
+                      <p:stCondLst>
+                        <p:cond delay="indefinite"/>
+                      </p:stCondLst>
+                      <p:childTnLst>
+                        <p:par>
+                          <p:cTn id="36" fill="hold">
+                            <p:stCondLst>
+                              <p:cond delay="0"/>
+                            </p:stCondLst>
+                            <p:childTnLst>
+                              <p:par>
+                                <p:cTn id="37" presetID="1" presetClass="entr" presetSubtype="0" fill="hold" nodeType="clickEffect">
+                                  <p:stCondLst>
+                                    <p:cond delay="0"/>
+                                  </p:stCondLst>
+                                  <p:childTnLst>
+                                    <p:set>
+                                      <p:cBhvr>
+                                        <p:cTn id="38" dur="1" fill="hold">
+                                          <p:stCondLst>
+                                            <p:cond delay="0"/>
+                                          </p:stCondLst>
+                                        </p:cTn>
+                                        <p:tgtEl>
+                                          <p:spTgt spid="28"/>
+                                        </p:tgtEl>
+                                        <p:attrNameLst>
+                                          <p:attrName>style.visibility</p:attrName>
+                                        </p:attrNameLst>
+                                      </p:cBhvr>
+                                      <p:to>
+                                        <p:strVal val="visible"/>
+                                      </p:to>
+                                    </p:set>
+                                  </p:childTnLst>
+                                </p:cTn>
+                              </p:par>
+                              <p:par>
+                                <p:cTn id="39" presetID="1" presetClass="entr" presetSubtype="0" fill="hold" grpId="0" nodeType="withEffect">
+                                  <p:stCondLst>
+                                    <p:cond delay="0"/>
+                                  </p:stCondLst>
+                                  <p:childTnLst>
+                                    <p:set>
+                                      <p:cBhvr>
+                                        <p:cTn id="40" dur="1" fill="hold">
+                                          <p:stCondLst>
+                                            <p:cond delay="0"/>
+                                          </p:stCondLst>
+                                        </p:cTn>
+                                        <p:tgtEl>
+                                          <p:spTgt spid="29"/>
+                                        </p:tgtEl>
+                                        <p:attrNameLst>
+                                          <p:attrName>style.visibility</p:attrName>
+                                        </p:attrNameLst>
+                                      </p:cBhvr>
+                                      <p:to>
+                                        <p:strVal val="visible"/>
+                                      </p:to>
+                                    </p:set>
+                                  </p:childTnLst>
+                                </p:cTn>
+                              </p:par>
+                            </p:childTnLst>
+                          </p:cTn>
+                        </p:par>
+                      </p:childTnLst>
+                    </p:cTn>
+                  </p:par>
+                </p:childTnLst>
+              </p:cTn>
+              <p:prevCondLst>
+                <p:cond evt="onPrev" delay="0">
+                  <p:tgtEl>
+                    <p:sldTgt/>
+                  </p:tgtEl>
+                </p:cond>
+              </p:prevCondLst>
+              <p:nextCondLst>
+                <p:cond evt="onNext" delay="0">
+                  <p:tgtEl>
+                    <p:sldTgt/>
+                  </p:tgtEl>
+                </p:cond>
+              </p:nextCondLst>
+            </p:seq>
+          </p:childTnLst>
+        </p:cTn>
+      </p:par>
+    </p:tnLst>
+    <p:bldLst>
+      <p:bldP spid="3" grpId="0" uiExpand="1" build="p"/>
+      <p:bldP spid="20" grpId="0"/>
+      <p:bldP spid="23" grpId="0"/>
+      <p:bldP spid="27" grpId="0"/>
+      <p:bldP spid="29" grpId="0"/>
+    </p:bldLst>
+  </p:timing>
+</p:sld>
+</file>
+
+<file path=ppt/slides/slide7.xml><?xml version="1.0" encoding="utf-8"?>
+<p:sld xmlns:a="http://schemas.openxmlformats.org/drawingml/2006/main" xmlns:r="http://schemas.openxmlformats.org/officeDocument/2006/relationships" xmlns:p="http://schemas.openxmlformats.org/presentationml/2006/main">
+  <p:cSld>
+    <p:spTree>
+      <p:nvGrpSpPr>
+        <p:cNvPr id="1" name=""/>
+        <p:cNvGrpSpPr/>
+        <p:nvPr/>
+      </p:nvGrpSpPr>
+      <p:grpSpPr>
+        <a:xfrm>
+          <a:off x="0" y="0"/>
+          <a:ext cx="0" cy="0"/>
+          <a:chOff x="0" y="0"/>
+          <a:chExt cx="0" cy="0"/>
+        </a:xfrm>
+      </p:grpSpPr>
+      <p:pic>
+        <p:nvPicPr>
+          <p:cNvPr id="4" name="Picture 3"/>
+          <p:cNvPicPr>
+            <a:picLocks noChangeAspect="1"/>
+          </p:cNvPicPr>
+          <p:nvPr/>
+        </p:nvPicPr>
+        <p:blipFill>
+          <a:blip r:embed="rId3"/>
+          <a:stretch>
+            <a:fillRect/>
+          </a:stretch>
+        </p:blipFill>
+        <p:spPr>
+          <a:xfrm>
+            <a:off x="1100137" y="3404503"/>
+            <a:ext cx="6943725" cy="771525"/>
+          </a:xfrm>
+          <a:prstGeom prst="rect">
+            <a:avLst/>
+          </a:prstGeom>
+        </p:spPr>
+      </p:pic>
+      <p:sp>
+        <p:nvSpPr>
+          <p:cNvPr id="2" name="Title 1"/>
+          <p:cNvSpPr>
+            <a:spLocks noGrp="1"/>
+          </p:cNvSpPr>
+          <p:nvPr>
+            <p:ph type="title"/>
+          </p:nvPr>
+        </p:nvSpPr>
+        <p:spPr/>
+        <p:txBody>
+          <a:bodyPr/>
+          <a:lstStyle/>
+          <a:p>
+            <a:r>
+              <a:rPr lang="en-US" dirty="0" smtClean="0"/>
+              <a:t>Breaking down our Observable Property		</a:t>
+            </a:r>
+            <a:endParaRPr lang="en-GB" dirty="0"/>
+          </a:p>
+        </p:txBody>
+      </p:sp>
+      <p:cxnSp>
+        <p:nvCxnSpPr>
+          <p:cNvPr id="26" name="Straight Arrow Connector 25"/>
+          <p:cNvCxnSpPr/>
+          <p:nvPr/>
+        </p:nvCxnSpPr>
+        <p:spPr bwMode="auto">
+          <a:xfrm>
+            <a:off x="2362200" y="2763947"/>
+            <a:ext cx="0" cy="797719"/>
+          </a:xfrm>
+          <a:prstGeom prst="straightConnector1">
+            <a:avLst/>
+          </a:prstGeom>
+          <a:ln w="63500">
+            <a:solidFill>
+              <a:schemeClr val="tx1"/>
+            </a:solidFill>
+            <a:headEnd type="none" w="med" len="med"/>
+            <a:tailEnd type="triangle"/>
+          </a:ln>
+        </p:spPr>
+        <p:style>
+          <a:lnRef idx="1">
+            <a:schemeClr val="accent2"/>
+          </a:lnRef>
+          <a:fillRef idx="0">
+            <a:schemeClr val="accent2"/>
+          </a:fillRef>
+          <a:effectRef idx="0">
+            <a:schemeClr val="accent2"/>
+          </a:effectRef>
+          <a:fontRef idx="minor">
+            <a:schemeClr val="tx1"/>
+          </a:fontRef>
+        </p:style>
+      </p:cxnSp>
+      <p:sp>
+        <p:nvSpPr>
+          <p:cNvPr id="27" name="TextBox 26"/>
+          <p:cNvSpPr txBox="1"/>
+          <p:nvPr/>
+        </p:nvSpPr>
+        <p:spPr bwMode="auto">
+          <a:xfrm>
+            <a:off x="1524000" y="2362200"/>
+            <a:ext cx="1676400" cy="369332"/>
+          </a:xfrm>
+          <a:prstGeom prst="rect">
+            <a:avLst/>
+          </a:prstGeom>
+          <a:noFill/>
+          <a:ln w="9525">
+            <a:noFill/>
+            <a:miter lim="800000"/>
+            <a:headEnd/>
+            <a:tailEnd/>
+          </a:ln>
+        </p:spPr>
+        <p:txBody>
+          <a:bodyPr wrap="square" rtlCol="0">
+            <a:spAutoFit/>
+          </a:bodyPr>
+          <a:lstStyle/>
+          <a:p>
+            <a:r>
+              <a:rPr lang="en-US" dirty="0" smtClean="0">
+                <a:latin typeface="+mj-lt"/>
+              </a:rPr>
+              <a:t>Property Name</a:t>
+            </a:r>
+            <a:endParaRPr lang="en-US" sz="1800" dirty="0">
+              <a:latin typeface="+mj-lt"/>
+            </a:endParaRPr>
+          </a:p>
+        </p:txBody>
+      </p:sp>
+      <p:cxnSp>
+        <p:nvCxnSpPr>
+          <p:cNvPr id="16" name="Straight Arrow Connector 15"/>
+          <p:cNvCxnSpPr/>
+          <p:nvPr/>
+        </p:nvCxnSpPr>
+        <p:spPr bwMode="auto">
+          <a:xfrm flipV="1">
+            <a:off x="3886200" y="3954037"/>
+            <a:ext cx="0" cy="791110"/>
+          </a:xfrm>
+          <a:prstGeom prst="straightConnector1">
+            <a:avLst/>
+          </a:prstGeom>
+          <a:ln w="63500">
+            <a:solidFill>
+              <a:schemeClr val="tx1"/>
+            </a:solidFill>
+            <a:headEnd type="none" w="med" len="med"/>
+            <a:tailEnd type="triangle"/>
+          </a:ln>
+        </p:spPr>
+        <p:style>
+          <a:lnRef idx="1">
+            <a:schemeClr val="accent2"/>
+          </a:lnRef>
+          <a:fillRef idx="0">
+            <a:schemeClr val="accent2"/>
+          </a:fillRef>
+          <a:effectRef idx="0">
+            <a:schemeClr val="accent2"/>
+          </a:effectRef>
+          <a:fontRef idx="minor">
+            <a:schemeClr val="tx1"/>
+          </a:fontRef>
+        </p:style>
+      </p:cxnSp>
+      <p:sp>
+        <p:nvSpPr>
+          <p:cNvPr id="17" name="TextBox 16"/>
+          <p:cNvSpPr txBox="1"/>
+          <p:nvPr/>
+        </p:nvSpPr>
+        <p:spPr bwMode="auto">
+          <a:xfrm>
+            <a:off x="3048000" y="4812268"/>
+            <a:ext cx="1676400" cy="369332"/>
+          </a:xfrm>
+          <a:prstGeom prst="rect">
+            <a:avLst/>
+          </a:prstGeom>
+          <a:noFill/>
+          <a:ln w="9525">
+            <a:noFill/>
+            <a:miter lim="800000"/>
+            <a:headEnd/>
+            <a:tailEnd/>
+          </a:ln>
+        </p:spPr>
+        <p:txBody>
+          <a:bodyPr wrap="square" rtlCol="0">
+            <a:spAutoFit/>
+          </a:bodyPr>
+          <a:lstStyle/>
+          <a:p>
+            <a:r>
+              <a:rPr lang="en-US" dirty="0" smtClean="0">
+                <a:latin typeface="+mj-lt"/>
+              </a:rPr>
+              <a:t>Property Type</a:t>
+            </a:r>
+            <a:endParaRPr lang="en-US" sz="1800" dirty="0">
+              <a:latin typeface="+mj-lt"/>
+            </a:endParaRPr>
+          </a:p>
+        </p:txBody>
+      </p:sp>
+      <p:cxnSp>
+        <p:nvCxnSpPr>
+          <p:cNvPr id="21" name="Straight Arrow Connector 20"/>
+          <p:cNvCxnSpPr/>
+          <p:nvPr/>
+        </p:nvCxnSpPr>
+        <p:spPr bwMode="auto">
+          <a:xfrm>
+            <a:off x="6705599" y="2763947"/>
+            <a:ext cx="0" cy="797719"/>
+          </a:xfrm>
+          <a:prstGeom prst="straightConnector1">
+            <a:avLst/>
+          </a:prstGeom>
+          <a:ln w="63500">
+            <a:solidFill>
+              <a:schemeClr val="tx1"/>
+            </a:solidFill>
+            <a:headEnd type="none" w="med" len="med"/>
+            <a:tailEnd type="triangle"/>
+          </a:ln>
+        </p:spPr>
+        <p:style>
+          <a:lnRef idx="1">
+            <a:schemeClr val="accent2"/>
+          </a:lnRef>
+          <a:fillRef idx="0">
+            <a:schemeClr val="accent2"/>
+          </a:fillRef>
+          <a:effectRef idx="0">
+            <a:schemeClr val="accent2"/>
+          </a:effectRef>
+          <a:fontRef idx="minor">
+            <a:schemeClr val="tx1"/>
+          </a:fontRef>
+        </p:style>
+      </p:cxnSp>
+      <p:sp>
+        <p:nvSpPr>
+          <p:cNvPr id="24" name="TextBox 23"/>
+          <p:cNvSpPr txBox="1"/>
+          <p:nvPr/>
+        </p:nvSpPr>
+        <p:spPr bwMode="auto">
+          <a:xfrm>
+            <a:off x="5715000" y="2370755"/>
+            <a:ext cx="2024062" cy="369332"/>
+          </a:xfrm>
+          <a:prstGeom prst="rect">
+            <a:avLst/>
+          </a:prstGeom>
+          <a:noFill/>
+          <a:ln w="9525">
+            <a:noFill/>
+            <a:miter lim="800000"/>
+            <a:headEnd/>
+            <a:tailEnd/>
+          </a:ln>
+        </p:spPr>
+        <p:txBody>
+          <a:bodyPr wrap="square" rtlCol="0">
+            <a:spAutoFit/>
+          </a:bodyPr>
+          <a:lstStyle/>
+          <a:p>
+            <a:r>
+              <a:rPr lang="en-US" dirty="0" smtClean="0">
+                <a:latin typeface="+mj-lt"/>
+              </a:rPr>
+              <a:t>Property Initializer</a:t>
+            </a:r>
+            <a:endParaRPr lang="en-US" sz="1800" dirty="0">
+              <a:latin typeface="+mj-lt"/>
+            </a:endParaRPr>
+          </a:p>
+        </p:txBody>
+      </p:sp>
+    </p:spTree>
+    <p:extLst>
+      <p:ext uri="{BB962C8B-B14F-4D97-AF65-F5344CB8AC3E}">
+        <p14:creationId xmlns:p14="http://schemas.microsoft.com/office/powerpoint/2010/main" val="651814262"/>
+      </p:ext>
+    </p:extLst>
+  </p:cSld>
+  <p:clrMapOvr>
+    <a:masterClrMapping/>
+  </p:clrMapOvr>
+  <p:transition>
+    <p:fade/>
+  </p:transition>
+  <p:timing>
+    <p:tnLst>
+      <p:par>
+        <p:cTn id="1" dur="indefinite" restart="never" nodeType="tmRoot">
+          <p:childTnLst>
+            <p:seq concurrent="1" nextAc="seek">
+              <p:cTn id="2" dur="indefinite" nodeType="mainSeq">
+                <p:childTnLst>
+                  <p:par>
+                    <p:cTn id="3" fill="hold">
+                      <p:stCondLst>
+                        <p:cond delay="indefinite"/>
+                      </p:stCondLst>
+                      <p:childTnLst>
+                        <p:par>
+                          <p:cTn id="4" fill="hold">
+                            <p:stCondLst>
+                              <p:cond delay="0"/>
+                            </p:stCondLst>
+                            <p:childTnLst>
+                              <p:par>
+                                <p:cTn id="5" presetID="1" presetClass="entr" presetSubtype="0" fill="hold" nodeType="clickEffect">
+                                  <p:stCondLst>
+                                    <p:cond delay="0"/>
+                                  </p:stCondLst>
+                                  <p:childTnLst>
+                                    <p:set>
+                                      <p:cBhvr>
+                                        <p:cTn id="6" dur="1" fill="hold">
+                                          <p:stCondLst>
+                                            <p:cond delay="0"/>
+                                          </p:stCondLst>
+                                        </p:cTn>
+                                        <p:tgtEl>
+                                          <p:spTgt spid="26"/>
+                                        </p:tgtEl>
+                                        <p:attrNameLst>
+                                          <p:attrName>style.visibility</p:attrName>
+                                        </p:attrNameLst>
+                                      </p:cBhvr>
+                                      <p:to>
+                                        <p:strVal val="visible"/>
+                                      </p:to>
+                                    </p:set>
+                                  </p:childTnLst>
+                                </p:cTn>
+                              </p:par>
+                              <p:par>
+                                <p:cTn id="7" presetID="1" presetClass="entr" presetSubtype="0" fill="hold" grpId="0" nodeType="withEffect">
+                                  <p:stCondLst>
+                                    <p:cond delay="0"/>
+                                  </p:stCondLst>
+                                  <p:childTnLst>
+                                    <p:set>
+                                      <p:cBhvr>
+                                        <p:cTn id="8" dur="1" fill="hold">
+                                          <p:stCondLst>
+                                            <p:cond delay="0"/>
+                                          </p:stCondLst>
+                                        </p:cTn>
+                                        <p:tgtEl>
+                                          <p:spTgt spid="27"/>
+                                        </p:tgtEl>
+                                        <p:attrNameLst>
+                                          <p:attrName>style.visibility</p:attrName>
+                                        </p:attrNameLst>
+                                      </p:cBhvr>
+                                      <p:to>
+                                        <p:strVal val="visible"/>
+                                      </p:to>
+                                    </p:set>
+                                  </p:childTnLst>
+                                </p:cTn>
+                              </p:par>
+                            </p:childTnLst>
+                          </p:cTn>
+                        </p:par>
+                      </p:childTnLst>
+                    </p:cTn>
+                  </p:par>
+                  <p:par>
+                    <p:cTn id="9" fill="hold">
+                      <p:stCondLst>
+                        <p:cond delay="indefinite"/>
+                      </p:stCondLst>
+                      <p:childTnLst>
+                        <p:par>
+                          <p:cTn id="10" fill="hold">
+                            <p:stCondLst>
+                              <p:cond delay="0"/>
+                            </p:stCondLst>
+                            <p:childTnLst>
+                              <p:par>
+                                <p:cTn id="11" presetID="1" presetClass="entr" presetSubtype="0" fill="hold" nodeType="clickEffect">
+                                  <p:stCondLst>
+                                    <p:cond delay="0"/>
+                                  </p:stCondLst>
+                                  <p:childTnLst>
+                                    <p:set>
+                                      <p:cBhvr>
+                                        <p:cTn id="12" dur="1" fill="hold">
+                                          <p:stCondLst>
+                                            <p:cond delay="0"/>
+                                          </p:stCondLst>
+                                        </p:cTn>
+                                        <p:tgtEl>
+                                          <p:spTgt spid="16"/>
+                                        </p:tgtEl>
+                                        <p:attrNameLst>
+                                          <p:attrName>style.visibility</p:attrName>
+                                        </p:attrNameLst>
+                                      </p:cBhvr>
+                                      <p:to>
+                                        <p:strVal val="visible"/>
+                                      </p:to>
+                                    </p:set>
+                                  </p:childTnLst>
+                                </p:cTn>
+                              </p:par>
+                              <p:par>
+                                <p:cTn id="13" presetID="1" presetClass="entr" presetSubtype="0" fill="hold" grpId="0" nodeType="withEffect">
+                                  <p:stCondLst>
+                                    <p:cond delay="0"/>
+                                  </p:stCondLst>
+                                  <p:childTnLst>
+                                    <p:set>
+                                      <p:cBhvr>
+                                        <p:cTn id="14" dur="1" fill="hold">
+                                          <p:stCondLst>
+                                            <p:cond delay="0"/>
+                                          </p:stCondLst>
+                                        </p:cTn>
+                                        <p:tgtEl>
+                                          <p:spTgt spid="17"/>
+                                        </p:tgtEl>
+                                        <p:attrNameLst>
+                                          <p:attrName>style.visibility</p:attrName>
+                                        </p:attrNameLst>
+                                      </p:cBhvr>
+                                      <p:to>
+                                        <p:strVal val="visible"/>
+                                      </p:to>
+                                    </p:set>
+                                  </p:childTnLst>
+                                </p:cTn>
+                              </p:par>
+                            </p:childTnLst>
+                          </p:cTn>
+                        </p:par>
+                      </p:childTnLst>
+                    </p:cTn>
+                  </p:par>
+                  <p:par>
+                    <p:cTn id="15" fill="hold">
+                      <p:stCondLst>
+                        <p:cond delay="indefinite"/>
+                      </p:stCondLst>
+                      <p:childTnLst>
+                        <p:par>
+                          <p:cTn id="16" fill="hold">
+                            <p:stCondLst>
+                              <p:cond delay="0"/>
+                            </p:stCondLst>
+                            <p:childTnLst>
+                              <p:par>
+                                <p:cTn id="17" presetID="1" presetClass="entr" presetSubtype="0" fill="hold" nodeType="clickEffect">
+                                  <p:stCondLst>
+                                    <p:cond delay="0"/>
+                                  </p:stCondLst>
+                                  <p:childTnLst>
+                                    <p:set>
+                                      <p:cBhvr>
+                                        <p:cTn id="18" dur="1" fill="hold">
+                                          <p:stCondLst>
+                                            <p:cond delay="0"/>
+                                          </p:stCondLst>
+                                        </p:cTn>
+                                        <p:tgtEl>
+                                          <p:spTgt spid="21"/>
+                                        </p:tgtEl>
+                                        <p:attrNameLst>
+                                          <p:attrName>style.visibility</p:attrName>
+                                        </p:attrNameLst>
+                                      </p:cBhvr>
+                                      <p:to>
+                                        <p:strVal val="visible"/>
+                                      </p:to>
+                                    </p:set>
+                                  </p:childTnLst>
+                                </p:cTn>
+                              </p:par>
+                              <p:par>
+                                <p:cTn id="19" presetID="1" presetClass="entr" presetSubtype="0" fill="hold" grpId="0" nodeType="withEffect">
+                                  <p:stCondLst>
+                                    <p:cond delay="0"/>
+                                  </p:stCondLst>
+                                  <p:childTnLst>
+                                    <p:set>
+                                      <p:cBhvr>
+                                        <p:cTn id="20" dur="1" fill="hold">
+                                          <p:stCondLst>
+                                            <p:cond delay="0"/>
+                                          </p:stCondLst>
+                                        </p:cTn>
+                                        <p:tgtEl>
+                                          <p:spTgt spid="24"/>
+                                        </p:tgtEl>
+                                        <p:attrNameLst>
+                                          <p:attrName>style.visibility</p:attrName>
+                                        </p:attrNameLst>
+                                      </p:cBhvr>
+                                      <p:to>
+                                        <p:strVal val="visible"/>
+                                      </p:to>
+                                    </p:set>
+                                  </p:childTnLst>
+                                </p:cTn>
+                              </p:par>
+                            </p:childTnLst>
+                          </p:cTn>
+                        </p:par>
+                      </p:childTnLst>
+                    </p:cTn>
+                  </p:par>
+                </p:childTnLst>
+              </p:cTn>
+              <p:prevCondLst>
+                <p:cond evt="onPrev" delay="0">
+                  <p:tgtEl>
+                    <p:sldTgt/>
+                  </p:tgtEl>
+                </p:cond>
+              </p:prevCondLst>
+              <p:nextCondLst>
+                <p:cond evt="onNext" delay="0">
+                  <p:tgtEl>
+                    <p:sldTgt/>
+                  </p:tgtEl>
+                </p:cond>
+              </p:nextCondLst>
+            </p:seq>
+          </p:childTnLst>
+        </p:cTn>
+      </p:par>
+    </p:tnLst>
+    <p:bldLst>
+      <p:bldP spid="27" grpId="0"/>
+      <p:bldP spid="17" grpId="0"/>
+      <p:bldP spid="24" grpId="0"/>
+    </p:bldLst>
+  </p:timing>
+</p:sld>
+</file>
+
+<file path=ppt/slides/slide8.xml><?xml version="1.0" encoding="utf-8"?>
+<p:sld xmlns:a="http://schemas.openxmlformats.org/drawingml/2006/main" xmlns:r="http://schemas.openxmlformats.org/officeDocument/2006/relationships" xmlns:p="http://schemas.openxmlformats.org/presentationml/2006/main">
+  <p:cSld>
+    <p:spTree>
+      <p:nvGrpSpPr>
+        <p:cNvPr id="1" name=""/>
+        <p:cNvGrpSpPr/>
+        <p:nvPr/>
+      </p:nvGrpSpPr>
+      <p:grpSpPr>
+        <a:xfrm>
+          <a:off x="0" y="0"/>
+          <a:ext cx="0" cy="0"/>
+          <a:chOff x="0" y="0"/>
+          <a:chExt cx="0" cy="0"/>
+        </a:xfrm>
+      </p:grpSpPr>
+      <p:sp>
+        <p:nvSpPr>
+          <p:cNvPr id="2" name="Title 1"/>
+          <p:cNvSpPr>
+            <a:spLocks noGrp="1"/>
+          </p:cNvSpPr>
+          <p:nvPr>
+            <p:ph type="title"/>
+          </p:nvPr>
+        </p:nvSpPr>
+        <p:spPr/>
+        <p:txBody>
+          <a:bodyPr/>
+          <a:lstStyle/>
+          <a:p>
+            <a:r>
+              <a:rPr lang="en-US" dirty="0" smtClean="0"/>
+              <a:t>Using an Observable Property		</a:t>
+            </a:r>
+            <a:endParaRPr lang="en-GB" dirty="0"/>
+          </a:p>
+        </p:txBody>
+      </p:sp>
+      <p:sp>
+        <p:nvSpPr>
+          <p:cNvPr id="10" name="Text Placeholder 2"/>
+          <p:cNvSpPr>
+            <a:spLocks noGrp="1"/>
+          </p:cNvSpPr>
+          <p:nvPr>
+            <p:ph type="body" idx="1"/>
+          </p:nvPr>
+        </p:nvSpPr>
+        <p:spPr>
+          <a:xfrm>
+            <a:off x="457200" y="1371600"/>
+            <a:ext cx="8229600" cy="4495800"/>
+          </a:xfrm>
+        </p:spPr>
+        <p:txBody>
+          <a:bodyPr/>
+          <a:lstStyle/>
+          <a:p>
+            <a:pPr marL="0" indent="0">
+              <a:buNone/>
+            </a:pPr>
+            <a:r>
+              <a:rPr lang="en-GB" dirty="0" smtClean="0"/>
+              <a:t>Silverlight Property</a:t>
+            </a:r>
+          </a:p>
+          <a:p>
+            <a:pPr marL="0" indent="0">
+              <a:buNone/>
+            </a:pPr>
+            <a:r>
+              <a:rPr lang="en-GB" dirty="0" smtClean="0"/>
+              <a:t>		</a:t>
+            </a:r>
+            <a:endParaRPr lang="en-GB" dirty="0"/>
+          </a:p>
+          <a:p>
+            <a:pPr marL="0" indent="0">
+              <a:buNone/>
+            </a:pPr>
+            <a:endParaRPr lang="en-GB" dirty="0" smtClean="0"/>
+          </a:p>
+          <a:p>
+            <a:pPr marL="0" indent="0">
+              <a:buNone/>
+            </a:pPr>
+            <a:endParaRPr lang="en-GB" dirty="0"/>
+          </a:p>
+          <a:p>
+            <a:pPr marL="0" indent="0">
+              <a:buNone/>
+            </a:pPr>
+            <a:endParaRPr lang="en-GB" dirty="0" smtClean="0"/>
+          </a:p>
+          <a:p>
+            <a:pPr marL="0" indent="0">
+              <a:buNone/>
+            </a:pPr>
+            <a:endParaRPr lang="en-GB" dirty="0"/>
+          </a:p>
+          <a:p>
+            <a:pPr marL="0" indent="0">
+              <a:buNone/>
+            </a:pPr>
+            <a:r>
+              <a:rPr lang="en-GB" dirty="0" smtClean="0"/>
+              <a:t>Typescript View Model w/ Knockout </a:t>
+            </a:r>
+            <a:r>
+              <a:rPr lang="en-GB" dirty="0" err="1" smtClean="0"/>
+              <a:t>js</a:t>
+            </a:r>
+            <a:endParaRPr lang="en-GB" dirty="0" smtClean="0"/>
+          </a:p>
+          <a:p>
+            <a:pPr marL="0" indent="0">
+              <a:buNone/>
+            </a:pPr>
+            <a:endParaRPr lang="en-GB" dirty="0"/>
+          </a:p>
+        </p:txBody>
+      </p:sp>
+      <p:pic>
+        <p:nvPicPr>
+          <p:cNvPr id="5" name="Picture 4"/>
+          <p:cNvPicPr>
+            <a:picLocks noChangeAspect="1"/>
+          </p:cNvPicPr>
+          <p:nvPr/>
+        </p:nvPicPr>
+        <p:blipFill>
+          <a:blip r:embed="rId3"/>
+          <a:stretch>
+            <a:fillRect/>
+          </a:stretch>
+        </p:blipFill>
+        <p:spPr>
+          <a:xfrm>
+            <a:off x="838200" y="1905000"/>
+            <a:ext cx="4867275" cy="1323975"/>
+          </a:xfrm>
+          <a:prstGeom prst="rect">
+            <a:avLst/>
+          </a:prstGeom>
+        </p:spPr>
+      </p:pic>
+      <p:cxnSp>
+        <p:nvCxnSpPr>
+          <p:cNvPr id="15" name="Straight Arrow Connector 14"/>
+          <p:cNvCxnSpPr/>
+          <p:nvPr/>
+        </p:nvCxnSpPr>
+        <p:spPr bwMode="auto">
+          <a:xfrm flipH="1">
+            <a:off x="5431807" y="1844040"/>
+            <a:ext cx="914400" cy="304800"/>
+          </a:xfrm>
+          <a:prstGeom prst="straightConnector1">
+            <a:avLst/>
+          </a:prstGeom>
+          <a:ln w="63500">
+            <a:solidFill>
+              <a:schemeClr val="tx1"/>
+            </a:solidFill>
+            <a:headEnd type="none" w="med" len="med"/>
+            <a:tailEnd type="triangle"/>
+          </a:ln>
+        </p:spPr>
+        <p:style>
+          <a:lnRef idx="1">
+            <a:schemeClr val="accent2"/>
+          </a:lnRef>
+          <a:fillRef idx="0">
+            <a:schemeClr val="accent2"/>
+          </a:fillRef>
+          <a:effectRef idx="0">
+            <a:schemeClr val="accent2"/>
+          </a:effectRef>
+          <a:fontRef idx="minor">
+            <a:schemeClr val="tx1"/>
+          </a:fontRef>
+        </p:style>
+      </p:cxnSp>
+      <p:sp>
+        <p:nvSpPr>
+          <p:cNvPr id="18" name="TextBox 17"/>
+          <p:cNvSpPr txBox="1"/>
+          <p:nvPr/>
+        </p:nvSpPr>
+        <p:spPr bwMode="auto">
+          <a:xfrm>
+            <a:off x="6400800" y="1615440"/>
+            <a:ext cx="2536207" cy="369332"/>
+          </a:xfrm>
+          <a:prstGeom prst="rect">
+            <a:avLst/>
+          </a:prstGeom>
+          <a:noFill/>
+          <a:ln w="9525">
+            <a:noFill/>
+            <a:miter lim="800000"/>
+            <a:headEnd/>
+            <a:tailEnd/>
+          </a:ln>
+        </p:spPr>
+        <p:txBody>
+          <a:bodyPr wrap="square" rtlCol="0">
+            <a:spAutoFit/>
+          </a:bodyPr>
+          <a:lstStyle/>
+          <a:p>
+            <a:r>
+              <a:rPr lang="en-US" dirty="0" smtClean="0">
+                <a:latin typeface="+mj-lt"/>
+              </a:rPr>
+              <a:t>Sets Value</a:t>
+            </a:r>
+            <a:endParaRPr lang="en-US" sz="1800" dirty="0">
+              <a:latin typeface="+mj-lt"/>
+            </a:endParaRPr>
+          </a:p>
+        </p:txBody>
+      </p:sp>
+      <p:cxnSp>
+        <p:nvCxnSpPr>
+          <p:cNvPr id="19" name="Straight Arrow Connector 18"/>
+          <p:cNvCxnSpPr/>
+          <p:nvPr/>
+        </p:nvCxnSpPr>
+        <p:spPr bwMode="auto">
+          <a:xfrm flipH="1">
+            <a:off x="3603007" y="2529840"/>
+            <a:ext cx="2743200" cy="381000"/>
+          </a:xfrm>
+          <a:prstGeom prst="straightConnector1">
+            <a:avLst/>
+          </a:prstGeom>
+          <a:ln w="63500">
+            <a:solidFill>
+              <a:schemeClr val="tx1"/>
+            </a:solidFill>
+            <a:headEnd type="none" w="med" len="med"/>
+            <a:tailEnd type="triangle"/>
+          </a:ln>
+        </p:spPr>
+        <p:style>
+          <a:lnRef idx="1">
+            <a:schemeClr val="accent2"/>
+          </a:lnRef>
+          <a:fillRef idx="0">
+            <a:schemeClr val="accent2"/>
+          </a:fillRef>
+          <a:effectRef idx="0">
+            <a:schemeClr val="accent2"/>
+          </a:effectRef>
+          <a:fontRef idx="minor">
+            <a:schemeClr val="tx1"/>
+          </a:fontRef>
+        </p:style>
+      </p:cxnSp>
+      <p:sp>
+        <p:nvSpPr>
+          <p:cNvPr id="20" name="TextBox 19"/>
+          <p:cNvSpPr txBox="1"/>
+          <p:nvPr/>
+        </p:nvSpPr>
+        <p:spPr bwMode="auto">
+          <a:xfrm>
+            <a:off x="6400800" y="2301240"/>
+            <a:ext cx="2536207" cy="369332"/>
+          </a:xfrm>
+          <a:prstGeom prst="rect">
+            <a:avLst/>
+          </a:prstGeom>
+          <a:noFill/>
+          <a:ln w="9525">
+            <a:noFill/>
+            <a:miter lim="800000"/>
+            <a:headEnd/>
+            <a:tailEnd/>
+          </a:ln>
+        </p:spPr>
+        <p:txBody>
+          <a:bodyPr wrap="square" rtlCol="0">
+            <a:spAutoFit/>
+          </a:bodyPr>
+          <a:lstStyle/>
+          <a:p>
+            <a:r>
+              <a:rPr lang="en-US" dirty="0" smtClean="0">
+                <a:latin typeface="+mj-lt"/>
+              </a:rPr>
+              <a:t>Gets Value</a:t>
+            </a:r>
+            <a:endParaRPr lang="en-US" sz="1800" dirty="0">
+              <a:latin typeface="+mj-lt"/>
+            </a:endParaRPr>
+          </a:p>
+        </p:txBody>
+      </p:sp>
+      <p:pic>
+        <p:nvPicPr>
+          <p:cNvPr id="12" name="Picture 11"/>
+          <p:cNvPicPr>
+            <a:picLocks noChangeAspect="1"/>
+          </p:cNvPicPr>
+          <p:nvPr/>
+        </p:nvPicPr>
+        <p:blipFill>
+          <a:blip r:embed="rId4"/>
+          <a:stretch>
+            <a:fillRect/>
+          </a:stretch>
+        </p:blipFill>
+        <p:spPr>
+          <a:xfrm>
+            <a:off x="914400" y="4217193"/>
+            <a:ext cx="3019425" cy="1171575"/>
+          </a:xfrm>
+          <a:prstGeom prst="rect">
+            <a:avLst/>
+          </a:prstGeom>
+        </p:spPr>
+      </p:pic>
+      <p:cxnSp>
+        <p:nvCxnSpPr>
+          <p:cNvPr id="22" name="Straight Arrow Connector 21"/>
+          <p:cNvCxnSpPr/>
+          <p:nvPr/>
+        </p:nvCxnSpPr>
+        <p:spPr bwMode="auto">
+          <a:xfrm flipH="1">
+            <a:off x="3162300" y="4038600"/>
+            <a:ext cx="3182620" cy="357187"/>
+          </a:xfrm>
+          <a:prstGeom prst="straightConnector1">
+            <a:avLst/>
+          </a:prstGeom>
+          <a:ln w="63500">
+            <a:solidFill>
+              <a:schemeClr val="tx1"/>
+            </a:solidFill>
+            <a:headEnd type="none" w="med" len="med"/>
+            <a:tailEnd type="triangle"/>
+          </a:ln>
+        </p:spPr>
+        <p:style>
+          <a:lnRef idx="1">
+            <a:schemeClr val="accent2"/>
+          </a:lnRef>
+          <a:fillRef idx="0">
+            <a:schemeClr val="accent2"/>
+          </a:fillRef>
+          <a:effectRef idx="0">
+            <a:schemeClr val="accent2"/>
+          </a:effectRef>
+          <a:fontRef idx="minor">
+            <a:schemeClr val="tx1"/>
+          </a:fontRef>
+        </p:style>
+      </p:cxnSp>
+      <p:sp>
+        <p:nvSpPr>
+          <p:cNvPr id="23" name="TextBox 22"/>
+          <p:cNvSpPr txBox="1"/>
+          <p:nvPr/>
+        </p:nvSpPr>
+        <p:spPr bwMode="auto">
+          <a:xfrm>
+            <a:off x="6399513" y="3810000"/>
+            <a:ext cx="2536207" cy="369332"/>
+          </a:xfrm>
+          <a:prstGeom prst="rect">
+            <a:avLst/>
+          </a:prstGeom>
+          <a:noFill/>
+          <a:ln w="9525">
+            <a:noFill/>
+            <a:miter lim="800000"/>
+            <a:headEnd/>
+            <a:tailEnd/>
+          </a:ln>
+        </p:spPr>
+        <p:txBody>
+          <a:bodyPr wrap="square" rtlCol="0">
+            <a:spAutoFit/>
+          </a:bodyPr>
+          <a:lstStyle/>
+          <a:p>
+            <a:r>
+              <a:rPr lang="en-US" dirty="0" smtClean="0">
+                <a:latin typeface="+mj-lt"/>
+              </a:rPr>
+              <a:t>Sets Value</a:t>
+            </a:r>
+            <a:endParaRPr lang="en-US" sz="1800" dirty="0">
+              <a:latin typeface="+mj-lt"/>
+            </a:endParaRPr>
+          </a:p>
+        </p:txBody>
+      </p:sp>
+      <p:cxnSp>
+        <p:nvCxnSpPr>
+          <p:cNvPr id="25" name="Straight Arrow Connector 24"/>
+          <p:cNvCxnSpPr/>
+          <p:nvPr/>
+        </p:nvCxnSpPr>
+        <p:spPr bwMode="auto">
+          <a:xfrm flipH="1">
+            <a:off x="3933825" y="4824413"/>
+            <a:ext cx="2408555" cy="280987"/>
+          </a:xfrm>
+          <a:prstGeom prst="straightConnector1">
+            <a:avLst/>
+          </a:prstGeom>
+          <a:ln w="63500">
+            <a:solidFill>
+              <a:schemeClr val="tx1"/>
+            </a:solidFill>
+            <a:headEnd type="none" w="med" len="med"/>
+            <a:tailEnd type="triangle"/>
+          </a:ln>
+        </p:spPr>
+        <p:style>
+          <a:lnRef idx="1">
+            <a:schemeClr val="accent2"/>
+          </a:lnRef>
+          <a:fillRef idx="0">
+            <a:schemeClr val="accent2"/>
+          </a:fillRef>
+          <a:effectRef idx="0">
+            <a:schemeClr val="accent2"/>
+          </a:effectRef>
+          <a:fontRef idx="minor">
+            <a:schemeClr val="tx1"/>
+          </a:fontRef>
+        </p:style>
+      </p:cxnSp>
+      <p:sp>
+        <p:nvSpPr>
+          <p:cNvPr id="28" name="TextBox 27"/>
+          <p:cNvSpPr txBox="1"/>
+          <p:nvPr/>
+        </p:nvSpPr>
+        <p:spPr bwMode="auto">
+          <a:xfrm>
+            <a:off x="6396973" y="4595813"/>
+            <a:ext cx="2536207" cy="369332"/>
+          </a:xfrm>
+          <a:prstGeom prst="rect">
+            <a:avLst/>
+          </a:prstGeom>
+          <a:noFill/>
+          <a:ln w="9525">
+            <a:noFill/>
+            <a:miter lim="800000"/>
+            <a:headEnd/>
+            <a:tailEnd/>
+          </a:ln>
+        </p:spPr>
+        <p:txBody>
+          <a:bodyPr wrap="square" rtlCol="0">
+            <a:spAutoFit/>
+          </a:bodyPr>
+          <a:lstStyle/>
+          <a:p>
+            <a:r>
+              <a:rPr lang="en-US" dirty="0" smtClean="0">
+                <a:latin typeface="+mj-lt"/>
+              </a:rPr>
+              <a:t>Gets Value</a:t>
+            </a:r>
+            <a:endParaRPr lang="en-US" sz="1800" dirty="0">
+              <a:latin typeface="+mj-lt"/>
+            </a:endParaRPr>
+          </a:p>
+        </p:txBody>
+      </p:sp>
+      <p:sp>
+        <p:nvSpPr>
+          <p:cNvPr id="29" name="TextBox 28"/>
+          <p:cNvSpPr txBox="1"/>
+          <p:nvPr/>
+        </p:nvSpPr>
+        <p:spPr bwMode="auto">
+          <a:xfrm>
+            <a:off x="1447800" y="5572958"/>
+            <a:ext cx="5638800" cy="369332"/>
+          </a:xfrm>
+          <a:prstGeom prst="rect">
+            <a:avLst/>
+          </a:prstGeom>
+          <a:noFill/>
+          <a:ln w="9525">
+            <a:noFill/>
+            <a:miter lim="800000"/>
+            <a:headEnd/>
+            <a:tailEnd/>
+          </a:ln>
+        </p:spPr>
+        <p:txBody>
+          <a:bodyPr wrap="square" rtlCol="0">
+            <a:spAutoFit/>
+          </a:bodyPr>
+          <a:lstStyle/>
+          <a:p>
+            <a:r>
+              <a:rPr lang="en-US" dirty="0" smtClean="0">
+                <a:latin typeface="+mj-lt"/>
+              </a:rPr>
+              <a:t>Notice we access these like methods NOT properties</a:t>
+            </a:r>
+            <a:endParaRPr lang="en-US" sz="1800" dirty="0">
+              <a:latin typeface="+mj-lt"/>
+            </a:endParaRPr>
+          </a:p>
+        </p:txBody>
+      </p:sp>
+    </p:spTree>
+    <p:extLst>
+      <p:ext uri="{BB962C8B-B14F-4D97-AF65-F5344CB8AC3E}">
+        <p14:creationId xmlns:p14="http://schemas.microsoft.com/office/powerpoint/2010/main" val="3684556507"/>
+      </p:ext>
+    </p:extLst>
+  </p:cSld>
+  <p:clrMapOvr>
+    <a:masterClrMapping/>
+  </p:clrMapOvr>
+  <p:transition>
+    <p:fade/>
+  </p:transition>
+  <p:timing>
+    <p:tnLst>
+      <p:par>
+        <p:cTn id="1" dur="indefinite" restart="never" nodeType="tmRoot">
+          <p:childTnLst>
+            <p:seq concurrent="1" nextAc="seek">
+              <p:cTn id="2" dur="indefinite" nodeType="mainSeq">
+                <p:childTnLst>
+                  <p:par>
+                    <p:cTn id="3" fill="hold">
+                      <p:stCondLst>
+                        <p:cond delay="indefinite"/>
+                      </p:stCondLst>
+                      <p:childTnLst>
+                        <p:par>
+                          <p:cTn id="4" fill="hold">
+                            <p:stCondLst>
+                              <p:cond delay="0"/>
+                            </p:stCondLst>
+                            <p:childTnLst>
+                              <p:par>
+                                <p:cTn id="5" presetID="10" presetClass="entr" presetSubtype="0" fill="hold" grpId="0" nodeType="clickEffect">
+                                  <p:stCondLst>
+                                    <p:cond delay="0"/>
+                                  </p:stCondLst>
+                                  <p:childTnLst>
+                                    <p:set>
+                                      <p:cBhvr>
+                                        <p:cTn id="6" dur="1" fill="hold">
+                                          <p:stCondLst>
+                                            <p:cond delay="0"/>
+                                          </p:stCondLst>
+                                        </p:cTn>
+                                        <p:tgtEl>
+                                          <p:spTgt spid="10">
+                                            <p:txEl>
+                                              <p:pRg st="0" end="0"/>
+                                            </p:txEl>
+                                          </p:spTgt>
+                                        </p:tgtEl>
+                                        <p:attrNameLst>
+                                          <p:attrName>style.visibility</p:attrName>
+                                        </p:attrNameLst>
+                                      </p:cBhvr>
+                                      <p:to>
+                                        <p:strVal val="visible"/>
+                                      </p:to>
+                                    </p:set>
+                                    <p:animEffect transition="in" filter="fade">
+                                      <p:cBhvr>
+                                        <p:cTn id="7" dur="500"/>
+                                        <p:tgtEl>
+                                          <p:spTgt spid="10">
+                                            <p:txEl>
+                                              <p:pRg st="0" end="0"/>
+                                            </p:txEl>
+                                          </p:spTgt>
+                                        </p:tgtEl>
+                                      </p:cBhvr>
+                                    </p:animEffect>
+                                  </p:childTnLst>
+                                </p:cTn>
+                              </p:par>
+                              <p:par>
+                                <p:cTn id="8" presetID="1" presetClass="entr" presetSubtype="0" fill="hold" nodeType="withEffect">
+                                  <p:stCondLst>
+                                    <p:cond delay="0"/>
+                                  </p:stCondLst>
+                                  <p:childTnLst>
+                                    <p:set>
+                                      <p:cBhvr>
+                                        <p:cTn id="9" dur="1" fill="hold">
+                                          <p:stCondLst>
+                                            <p:cond delay="0"/>
+                                          </p:stCondLst>
+                                        </p:cTn>
+                                        <p:tgtEl>
+                                          <p:spTgt spid="5"/>
+                                        </p:tgtEl>
+                                        <p:attrNameLst>
+                                          <p:attrName>style.visibility</p:attrName>
+                                        </p:attrNameLst>
+                                      </p:cBhvr>
+                                      <p:to>
+                                        <p:strVal val="visible"/>
+                                      </p:to>
+                                    </p:set>
+                                  </p:childTnLst>
+                                </p:cTn>
+                              </p:par>
+                            </p:childTnLst>
+                          </p:cTn>
+                        </p:par>
+                      </p:childTnLst>
+                    </p:cTn>
+                  </p:par>
+                  <p:par>
+                    <p:cTn id="10" fill="hold">
+                      <p:stCondLst>
+                        <p:cond delay="indefinite"/>
+                      </p:stCondLst>
+                      <p:childTnLst>
+                        <p:par>
+                          <p:cTn id="11" fill="hold">
+                            <p:stCondLst>
+                              <p:cond delay="0"/>
+                            </p:stCondLst>
+                            <p:childTnLst>
+                              <p:par>
+                                <p:cTn id="12" presetID="1" presetClass="entr" presetSubtype="0" fill="hold" nodeType="clickEffect">
+                                  <p:stCondLst>
+                                    <p:cond delay="0"/>
+                                  </p:stCondLst>
+                                  <p:childTnLst>
+                                    <p:set>
+                                      <p:cBhvr>
+                                        <p:cTn id="13" dur="1" fill="hold">
+                                          <p:stCondLst>
+                                            <p:cond delay="0"/>
+                                          </p:stCondLst>
+                                        </p:cTn>
+                                        <p:tgtEl>
+                                          <p:spTgt spid="15"/>
+                                        </p:tgtEl>
+                                        <p:attrNameLst>
+                                          <p:attrName>style.visibility</p:attrName>
+                                        </p:attrNameLst>
+                                      </p:cBhvr>
+                                      <p:to>
+                                        <p:strVal val="visible"/>
+                                      </p:to>
+                                    </p:set>
+                                  </p:childTnLst>
+                                </p:cTn>
+                              </p:par>
+                              <p:par>
+                                <p:cTn id="14" presetID="1" presetClass="entr" presetSubtype="0" fill="hold" grpId="0" nodeType="withEffect">
+                                  <p:stCondLst>
+                                    <p:cond delay="0"/>
+                                  </p:stCondLst>
+                                  <p:childTnLst>
+                                    <p:set>
+                                      <p:cBhvr>
+                                        <p:cTn id="15" dur="1" fill="hold">
+                                          <p:stCondLst>
+                                            <p:cond delay="0"/>
+                                          </p:stCondLst>
+                                        </p:cTn>
+                                        <p:tgtEl>
+                                          <p:spTgt spid="18"/>
+                                        </p:tgtEl>
+                                        <p:attrNameLst>
+                                          <p:attrName>style.visibility</p:attrName>
+                                        </p:attrNameLst>
+                                      </p:cBhvr>
+                                      <p:to>
+                                        <p:strVal val="visible"/>
+                                      </p:to>
+                                    </p:set>
+                                  </p:childTnLst>
+                                </p:cTn>
+                              </p:par>
+                            </p:childTnLst>
+                          </p:cTn>
+                        </p:par>
+                      </p:childTnLst>
+                    </p:cTn>
+                  </p:par>
+                  <p:par>
+                    <p:cTn id="16" fill="hold">
+                      <p:stCondLst>
+                        <p:cond delay="indefinite"/>
+                      </p:stCondLst>
+                      <p:childTnLst>
+                        <p:par>
+                          <p:cTn id="17" fill="hold">
+                            <p:stCondLst>
+                              <p:cond delay="0"/>
+                            </p:stCondLst>
+                            <p:childTnLst>
+                              <p:par>
+                                <p:cTn id="18" presetID="1" presetClass="entr" presetSubtype="0" fill="hold" nodeType="clickEffect">
+                                  <p:stCondLst>
+                                    <p:cond delay="0"/>
+                                  </p:stCondLst>
+                                  <p:childTnLst>
+                                    <p:set>
+                                      <p:cBhvr>
+                                        <p:cTn id="19" dur="1" fill="hold">
+                                          <p:stCondLst>
+                                            <p:cond delay="0"/>
+                                          </p:stCondLst>
+                                        </p:cTn>
+                                        <p:tgtEl>
+                                          <p:spTgt spid="19"/>
+                                        </p:tgtEl>
+                                        <p:attrNameLst>
+                                          <p:attrName>style.visibility</p:attrName>
+                                        </p:attrNameLst>
+                                      </p:cBhvr>
+                                      <p:to>
+                                        <p:strVal val="visible"/>
+                                      </p:to>
+                                    </p:set>
+                                  </p:childTnLst>
+                                </p:cTn>
+                              </p:par>
+                              <p:par>
+                                <p:cTn id="20" presetID="1" presetClass="entr" presetSubtype="0" fill="hold" grpId="0" nodeType="withEffect">
+                                  <p:stCondLst>
+                                    <p:cond delay="0"/>
+                                  </p:stCondLst>
+                                  <p:childTnLst>
+                                    <p:set>
+                                      <p:cBhvr>
+                                        <p:cTn id="21" dur="1" fill="hold">
+                                          <p:stCondLst>
+                                            <p:cond delay="0"/>
+                                          </p:stCondLst>
+                                        </p:cTn>
+                                        <p:tgtEl>
+                                          <p:spTgt spid="20"/>
+                                        </p:tgtEl>
+                                        <p:attrNameLst>
+                                          <p:attrName>style.visibility</p:attrName>
+                                        </p:attrNameLst>
+                                      </p:cBhvr>
+                                      <p:to>
+                                        <p:strVal val="visible"/>
+                                      </p:to>
+                                    </p:set>
+                                  </p:childTnLst>
+                                </p:cTn>
+                              </p:par>
+                            </p:childTnLst>
+                          </p:cTn>
+                        </p:par>
+                      </p:childTnLst>
+                    </p:cTn>
+                  </p:par>
+                  <p:par>
+                    <p:cTn id="22" fill="hold">
+                      <p:stCondLst>
+                        <p:cond delay="indefinite"/>
+                      </p:stCondLst>
+                      <p:childTnLst>
+                        <p:par>
+                          <p:cTn id="23" fill="hold">
+                            <p:stCondLst>
+                              <p:cond delay="0"/>
+                            </p:stCondLst>
+                            <p:childTnLst>
+                              <p:par>
+                                <p:cTn id="24" presetID="10" presetClass="entr" presetSubtype="0" fill="hold" grpId="0" nodeType="clickEffect">
+                                  <p:stCondLst>
+                                    <p:cond delay="0"/>
+                                  </p:stCondLst>
+                                  <p:childTnLst>
+                                    <p:set>
+                                      <p:cBhvr>
+                                        <p:cTn id="25" dur="1" fill="hold">
+                                          <p:stCondLst>
+                                            <p:cond delay="0"/>
+                                          </p:stCondLst>
+                                        </p:cTn>
+                                        <p:tgtEl>
+                                          <p:spTgt spid="10">
+                                            <p:txEl>
+                                              <p:pRg st="6" end="6"/>
+                                            </p:txEl>
+                                          </p:spTgt>
+                                        </p:tgtEl>
+                                        <p:attrNameLst>
+                                          <p:attrName>style.visibility</p:attrName>
+                                        </p:attrNameLst>
+                                      </p:cBhvr>
+                                      <p:to>
+                                        <p:strVal val="visible"/>
+                                      </p:to>
+                                    </p:set>
+                                    <p:animEffect transition="in" filter="fade">
+                                      <p:cBhvr>
+                                        <p:cTn id="26" dur="500"/>
+                                        <p:tgtEl>
+                                          <p:spTgt spid="10">
+                                            <p:txEl>
+                                              <p:pRg st="6" end="6"/>
+                                            </p:txEl>
+                                          </p:spTgt>
+                                        </p:tgtEl>
+                                      </p:cBhvr>
+                                    </p:animEffect>
+                                  </p:childTnLst>
+                                </p:cTn>
+                              </p:par>
+                              <p:par>
+                                <p:cTn id="27" presetID="1" presetClass="entr" presetSubtype="0" fill="hold" nodeType="withEffect">
+                                  <p:stCondLst>
+                                    <p:cond delay="0"/>
+                                  </p:stCondLst>
+                                  <p:childTnLst>
+                                    <p:set>
+                                      <p:cBhvr>
+                                        <p:cTn id="28" dur="1" fill="hold">
+                                          <p:stCondLst>
+                                            <p:cond delay="0"/>
+                                          </p:stCondLst>
+                                        </p:cTn>
+                                        <p:tgtEl>
+                                          <p:spTgt spid="12"/>
+                                        </p:tgtEl>
+                                        <p:attrNameLst>
+                                          <p:attrName>style.visibility</p:attrName>
+                                        </p:attrNameLst>
+                                      </p:cBhvr>
+                                      <p:to>
+                                        <p:strVal val="visible"/>
+                                      </p:to>
+                                    </p:set>
+                                  </p:childTnLst>
+                                </p:cTn>
+                              </p:par>
+                            </p:childTnLst>
+                          </p:cTn>
+                        </p:par>
+                      </p:childTnLst>
+                    </p:cTn>
+                  </p:par>
+                  <p:par>
+                    <p:cTn id="29" fill="hold">
+                      <p:stCondLst>
+                        <p:cond delay="indefinite"/>
+                      </p:stCondLst>
+                      <p:childTnLst>
+                        <p:par>
+                          <p:cTn id="30" fill="hold">
+                            <p:stCondLst>
+                              <p:cond delay="0"/>
+                            </p:stCondLst>
+                            <p:childTnLst>
+                              <p:par>
+                                <p:cTn id="31" presetID="1" presetClass="entr" presetSubtype="0" fill="hold" nodeType="clickEffect">
+                                  <p:stCondLst>
+                                    <p:cond delay="0"/>
+                                  </p:stCondLst>
+                                  <p:childTnLst>
+                                    <p:set>
+                                      <p:cBhvr>
+                                        <p:cTn id="32" dur="1" fill="hold">
+                                          <p:stCondLst>
+                                            <p:cond delay="0"/>
+                                          </p:stCondLst>
+                                        </p:cTn>
+                                        <p:tgtEl>
+                                          <p:spTgt spid="22"/>
+                                        </p:tgtEl>
+                                        <p:attrNameLst>
+                                          <p:attrName>style.visibility</p:attrName>
+                                        </p:attrNameLst>
+                                      </p:cBhvr>
+                                      <p:to>
+                                        <p:strVal val="visible"/>
+                                      </p:to>
+                                    </p:set>
+                                  </p:childTnLst>
+                                </p:cTn>
+                              </p:par>
+                              <p:par>
+                                <p:cTn id="33" presetID="1" presetClass="entr" presetSubtype="0" fill="hold" grpId="0" nodeType="withEffect">
+                                  <p:stCondLst>
+                                    <p:cond delay="0"/>
+                                  </p:stCondLst>
+                                  <p:childTnLst>
+                                    <p:set>
+                                      <p:cBhvr>
+                                        <p:cTn id="34" dur="1" fill="hold">
+                                          <p:stCondLst>
+                                            <p:cond delay="0"/>
+                                          </p:stCondLst>
+                                        </p:cTn>
+                                        <p:tgtEl>
+                                          <p:spTgt spid="23"/>
+                                        </p:tgtEl>
+                                        <p:attrNameLst>
+                                          <p:attrName>style.visibility</p:attrName>
+                                        </p:attrNameLst>
+                                      </p:cBhvr>
+                                      <p:to>
+                                        <p:strVal val="visible"/>
+                                      </p:to>
+                                    </p:set>
+                                  </p:childTnLst>
+                                </p:cTn>
+                              </p:par>
+                            </p:childTnLst>
+                          </p:cTn>
+                        </p:par>
+                      </p:childTnLst>
+                    </p:cTn>
+                  </p:par>
+                  <p:par>
+                    <p:cTn id="35" fill="hold">
+                      <p:stCondLst>
+                        <p:cond delay="indefinite"/>
+                      </p:stCondLst>
+                      <p:childTnLst>
+                        <p:par>
+                          <p:cTn id="36" fill="hold">
+                            <p:stCondLst>
+                              <p:cond delay="0"/>
+                            </p:stCondLst>
+                            <p:childTnLst>
+                              <p:par>
+                                <p:cTn id="37" presetID="1" presetClass="entr" presetSubtype="0" fill="hold" nodeType="clickEffect">
+                                  <p:stCondLst>
+                                    <p:cond delay="0"/>
+                                  </p:stCondLst>
+                                  <p:childTnLst>
+                                    <p:set>
+                                      <p:cBhvr>
+                                        <p:cTn id="38" dur="1" fill="hold">
+                                          <p:stCondLst>
+                                            <p:cond delay="0"/>
+                                          </p:stCondLst>
+                                        </p:cTn>
+                                        <p:tgtEl>
+                                          <p:spTgt spid="25"/>
+                                        </p:tgtEl>
+                                        <p:attrNameLst>
+                                          <p:attrName>style.visibility</p:attrName>
+                                        </p:attrNameLst>
+                                      </p:cBhvr>
+                                      <p:to>
+                                        <p:strVal val="visible"/>
+                                      </p:to>
+                                    </p:set>
+                                  </p:childTnLst>
+                                </p:cTn>
+                              </p:par>
+                              <p:par>
+                                <p:cTn id="39" presetID="1" presetClass="entr" presetSubtype="0" fill="hold" grpId="0" nodeType="withEffect">
+                                  <p:stCondLst>
+                                    <p:cond delay="0"/>
+                                  </p:stCondLst>
+                                  <p:childTnLst>
+                                    <p:set>
+                                      <p:cBhvr>
+                                        <p:cTn id="40" dur="1" fill="hold">
+                                          <p:stCondLst>
+                                            <p:cond delay="0"/>
+                                          </p:stCondLst>
+                                        </p:cTn>
+                                        <p:tgtEl>
+                                          <p:spTgt spid="28"/>
+                                        </p:tgtEl>
+                                        <p:attrNameLst>
+                                          <p:attrName>style.visibility</p:attrName>
+                                        </p:attrNameLst>
+                                      </p:cBhvr>
+                                      <p:to>
+                                        <p:strVal val="visible"/>
+                                      </p:to>
+                                    </p:set>
+                                  </p:childTnLst>
+                                </p:cTn>
+                              </p:par>
+                            </p:childTnLst>
+                          </p:cTn>
+                        </p:par>
+                      </p:childTnLst>
+                    </p:cTn>
+                  </p:par>
+                  <p:par>
+                    <p:cTn id="41" fill="hold">
+                      <p:stCondLst>
+                        <p:cond delay="indefinite"/>
+                      </p:stCondLst>
+                      <p:childTnLst>
+                        <p:par>
+                          <p:cTn id="42" fill="hold">
+                            <p:stCondLst>
+                              <p:cond delay="0"/>
+                            </p:stCondLst>
+                            <p:childTnLst>
+                              <p:par>
+                                <p:cTn id="43" presetID="1" presetClass="entr" presetSubtype="0" fill="hold" grpId="0" nodeType="clickEffect">
+                                  <p:stCondLst>
+                                    <p:cond delay="0"/>
+                                  </p:stCondLst>
+                                  <p:childTnLst>
+                                    <p:set>
+                                      <p:cBhvr>
+                                        <p:cTn id="44" dur="1" fill="hold">
+                                          <p:stCondLst>
+                                            <p:cond delay="0"/>
+                                          </p:stCondLst>
+                                        </p:cTn>
+                                        <p:tgtEl>
+                                          <p:spTgt spid="29"/>
+                                        </p:tgtEl>
+                                        <p:attrNameLst>
+                                          <p:attrName>style.visibility</p:attrName>
+                                        </p:attrNameLst>
+                                      </p:cBhvr>
+                                      <p:to>
+                                        <p:strVal val="visible"/>
+                                      </p:to>
+                                    </p:set>
+                                  </p:childTnLst>
+                                </p:cTn>
+                              </p:par>
+                            </p:childTnLst>
+                          </p:cTn>
+                        </p:par>
+                      </p:childTnLst>
+                    </p:cTn>
+                  </p:par>
+                </p:childTnLst>
+              </p:cTn>
+              <p:prevCondLst>
+                <p:cond evt="onPrev" delay="0">
+                  <p:tgtEl>
+                    <p:sldTgt/>
+                  </p:tgtEl>
+                </p:cond>
+              </p:prevCondLst>
+              <p:nextCondLst>
+                <p:cond evt="onNext" delay="0">
+                  <p:tgtEl>
+                    <p:sldTgt/>
+                  </p:tgtEl>
+                </p:cond>
+              </p:nextCondLst>
+            </p:seq>
+          </p:childTnLst>
+        </p:cTn>
+      </p:par>
+    </p:tnLst>
+    <p:bldLst>
+      <p:bldP spid="10" grpId="0" uiExpand="1" build="p"/>
+      <p:bldP spid="18" grpId="0"/>
+      <p:bldP spid="20" grpId="0"/>
+      <p:bldP spid="23" grpId="0"/>
+      <p:bldP spid="28" grpId="0"/>
+      <p:bldP spid="29" grpId="0"/>
+    </p:bldLst>
+  </p:timing>
+</p:sld>
+</file>
+
+<file path=ppt/slides/slide9.xml><?xml version="1.0" encoding="utf-8"?>
+<p:sld xmlns:a="http://schemas.openxmlformats.org/drawingml/2006/main" xmlns:r="http://schemas.openxmlformats.org/officeDocument/2006/relationships" xmlns:p="http://schemas.openxmlformats.org/presentationml/2006/main" show="0">
+  <p:cSld>
+    <p:bg>
+      <p:bgPr>
+        <a:solidFill>
+          <a:schemeClr val="accent2"/>
+        </a:solidFill>
+        <a:effectLst/>
+      </p:bgPr>
+    </p:bg>
+    <p:spTree>
+      <p:nvGrpSpPr>
+        <p:cNvPr id="1" name=""/>
+        <p:cNvGrpSpPr/>
+        <p:nvPr/>
+      </p:nvGrpSpPr>
+      <p:grpSpPr>
+        <a:xfrm>
+          <a:off x="0" y="0"/>
+          <a:ext cx="0" cy="0"/>
+          <a:chOff x="0" y="0"/>
+          <a:chExt cx="0" cy="0"/>
+        </a:xfrm>
+      </p:grpSpPr>
+      <p:sp>
+        <p:nvSpPr>
+          <p:cNvPr id="2" name="Title 1"/>
+          <p:cNvSpPr>
+            <a:spLocks noGrp="1"/>
+          </p:cNvSpPr>
+          <p:nvPr>
+            <p:ph type="title"/>
+          </p:nvPr>
+        </p:nvSpPr>
+        <p:spPr/>
+        <p:txBody>
+          <a:bodyPr/>
+          <a:lstStyle/>
+          <a:p>
+            <a:r>
+              <a:rPr lang="en-US" dirty="0" smtClean="0"/>
+              <a:t>END OF Overview Slides		</a:t>
+            </a:r>
+            <a:endParaRPr lang="en-GB" dirty="0"/>
+          </a:p>
+        </p:txBody>
+      </p:sp>
+      <p:sp>
+        <p:nvSpPr>
+          <p:cNvPr id="3" name="Text Placeholder 2"/>
+          <p:cNvSpPr>
+            <a:spLocks noGrp="1"/>
+          </p:cNvSpPr>
+          <p:nvPr>
+            <p:ph type="body" idx="1"/>
+          </p:nvPr>
+        </p:nvSpPr>
+        <p:spPr/>
+        <p:txBody>
+          <a:bodyPr/>
+          <a:lstStyle/>
+          <a:p>
+            <a:pPr marL="0" indent="0">
+              <a:buNone/>
+            </a:pPr>
+            <a:r>
+              <a:rPr lang="en-GB" dirty="0" smtClean="0"/>
+              <a:t>	</a:t>
+            </a:r>
+            <a:endParaRPr lang="en-GB" dirty="0"/>
+          </a:p>
+        </p:txBody>
+      </p:sp>
+    </p:spTree>
+    <p:extLst>
+      <p:ext uri="{BB962C8B-B14F-4D97-AF65-F5344CB8AC3E}">
+        <p14:creationId xmlns:p14="http://schemas.microsoft.com/office/powerpoint/2010/main" val="1801434709"/>
       </p:ext>
     </p:extLst>
   </p:cSld>
@@ -5123,6 +14006,21 @@
 </file>
 
 <file path=customXml/item1.xml><?xml version="1.0" encoding="utf-8"?>
+<?mso-contentType ?>
+<FormTemplates xmlns="http://schemas.microsoft.com/sharepoint/v3/contenttype/forms">
+  <Display>DocumentLibraryForm</Display>
+  <Edit>DocumentLibraryForm</Edit>
+  <New>DocumentLibraryForm</New>
+</FormTemplates>
+</file>
+
+<file path=customXml/item2.xml><?xml version="1.0" encoding="utf-8"?>
+<p:properties xmlns:p="http://schemas.microsoft.com/office/2006/metadata/properties" xmlns:xsi="http://www.w3.org/2001/XMLSchema-instance">
+  <documentManagement/>
+</p:properties>
+</file>
+
+<file path=customXml/item3.xml><?xml version="1.0" encoding="utf-8"?>
 <ct:contentTypeSchema xmlns:ct="http://schemas.microsoft.com/office/2006/metadata/contentType" xmlns:ma="http://schemas.microsoft.com/office/2006/metadata/properties/metaAttributes" ct:_="" ma:_="" ma:contentTypeName="Document" ma:contentTypeID="0x0101003865B9DCC8F7FB4A82840FBDE1FC983A" ma:contentTypeVersion="0" ma:contentTypeDescription="Create a new document." ma:contentTypeScope="" ma:versionID="ecd0916681f32cda70880b341f4a8911">
   <xsd:schema xmlns:xsd="http://www.w3.org/2001/XMLSchema" xmlns:p="http://schemas.microsoft.com/office/2006/metadata/properties" targetNamespace="http://schemas.microsoft.com/office/2006/metadata/properties" ma:root="true" ma:fieldsID="4aeb20c0e3442673af7ee10786458764">
     <xsd:element name="properties">
@@ -5171,22 +14069,29 @@
 </ct:contentTypeSchema>
 </file>
 
-<file path=customXml/item2.xml><?xml version="1.0" encoding="utf-8"?>
-<?mso-contentType ?>
-<FormTemplates xmlns="http://schemas.microsoft.com/sharepoint/v3/contenttype/forms">
-  <Display>DocumentLibraryForm</Display>
-  <Edit>DocumentLibraryForm</Edit>
-  <New>DocumentLibraryForm</New>
-</FormTemplates>
+<file path=customXml/itemProps1.xml><?xml version="1.0" encoding="utf-8"?>
+<ds:datastoreItem xmlns:ds="http://schemas.openxmlformats.org/officeDocument/2006/customXml" ds:itemID="{1685463B-57CE-4CE4-B1CF-FE44EB79BFA3}">
+  <ds:schemaRefs>
+    <ds:schemaRef ds:uri="http://schemas.microsoft.com/sharepoint/v3/contenttype/forms"/>
+  </ds:schemaRefs>
+</ds:datastoreItem>
 </file>
 
-<file path=customXml/item3.xml><?xml version="1.0" encoding="utf-8"?>
-<p:properties xmlns:p="http://schemas.microsoft.com/office/2006/metadata/properties" xmlns:xsi="http://www.w3.org/2001/XMLSchema-instance">
-  <documentManagement/>
-</p:properties>
+<file path=customXml/itemProps2.xml><?xml version="1.0" encoding="utf-8"?>
+<ds:datastoreItem xmlns:ds="http://schemas.openxmlformats.org/officeDocument/2006/customXml" ds:itemID="{2D498799-B0FC-4B7A-8396-BFC34D805990}">
+  <ds:schemaRefs>
+    <ds:schemaRef ds:uri="http://schemas.microsoft.com/office/2006/metadata/properties"/>
+    <ds:schemaRef ds:uri="http://purl.org/dc/terms/"/>
+    <ds:schemaRef ds:uri="http://www.w3.org/XML/1998/namespace"/>
+    <ds:schemaRef ds:uri="http://schemas.microsoft.com/office/2006/documentManagement/types"/>
+    <ds:schemaRef ds:uri="http://schemas.openxmlformats.org/package/2006/metadata/core-properties"/>
+    <ds:schemaRef ds:uri="http://purl.org/dc/dcmitype/"/>
+    <ds:schemaRef ds:uri="http://purl.org/dc/elements/1.1/"/>
+  </ds:schemaRefs>
+</ds:datastoreItem>
 </file>
 
-<file path=customXml/itemProps1.xml><?xml version="1.0" encoding="utf-8"?>
+<file path=customXml/itemProps3.xml><?xml version="1.0" encoding="utf-8"?>
 <ds:datastoreItem xmlns:ds="http://schemas.openxmlformats.org/officeDocument/2006/customXml" ds:itemID="{1DEB1AF8-B785-4B22-89EC-168618F34A5B}">
   <ds:schemaRefs>
     <ds:schemaRef ds:uri="http://schemas.microsoft.com/office/2006/metadata/contentType"/>
@@ -5199,26 +14104,4 @@
     <ds:schemaRef ds:uri="http://schemas.microsoft.com/office/internal/2005/internalDocumentation"/>
   </ds:schemaRefs>
 </ds:datastoreItem>
-</file>
-
-<file path=customXml/itemProps2.xml><?xml version="1.0" encoding="utf-8"?>
-<ds:datastoreItem xmlns:ds="http://schemas.openxmlformats.org/officeDocument/2006/customXml" ds:itemID="{1685463B-57CE-4CE4-B1CF-FE44EB79BFA3}">
-  <ds:schemaRefs>
-    <ds:schemaRef ds:uri="http://schemas.microsoft.com/sharepoint/v3/contenttype/forms"/>
-  </ds:schemaRefs>
-</ds:datastoreItem>
-</file>
-
-<file path=customXml/itemProps3.xml><?xml version="1.0" encoding="utf-8"?>
-<ds:datastoreItem xmlns:ds="http://schemas.openxmlformats.org/officeDocument/2006/customXml" ds:itemID="{2D498799-B0FC-4B7A-8396-BFC34D805990}">
-  <ds:schemaRefs>
-    <ds:schemaRef ds:uri="http://schemas.microsoft.com/office/2006/metadata/properties"/>
-    <ds:schemaRef ds:uri="http://purl.org/dc/terms/"/>
-    <ds:schemaRef ds:uri="http://www.w3.org/XML/1998/namespace"/>
-    <ds:schemaRef ds:uri="http://schemas.microsoft.com/office/2006/documentManagement/types"/>
-    <ds:schemaRef ds:uri="http://schemas.openxmlformats.org/package/2006/metadata/core-properties"/>
-    <ds:schemaRef ds:uri="http://purl.org/dc/dcmitype/"/>
-    <ds:schemaRef ds:uri="http://purl.org/dc/elements/1.1/"/>
-  </ds:schemaRefs>
-</ds:datastoreItem>
 </file>
--- a/Modules/02.TaskListingScreen.InitialSetup/02.TaskListingScreen.InitialSetup.Slides.pptx
+++ b/Modules/02.TaskListingScreen.InitialSetup/02.TaskListingScreen.InitialSetup.Slides.pptx
@@ -5,30 +5,37 @@
     <p:sldMasterId id="2147483731" r:id="rId4"/>
   </p:sldMasterIdLst>
   <p:notesMasterIdLst>
-    <p:notesMasterId r:id="rId23"/>
+    <p:notesMasterId r:id="rId30"/>
   </p:notesMasterIdLst>
   <p:handoutMasterIdLst>
-    <p:handoutMasterId r:id="rId24"/>
+    <p:handoutMasterId r:id="rId31"/>
   </p:handoutMasterIdLst>
   <p:sldIdLst>
     <p:sldId id="356" r:id="rId5"/>
     <p:sldId id="357" r:id="rId6"/>
     <p:sldId id="370" r:id="rId7"/>
-    <p:sldId id="371" r:id="rId8"/>
-    <p:sldId id="373" r:id="rId9"/>
-    <p:sldId id="372" r:id="rId10"/>
-    <p:sldId id="374" r:id="rId11"/>
-    <p:sldId id="375" r:id="rId12"/>
-    <p:sldId id="376" r:id="rId13"/>
-    <p:sldId id="377" r:id="rId14"/>
-    <p:sldId id="378" r:id="rId15"/>
-    <p:sldId id="379" r:id="rId16"/>
-    <p:sldId id="380" r:id="rId17"/>
-    <p:sldId id="381" r:id="rId18"/>
-    <p:sldId id="385" r:id="rId19"/>
-    <p:sldId id="382" r:id="rId20"/>
-    <p:sldId id="383" r:id="rId21"/>
-    <p:sldId id="384" r:id="rId22"/>
+    <p:sldId id="389" r:id="rId8"/>
+    <p:sldId id="371" r:id="rId9"/>
+    <p:sldId id="373" r:id="rId10"/>
+    <p:sldId id="372" r:id="rId11"/>
+    <p:sldId id="374" r:id="rId12"/>
+    <p:sldId id="375" r:id="rId13"/>
+    <p:sldId id="376" r:id="rId14"/>
+    <p:sldId id="390" r:id="rId15"/>
+    <p:sldId id="392" r:id="rId16"/>
+    <p:sldId id="377" r:id="rId17"/>
+    <p:sldId id="378" r:id="rId18"/>
+    <p:sldId id="387" r:id="rId19"/>
+    <p:sldId id="379" r:id="rId20"/>
+    <p:sldId id="391" r:id="rId21"/>
+    <p:sldId id="380" r:id="rId22"/>
+    <p:sldId id="386" r:id="rId23"/>
+    <p:sldId id="381" r:id="rId24"/>
+    <p:sldId id="385" r:id="rId25"/>
+    <p:sldId id="382" r:id="rId26"/>
+    <p:sldId id="388" r:id="rId27"/>
+    <p:sldId id="383" r:id="rId28"/>
+    <p:sldId id="384" r:id="rId29"/>
   </p:sldIdLst>
   <p:sldSz cx="9144000" cy="6858000" type="screen4x3"/>
   <p:notesSz cx="7315200" cy="9601200"/>
@@ -165,19 +172,26 @@
             <p14:sldId id="356"/>
             <p14:sldId id="357"/>
             <p14:sldId id="370"/>
+            <p14:sldId id="389"/>
             <p14:sldId id="371"/>
             <p14:sldId id="373"/>
             <p14:sldId id="372"/>
             <p14:sldId id="374"/>
             <p14:sldId id="375"/>
             <p14:sldId id="376"/>
+            <p14:sldId id="390"/>
+            <p14:sldId id="392"/>
             <p14:sldId id="377"/>
             <p14:sldId id="378"/>
+            <p14:sldId id="387"/>
             <p14:sldId id="379"/>
+            <p14:sldId id="391"/>
             <p14:sldId id="380"/>
+            <p14:sldId id="386"/>
             <p14:sldId id="381"/>
             <p14:sldId id="385"/>
             <p14:sldId id="382"/>
+            <p14:sldId id="388"/>
             <p14:sldId id="383"/>
             <p14:sldId id="384"/>
           </p14:sldIdLst>
@@ -299,7 +313,7 @@
             <a:fld id="{923FAA13-3E1B-4A40-BCE0-2A4101C91A56}" type="datetimeFigureOut">
               <a:rPr lang="en-US" smtClean="0"/>
               <a:pPr/>
-              <a:t>3/6/2013</a:t>
+              <a:t>3/7/2013</a:t>
             </a:fld>
             <a:endParaRPr lang="en-US"/>
           </a:p>
@@ -1032,20 +1046,28 @@
               <a:defRPr/>
             </a:pPr>
             <a:fld id="{47C584BF-6945-4E60-B2A7-1638FF8EA8EE}" type="slidenum">
-              <a:rPr lang="en-US" smtClean="0"/>
+              <a:rPr lang="en-US" smtClean="0">
+                <a:solidFill>
+                  <a:srgbClr val="000000"/>
+                </a:solidFill>
+              </a:rPr>
               <a:pPr>
                 <a:defRPr/>
               </a:pPr>
               <a:t>10</a:t>
             </a:fld>
-            <a:endParaRPr lang="en-US"/>
+            <a:endParaRPr lang="en-US">
+              <a:solidFill>
+                <a:srgbClr val="000000"/>
+              </a:solidFill>
+            </a:endParaRPr>
           </a:p>
         </p:txBody>
       </p:sp>
     </p:spTree>
     <p:extLst>
       <p:ext uri="{BB962C8B-B14F-4D97-AF65-F5344CB8AC3E}">
-        <p14:creationId xmlns:p14="http://schemas.microsoft.com/office/powerpoint/2010/main" val="3592623704"/>
+        <p14:creationId xmlns:p14="http://schemas.microsoft.com/office/powerpoint/2010/main" val="516962397"/>
       </p:ext>
     </p:extLst>
   </p:cSld>
@@ -1099,6 +1121,190 @@
           <a:bodyPr/>
           <a:lstStyle/>
           <a:p>
+            <a:r>
+              <a:rPr lang="en-US" dirty="0" smtClean="0"/>
+              <a:t>Now </a:t>
+            </a:r>
+            <a:r>
+              <a:rPr lang="en-US" baseline="0" dirty="0" smtClean="0"/>
+              <a:t>is the time to start having fun lets roll up our sleeves and begin cranking out code</a:t>
+            </a:r>
+          </a:p>
+          <a:p>
+            <a:endParaRPr lang="en-US" baseline="0" dirty="0" smtClean="0"/>
+          </a:p>
+          <a:p>
+            <a:pPr marL="0" marR="0" indent="0" algn="l" defTabSz="914400" rtl="0" eaLnBrk="0" fontAlgn="base" latinLnBrk="0" hangingPunct="0">
+              <a:lnSpc>
+                <a:spcPct val="100000"/>
+              </a:lnSpc>
+              <a:spcBef>
+                <a:spcPct val="30000"/>
+              </a:spcBef>
+              <a:spcAft>
+                <a:spcPct val="0"/>
+              </a:spcAft>
+              <a:buClrTx/>
+              <a:buSzTx/>
+              <a:buFontTx/>
+              <a:buNone/>
+              <a:tabLst/>
+              <a:defRPr/>
+            </a:pPr>
+            <a:r>
+              <a:rPr lang="en-US" baseline="0" dirty="0" smtClean="0"/>
+              <a:t>[SHOW ANIMATION NOW]</a:t>
+            </a:r>
+          </a:p>
+          <a:p>
+            <a:endParaRPr lang="en-US" baseline="0" dirty="0" smtClean="0"/>
+          </a:p>
+          <a:p>
+            <a:r>
+              <a:rPr lang="en-US" baseline="0" dirty="0" smtClean="0"/>
+              <a:t>We are going to start off by building our first real view model with knockout </a:t>
+            </a:r>
+            <a:r>
+              <a:rPr lang="en-US" baseline="0" dirty="0" err="1" smtClean="0"/>
+              <a:t>js</a:t>
+            </a:r>
+            <a:r>
+              <a:rPr lang="en-US" baseline="0" dirty="0" smtClean="0"/>
+              <a:t> and Typescript.  We will compare the differences between a XAML View Model and a Knockout View Model in order understand where they are similar and where they are different.</a:t>
+            </a:r>
+          </a:p>
+          <a:p>
+            <a:endParaRPr lang="en-US" baseline="0" dirty="0" smtClean="0"/>
+          </a:p>
+          <a:p>
+            <a:pPr marL="0" marR="0" indent="0" algn="l" defTabSz="914400" rtl="0" eaLnBrk="0" fontAlgn="base" latinLnBrk="0" hangingPunct="0">
+              <a:lnSpc>
+                <a:spcPct val="100000"/>
+              </a:lnSpc>
+              <a:spcBef>
+                <a:spcPct val="30000"/>
+              </a:spcBef>
+              <a:spcAft>
+                <a:spcPct val="0"/>
+              </a:spcAft>
+              <a:buClrTx/>
+              <a:buSzTx/>
+              <a:buFontTx/>
+              <a:buNone/>
+              <a:tabLst/>
+              <a:defRPr/>
+            </a:pPr>
+            <a:r>
+              <a:rPr lang="en-US" baseline="0" dirty="0" smtClean="0"/>
+              <a:t>[SHOW ANIMATION NOW]</a:t>
+            </a:r>
+          </a:p>
+          <a:p>
+            <a:endParaRPr lang="en-US" baseline="0" dirty="0" smtClean="0"/>
+          </a:p>
+          <a:p>
+            <a:r>
+              <a:rPr lang="en-US" baseline="0" dirty="0" smtClean="0"/>
+              <a:t>Following this we will create our first view built using HTML.  While building our HTML view we will take a look at the reference XAML application to see how our experience laying out views in XAML will actually help us while building HTML views</a:t>
+            </a:r>
+          </a:p>
+          <a:p>
+            <a:endParaRPr lang="en-US" baseline="0" dirty="0" smtClean="0"/>
+          </a:p>
+          <a:p>
+            <a:pPr marL="0" marR="0" indent="0" algn="l" defTabSz="914400" rtl="0" eaLnBrk="0" fontAlgn="base" latinLnBrk="0" hangingPunct="0">
+              <a:lnSpc>
+                <a:spcPct val="100000"/>
+              </a:lnSpc>
+              <a:spcBef>
+                <a:spcPct val="30000"/>
+              </a:spcBef>
+              <a:spcAft>
+                <a:spcPct val="0"/>
+              </a:spcAft>
+              <a:buClrTx/>
+              <a:buSzTx/>
+              <a:buFontTx/>
+              <a:buNone/>
+              <a:tabLst/>
+              <a:defRPr/>
+            </a:pPr>
+            <a:r>
+              <a:rPr lang="en-US" baseline="0" dirty="0" smtClean="0"/>
+              <a:t>[SHOW ANIMATION NOW]</a:t>
+            </a:r>
+          </a:p>
+          <a:p>
+            <a:endParaRPr lang="en-US" baseline="0" dirty="0" smtClean="0"/>
+          </a:p>
+          <a:p>
+            <a:r>
+              <a:rPr lang="en-US" baseline="0" dirty="0" smtClean="0"/>
+              <a:t>Next we will take a look at how to dynamically change the style of UI element by using knockout </a:t>
+            </a:r>
+            <a:r>
+              <a:rPr lang="en-US" baseline="0" dirty="0" err="1" smtClean="0"/>
+              <a:t>js</a:t>
+            </a:r>
+            <a:r>
+              <a:rPr lang="en-US" baseline="0" dirty="0" smtClean="0"/>
+              <a:t>.  We will learn that although they way in which we change styles is different between XAML and HTML the concepts are 100% the same.</a:t>
+            </a:r>
+          </a:p>
+          <a:p>
+            <a:endParaRPr lang="en-US" baseline="0" dirty="0" smtClean="0"/>
+          </a:p>
+          <a:p>
+            <a:pPr marL="0" marR="0" indent="0" algn="l" defTabSz="914400" rtl="0" eaLnBrk="0" fontAlgn="base" latinLnBrk="0" hangingPunct="0">
+              <a:lnSpc>
+                <a:spcPct val="100000"/>
+              </a:lnSpc>
+              <a:spcBef>
+                <a:spcPct val="30000"/>
+              </a:spcBef>
+              <a:spcAft>
+                <a:spcPct val="0"/>
+              </a:spcAft>
+              <a:buClrTx/>
+              <a:buSzTx/>
+              <a:buFontTx/>
+              <a:buNone/>
+              <a:tabLst/>
+              <a:defRPr/>
+            </a:pPr>
+            <a:r>
+              <a:rPr lang="en-US" baseline="0" dirty="0" smtClean="0"/>
+              <a:t>[SHOW ANIMATION NOW]</a:t>
+            </a:r>
+          </a:p>
+          <a:p>
+            <a:endParaRPr lang="en-US" baseline="0" dirty="0" smtClean="0"/>
+          </a:p>
+          <a:p>
+            <a:r>
+              <a:rPr lang="en-US" baseline="0" dirty="0" smtClean="0"/>
+              <a:t>Finally we will complete this module by taking a look at how to use Ajax to query a Web </a:t>
+            </a:r>
+            <a:r>
+              <a:rPr lang="en-US" baseline="0" dirty="0" err="1" smtClean="0"/>
+              <a:t>Api</a:t>
+            </a:r>
+            <a:r>
+              <a:rPr lang="en-US" baseline="0" dirty="0" smtClean="0"/>
+              <a:t> endpoint.  Once we have received the data from the </a:t>
+            </a:r>
+            <a:r>
+              <a:rPr lang="en-US" baseline="0" dirty="0" err="1" smtClean="0"/>
+              <a:t>api</a:t>
+            </a:r>
+            <a:r>
+              <a:rPr lang="en-US" baseline="0" dirty="0" smtClean="0"/>
+              <a:t> we will learn how to store our data in the view model so it can be displayed to </a:t>
+            </a:r>
+            <a:r>
+              <a:rPr lang="en-US" baseline="0" smtClean="0"/>
+              <a:t>the user.</a:t>
+            </a:r>
             <a:endParaRPr lang="en-US" dirty="0"/>
           </a:p>
         </p:txBody>
@@ -1122,28 +1328,20 @@
               <a:defRPr/>
             </a:pPr>
             <a:fld id="{47C584BF-6945-4E60-B2A7-1638FF8EA8EE}" type="slidenum">
-              <a:rPr lang="en-US" smtClean="0">
-                <a:solidFill>
-                  <a:srgbClr val="000000"/>
-                </a:solidFill>
-              </a:rPr>
+              <a:rPr lang="en-US" smtClean="0"/>
               <a:pPr>
                 <a:defRPr/>
               </a:pPr>
               <a:t>11</a:t>
             </a:fld>
-            <a:endParaRPr lang="en-US">
-              <a:solidFill>
-                <a:srgbClr val="000000"/>
-              </a:solidFill>
-            </a:endParaRPr>
+            <a:endParaRPr lang="en-US"/>
           </a:p>
         </p:txBody>
       </p:sp>
     </p:spTree>
     <p:extLst>
       <p:ext uri="{BB962C8B-B14F-4D97-AF65-F5344CB8AC3E}">
-        <p14:creationId xmlns:p14="http://schemas.microsoft.com/office/powerpoint/2010/main" val="905189914"/>
+        <p14:creationId xmlns:p14="http://schemas.microsoft.com/office/powerpoint/2010/main" val="2435384557"/>
       </p:ext>
     </p:extLst>
   </p:cSld>
@@ -1197,6 +1395,22 @@
           <a:bodyPr/>
           <a:lstStyle/>
           <a:p>
+            <a:r>
+              <a:rPr lang="en-US" dirty="0" smtClean="0"/>
+              <a:t>Indicate this grid is inside</a:t>
+            </a:r>
+            <a:r>
+              <a:rPr lang="en-US" baseline="0" dirty="0" smtClean="0"/>
+              <a:t> the </a:t>
+            </a:r>
+            <a:r>
+              <a:rPr lang="en-US" baseline="0" dirty="0" err="1" smtClean="0"/>
+              <a:t>datatemplate</a:t>
+            </a:r>
+            <a:r>
+              <a:rPr lang="en-US" baseline="0" dirty="0" smtClean="0"/>
+              <a:t> for a list box</a:t>
+            </a:r>
             <a:endParaRPr lang="en-US" dirty="0"/>
           </a:p>
         </p:txBody>
@@ -1220,28 +1434,20 @@
               <a:defRPr/>
             </a:pPr>
             <a:fld id="{47C584BF-6945-4E60-B2A7-1638FF8EA8EE}" type="slidenum">
-              <a:rPr lang="en-US" smtClean="0">
-                <a:solidFill>
-                  <a:srgbClr val="000000"/>
-                </a:solidFill>
-              </a:rPr>
+              <a:rPr lang="en-US" smtClean="0"/>
               <a:pPr>
                 <a:defRPr/>
               </a:pPr>
               <a:t>12</a:t>
             </a:fld>
-            <a:endParaRPr lang="en-US">
-              <a:solidFill>
-                <a:srgbClr val="000000"/>
-              </a:solidFill>
-            </a:endParaRPr>
+            <a:endParaRPr lang="en-US"/>
           </a:p>
         </p:txBody>
       </p:sp>
     </p:spTree>
     <p:extLst>
       <p:ext uri="{BB962C8B-B14F-4D97-AF65-F5344CB8AC3E}">
-        <p14:creationId xmlns:p14="http://schemas.microsoft.com/office/powerpoint/2010/main" val="3694365366"/>
+        <p14:creationId xmlns:p14="http://schemas.microsoft.com/office/powerpoint/2010/main" val="1900013773"/>
       </p:ext>
     </p:extLst>
   </p:cSld>
@@ -1318,28 +1524,20 @@
               <a:defRPr/>
             </a:pPr>
             <a:fld id="{47C584BF-6945-4E60-B2A7-1638FF8EA8EE}" type="slidenum">
-              <a:rPr lang="en-US" smtClean="0">
-                <a:solidFill>
-                  <a:srgbClr val="000000"/>
-                </a:solidFill>
-              </a:rPr>
+              <a:rPr lang="en-US" smtClean="0"/>
               <a:pPr>
                 <a:defRPr/>
               </a:pPr>
               <a:t>13</a:t>
             </a:fld>
-            <a:endParaRPr lang="en-US">
-              <a:solidFill>
-                <a:srgbClr val="000000"/>
-              </a:solidFill>
-            </a:endParaRPr>
+            <a:endParaRPr lang="en-US"/>
           </a:p>
         </p:txBody>
       </p:sp>
     </p:spTree>
     <p:extLst>
       <p:ext uri="{BB962C8B-B14F-4D97-AF65-F5344CB8AC3E}">
-        <p14:creationId xmlns:p14="http://schemas.microsoft.com/office/powerpoint/2010/main" val="868066523"/>
+        <p14:creationId xmlns:p14="http://schemas.microsoft.com/office/powerpoint/2010/main" val="3592623704"/>
       </p:ext>
     </p:extLst>
   </p:cSld>
@@ -1437,7 +1635,7 @@
     </p:spTree>
     <p:extLst>
       <p:ext uri="{BB962C8B-B14F-4D97-AF65-F5344CB8AC3E}">
-        <p14:creationId xmlns:p14="http://schemas.microsoft.com/office/powerpoint/2010/main" val="2267756471"/>
+        <p14:creationId xmlns:p14="http://schemas.microsoft.com/office/powerpoint/2010/main" val="905189914"/>
       </p:ext>
     </p:extLst>
   </p:cSld>
@@ -1491,6 +1689,190 @@
           <a:bodyPr/>
           <a:lstStyle/>
           <a:p>
+            <a:r>
+              <a:rPr lang="en-US" dirty="0" smtClean="0"/>
+              <a:t>Now </a:t>
+            </a:r>
+            <a:r>
+              <a:rPr lang="en-US" baseline="0" dirty="0" smtClean="0"/>
+              <a:t>is the time to start having fun lets roll up our sleeves and begin cranking out code</a:t>
+            </a:r>
+          </a:p>
+          <a:p>
+            <a:endParaRPr lang="en-US" baseline="0" dirty="0" smtClean="0"/>
+          </a:p>
+          <a:p>
+            <a:pPr marL="0" marR="0" indent="0" algn="l" defTabSz="914400" rtl="0" eaLnBrk="0" fontAlgn="base" latinLnBrk="0" hangingPunct="0">
+              <a:lnSpc>
+                <a:spcPct val="100000"/>
+              </a:lnSpc>
+              <a:spcBef>
+                <a:spcPct val="30000"/>
+              </a:spcBef>
+              <a:spcAft>
+                <a:spcPct val="0"/>
+              </a:spcAft>
+              <a:buClrTx/>
+              <a:buSzTx/>
+              <a:buFontTx/>
+              <a:buNone/>
+              <a:tabLst/>
+              <a:defRPr/>
+            </a:pPr>
+            <a:r>
+              <a:rPr lang="en-US" baseline="0" dirty="0" smtClean="0"/>
+              <a:t>[SHOW ANIMATION NOW]</a:t>
+            </a:r>
+          </a:p>
+          <a:p>
+            <a:endParaRPr lang="en-US" baseline="0" dirty="0" smtClean="0"/>
+          </a:p>
+          <a:p>
+            <a:r>
+              <a:rPr lang="en-US" baseline="0" dirty="0" smtClean="0"/>
+              <a:t>We are going to start off by building our first real view model with knockout </a:t>
+            </a:r>
+            <a:r>
+              <a:rPr lang="en-US" baseline="0" dirty="0" err="1" smtClean="0"/>
+              <a:t>js</a:t>
+            </a:r>
+            <a:r>
+              <a:rPr lang="en-US" baseline="0" dirty="0" smtClean="0"/>
+              <a:t> and Typescript.  We will compare the differences between a XAML View Model and a Knockout View Model in order understand where they are similar and where they are different.</a:t>
+            </a:r>
+          </a:p>
+          <a:p>
+            <a:endParaRPr lang="en-US" baseline="0" dirty="0" smtClean="0"/>
+          </a:p>
+          <a:p>
+            <a:pPr marL="0" marR="0" indent="0" algn="l" defTabSz="914400" rtl="0" eaLnBrk="0" fontAlgn="base" latinLnBrk="0" hangingPunct="0">
+              <a:lnSpc>
+                <a:spcPct val="100000"/>
+              </a:lnSpc>
+              <a:spcBef>
+                <a:spcPct val="30000"/>
+              </a:spcBef>
+              <a:spcAft>
+                <a:spcPct val="0"/>
+              </a:spcAft>
+              <a:buClrTx/>
+              <a:buSzTx/>
+              <a:buFontTx/>
+              <a:buNone/>
+              <a:tabLst/>
+              <a:defRPr/>
+            </a:pPr>
+            <a:r>
+              <a:rPr lang="en-US" baseline="0" dirty="0" smtClean="0"/>
+              <a:t>[SHOW ANIMATION NOW]</a:t>
+            </a:r>
+          </a:p>
+          <a:p>
+            <a:endParaRPr lang="en-US" baseline="0" dirty="0" smtClean="0"/>
+          </a:p>
+          <a:p>
+            <a:r>
+              <a:rPr lang="en-US" baseline="0" dirty="0" smtClean="0"/>
+              <a:t>Following this we will create our first view built using HTML.  While building our HTML view we will take a look at the reference XAML application to see how our experience laying out views in XAML will actually help us while building HTML views</a:t>
+            </a:r>
+          </a:p>
+          <a:p>
+            <a:endParaRPr lang="en-US" baseline="0" dirty="0" smtClean="0"/>
+          </a:p>
+          <a:p>
+            <a:pPr marL="0" marR="0" indent="0" algn="l" defTabSz="914400" rtl="0" eaLnBrk="0" fontAlgn="base" latinLnBrk="0" hangingPunct="0">
+              <a:lnSpc>
+                <a:spcPct val="100000"/>
+              </a:lnSpc>
+              <a:spcBef>
+                <a:spcPct val="30000"/>
+              </a:spcBef>
+              <a:spcAft>
+                <a:spcPct val="0"/>
+              </a:spcAft>
+              <a:buClrTx/>
+              <a:buSzTx/>
+              <a:buFontTx/>
+              <a:buNone/>
+              <a:tabLst/>
+              <a:defRPr/>
+            </a:pPr>
+            <a:r>
+              <a:rPr lang="en-US" baseline="0" dirty="0" smtClean="0"/>
+              <a:t>[SHOW ANIMATION NOW]</a:t>
+            </a:r>
+          </a:p>
+          <a:p>
+            <a:endParaRPr lang="en-US" baseline="0" dirty="0" smtClean="0"/>
+          </a:p>
+          <a:p>
+            <a:r>
+              <a:rPr lang="en-US" baseline="0" dirty="0" smtClean="0"/>
+              <a:t>Next we will take a look at how to dynamically change the style of UI element by using knockout </a:t>
+            </a:r>
+            <a:r>
+              <a:rPr lang="en-US" baseline="0" dirty="0" err="1" smtClean="0"/>
+              <a:t>js</a:t>
+            </a:r>
+            <a:r>
+              <a:rPr lang="en-US" baseline="0" dirty="0" smtClean="0"/>
+              <a:t>.  We will learn that although they way in which we change styles is different between XAML and HTML the concepts are 100% the same.</a:t>
+            </a:r>
+          </a:p>
+          <a:p>
+            <a:endParaRPr lang="en-US" baseline="0" dirty="0" smtClean="0"/>
+          </a:p>
+          <a:p>
+            <a:pPr marL="0" marR="0" indent="0" algn="l" defTabSz="914400" rtl="0" eaLnBrk="0" fontAlgn="base" latinLnBrk="0" hangingPunct="0">
+              <a:lnSpc>
+                <a:spcPct val="100000"/>
+              </a:lnSpc>
+              <a:spcBef>
+                <a:spcPct val="30000"/>
+              </a:spcBef>
+              <a:spcAft>
+                <a:spcPct val="0"/>
+              </a:spcAft>
+              <a:buClrTx/>
+              <a:buSzTx/>
+              <a:buFontTx/>
+              <a:buNone/>
+              <a:tabLst/>
+              <a:defRPr/>
+            </a:pPr>
+            <a:r>
+              <a:rPr lang="en-US" baseline="0" dirty="0" smtClean="0"/>
+              <a:t>[SHOW ANIMATION NOW]</a:t>
+            </a:r>
+          </a:p>
+          <a:p>
+            <a:endParaRPr lang="en-US" baseline="0" dirty="0" smtClean="0"/>
+          </a:p>
+          <a:p>
+            <a:r>
+              <a:rPr lang="en-US" baseline="0" dirty="0" smtClean="0"/>
+              <a:t>Finally we will complete this module by taking a look at how to use Ajax to query a Web </a:t>
+            </a:r>
+            <a:r>
+              <a:rPr lang="en-US" baseline="0" dirty="0" err="1" smtClean="0"/>
+              <a:t>Api</a:t>
+            </a:r>
+            <a:r>
+              <a:rPr lang="en-US" baseline="0" dirty="0" smtClean="0"/>
+              <a:t> endpoint.  Once we have received the data from the </a:t>
+            </a:r>
+            <a:r>
+              <a:rPr lang="en-US" baseline="0" dirty="0" err="1" smtClean="0"/>
+              <a:t>api</a:t>
+            </a:r>
+            <a:r>
+              <a:rPr lang="en-US" baseline="0" dirty="0" smtClean="0"/>
+              <a:t> we will learn how to store our data in the view model so it can be displayed to </a:t>
+            </a:r>
+            <a:r>
+              <a:rPr lang="en-US" baseline="0" smtClean="0"/>
+              <a:t>the user.</a:t>
+            </a:r>
             <a:endParaRPr lang="en-US" dirty="0"/>
           </a:p>
         </p:txBody>
@@ -1514,28 +1896,20 @@
               <a:defRPr/>
             </a:pPr>
             <a:fld id="{47C584BF-6945-4E60-B2A7-1638FF8EA8EE}" type="slidenum">
-              <a:rPr lang="en-US" smtClean="0">
-                <a:solidFill>
-                  <a:srgbClr val="000000"/>
-                </a:solidFill>
-              </a:rPr>
+              <a:rPr lang="en-US" smtClean="0"/>
               <a:pPr>
                 <a:defRPr/>
               </a:pPr>
               <a:t>15</a:t>
             </a:fld>
-            <a:endParaRPr lang="en-US">
-              <a:solidFill>
-                <a:srgbClr val="000000"/>
-              </a:solidFill>
-            </a:endParaRPr>
+            <a:endParaRPr lang="en-US"/>
           </a:p>
         </p:txBody>
       </p:sp>
     </p:spTree>
     <p:extLst>
       <p:ext uri="{BB962C8B-B14F-4D97-AF65-F5344CB8AC3E}">
-        <p14:creationId xmlns:p14="http://schemas.microsoft.com/office/powerpoint/2010/main" val="3616769883"/>
+        <p14:creationId xmlns:p14="http://schemas.microsoft.com/office/powerpoint/2010/main" val="1164361057"/>
       </p:ext>
     </p:extLst>
   </p:cSld>
@@ -1633,7 +2007,7 @@
     </p:spTree>
     <p:extLst>
       <p:ext uri="{BB962C8B-B14F-4D97-AF65-F5344CB8AC3E}">
-        <p14:creationId xmlns:p14="http://schemas.microsoft.com/office/powerpoint/2010/main" val="1003624885"/>
+        <p14:creationId xmlns:p14="http://schemas.microsoft.com/office/powerpoint/2010/main" val="3694365366"/>
       </p:ext>
     </p:extLst>
   </p:cSld>
@@ -1731,7 +2105,7 @@
     </p:spTree>
     <p:extLst>
       <p:ext uri="{BB962C8B-B14F-4D97-AF65-F5344CB8AC3E}">
-        <p14:creationId xmlns:p14="http://schemas.microsoft.com/office/powerpoint/2010/main" val="2712885188"/>
+        <p14:creationId xmlns:p14="http://schemas.microsoft.com/office/powerpoint/2010/main" val="681008332"/>
       </p:ext>
     </p:extLst>
   </p:cSld>
@@ -1829,7 +2203,281 @@
     </p:spTree>
     <p:extLst>
       <p:ext uri="{BB962C8B-B14F-4D97-AF65-F5344CB8AC3E}">
-        <p14:creationId xmlns:p14="http://schemas.microsoft.com/office/powerpoint/2010/main" val="3117547436"/>
+        <p14:creationId xmlns:p14="http://schemas.microsoft.com/office/powerpoint/2010/main" val="868066523"/>
+      </p:ext>
+    </p:extLst>
+  </p:cSld>
+  <p:clrMapOvr>
+    <a:masterClrMapping/>
+  </p:clrMapOvr>
+</p:notes>
+</file>
+
+<file path=ppt/notesSlides/notesSlide19.xml><?xml version="1.0" encoding="utf-8"?>
+<p:notes xmlns:a="http://schemas.openxmlformats.org/drawingml/2006/main" xmlns:r="http://schemas.openxmlformats.org/officeDocument/2006/relationships" xmlns:p="http://schemas.openxmlformats.org/presentationml/2006/main">
+  <p:cSld>
+    <p:spTree>
+      <p:nvGrpSpPr>
+        <p:cNvPr id="1" name=""/>
+        <p:cNvGrpSpPr/>
+        <p:nvPr/>
+      </p:nvGrpSpPr>
+      <p:grpSpPr>
+        <a:xfrm>
+          <a:off x="0" y="0"/>
+          <a:ext cx="0" cy="0"/>
+          <a:chOff x="0" y="0"/>
+          <a:chExt cx="0" cy="0"/>
+        </a:xfrm>
+      </p:grpSpPr>
+      <p:sp>
+        <p:nvSpPr>
+          <p:cNvPr id="2" name="Slide Image Placeholder 1"/>
+          <p:cNvSpPr>
+            <a:spLocks noGrp="1" noRot="1" noChangeAspect="1"/>
+          </p:cNvSpPr>
+          <p:nvPr>
+            <p:ph type="sldImg"/>
+          </p:nvPr>
+        </p:nvSpPr>
+        <p:spPr/>
+      </p:sp>
+      <p:sp>
+        <p:nvSpPr>
+          <p:cNvPr id="3" name="Notes Placeholder 2"/>
+          <p:cNvSpPr>
+            <a:spLocks noGrp="1"/>
+          </p:cNvSpPr>
+          <p:nvPr>
+            <p:ph type="body" idx="1"/>
+          </p:nvPr>
+        </p:nvSpPr>
+        <p:spPr/>
+        <p:txBody>
+          <a:bodyPr/>
+          <a:lstStyle/>
+          <a:p>
+            <a:r>
+              <a:rPr lang="en-US" dirty="0" smtClean="0"/>
+              <a:t>Now </a:t>
+            </a:r>
+            <a:r>
+              <a:rPr lang="en-US" baseline="0" dirty="0" smtClean="0"/>
+              <a:t>is the time to start having fun lets roll up our sleeves and begin cranking out code</a:t>
+            </a:r>
+          </a:p>
+          <a:p>
+            <a:endParaRPr lang="en-US" baseline="0" dirty="0" smtClean="0"/>
+          </a:p>
+          <a:p>
+            <a:pPr marL="0" marR="0" indent="0" algn="l" defTabSz="914400" rtl="0" eaLnBrk="0" fontAlgn="base" latinLnBrk="0" hangingPunct="0">
+              <a:lnSpc>
+                <a:spcPct val="100000"/>
+              </a:lnSpc>
+              <a:spcBef>
+                <a:spcPct val="30000"/>
+              </a:spcBef>
+              <a:spcAft>
+                <a:spcPct val="0"/>
+              </a:spcAft>
+              <a:buClrTx/>
+              <a:buSzTx/>
+              <a:buFontTx/>
+              <a:buNone/>
+              <a:tabLst/>
+              <a:defRPr/>
+            </a:pPr>
+            <a:r>
+              <a:rPr lang="en-US" baseline="0" dirty="0" smtClean="0"/>
+              <a:t>[SHOW ANIMATION NOW]</a:t>
+            </a:r>
+          </a:p>
+          <a:p>
+            <a:endParaRPr lang="en-US" baseline="0" dirty="0" smtClean="0"/>
+          </a:p>
+          <a:p>
+            <a:r>
+              <a:rPr lang="en-US" baseline="0" dirty="0" smtClean="0"/>
+              <a:t>We are going to start off by building our first real view model with knockout </a:t>
+            </a:r>
+            <a:r>
+              <a:rPr lang="en-US" baseline="0" dirty="0" err="1" smtClean="0"/>
+              <a:t>js</a:t>
+            </a:r>
+            <a:r>
+              <a:rPr lang="en-US" baseline="0" dirty="0" smtClean="0"/>
+              <a:t> and Typescript.  We will compare the differences between a XAML View Model and a Knockout View Model in order understand where they are similar and where they are different.</a:t>
+            </a:r>
+          </a:p>
+          <a:p>
+            <a:endParaRPr lang="en-US" baseline="0" dirty="0" smtClean="0"/>
+          </a:p>
+          <a:p>
+            <a:pPr marL="0" marR="0" indent="0" algn="l" defTabSz="914400" rtl="0" eaLnBrk="0" fontAlgn="base" latinLnBrk="0" hangingPunct="0">
+              <a:lnSpc>
+                <a:spcPct val="100000"/>
+              </a:lnSpc>
+              <a:spcBef>
+                <a:spcPct val="30000"/>
+              </a:spcBef>
+              <a:spcAft>
+                <a:spcPct val="0"/>
+              </a:spcAft>
+              <a:buClrTx/>
+              <a:buSzTx/>
+              <a:buFontTx/>
+              <a:buNone/>
+              <a:tabLst/>
+              <a:defRPr/>
+            </a:pPr>
+            <a:r>
+              <a:rPr lang="en-US" baseline="0" dirty="0" smtClean="0"/>
+              <a:t>[SHOW ANIMATION NOW]</a:t>
+            </a:r>
+          </a:p>
+          <a:p>
+            <a:endParaRPr lang="en-US" baseline="0" dirty="0" smtClean="0"/>
+          </a:p>
+          <a:p>
+            <a:r>
+              <a:rPr lang="en-US" baseline="0" dirty="0" smtClean="0"/>
+              <a:t>Following this we will create our first view built using HTML.  While building our HTML view we will take a look at the reference XAML application to see how our experience laying out views in XAML will actually help us while building HTML views</a:t>
+            </a:r>
+          </a:p>
+          <a:p>
+            <a:endParaRPr lang="en-US" baseline="0" dirty="0" smtClean="0"/>
+          </a:p>
+          <a:p>
+            <a:pPr marL="0" marR="0" indent="0" algn="l" defTabSz="914400" rtl="0" eaLnBrk="0" fontAlgn="base" latinLnBrk="0" hangingPunct="0">
+              <a:lnSpc>
+                <a:spcPct val="100000"/>
+              </a:lnSpc>
+              <a:spcBef>
+                <a:spcPct val="30000"/>
+              </a:spcBef>
+              <a:spcAft>
+                <a:spcPct val="0"/>
+              </a:spcAft>
+              <a:buClrTx/>
+              <a:buSzTx/>
+              <a:buFontTx/>
+              <a:buNone/>
+              <a:tabLst/>
+              <a:defRPr/>
+            </a:pPr>
+            <a:r>
+              <a:rPr lang="en-US" baseline="0" dirty="0" smtClean="0"/>
+              <a:t>[SHOW ANIMATION NOW]</a:t>
+            </a:r>
+          </a:p>
+          <a:p>
+            <a:endParaRPr lang="en-US" baseline="0" dirty="0" smtClean="0"/>
+          </a:p>
+          <a:p>
+            <a:r>
+              <a:rPr lang="en-US" baseline="0" dirty="0" smtClean="0"/>
+              <a:t>Next we will take a look at how to dynamically change the style of UI element by using knockout </a:t>
+            </a:r>
+            <a:r>
+              <a:rPr lang="en-US" baseline="0" dirty="0" err="1" smtClean="0"/>
+              <a:t>js</a:t>
+            </a:r>
+            <a:r>
+              <a:rPr lang="en-US" baseline="0" dirty="0" smtClean="0"/>
+              <a:t>.  We will learn that although they way in which we change styles is different between XAML and HTML the concepts are 100% the same.</a:t>
+            </a:r>
+          </a:p>
+          <a:p>
+            <a:endParaRPr lang="en-US" baseline="0" dirty="0" smtClean="0"/>
+          </a:p>
+          <a:p>
+            <a:pPr marL="0" marR="0" indent="0" algn="l" defTabSz="914400" rtl="0" eaLnBrk="0" fontAlgn="base" latinLnBrk="0" hangingPunct="0">
+              <a:lnSpc>
+                <a:spcPct val="100000"/>
+              </a:lnSpc>
+              <a:spcBef>
+                <a:spcPct val="30000"/>
+              </a:spcBef>
+              <a:spcAft>
+                <a:spcPct val="0"/>
+              </a:spcAft>
+              <a:buClrTx/>
+              <a:buSzTx/>
+              <a:buFontTx/>
+              <a:buNone/>
+              <a:tabLst/>
+              <a:defRPr/>
+            </a:pPr>
+            <a:r>
+              <a:rPr lang="en-US" baseline="0" dirty="0" smtClean="0"/>
+              <a:t>[SHOW ANIMATION NOW]</a:t>
+            </a:r>
+          </a:p>
+          <a:p>
+            <a:endParaRPr lang="en-US" baseline="0" dirty="0" smtClean="0"/>
+          </a:p>
+          <a:p>
+            <a:r>
+              <a:rPr lang="en-US" baseline="0" dirty="0" smtClean="0"/>
+              <a:t>Finally we will complete this module by taking a look at how to use Ajax to query a Web </a:t>
+            </a:r>
+            <a:r>
+              <a:rPr lang="en-US" baseline="0" dirty="0" err="1" smtClean="0"/>
+              <a:t>Api</a:t>
+            </a:r>
+            <a:r>
+              <a:rPr lang="en-US" baseline="0" dirty="0" smtClean="0"/>
+              <a:t> endpoint.  Once we have received the data from the </a:t>
+            </a:r>
+            <a:r>
+              <a:rPr lang="en-US" baseline="0" dirty="0" err="1" smtClean="0"/>
+              <a:t>api</a:t>
+            </a:r>
+            <a:r>
+              <a:rPr lang="en-US" baseline="0" dirty="0" smtClean="0"/>
+              <a:t> we will learn how to store our data in the view model so it can be displayed to </a:t>
+            </a:r>
+            <a:r>
+              <a:rPr lang="en-US" baseline="0" smtClean="0"/>
+              <a:t>the user.</a:t>
+            </a:r>
+            <a:endParaRPr lang="en-US" dirty="0"/>
+          </a:p>
+        </p:txBody>
+      </p:sp>
+      <p:sp>
+        <p:nvSpPr>
+          <p:cNvPr id="4" name="Slide Number Placeholder 3"/>
+          <p:cNvSpPr>
+            <a:spLocks noGrp="1"/>
+          </p:cNvSpPr>
+          <p:nvPr>
+            <p:ph type="sldNum" sz="quarter" idx="10"/>
+          </p:nvPr>
+        </p:nvSpPr>
+        <p:spPr/>
+        <p:txBody>
+          <a:bodyPr/>
+          <a:lstStyle/>
+          <a:p>
+            <a:pPr>
+              <a:defRPr/>
+            </a:pPr>
+            <a:fld id="{47C584BF-6945-4E60-B2A7-1638FF8EA8EE}" type="slidenum">
+              <a:rPr lang="en-US" smtClean="0"/>
+              <a:pPr>
+                <a:defRPr/>
+              </a:pPr>
+              <a:t>19</a:t>
+            </a:fld>
+            <a:endParaRPr lang="en-US"/>
+          </a:p>
+        </p:txBody>
+      </p:sp>
+    </p:spTree>
+    <p:extLst>
+      <p:ext uri="{BB962C8B-B14F-4D97-AF65-F5344CB8AC3E}">
+        <p14:creationId xmlns:p14="http://schemas.microsoft.com/office/powerpoint/2010/main" val="360021677"/>
       </p:ext>
     </p:extLst>
   </p:cSld>
@@ -2002,16 +2650,25 @@
           <a:p>
             <a:r>
               <a:rPr lang="en-US" baseline="0" dirty="0" smtClean="0"/>
-              <a:t>Next we will take a look at how to dynamically change the style of UI element by using knockout </a:t>
+              <a:t>Next we will take a look at how to use Ajax to query a Web </a:t>
             </a:r>
             <a:r>
               <a:rPr lang="en-US" baseline="0" dirty="0" err="1" smtClean="0"/>
-              <a:t>js</a:t>
+              <a:t>Api</a:t>
             </a:r>
             <a:r>
               <a:rPr lang="en-US" baseline="0" dirty="0" smtClean="0"/>
-              <a:t>.  We will learn that although they way in which we change styles is different between XAML and HTML the concepts are 100% the same.</a:t>
-            </a:r>
+              <a:t> endpoint in order to get data for the application from a remote service.  Once we have received the data from the </a:t>
+            </a:r>
+            <a:r>
+              <a:rPr lang="en-US" baseline="0" dirty="0" err="1" smtClean="0"/>
+              <a:t>api</a:t>
+            </a:r>
+            <a:r>
+              <a:rPr lang="en-US" baseline="0" dirty="0" smtClean="0"/>
+              <a:t> we will learn how to store our data in the view model so it can be displayed to the user.</a:t>
+            </a:r>
+            <a:endParaRPr lang="en-US" dirty="0" smtClean="0"/>
           </a:p>
           <a:p>
             <a:endParaRPr lang="en-US" baseline="0" dirty="0" smtClean="0"/>
@@ -2045,29 +2702,83 @@
           <a:p>
             <a:r>
               <a:rPr lang="en-US" baseline="0" dirty="0" smtClean="0"/>
-              <a:t>Finally we will complete this module by taking a look at how to use Ajax to query a Web </a:t>
+              <a:t>After this we </a:t>
+            </a:r>
+            <a:r>
+              <a:rPr lang="en-US" baseline="0" dirty="0" smtClean="0"/>
+              <a:t>will take a look at how to dynamically change the style of UI element by using knockout </a:t>
             </a:r>
             <a:r>
               <a:rPr lang="en-US" baseline="0" dirty="0" err="1" smtClean="0"/>
-              <a:t>Api</a:t>
+              <a:t>js</a:t>
             </a:r>
             <a:r>
               <a:rPr lang="en-US" baseline="0" dirty="0" smtClean="0"/>
-              <a:t> endpoint.  Once we have received the data from the </a:t>
-            </a:r>
-            <a:r>
-              <a:rPr lang="en-US" baseline="0" dirty="0" err="1" smtClean="0"/>
-              <a:t>api</a:t>
+              <a:t>.  We will learn that </a:t>
             </a:r>
             <a:r>
               <a:rPr lang="en-US" baseline="0" dirty="0" smtClean="0"/>
-              <a:t> we will learn how to store our data in the view model so it can be displayed to </a:t>
-            </a:r>
-            <a:r>
-              <a:rPr lang="en-US" baseline="0" smtClean="0"/>
-              <a:t>the user.</a:t>
-            </a:r>
-            <a:endParaRPr lang="en-US" dirty="0"/>
+              <a:t>the mechanics of change </a:t>
+            </a:r>
+            <a:r>
+              <a:rPr lang="en-US" baseline="0" dirty="0" smtClean="0"/>
+              <a:t>styles </a:t>
+            </a:r>
+            <a:r>
+              <a:rPr lang="en-US" baseline="0" dirty="0" smtClean="0"/>
+              <a:t>may be different in </a:t>
+            </a:r>
+            <a:r>
+              <a:rPr lang="en-US" baseline="0" dirty="0" smtClean="0"/>
+              <a:t>XAML and </a:t>
+            </a:r>
+            <a:r>
+              <a:rPr lang="en-US" baseline="0" dirty="0" smtClean="0"/>
+              <a:t>HTML, </a:t>
+            </a:r>
+            <a:r>
+              <a:rPr lang="en-US" baseline="0" dirty="0" smtClean="0"/>
+              <a:t>the concepts are 100% the same.</a:t>
+            </a:r>
+          </a:p>
+          <a:p>
+            <a:endParaRPr lang="en-US" baseline="0" dirty="0" smtClean="0"/>
+          </a:p>
+          <a:p>
+            <a:pPr marL="0" marR="0" indent="0" algn="l" defTabSz="914400" rtl="0" eaLnBrk="0" fontAlgn="base" latinLnBrk="0" hangingPunct="0">
+              <a:lnSpc>
+                <a:spcPct val="100000"/>
+              </a:lnSpc>
+              <a:spcBef>
+                <a:spcPct val="30000"/>
+              </a:spcBef>
+              <a:spcAft>
+                <a:spcPct val="0"/>
+              </a:spcAft>
+              <a:buClrTx/>
+              <a:buSzTx/>
+              <a:buFontTx/>
+              <a:buNone/>
+              <a:tabLst/>
+              <a:defRPr/>
+            </a:pPr>
+            <a:r>
+              <a:rPr lang="en-US" baseline="0" dirty="0" smtClean="0"/>
+              <a:t>[SHOW ANIMATION NOW]</a:t>
+            </a:r>
+          </a:p>
+          <a:p>
+            <a:endParaRPr lang="en-US" baseline="0" dirty="0" smtClean="0"/>
+          </a:p>
+          <a:p>
+            <a:r>
+              <a:rPr lang="en-US" baseline="0" dirty="0" smtClean="0"/>
+              <a:t>Finally we will complete this module by taking a look at how to format text output, such as a date string, for display in our UI.</a:t>
+            </a:r>
+            <a:endParaRPr lang="en-US" dirty="0" smtClean="0"/>
+          </a:p>
+          <a:p>
+            <a:endParaRPr lang="en-US" baseline="0" dirty="0" smtClean="0"/>
           </a:p>
         </p:txBody>
       </p:sp>
@@ -2104,6 +2815,770 @@
     <p:extLst>
       <p:ext uri="{BB962C8B-B14F-4D97-AF65-F5344CB8AC3E}">
         <p14:creationId xmlns:p14="http://schemas.microsoft.com/office/powerpoint/2010/main" val="3041282663"/>
+      </p:ext>
+    </p:extLst>
+  </p:cSld>
+  <p:clrMapOvr>
+    <a:masterClrMapping/>
+  </p:clrMapOvr>
+</p:notes>
+</file>
+
+<file path=ppt/notesSlides/notesSlide20.xml><?xml version="1.0" encoding="utf-8"?>
+<p:notes xmlns:a="http://schemas.openxmlformats.org/drawingml/2006/main" xmlns:r="http://schemas.openxmlformats.org/officeDocument/2006/relationships" xmlns:p="http://schemas.openxmlformats.org/presentationml/2006/main">
+  <p:cSld>
+    <p:spTree>
+      <p:nvGrpSpPr>
+        <p:cNvPr id="1" name=""/>
+        <p:cNvGrpSpPr/>
+        <p:nvPr/>
+      </p:nvGrpSpPr>
+      <p:grpSpPr>
+        <a:xfrm>
+          <a:off x="0" y="0"/>
+          <a:ext cx="0" cy="0"/>
+          <a:chOff x="0" y="0"/>
+          <a:chExt cx="0" cy="0"/>
+        </a:xfrm>
+      </p:grpSpPr>
+      <p:sp>
+        <p:nvSpPr>
+          <p:cNvPr id="2" name="Slide Image Placeholder 1"/>
+          <p:cNvSpPr>
+            <a:spLocks noGrp="1" noRot="1" noChangeAspect="1"/>
+          </p:cNvSpPr>
+          <p:nvPr>
+            <p:ph type="sldImg"/>
+          </p:nvPr>
+        </p:nvSpPr>
+        <p:spPr/>
+      </p:sp>
+      <p:sp>
+        <p:nvSpPr>
+          <p:cNvPr id="3" name="Notes Placeholder 2"/>
+          <p:cNvSpPr>
+            <a:spLocks noGrp="1"/>
+          </p:cNvSpPr>
+          <p:nvPr>
+            <p:ph type="body" idx="1"/>
+          </p:nvPr>
+        </p:nvSpPr>
+        <p:spPr/>
+        <p:txBody>
+          <a:bodyPr/>
+          <a:lstStyle/>
+          <a:p>
+            <a:endParaRPr lang="en-US" dirty="0"/>
+          </a:p>
+        </p:txBody>
+      </p:sp>
+      <p:sp>
+        <p:nvSpPr>
+          <p:cNvPr id="4" name="Slide Number Placeholder 3"/>
+          <p:cNvSpPr>
+            <a:spLocks noGrp="1"/>
+          </p:cNvSpPr>
+          <p:nvPr>
+            <p:ph type="sldNum" sz="quarter" idx="10"/>
+          </p:nvPr>
+        </p:nvSpPr>
+        <p:spPr/>
+        <p:txBody>
+          <a:bodyPr/>
+          <a:lstStyle/>
+          <a:p>
+            <a:pPr>
+              <a:defRPr/>
+            </a:pPr>
+            <a:fld id="{47C584BF-6945-4E60-B2A7-1638FF8EA8EE}" type="slidenum">
+              <a:rPr lang="en-US" smtClean="0">
+                <a:solidFill>
+                  <a:srgbClr val="000000"/>
+                </a:solidFill>
+              </a:rPr>
+              <a:pPr>
+                <a:defRPr/>
+              </a:pPr>
+              <a:t>20</a:t>
+            </a:fld>
+            <a:endParaRPr lang="en-US">
+              <a:solidFill>
+                <a:srgbClr val="000000"/>
+              </a:solidFill>
+            </a:endParaRPr>
+          </a:p>
+        </p:txBody>
+      </p:sp>
+    </p:spTree>
+    <p:extLst>
+      <p:ext uri="{BB962C8B-B14F-4D97-AF65-F5344CB8AC3E}">
+        <p14:creationId xmlns:p14="http://schemas.microsoft.com/office/powerpoint/2010/main" val="2267756471"/>
+      </p:ext>
+    </p:extLst>
+  </p:cSld>
+  <p:clrMapOvr>
+    <a:masterClrMapping/>
+  </p:clrMapOvr>
+</p:notes>
+</file>
+
+<file path=ppt/notesSlides/notesSlide21.xml><?xml version="1.0" encoding="utf-8"?>
+<p:notes xmlns:a="http://schemas.openxmlformats.org/drawingml/2006/main" xmlns:r="http://schemas.openxmlformats.org/officeDocument/2006/relationships" xmlns:p="http://schemas.openxmlformats.org/presentationml/2006/main">
+  <p:cSld>
+    <p:spTree>
+      <p:nvGrpSpPr>
+        <p:cNvPr id="1" name=""/>
+        <p:cNvGrpSpPr/>
+        <p:nvPr/>
+      </p:nvGrpSpPr>
+      <p:grpSpPr>
+        <a:xfrm>
+          <a:off x="0" y="0"/>
+          <a:ext cx="0" cy="0"/>
+          <a:chOff x="0" y="0"/>
+          <a:chExt cx="0" cy="0"/>
+        </a:xfrm>
+      </p:grpSpPr>
+      <p:sp>
+        <p:nvSpPr>
+          <p:cNvPr id="2" name="Slide Image Placeholder 1"/>
+          <p:cNvSpPr>
+            <a:spLocks noGrp="1" noRot="1" noChangeAspect="1"/>
+          </p:cNvSpPr>
+          <p:nvPr>
+            <p:ph type="sldImg"/>
+          </p:nvPr>
+        </p:nvSpPr>
+        <p:spPr/>
+      </p:sp>
+      <p:sp>
+        <p:nvSpPr>
+          <p:cNvPr id="3" name="Notes Placeholder 2"/>
+          <p:cNvSpPr>
+            <a:spLocks noGrp="1"/>
+          </p:cNvSpPr>
+          <p:nvPr>
+            <p:ph type="body" idx="1"/>
+          </p:nvPr>
+        </p:nvSpPr>
+        <p:spPr/>
+        <p:txBody>
+          <a:bodyPr/>
+          <a:lstStyle/>
+          <a:p>
+            <a:endParaRPr lang="en-US" dirty="0"/>
+          </a:p>
+        </p:txBody>
+      </p:sp>
+      <p:sp>
+        <p:nvSpPr>
+          <p:cNvPr id="4" name="Slide Number Placeholder 3"/>
+          <p:cNvSpPr>
+            <a:spLocks noGrp="1"/>
+          </p:cNvSpPr>
+          <p:nvPr>
+            <p:ph type="sldNum" sz="quarter" idx="10"/>
+          </p:nvPr>
+        </p:nvSpPr>
+        <p:spPr/>
+        <p:txBody>
+          <a:bodyPr/>
+          <a:lstStyle/>
+          <a:p>
+            <a:pPr>
+              <a:defRPr/>
+            </a:pPr>
+            <a:fld id="{47C584BF-6945-4E60-B2A7-1638FF8EA8EE}" type="slidenum">
+              <a:rPr lang="en-US" smtClean="0">
+                <a:solidFill>
+                  <a:srgbClr val="000000"/>
+                </a:solidFill>
+              </a:rPr>
+              <a:pPr>
+                <a:defRPr/>
+              </a:pPr>
+              <a:t>21</a:t>
+            </a:fld>
+            <a:endParaRPr lang="en-US">
+              <a:solidFill>
+                <a:srgbClr val="000000"/>
+              </a:solidFill>
+            </a:endParaRPr>
+          </a:p>
+        </p:txBody>
+      </p:sp>
+    </p:spTree>
+    <p:extLst>
+      <p:ext uri="{BB962C8B-B14F-4D97-AF65-F5344CB8AC3E}">
+        <p14:creationId xmlns:p14="http://schemas.microsoft.com/office/powerpoint/2010/main" val="3616769883"/>
+      </p:ext>
+    </p:extLst>
+  </p:cSld>
+  <p:clrMapOvr>
+    <a:masterClrMapping/>
+  </p:clrMapOvr>
+</p:notes>
+</file>
+
+<file path=ppt/notesSlides/notesSlide22.xml><?xml version="1.0" encoding="utf-8"?>
+<p:notes xmlns:a="http://schemas.openxmlformats.org/drawingml/2006/main" xmlns:r="http://schemas.openxmlformats.org/officeDocument/2006/relationships" xmlns:p="http://schemas.openxmlformats.org/presentationml/2006/main">
+  <p:cSld>
+    <p:spTree>
+      <p:nvGrpSpPr>
+        <p:cNvPr id="1" name=""/>
+        <p:cNvGrpSpPr/>
+        <p:nvPr/>
+      </p:nvGrpSpPr>
+      <p:grpSpPr>
+        <a:xfrm>
+          <a:off x="0" y="0"/>
+          <a:ext cx="0" cy="0"/>
+          <a:chOff x="0" y="0"/>
+          <a:chExt cx="0" cy="0"/>
+        </a:xfrm>
+      </p:grpSpPr>
+      <p:sp>
+        <p:nvSpPr>
+          <p:cNvPr id="2" name="Slide Image Placeholder 1"/>
+          <p:cNvSpPr>
+            <a:spLocks noGrp="1" noRot="1" noChangeAspect="1"/>
+          </p:cNvSpPr>
+          <p:nvPr>
+            <p:ph type="sldImg"/>
+          </p:nvPr>
+        </p:nvSpPr>
+        <p:spPr/>
+      </p:sp>
+      <p:sp>
+        <p:nvSpPr>
+          <p:cNvPr id="3" name="Notes Placeholder 2"/>
+          <p:cNvSpPr>
+            <a:spLocks noGrp="1"/>
+          </p:cNvSpPr>
+          <p:nvPr>
+            <p:ph type="body" idx="1"/>
+          </p:nvPr>
+        </p:nvSpPr>
+        <p:spPr/>
+        <p:txBody>
+          <a:bodyPr/>
+          <a:lstStyle/>
+          <a:p>
+            <a:endParaRPr lang="en-US" dirty="0"/>
+          </a:p>
+        </p:txBody>
+      </p:sp>
+      <p:sp>
+        <p:nvSpPr>
+          <p:cNvPr id="4" name="Slide Number Placeholder 3"/>
+          <p:cNvSpPr>
+            <a:spLocks noGrp="1"/>
+          </p:cNvSpPr>
+          <p:nvPr>
+            <p:ph type="sldNum" sz="quarter" idx="10"/>
+          </p:nvPr>
+        </p:nvSpPr>
+        <p:spPr/>
+        <p:txBody>
+          <a:bodyPr/>
+          <a:lstStyle/>
+          <a:p>
+            <a:pPr>
+              <a:defRPr/>
+            </a:pPr>
+            <a:fld id="{47C584BF-6945-4E60-B2A7-1638FF8EA8EE}" type="slidenum">
+              <a:rPr lang="en-US" smtClean="0">
+                <a:solidFill>
+                  <a:srgbClr val="000000"/>
+                </a:solidFill>
+              </a:rPr>
+              <a:pPr>
+                <a:defRPr/>
+              </a:pPr>
+              <a:t>22</a:t>
+            </a:fld>
+            <a:endParaRPr lang="en-US">
+              <a:solidFill>
+                <a:srgbClr val="000000"/>
+              </a:solidFill>
+            </a:endParaRPr>
+          </a:p>
+        </p:txBody>
+      </p:sp>
+    </p:spTree>
+    <p:extLst>
+      <p:ext uri="{BB962C8B-B14F-4D97-AF65-F5344CB8AC3E}">
+        <p14:creationId xmlns:p14="http://schemas.microsoft.com/office/powerpoint/2010/main" val="1003624885"/>
+      </p:ext>
+    </p:extLst>
+  </p:cSld>
+  <p:clrMapOvr>
+    <a:masterClrMapping/>
+  </p:clrMapOvr>
+</p:notes>
+</file>
+
+<file path=ppt/notesSlides/notesSlide23.xml><?xml version="1.0" encoding="utf-8"?>
+<p:notes xmlns:a="http://schemas.openxmlformats.org/drawingml/2006/main" xmlns:r="http://schemas.openxmlformats.org/officeDocument/2006/relationships" xmlns:p="http://schemas.openxmlformats.org/presentationml/2006/main">
+  <p:cSld>
+    <p:spTree>
+      <p:nvGrpSpPr>
+        <p:cNvPr id="1" name=""/>
+        <p:cNvGrpSpPr/>
+        <p:nvPr/>
+      </p:nvGrpSpPr>
+      <p:grpSpPr>
+        <a:xfrm>
+          <a:off x="0" y="0"/>
+          <a:ext cx="0" cy="0"/>
+          <a:chOff x="0" y="0"/>
+          <a:chExt cx="0" cy="0"/>
+        </a:xfrm>
+      </p:grpSpPr>
+      <p:sp>
+        <p:nvSpPr>
+          <p:cNvPr id="2" name="Slide Image Placeholder 1"/>
+          <p:cNvSpPr>
+            <a:spLocks noGrp="1" noRot="1" noChangeAspect="1"/>
+          </p:cNvSpPr>
+          <p:nvPr>
+            <p:ph type="sldImg"/>
+          </p:nvPr>
+        </p:nvSpPr>
+        <p:spPr/>
+      </p:sp>
+      <p:sp>
+        <p:nvSpPr>
+          <p:cNvPr id="3" name="Notes Placeholder 2"/>
+          <p:cNvSpPr>
+            <a:spLocks noGrp="1"/>
+          </p:cNvSpPr>
+          <p:nvPr>
+            <p:ph type="body" idx="1"/>
+          </p:nvPr>
+        </p:nvSpPr>
+        <p:spPr/>
+        <p:txBody>
+          <a:bodyPr/>
+          <a:lstStyle/>
+          <a:p>
+            <a:r>
+              <a:rPr lang="en-US" dirty="0" smtClean="0"/>
+              <a:t>Now </a:t>
+            </a:r>
+            <a:r>
+              <a:rPr lang="en-US" baseline="0" dirty="0" smtClean="0"/>
+              <a:t>is the time to start having fun lets roll up our sleeves and begin cranking out code</a:t>
+            </a:r>
+          </a:p>
+          <a:p>
+            <a:endParaRPr lang="en-US" baseline="0" dirty="0" smtClean="0"/>
+          </a:p>
+          <a:p>
+            <a:pPr marL="0" marR="0" indent="0" algn="l" defTabSz="914400" rtl="0" eaLnBrk="0" fontAlgn="base" latinLnBrk="0" hangingPunct="0">
+              <a:lnSpc>
+                <a:spcPct val="100000"/>
+              </a:lnSpc>
+              <a:spcBef>
+                <a:spcPct val="30000"/>
+              </a:spcBef>
+              <a:spcAft>
+                <a:spcPct val="0"/>
+              </a:spcAft>
+              <a:buClrTx/>
+              <a:buSzTx/>
+              <a:buFontTx/>
+              <a:buNone/>
+              <a:tabLst/>
+              <a:defRPr/>
+            </a:pPr>
+            <a:r>
+              <a:rPr lang="en-US" baseline="0" dirty="0" smtClean="0"/>
+              <a:t>[SHOW ANIMATION NOW]</a:t>
+            </a:r>
+          </a:p>
+          <a:p>
+            <a:endParaRPr lang="en-US" baseline="0" dirty="0" smtClean="0"/>
+          </a:p>
+          <a:p>
+            <a:r>
+              <a:rPr lang="en-US" baseline="0" dirty="0" smtClean="0"/>
+              <a:t>We are going to start off by building our first real view model with knockout </a:t>
+            </a:r>
+            <a:r>
+              <a:rPr lang="en-US" baseline="0" dirty="0" err="1" smtClean="0"/>
+              <a:t>js</a:t>
+            </a:r>
+            <a:r>
+              <a:rPr lang="en-US" baseline="0" dirty="0" smtClean="0"/>
+              <a:t> and Typescript.  We will compare the differences between a XAML View Model and a Knockout View Model in order understand where they are similar and where they are different.</a:t>
+            </a:r>
+          </a:p>
+          <a:p>
+            <a:endParaRPr lang="en-US" baseline="0" dirty="0" smtClean="0"/>
+          </a:p>
+          <a:p>
+            <a:pPr marL="0" marR="0" indent="0" algn="l" defTabSz="914400" rtl="0" eaLnBrk="0" fontAlgn="base" latinLnBrk="0" hangingPunct="0">
+              <a:lnSpc>
+                <a:spcPct val="100000"/>
+              </a:lnSpc>
+              <a:spcBef>
+                <a:spcPct val="30000"/>
+              </a:spcBef>
+              <a:spcAft>
+                <a:spcPct val="0"/>
+              </a:spcAft>
+              <a:buClrTx/>
+              <a:buSzTx/>
+              <a:buFontTx/>
+              <a:buNone/>
+              <a:tabLst/>
+              <a:defRPr/>
+            </a:pPr>
+            <a:r>
+              <a:rPr lang="en-US" baseline="0" dirty="0" smtClean="0"/>
+              <a:t>[SHOW ANIMATION NOW]</a:t>
+            </a:r>
+          </a:p>
+          <a:p>
+            <a:endParaRPr lang="en-US" baseline="0" dirty="0" smtClean="0"/>
+          </a:p>
+          <a:p>
+            <a:r>
+              <a:rPr lang="en-US" baseline="0" dirty="0" smtClean="0"/>
+              <a:t>Following this we will create our first view built using HTML.  While building our HTML view we will take a look at the reference XAML application to see how our experience laying out views in XAML will actually help us while building HTML views</a:t>
+            </a:r>
+          </a:p>
+          <a:p>
+            <a:endParaRPr lang="en-US" baseline="0" dirty="0" smtClean="0"/>
+          </a:p>
+          <a:p>
+            <a:pPr marL="0" marR="0" indent="0" algn="l" defTabSz="914400" rtl="0" eaLnBrk="0" fontAlgn="base" latinLnBrk="0" hangingPunct="0">
+              <a:lnSpc>
+                <a:spcPct val="100000"/>
+              </a:lnSpc>
+              <a:spcBef>
+                <a:spcPct val="30000"/>
+              </a:spcBef>
+              <a:spcAft>
+                <a:spcPct val="0"/>
+              </a:spcAft>
+              <a:buClrTx/>
+              <a:buSzTx/>
+              <a:buFontTx/>
+              <a:buNone/>
+              <a:tabLst/>
+              <a:defRPr/>
+            </a:pPr>
+            <a:r>
+              <a:rPr lang="en-US" baseline="0" dirty="0" smtClean="0"/>
+              <a:t>[SHOW ANIMATION NOW]</a:t>
+            </a:r>
+          </a:p>
+          <a:p>
+            <a:endParaRPr lang="en-US" baseline="0" dirty="0" smtClean="0"/>
+          </a:p>
+          <a:p>
+            <a:r>
+              <a:rPr lang="en-US" baseline="0" dirty="0" smtClean="0"/>
+              <a:t>Next we will take a look at how to dynamically change the style of UI element by using knockout </a:t>
+            </a:r>
+            <a:r>
+              <a:rPr lang="en-US" baseline="0" dirty="0" err="1" smtClean="0"/>
+              <a:t>js</a:t>
+            </a:r>
+            <a:r>
+              <a:rPr lang="en-US" baseline="0" dirty="0" smtClean="0"/>
+              <a:t>.  We will learn that although they way in which we change styles is different between XAML and HTML the concepts are 100% the same.</a:t>
+            </a:r>
+          </a:p>
+          <a:p>
+            <a:endParaRPr lang="en-US" baseline="0" dirty="0" smtClean="0"/>
+          </a:p>
+          <a:p>
+            <a:pPr marL="0" marR="0" indent="0" algn="l" defTabSz="914400" rtl="0" eaLnBrk="0" fontAlgn="base" latinLnBrk="0" hangingPunct="0">
+              <a:lnSpc>
+                <a:spcPct val="100000"/>
+              </a:lnSpc>
+              <a:spcBef>
+                <a:spcPct val="30000"/>
+              </a:spcBef>
+              <a:spcAft>
+                <a:spcPct val="0"/>
+              </a:spcAft>
+              <a:buClrTx/>
+              <a:buSzTx/>
+              <a:buFontTx/>
+              <a:buNone/>
+              <a:tabLst/>
+              <a:defRPr/>
+            </a:pPr>
+            <a:r>
+              <a:rPr lang="en-US" baseline="0" dirty="0" smtClean="0"/>
+              <a:t>[SHOW ANIMATION NOW]</a:t>
+            </a:r>
+          </a:p>
+          <a:p>
+            <a:endParaRPr lang="en-US" baseline="0" dirty="0" smtClean="0"/>
+          </a:p>
+          <a:p>
+            <a:r>
+              <a:rPr lang="en-US" baseline="0" dirty="0" smtClean="0"/>
+              <a:t>Finally we will complete this module by taking a look at how to use Ajax to query a Web </a:t>
+            </a:r>
+            <a:r>
+              <a:rPr lang="en-US" baseline="0" dirty="0" err="1" smtClean="0"/>
+              <a:t>Api</a:t>
+            </a:r>
+            <a:r>
+              <a:rPr lang="en-US" baseline="0" dirty="0" smtClean="0"/>
+              <a:t> endpoint.  Once we have received the data from the </a:t>
+            </a:r>
+            <a:r>
+              <a:rPr lang="en-US" baseline="0" dirty="0" err="1" smtClean="0"/>
+              <a:t>api</a:t>
+            </a:r>
+            <a:r>
+              <a:rPr lang="en-US" baseline="0" dirty="0" smtClean="0"/>
+              <a:t> we will learn how to store our data in the view model so it can be displayed to </a:t>
+            </a:r>
+            <a:r>
+              <a:rPr lang="en-US" baseline="0" smtClean="0"/>
+              <a:t>the user.</a:t>
+            </a:r>
+            <a:endParaRPr lang="en-US" dirty="0"/>
+          </a:p>
+        </p:txBody>
+      </p:sp>
+      <p:sp>
+        <p:nvSpPr>
+          <p:cNvPr id="4" name="Slide Number Placeholder 3"/>
+          <p:cNvSpPr>
+            <a:spLocks noGrp="1"/>
+          </p:cNvSpPr>
+          <p:nvPr>
+            <p:ph type="sldNum" sz="quarter" idx="10"/>
+          </p:nvPr>
+        </p:nvSpPr>
+        <p:spPr/>
+        <p:txBody>
+          <a:bodyPr/>
+          <a:lstStyle/>
+          <a:p>
+            <a:pPr>
+              <a:defRPr/>
+            </a:pPr>
+            <a:fld id="{47C584BF-6945-4E60-B2A7-1638FF8EA8EE}" type="slidenum">
+              <a:rPr lang="en-US" smtClean="0"/>
+              <a:pPr>
+                <a:defRPr/>
+              </a:pPr>
+              <a:t>23</a:t>
+            </a:fld>
+            <a:endParaRPr lang="en-US"/>
+          </a:p>
+        </p:txBody>
+      </p:sp>
+    </p:spTree>
+    <p:extLst>
+      <p:ext uri="{BB962C8B-B14F-4D97-AF65-F5344CB8AC3E}">
+        <p14:creationId xmlns:p14="http://schemas.microsoft.com/office/powerpoint/2010/main" val="207541924"/>
+      </p:ext>
+    </p:extLst>
+  </p:cSld>
+  <p:clrMapOvr>
+    <a:masterClrMapping/>
+  </p:clrMapOvr>
+</p:notes>
+</file>
+
+<file path=ppt/notesSlides/notesSlide24.xml><?xml version="1.0" encoding="utf-8"?>
+<p:notes xmlns:a="http://schemas.openxmlformats.org/drawingml/2006/main" xmlns:r="http://schemas.openxmlformats.org/officeDocument/2006/relationships" xmlns:p="http://schemas.openxmlformats.org/presentationml/2006/main">
+  <p:cSld>
+    <p:spTree>
+      <p:nvGrpSpPr>
+        <p:cNvPr id="1" name=""/>
+        <p:cNvGrpSpPr/>
+        <p:nvPr/>
+      </p:nvGrpSpPr>
+      <p:grpSpPr>
+        <a:xfrm>
+          <a:off x="0" y="0"/>
+          <a:ext cx="0" cy="0"/>
+          <a:chOff x="0" y="0"/>
+          <a:chExt cx="0" cy="0"/>
+        </a:xfrm>
+      </p:grpSpPr>
+      <p:sp>
+        <p:nvSpPr>
+          <p:cNvPr id="2" name="Slide Image Placeholder 1"/>
+          <p:cNvSpPr>
+            <a:spLocks noGrp="1" noRot="1" noChangeAspect="1"/>
+          </p:cNvSpPr>
+          <p:nvPr>
+            <p:ph type="sldImg"/>
+          </p:nvPr>
+        </p:nvSpPr>
+        <p:spPr/>
+      </p:sp>
+      <p:sp>
+        <p:nvSpPr>
+          <p:cNvPr id="3" name="Notes Placeholder 2"/>
+          <p:cNvSpPr>
+            <a:spLocks noGrp="1"/>
+          </p:cNvSpPr>
+          <p:nvPr>
+            <p:ph type="body" idx="1"/>
+          </p:nvPr>
+        </p:nvSpPr>
+        <p:spPr/>
+        <p:txBody>
+          <a:bodyPr/>
+          <a:lstStyle/>
+          <a:p>
+            <a:endParaRPr lang="en-US" dirty="0"/>
+          </a:p>
+        </p:txBody>
+      </p:sp>
+      <p:sp>
+        <p:nvSpPr>
+          <p:cNvPr id="4" name="Slide Number Placeholder 3"/>
+          <p:cNvSpPr>
+            <a:spLocks noGrp="1"/>
+          </p:cNvSpPr>
+          <p:nvPr>
+            <p:ph type="sldNum" sz="quarter" idx="10"/>
+          </p:nvPr>
+        </p:nvSpPr>
+        <p:spPr/>
+        <p:txBody>
+          <a:bodyPr/>
+          <a:lstStyle/>
+          <a:p>
+            <a:pPr>
+              <a:defRPr/>
+            </a:pPr>
+            <a:fld id="{47C584BF-6945-4E60-B2A7-1638FF8EA8EE}" type="slidenum">
+              <a:rPr lang="en-US" smtClean="0">
+                <a:solidFill>
+                  <a:srgbClr val="000000"/>
+                </a:solidFill>
+              </a:rPr>
+              <a:pPr>
+                <a:defRPr/>
+              </a:pPr>
+              <a:t>24</a:t>
+            </a:fld>
+            <a:endParaRPr lang="en-US">
+              <a:solidFill>
+                <a:srgbClr val="000000"/>
+              </a:solidFill>
+            </a:endParaRPr>
+          </a:p>
+        </p:txBody>
+      </p:sp>
+    </p:spTree>
+    <p:extLst>
+      <p:ext uri="{BB962C8B-B14F-4D97-AF65-F5344CB8AC3E}">
+        <p14:creationId xmlns:p14="http://schemas.microsoft.com/office/powerpoint/2010/main" val="2712885188"/>
+      </p:ext>
+    </p:extLst>
+  </p:cSld>
+  <p:clrMapOvr>
+    <a:masterClrMapping/>
+  </p:clrMapOvr>
+</p:notes>
+</file>
+
+<file path=ppt/notesSlides/notesSlide25.xml><?xml version="1.0" encoding="utf-8"?>
+<p:notes xmlns:a="http://schemas.openxmlformats.org/drawingml/2006/main" xmlns:r="http://schemas.openxmlformats.org/officeDocument/2006/relationships" xmlns:p="http://schemas.openxmlformats.org/presentationml/2006/main">
+  <p:cSld>
+    <p:spTree>
+      <p:nvGrpSpPr>
+        <p:cNvPr id="1" name=""/>
+        <p:cNvGrpSpPr/>
+        <p:nvPr/>
+      </p:nvGrpSpPr>
+      <p:grpSpPr>
+        <a:xfrm>
+          <a:off x="0" y="0"/>
+          <a:ext cx="0" cy="0"/>
+          <a:chOff x="0" y="0"/>
+          <a:chExt cx="0" cy="0"/>
+        </a:xfrm>
+      </p:grpSpPr>
+      <p:sp>
+        <p:nvSpPr>
+          <p:cNvPr id="2" name="Slide Image Placeholder 1"/>
+          <p:cNvSpPr>
+            <a:spLocks noGrp="1" noRot="1" noChangeAspect="1"/>
+          </p:cNvSpPr>
+          <p:nvPr>
+            <p:ph type="sldImg"/>
+          </p:nvPr>
+        </p:nvSpPr>
+        <p:spPr/>
+      </p:sp>
+      <p:sp>
+        <p:nvSpPr>
+          <p:cNvPr id="3" name="Notes Placeholder 2"/>
+          <p:cNvSpPr>
+            <a:spLocks noGrp="1"/>
+          </p:cNvSpPr>
+          <p:nvPr>
+            <p:ph type="body" idx="1"/>
+          </p:nvPr>
+        </p:nvSpPr>
+        <p:spPr/>
+        <p:txBody>
+          <a:bodyPr/>
+          <a:lstStyle/>
+          <a:p>
+            <a:endParaRPr lang="en-US" dirty="0"/>
+          </a:p>
+        </p:txBody>
+      </p:sp>
+      <p:sp>
+        <p:nvSpPr>
+          <p:cNvPr id="4" name="Slide Number Placeholder 3"/>
+          <p:cNvSpPr>
+            <a:spLocks noGrp="1"/>
+          </p:cNvSpPr>
+          <p:nvPr>
+            <p:ph type="sldNum" sz="quarter" idx="10"/>
+          </p:nvPr>
+        </p:nvSpPr>
+        <p:spPr/>
+        <p:txBody>
+          <a:bodyPr/>
+          <a:lstStyle/>
+          <a:p>
+            <a:pPr>
+              <a:defRPr/>
+            </a:pPr>
+            <a:fld id="{47C584BF-6945-4E60-B2A7-1638FF8EA8EE}" type="slidenum">
+              <a:rPr lang="en-US" smtClean="0">
+                <a:solidFill>
+                  <a:srgbClr val="000000"/>
+                </a:solidFill>
+              </a:rPr>
+              <a:pPr>
+                <a:defRPr/>
+              </a:pPr>
+              <a:t>25</a:t>
+            </a:fld>
+            <a:endParaRPr lang="en-US">
+              <a:solidFill>
+                <a:srgbClr val="000000"/>
+              </a:solidFill>
+            </a:endParaRPr>
+          </a:p>
+        </p:txBody>
+      </p:sp>
+    </p:spTree>
+    <p:extLst>
+      <p:ext uri="{BB962C8B-B14F-4D97-AF65-F5344CB8AC3E}">
+        <p14:creationId xmlns:p14="http://schemas.microsoft.com/office/powerpoint/2010/main" val="3117547436"/>
       </p:ext>
     </p:extLst>
   </p:cSld>
@@ -2247,6 +3722,14 @@
           <a:bodyPr/>
           <a:lstStyle/>
           <a:p>
+            <a:r>
+              <a:rPr lang="en-US" dirty="0" smtClean="0"/>
+              <a:t>It is time to take</a:t>
+            </a:r>
+            <a:r>
+              <a:rPr lang="en-US" baseline="0" dirty="0" smtClean="0"/>
+              <a:t> get our hands dirty and look at how we build our first knockout view model</a:t>
+            </a:r>
             <a:endParaRPr lang="en-US" dirty="0"/>
           </a:p>
         </p:txBody>
@@ -2283,7 +3766,7 @@
     </p:spTree>
     <p:extLst>
       <p:ext uri="{BB962C8B-B14F-4D97-AF65-F5344CB8AC3E}">
-        <p14:creationId xmlns:p14="http://schemas.microsoft.com/office/powerpoint/2010/main" val="2818254712"/>
+        <p14:creationId xmlns:p14="http://schemas.microsoft.com/office/powerpoint/2010/main" val="1649885775"/>
       </p:ext>
     </p:extLst>
   </p:cSld>
@@ -2339,73 +3822,26 @@
           <a:p>
             <a:r>
               <a:rPr lang="en-US" dirty="0" smtClean="0"/>
-              <a:t>[SHOW</a:t>
+              <a:t>When creating view</a:t>
             </a:r>
             <a:r>
               <a:rPr lang="en-US" baseline="0" dirty="0" smtClean="0"/>
-              <a:t> ANIMATION]</a:t>
-            </a:r>
+              <a:t> models w/ typescript and knockout there are a few things we should discuss up font</a:t>
+            </a:r>
+          </a:p>
+          <a:p>
+            <a:endParaRPr lang="en-US" baseline="0" dirty="0" smtClean="0"/>
           </a:p>
           <a:p>
             <a:r>
               <a:rPr lang="en-US" baseline="0" dirty="0" smtClean="0"/>
-              <a:t>Here is a View Model declaration, this is something you should be very familiar with.  We have a namespace declared along with a class</a:t>
-            </a:r>
-          </a:p>
-          <a:p>
-            <a:endParaRPr lang="en-US" baseline="0" dirty="0" smtClean="0"/>
-          </a:p>
-          <a:p>
-            <a:pPr marL="0" marR="0" indent="0" algn="l" defTabSz="914400" rtl="0" eaLnBrk="0" fontAlgn="base" latinLnBrk="0" hangingPunct="0">
-              <a:lnSpc>
-                <a:spcPct val="100000"/>
-              </a:lnSpc>
-              <a:spcBef>
-                <a:spcPct val="30000"/>
-              </a:spcBef>
-              <a:spcAft>
-                <a:spcPct val="0"/>
-              </a:spcAft>
-              <a:buClrTx/>
-              <a:buSzTx/>
-              <a:buFontTx/>
-              <a:buNone/>
-              <a:tabLst/>
-              <a:defRPr/>
-            </a:pPr>
-            <a:r>
-              <a:rPr lang="en-US" dirty="0" smtClean="0"/>
-              <a:t>[SHOW</a:t>
-            </a:r>
+              <a:t>[show animation]</a:t>
+            </a:r>
+          </a:p>
+          <a:p>
             <a:r>
               <a:rPr lang="en-US" baseline="0" dirty="0" smtClean="0"/>
-              <a:t> ANIMATION]</a:t>
-            </a:r>
-          </a:p>
-          <a:p>
-            <a:r>
-              <a:rPr lang="en-US" dirty="0" smtClean="0"/>
-              <a:t>You can see that</a:t>
-            </a:r>
-            <a:r>
-              <a:rPr lang="en-US" baseline="0" dirty="0" smtClean="0"/>
-              <a:t> this class inherits off a base view model, in our case a VM from the MVVM light framework.  What makes the fact that this view model inherits off a base VM special is the fact that what we are really trying do is have our </a:t>
-            </a:r>
-            <a:r>
-              <a:rPr lang="en-US" baseline="0" dirty="0" err="1" smtClean="0"/>
-              <a:t>Vm</a:t>
-            </a:r>
-            <a:r>
-              <a:rPr lang="en-US" baseline="0" dirty="0" smtClean="0"/>
-              <a:t> implement the </a:t>
-            </a:r>
-            <a:r>
-              <a:rPr lang="en-US" baseline="0" dirty="0" err="1" smtClean="0"/>
-              <a:t>INotifyPropertyCHanged</a:t>
-            </a:r>
-            <a:r>
-              <a:rPr lang="en-US" baseline="0" dirty="0" smtClean="0"/>
-              <a:t> interface.  The </a:t>
+              <a:t>First item to know is that unlike in XAML applications a knockout based view model does not need to implement </a:t>
             </a:r>
             <a:r>
               <a:rPr lang="en-US" baseline="0" dirty="0" err="1" smtClean="0"/>
@@ -2413,7 +3849,7 @@
             </a:r>
             <a:r>
               <a:rPr lang="en-US" baseline="0" dirty="0" smtClean="0"/>
-              <a:t> interface is the mechanism in XAML which allows binding to work.</a:t>
+              <a:t> in order to have its changes bubble up to the UI.  We will illustrate this in an upcoming slide</a:t>
             </a:r>
           </a:p>
           <a:p>
@@ -2422,185 +3858,51 @@
           <a:p>
             <a:r>
               <a:rPr lang="en-US" baseline="0" dirty="0" smtClean="0"/>
-              <a:t>How would we implement our View Model in the HTML world using typescript? </a:t>
+              <a:t>[show animation]</a:t>
+            </a:r>
+          </a:p>
+          <a:p>
+            <a:r>
+              <a:rPr lang="en-US" baseline="0" dirty="0" smtClean="0"/>
+              <a:t>Another fact to know is that properties in a knockout view model do not need to be wired up to manually raise any type of property changed event.  This is nice because having to wire this code up for </a:t>
+            </a:r>
+            <a:r>
+              <a:rPr lang="en-US" baseline="0" dirty="0" err="1" smtClean="0"/>
+              <a:t>evey</a:t>
+            </a:r>
+            <a:r>
+              <a:rPr lang="en-US" baseline="0" dirty="0" smtClean="0"/>
+              <a:t> property in XAML is bunch of wasted ceremony in my opinion.</a:t>
             </a:r>
           </a:p>
           <a:p>
             <a:endParaRPr lang="en-US" baseline="0" dirty="0" smtClean="0"/>
           </a:p>
           <a:p>
-            <a:pPr marL="0" marR="0" indent="0" algn="l" defTabSz="914400" rtl="0" eaLnBrk="0" fontAlgn="base" latinLnBrk="0" hangingPunct="0">
-              <a:lnSpc>
-                <a:spcPct val="100000"/>
-              </a:lnSpc>
-              <a:spcBef>
-                <a:spcPct val="30000"/>
-              </a:spcBef>
-              <a:spcAft>
-                <a:spcPct val="0"/>
-              </a:spcAft>
-              <a:buClrTx/>
-              <a:buSzTx/>
-              <a:buFontTx/>
-              <a:buNone/>
-              <a:tabLst/>
-              <a:defRPr/>
-            </a:pPr>
-            <a:r>
-              <a:rPr lang="en-US" dirty="0" smtClean="0"/>
-              <a:t>[SHOW</a:t>
-            </a:r>
             <a:r>
               <a:rPr lang="en-US" baseline="0" dirty="0" smtClean="0"/>
-              <a:t> ANIMATION]</a:t>
-            </a:r>
-          </a:p>
-          <a:p>
-            <a:pPr marL="0" marR="0" indent="0" algn="l" defTabSz="914400" rtl="0" eaLnBrk="0" fontAlgn="base" latinLnBrk="0" hangingPunct="0">
-              <a:lnSpc>
-                <a:spcPct val="100000"/>
-              </a:lnSpc>
-              <a:spcBef>
-                <a:spcPct val="30000"/>
-              </a:spcBef>
-              <a:spcAft>
-                <a:spcPct val="0"/>
-              </a:spcAft>
-              <a:buClrTx/>
-              <a:buSzTx/>
-              <a:buFontTx/>
-              <a:buNone/>
-              <a:tabLst/>
-              <a:defRPr/>
-            </a:pPr>
+              <a:t>[show animation]</a:t>
+            </a:r>
+          </a:p>
+          <a:p>
             <a:r>
               <a:rPr lang="en-US" baseline="0" dirty="0" smtClean="0"/>
-              <a:t>If we look at our View Model declaration now, this should look similar to you, but with out one little detail. </a:t>
-            </a:r>
-          </a:p>
-          <a:p>
-            <a:pPr marL="0" marR="0" indent="0" algn="l" defTabSz="914400" rtl="0" eaLnBrk="0" fontAlgn="base" latinLnBrk="0" hangingPunct="0">
-              <a:lnSpc>
-                <a:spcPct val="100000"/>
-              </a:lnSpc>
-              <a:spcBef>
-                <a:spcPct val="30000"/>
-              </a:spcBef>
-              <a:spcAft>
-                <a:spcPct val="0"/>
-              </a:spcAft>
-              <a:buClrTx/>
-              <a:buSzTx/>
-              <a:buFontTx/>
-              <a:buNone/>
-              <a:tabLst/>
-              <a:defRPr/>
-            </a:pPr>
+              <a:t>Since we do not need to manually raise any type of changed event notification for a given property, how does the UI know about our changes.  In knockout all bound properties must be observable properties maintained by knockout.  We will take a look at this in an upcoming slide</a:t>
+            </a:r>
+          </a:p>
+          <a:p>
             <a:endParaRPr lang="en-US" baseline="0" dirty="0" smtClean="0"/>
           </a:p>
           <a:p>
-            <a:pPr marL="0" marR="0" indent="0" algn="l" defTabSz="914400" rtl="0" eaLnBrk="0" fontAlgn="base" latinLnBrk="0" hangingPunct="0">
-              <a:lnSpc>
-                <a:spcPct val="100000"/>
-              </a:lnSpc>
-              <a:spcBef>
-                <a:spcPct val="30000"/>
-              </a:spcBef>
-              <a:spcAft>
-                <a:spcPct val="0"/>
-              </a:spcAft>
-              <a:buClrTx/>
-              <a:buSzTx/>
-              <a:buFontTx/>
-              <a:buNone/>
-              <a:tabLst/>
-              <a:defRPr/>
-            </a:pPr>
             <a:r>
               <a:rPr lang="en-US" baseline="0" dirty="0" smtClean="0"/>
-              <a:t>[SHOW ANIMATION]</a:t>
-            </a:r>
-          </a:p>
-          <a:p>
-            <a:pPr marL="0" marR="0" indent="0" algn="l" defTabSz="914400" rtl="0" eaLnBrk="0" fontAlgn="base" latinLnBrk="0" hangingPunct="0">
-              <a:lnSpc>
-                <a:spcPct val="100000"/>
-              </a:lnSpc>
-              <a:spcBef>
-                <a:spcPct val="30000"/>
-              </a:spcBef>
-              <a:spcAft>
-                <a:spcPct val="0"/>
-              </a:spcAft>
-              <a:buClrTx/>
-              <a:buSzTx/>
-              <a:buFontTx/>
-              <a:buNone/>
-              <a:tabLst/>
-              <a:defRPr/>
-            </a:pPr>
+              <a:t>[show animation]</a:t>
+            </a:r>
+          </a:p>
+          <a:p>
             <a:r>
               <a:rPr lang="en-US" baseline="0" dirty="0" smtClean="0"/>
-              <a:t>There is no need to implement </a:t>
-            </a:r>
-            <a:r>
-              <a:rPr lang="en-US" baseline="0" dirty="0" err="1" smtClean="0"/>
-              <a:t>INotifyPropertyChanged</a:t>
-            </a:r>
-            <a:r>
-              <a:rPr lang="en-US" baseline="0" dirty="0" smtClean="0"/>
-              <a:t>.  The reason we do not need to do anything special is because </a:t>
-            </a:r>
-            <a:r>
-              <a:rPr lang="en-US" baseline="0" dirty="0" err="1" smtClean="0"/>
-              <a:t>Knockoutjs</a:t>
-            </a:r>
-            <a:r>
-              <a:rPr lang="en-US" baseline="0" dirty="0" smtClean="0"/>
-              <a:t> is going to handle all this for us.  This removes the need for us to clutter up our classes and allows us to have cleaner code to work.</a:t>
-            </a:r>
-          </a:p>
-          <a:p>
-            <a:pPr marL="0" marR="0" indent="0" algn="l" defTabSz="914400" rtl="0" eaLnBrk="0" fontAlgn="base" latinLnBrk="0" hangingPunct="0">
-              <a:lnSpc>
-                <a:spcPct val="100000"/>
-              </a:lnSpc>
-              <a:spcBef>
-                <a:spcPct val="30000"/>
-              </a:spcBef>
-              <a:spcAft>
-                <a:spcPct val="0"/>
-              </a:spcAft>
-              <a:buClrTx/>
-              <a:buSzTx/>
-              <a:buFontTx/>
-              <a:buNone/>
-              <a:tabLst/>
-              <a:defRPr/>
-            </a:pPr>
-            <a:endParaRPr lang="en-US" baseline="0" dirty="0" smtClean="0"/>
-          </a:p>
-          <a:p>
-            <a:pPr marL="0" marR="0" indent="0" algn="l" defTabSz="914400" rtl="0" eaLnBrk="0" fontAlgn="base" latinLnBrk="0" hangingPunct="0">
-              <a:lnSpc>
-                <a:spcPct val="100000"/>
-              </a:lnSpc>
-              <a:spcBef>
-                <a:spcPct val="30000"/>
-              </a:spcBef>
-              <a:spcAft>
-                <a:spcPct val="0"/>
-              </a:spcAft>
-              <a:buClrTx/>
-              <a:buSzTx/>
-              <a:buFontTx/>
-              <a:buNone/>
-              <a:tabLst/>
-              <a:defRPr/>
-            </a:pPr>
-            <a:r>
-              <a:rPr lang="en-US" baseline="0" dirty="0" smtClean="0"/>
-              <a:t>As you can see, declaring a view model in </a:t>
+              <a:t>One huge pain point for any new HTML/Knockout developer is going to be how you interact w/ an observable property.  In </a:t>
             </a:r>
             <a:r>
               <a:rPr lang="en-US" baseline="0" dirty="0" err="1" smtClean="0"/>
@@ -2608,9 +3910,14 @@
             </a:r>
             <a:r>
               <a:rPr lang="en-US" baseline="0" dirty="0" smtClean="0"/>
-              <a:t> is pretty much identical to how you would declare on in Typescript</a:t>
-            </a:r>
-            <a:endParaRPr lang="en-US" dirty="0" smtClean="0"/>
+              <a:t> these properties are truly properties and not methods.  However with knockout you must use properties as methods and if you try to use them as C# style properties things will simply not work.  We will examine this in an upcoming slide.</a:t>
+            </a:r>
+          </a:p>
+          <a:p>
+            <a:endParaRPr lang="en-US" baseline="0" dirty="0" smtClean="0"/>
+          </a:p>
+          <a:p>
+            <a:endParaRPr lang="en-US" baseline="0" dirty="0" smtClean="0"/>
           </a:p>
         </p:txBody>
       </p:sp>
@@ -2646,7 +3953,7 @@
     </p:spTree>
     <p:extLst>
       <p:ext uri="{BB962C8B-B14F-4D97-AF65-F5344CB8AC3E}">
-        <p14:creationId xmlns:p14="http://schemas.microsoft.com/office/powerpoint/2010/main" val="3036987879"/>
+        <p14:creationId xmlns:p14="http://schemas.microsoft.com/office/powerpoint/2010/main" val="2818254712"/>
       </p:ext>
     </p:extLst>
   </p:cSld>
@@ -2702,19 +4009,6 @@
           <a:p>
             <a:r>
               <a:rPr lang="en-US" dirty="0" smtClean="0"/>
-              <a:t>We</a:t>
-            </a:r>
-            <a:r>
-              <a:rPr lang="en-US" baseline="0" dirty="0" smtClean="0"/>
-              <a:t> have created our View Model, but what good is a View model if we do not have any properties or method in it.</a:t>
-            </a:r>
-          </a:p>
-          <a:p>
-            <a:endParaRPr lang="en-US" baseline="0" dirty="0" smtClean="0"/>
-          </a:p>
-          <a:p>
-            <a:r>
-              <a:rPr lang="en-US" dirty="0" smtClean="0"/>
               <a:t>[SHOW</a:t>
             </a:r>
             <a:r>
@@ -2725,53 +4019,7 @@
           <a:p>
             <a:r>
               <a:rPr lang="en-US" baseline="0" dirty="0" smtClean="0"/>
-              <a:t>In Silverlight if you were to create a property and make it observable you would have something as you see now.</a:t>
-            </a:r>
-          </a:p>
-          <a:p>
-            <a:endParaRPr lang="en-US" baseline="0" dirty="0" smtClean="0"/>
-          </a:p>
-          <a:p>
-            <a:r>
-              <a:rPr lang="en-US" baseline="0" dirty="0" smtClean="0"/>
-              <a:t>[Show animation]</a:t>
-            </a:r>
-          </a:p>
-          <a:p>
-            <a:r>
-              <a:rPr lang="en-US" baseline="0" dirty="0" smtClean="0"/>
-              <a:t>We would have a property backing field which is an observable collection.  This means we are not able to use an auto property in our VM which really is a shame.</a:t>
-            </a:r>
-          </a:p>
-          <a:p>
-            <a:endParaRPr lang="en-US" baseline="0" dirty="0" smtClean="0"/>
-          </a:p>
-          <a:p>
-            <a:r>
-              <a:rPr lang="en-US" baseline="0" dirty="0" smtClean="0"/>
-              <a:t>[show animation]</a:t>
-            </a:r>
-          </a:p>
-          <a:p>
-            <a:r>
-              <a:rPr lang="en-US" baseline="0" dirty="0" smtClean="0"/>
-              <a:t>The setter of our </a:t>
-            </a:r>
-            <a:r>
-              <a:rPr lang="en-US" baseline="0" dirty="0" err="1" smtClean="0"/>
-              <a:t>preoprty</a:t>
-            </a:r>
-            <a:r>
-              <a:rPr lang="en-US" baseline="0" dirty="0" smtClean="0"/>
-              <a:t> would also need to some how raise a notification changed event to signal to the UI that something has changed.  This is done here via the </a:t>
-            </a:r>
-            <a:r>
-              <a:rPr lang="en-US" baseline="0" dirty="0" err="1" smtClean="0"/>
-              <a:t>RaisePropertyChanged</a:t>
-            </a:r>
-            <a:r>
-              <a:rPr lang="en-US" baseline="0" dirty="0" smtClean="0"/>
-              <a:t> method which is a helper method that is part of MVVM light.</a:t>
+              <a:t>Here is a View Model declaration, this is something you should be very familiar with.  We have a namespace declared along with a class</a:t>
             </a:r>
           </a:p>
           <a:p>
@@ -2796,16 +4044,108 @@
               <a:defRPr/>
             </a:pPr>
             <a:r>
+              <a:rPr lang="en-US" dirty="0" smtClean="0"/>
+              <a:t>[SHOW</a:t>
+            </a:r>
+            <a:r>
               <a:rPr lang="en-US" baseline="0" dirty="0" smtClean="0"/>
-              <a:t>How would we implement our Property in the HTML world using Knockout </a:t>
+              <a:t> ANIMATION]</a:t>
+            </a:r>
+          </a:p>
+          <a:p>
+            <a:r>
+              <a:rPr lang="en-US" dirty="0" smtClean="0"/>
+              <a:t>You can see that</a:t>
+            </a:r>
+            <a:r>
+              <a:rPr lang="en-US" baseline="0" dirty="0" smtClean="0"/>
+              <a:t> this class inherits off a base view model, in our case a VM from the MVVM light framework.  What makes the fact that this view model inherits off a base VM special is the fact that what we are really trying do is have our </a:t>
             </a:r>
             <a:r>
               <a:rPr lang="en-US" baseline="0" dirty="0" err="1" smtClean="0"/>
-              <a:t>js</a:t>
+              <a:t>Vm</a:t>
             </a:r>
             <a:r>
               <a:rPr lang="en-US" baseline="0" dirty="0" smtClean="0"/>
-              <a:t>?</a:t>
+              <a:t> implement the </a:t>
+            </a:r>
+            <a:r>
+              <a:rPr lang="en-US" baseline="0" dirty="0" err="1" smtClean="0"/>
+              <a:t>INotifyPropertyCHanged</a:t>
+            </a:r>
+            <a:r>
+              <a:rPr lang="en-US" baseline="0" dirty="0" smtClean="0"/>
+              <a:t> interface.  The </a:t>
+            </a:r>
+            <a:r>
+              <a:rPr lang="en-US" baseline="0" dirty="0" err="1" smtClean="0"/>
+              <a:t>INotifyPropertyChanged</a:t>
+            </a:r>
+            <a:r>
+              <a:rPr lang="en-US" baseline="0" dirty="0" smtClean="0"/>
+              <a:t> interface is the mechanism in XAML which allows binding to work.</a:t>
+            </a:r>
+          </a:p>
+          <a:p>
+            <a:endParaRPr lang="en-US" baseline="0" dirty="0" smtClean="0"/>
+          </a:p>
+          <a:p>
+            <a:r>
+              <a:rPr lang="en-US" baseline="0" dirty="0" smtClean="0"/>
+              <a:t>How would we implement our View Model in the HTML world using typescript? </a:t>
+            </a:r>
+          </a:p>
+          <a:p>
+            <a:endParaRPr lang="en-US" baseline="0" dirty="0" smtClean="0"/>
+          </a:p>
+          <a:p>
+            <a:pPr marL="0" marR="0" indent="0" algn="l" defTabSz="914400" rtl="0" eaLnBrk="0" fontAlgn="base" latinLnBrk="0" hangingPunct="0">
+              <a:lnSpc>
+                <a:spcPct val="100000"/>
+              </a:lnSpc>
+              <a:spcBef>
+                <a:spcPct val="30000"/>
+              </a:spcBef>
+              <a:spcAft>
+                <a:spcPct val="0"/>
+              </a:spcAft>
+              <a:buClrTx/>
+              <a:buSzTx/>
+              <a:buFontTx/>
+              <a:buNone/>
+              <a:tabLst/>
+              <a:defRPr/>
+            </a:pPr>
+            <a:r>
+              <a:rPr lang="en-US" dirty="0" smtClean="0"/>
+              <a:t>[SHOW</a:t>
+            </a:r>
+            <a:r>
+              <a:rPr lang="en-US" baseline="0" dirty="0" smtClean="0"/>
+              <a:t> ANIMATION]</a:t>
+            </a:r>
+          </a:p>
+          <a:p>
+            <a:pPr marL="0" marR="0" indent="0" algn="l" defTabSz="914400" rtl="0" eaLnBrk="0" fontAlgn="base" latinLnBrk="0" hangingPunct="0">
+              <a:lnSpc>
+                <a:spcPct val="100000"/>
+              </a:lnSpc>
+              <a:spcBef>
+                <a:spcPct val="30000"/>
+              </a:spcBef>
+              <a:spcAft>
+                <a:spcPct val="0"/>
+              </a:spcAft>
+              <a:buClrTx/>
+              <a:buSzTx/>
+              <a:buFontTx/>
+              <a:buNone/>
+              <a:tabLst/>
+              <a:defRPr/>
+            </a:pPr>
+            <a:r>
+              <a:rPr lang="en-US" baseline="0" dirty="0" smtClean="0"/>
+              <a:t>If we look at our View Model declaration now, this should look similar to you, but with out one little detail. </a:t>
             </a:r>
           </a:p>
           <a:p>
@@ -2848,64 +4188,103 @@
             </a:pPr>
             <a:r>
               <a:rPr lang="en-US" baseline="0" dirty="0" smtClean="0"/>
-              <a:t>[show animation]</a:t>
-            </a:r>
-          </a:p>
-          <a:p>
+              <a:t>[SHOW ANIMATION]</a:t>
+            </a:r>
+          </a:p>
+          <a:p>
+            <a:pPr marL="0" marR="0" indent="0" algn="l" defTabSz="914400" rtl="0" eaLnBrk="0" fontAlgn="base" latinLnBrk="0" hangingPunct="0">
+              <a:lnSpc>
+                <a:spcPct val="100000"/>
+              </a:lnSpc>
+              <a:spcBef>
+                <a:spcPct val="30000"/>
+              </a:spcBef>
+              <a:spcAft>
+                <a:spcPct val="0"/>
+              </a:spcAft>
+              <a:buClrTx/>
+              <a:buSzTx/>
+              <a:buFontTx/>
+              <a:buNone/>
+              <a:tabLst/>
+              <a:defRPr/>
+            </a:pPr>
             <a:r>
               <a:rPr lang="en-US" baseline="0" dirty="0" smtClean="0"/>
-              <a:t>In the Typescript/knockout world we would still have to declare our property</a:t>
-            </a:r>
-          </a:p>
-          <a:p>
+              <a:t>There is no need to implement </a:t>
+            </a:r>
+            <a:r>
+              <a:rPr lang="en-US" baseline="0" dirty="0" err="1" smtClean="0"/>
+              <a:t>INotifyPropertyChanged</a:t>
+            </a:r>
+            <a:r>
+              <a:rPr lang="en-US" baseline="0" dirty="0" smtClean="0"/>
+              <a:t>.  The reason we do not need to do anything special is because </a:t>
+            </a:r>
+            <a:r>
+              <a:rPr lang="en-US" baseline="0" dirty="0" err="1" smtClean="0"/>
+              <a:t>Knockoutjs</a:t>
+            </a:r>
+            <a:r>
+              <a:rPr lang="en-US" baseline="0" dirty="0" smtClean="0"/>
+              <a:t> is going to handle all this for us.  This removes the need for us to clutter up our classes and allows us to have cleaner code to work.</a:t>
+            </a:r>
+          </a:p>
+          <a:p>
+            <a:pPr marL="0" marR="0" indent="0" algn="l" defTabSz="914400" rtl="0" eaLnBrk="0" fontAlgn="base" latinLnBrk="0" hangingPunct="0">
+              <a:lnSpc>
+                <a:spcPct val="100000"/>
+              </a:lnSpc>
+              <a:spcBef>
+                <a:spcPct val="30000"/>
+              </a:spcBef>
+              <a:spcAft>
+                <a:spcPct val="0"/>
+              </a:spcAft>
+              <a:buClrTx/>
+              <a:buSzTx/>
+              <a:buFontTx/>
+              <a:buNone/>
+              <a:tabLst/>
+              <a:defRPr/>
+            </a:pPr>
             <a:endParaRPr lang="en-US" baseline="0" dirty="0" smtClean="0"/>
           </a:p>
           <a:p>
+            <a:pPr marL="0" marR="0" indent="0" algn="l" defTabSz="914400" rtl="0" eaLnBrk="0" fontAlgn="base" latinLnBrk="0" hangingPunct="0">
+              <a:lnSpc>
+                <a:spcPct val="100000"/>
+              </a:lnSpc>
+              <a:spcBef>
+                <a:spcPct val="30000"/>
+              </a:spcBef>
+              <a:spcAft>
+                <a:spcPct val="0"/>
+              </a:spcAft>
+              <a:buClrTx/>
+              <a:buSzTx/>
+              <a:buFontTx/>
+              <a:buNone/>
+              <a:tabLst/>
+              <a:defRPr/>
+            </a:pPr>
             <a:r>
               <a:rPr lang="en-US" baseline="0" dirty="0" smtClean="0"/>
-              <a:t>[show animation]</a:t>
-            </a:r>
-          </a:p>
-          <a:p>
+              <a:t>As you can see, declaring a view model in </a:t>
+            </a:r>
             <a:r>
               <a:rPr lang="en-US" baseline="0" dirty="0" smtClean="0"/>
-              <a:t>And this property would have to be an observable.</a:t>
-            </a:r>
-          </a:p>
-          <a:p>
-            <a:endParaRPr lang="en-US" baseline="0" dirty="0" smtClean="0"/>
-          </a:p>
-          <a:p>
+              <a:t>typescript is </a:t>
+            </a:r>
             <a:r>
               <a:rPr lang="en-US" baseline="0" dirty="0" smtClean="0"/>
-              <a:t>[show animation]</a:t>
-            </a:r>
-          </a:p>
-          <a:p>
+              <a:t>pretty much identical to how you would declare on </a:t>
+            </a:r>
             <a:r>
               <a:rPr lang="en-US" baseline="0" dirty="0" smtClean="0"/>
-              <a:t>However, unlike in XAML there is NO need to have a backing field OR to manually have to signal that our property has changed, all of this is taken care of for you via knockout.</a:t>
-            </a:r>
-          </a:p>
-          <a:p>
-            <a:endParaRPr lang="en-US" baseline="0" dirty="0" smtClean="0"/>
-          </a:p>
-          <a:p>
-            <a:r>
-              <a:rPr lang="en-US" baseline="0" dirty="0" smtClean="0"/>
-              <a:t>As you can see the implementation of a property is a bit different between XAML and Typescript w/ knockout.  But different in a good way if you ask me.  I have never liked the fact that I have to go through the ceremony of raising changed events and with </a:t>
-            </a:r>
-            <a:r>
-              <a:rPr lang="en-US" baseline="0" smtClean="0"/>
-              <a:t>knockout I do not need to</a:t>
-            </a:r>
-            <a:endParaRPr lang="en-US" baseline="0" dirty="0" smtClean="0"/>
-          </a:p>
-          <a:p>
-            <a:endParaRPr lang="en-US" baseline="0" dirty="0" smtClean="0"/>
-          </a:p>
-          <a:p>
-            <a:endParaRPr lang="en-US" dirty="0"/>
+              <a:t>it in XAML</a:t>
+            </a:r>
+            <a:endParaRPr lang="en-US" dirty="0" smtClean="0"/>
           </a:p>
         </p:txBody>
       </p:sp>
@@ -2941,7 +4320,7 @@
     </p:spTree>
     <p:extLst>
       <p:ext uri="{BB962C8B-B14F-4D97-AF65-F5344CB8AC3E}">
-        <p14:creationId xmlns:p14="http://schemas.microsoft.com/office/powerpoint/2010/main" val="3099554342"/>
+        <p14:creationId xmlns:p14="http://schemas.microsoft.com/office/powerpoint/2010/main" val="3036987879"/>
       </p:ext>
     </p:extLst>
   </p:cSld>
@@ -2995,6 +4374,211 @@
           <a:bodyPr/>
           <a:lstStyle/>
           <a:p>
+            <a:r>
+              <a:rPr lang="en-US" dirty="0" smtClean="0"/>
+              <a:t>We</a:t>
+            </a:r>
+            <a:r>
+              <a:rPr lang="en-US" baseline="0" dirty="0" smtClean="0"/>
+              <a:t> have created our View Model, but what good is a View model if we do not have any properties or method in it.</a:t>
+            </a:r>
+          </a:p>
+          <a:p>
+            <a:endParaRPr lang="en-US" baseline="0" dirty="0" smtClean="0"/>
+          </a:p>
+          <a:p>
+            <a:r>
+              <a:rPr lang="en-US" dirty="0" smtClean="0"/>
+              <a:t>[SHOW</a:t>
+            </a:r>
+            <a:r>
+              <a:rPr lang="en-US" baseline="0" dirty="0" smtClean="0"/>
+              <a:t> ANIMATION]</a:t>
+            </a:r>
+          </a:p>
+          <a:p>
+            <a:r>
+              <a:rPr lang="en-US" baseline="0" dirty="0" smtClean="0"/>
+              <a:t>In Silverlight if you were to create a property and make it observable you would have something as you see now.</a:t>
+            </a:r>
+          </a:p>
+          <a:p>
+            <a:endParaRPr lang="en-US" baseline="0" dirty="0" smtClean="0"/>
+          </a:p>
+          <a:p>
+            <a:r>
+              <a:rPr lang="en-US" baseline="0" dirty="0" smtClean="0"/>
+              <a:t>[Show animation]</a:t>
+            </a:r>
+          </a:p>
+          <a:p>
+            <a:r>
+              <a:rPr lang="en-US" baseline="0" dirty="0" smtClean="0"/>
+              <a:t>We would have a property backing field which is an observable collection.  This means we are not able to use an auto property in our VM which really is a shame.</a:t>
+            </a:r>
+          </a:p>
+          <a:p>
+            <a:endParaRPr lang="en-US" baseline="0" dirty="0" smtClean="0"/>
+          </a:p>
+          <a:p>
+            <a:r>
+              <a:rPr lang="en-US" baseline="0" dirty="0" smtClean="0"/>
+              <a:t>[show animation]</a:t>
+            </a:r>
+          </a:p>
+          <a:p>
+            <a:r>
+              <a:rPr lang="en-US" baseline="0" dirty="0" smtClean="0"/>
+              <a:t>The setter of our </a:t>
+            </a:r>
+            <a:r>
+              <a:rPr lang="en-US" baseline="0" dirty="0" err="1" smtClean="0"/>
+              <a:t>preoprty</a:t>
+            </a:r>
+            <a:r>
+              <a:rPr lang="en-US" baseline="0" dirty="0" smtClean="0"/>
+              <a:t> would also need to some how raise a notification changed event to signal to the UI that something has changed.  This is done here via the </a:t>
+            </a:r>
+            <a:r>
+              <a:rPr lang="en-US" baseline="0" dirty="0" err="1" smtClean="0"/>
+              <a:t>RaisePropertyChanged</a:t>
+            </a:r>
+            <a:r>
+              <a:rPr lang="en-US" baseline="0" dirty="0" smtClean="0"/>
+              <a:t> method which is a helper method that is part of MVVM light.</a:t>
+            </a:r>
+          </a:p>
+          <a:p>
+            <a:endParaRPr lang="en-US" baseline="0" dirty="0" smtClean="0"/>
+          </a:p>
+          <a:p>
+            <a:pPr marL="0" marR="0" indent="0" algn="l" defTabSz="914400" rtl="0" eaLnBrk="0" fontAlgn="base" latinLnBrk="0" hangingPunct="0">
+              <a:lnSpc>
+                <a:spcPct val="100000"/>
+              </a:lnSpc>
+              <a:spcBef>
+                <a:spcPct val="30000"/>
+              </a:spcBef>
+              <a:spcAft>
+                <a:spcPct val="0"/>
+              </a:spcAft>
+              <a:buClrTx/>
+              <a:buSzTx/>
+              <a:buFontTx/>
+              <a:buNone/>
+              <a:tabLst/>
+              <a:defRPr/>
+            </a:pPr>
+            <a:r>
+              <a:rPr lang="en-US" baseline="0" dirty="0" smtClean="0"/>
+              <a:t>How would we implement our Property in the HTML world using Knockout </a:t>
+            </a:r>
+            <a:r>
+              <a:rPr lang="en-US" baseline="0" dirty="0" err="1" smtClean="0"/>
+              <a:t>js</a:t>
+            </a:r>
+            <a:r>
+              <a:rPr lang="en-US" baseline="0" dirty="0" smtClean="0"/>
+              <a:t>?</a:t>
+            </a:r>
+          </a:p>
+          <a:p>
+            <a:pPr marL="0" marR="0" indent="0" algn="l" defTabSz="914400" rtl="0" eaLnBrk="0" fontAlgn="base" latinLnBrk="0" hangingPunct="0">
+              <a:lnSpc>
+                <a:spcPct val="100000"/>
+              </a:lnSpc>
+              <a:spcBef>
+                <a:spcPct val="30000"/>
+              </a:spcBef>
+              <a:spcAft>
+                <a:spcPct val="0"/>
+              </a:spcAft>
+              <a:buClrTx/>
+              <a:buSzTx/>
+              <a:buFontTx/>
+              <a:buNone/>
+              <a:tabLst/>
+              <a:defRPr/>
+            </a:pPr>
+            <a:endParaRPr lang="en-US" baseline="0" dirty="0" smtClean="0"/>
+          </a:p>
+          <a:p>
+            <a:pPr marL="0" marR="0" indent="0" algn="l" defTabSz="914400" rtl="0" eaLnBrk="0" fontAlgn="base" latinLnBrk="0" hangingPunct="0">
+              <a:lnSpc>
+                <a:spcPct val="100000"/>
+              </a:lnSpc>
+              <a:spcBef>
+                <a:spcPct val="30000"/>
+              </a:spcBef>
+              <a:spcAft>
+                <a:spcPct val="0"/>
+              </a:spcAft>
+              <a:buClrTx/>
+              <a:buSzTx/>
+              <a:buFontTx/>
+              <a:buNone/>
+              <a:tabLst/>
+              <a:defRPr/>
+            </a:pPr>
+            <a:r>
+              <a:rPr lang="en-US" baseline="0" dirty="0" smtClean="0"/>
+              <a:t>[show animation]</a:t>
+            </a:r>
+          </a:p>
+          <a:p>
+            <a:r>
+              <a:rPr lang="en-US" baseline="0" dirty="0" smtClean="0"/>
+              <a:t>In the Typescript/knockout world we would still have to declare our property</a:t>
+            </a:r>
+          </a:p>
+          <a:p>
+            <a:endParaRPr lang="en-US" baseline="0" dirty="0" smtClean="0"/>
+          </a:p>
+          <a:p>
+            <a:r>
+              <a:rPr lang="en-US" baseline="0" dirty="0" smtClean="0"/>
+              <a:t>[show animation]</a:t>
+            </a:r>
+          </a:p>
+          <a:p>
+            <a:r>
+              <a:rPr lang="en-US" baseline="0" dirty="0" smtClean="0"/>
+              <a:t>And this property would have to be an observable.</a:t>
+            </a:r>
+          </a:p>
+          <a:p>
+            <a:endParaRPr lang="en-US" baseline="0" dirty="0" smtClean="0"/>
+          </a:p>
+          <a:p>
+            <a:r>
+              <a:rPr lang="en-US" baseline="0" dirty="0" smtClean="0"/>
+              <a:t>[show animation]</a:t>
+            </a:r>
+          </a:p>
+          <a:p>
+            <a:r>
+              <a:rPr lang="en-US" baseline="0" dirty="0" smtClean="0"/>
+              <a:t>However, unlike in XAML there is NO need to have a backing field OR to manually have to signal that our property has changed, all of this is taken care of for you via knockout.</a:t>
+            </a:r>
+          </a:p>
+          <a:p>
+            <a:endParaRPr lang="en-US" baseline="0" dirty="0" smtClean="0"/>
+          </a:p>
+          <a:p>
+            <a:r>
+              <a:rPr lang="en-US" baseline="0" dirty="0" smtClean="0"/>
+              <a:t>As you can see the implementation of a property is a bit different between XAML and Typescript w/ knockout.  But different in a good way if you ask me.  I have never liked the fact that I have to go through the ceremony of raising changed events and with </a:t>
+            </a:r>
+            <a:r>
+              <a:rPr lang="en-US" baseline="0" smtClean="0"/>
+              <a:t>knockout I do not need to</a:t>
+            </a:r>
+            <a:endParaRPr lang="en-US" baseline="0" dirty="0" smtClean="0"/>
+          </a:p>
+          <a:p>
+            <a:endParaRPr lang="en-US" baseline="0" dirty="0" smtClean="0"/>
+          </a:p>
+          <a:p>
             <a:endParaRPr lang="en-US" dirty="0"/>
           </a:p>
         </p:txBody>
@@ -3031,7 +4615,7 @@
     </p:spTree>
     <p:extLst>
       <p:ext uri="{BB962C8B-B14F-4D97-AF65-F5344CB8AC3E}">
-        <p14:creationId xmlns:p14="http://schemas.microsoft.com/office/powerpoint/2010/main" val="3986740516"/>
+        <p14:creationId xmlns:p14="http://schemas.microsoft.com/office/powerpoint/2010/main" val="3099554342"/>
       </p:ext>
     </p:extLst>
   </p:cSld>
@@ -3085,6 +4669,95 @@
           <a:bodyPr/>
           <a:lstStyle/>
           <a:p>
+            <a:pPr marL="0" marR="0" indent="0" algn="l" defTabSz="914400" rtl="0" eaLnBrk="0" fontAlgn="base" latinLnBrk="0" hangingPunct="0">
+              <a:lnSpc>
+                <a:spcPct val="100000"/>
+              </a:lnSpc>
+              <a:spcBef>
+                <a:spcPct val="30000"/>
+              </a:spcBef>
+              <a:spcAft>
+                <a:spcPct val="0"/>
+              </a:spcAft>
+              <a:buClrTx/>
+              <a:buSzTx/>
+              <a:buFontTx/>
+              <a:buNone/>
+              <a:tabLst/>
+              <a:defRPr/>
+            </a:pPr>
+            <a:r>
+              <a:rPr lang="en-US" dirty="0" smtClean="0"/>
+              <a:t>In the previous</a:t>
+            </a:r>
+            <a:r>
+              <a:rPr lang="en-US" baseline="0" dirty="0" smtClean="0"/>
+              <a:t> slide we took a look at our observable property.  This property declaration in Typescript contains 3 points</a:t>
+            </a:r>
+          </a:p>
+          <a:p>
+            <a:r>
+              <a:rPr lang="en-US" baseline="0" dirty="0" smtClean="0"/>
+              <a:t>and I wanted to circle back and break down our syntax just a bit more.</a:t>
+            </a:r>
+          </a:p>
+          <a:p>
+            <a:endParaRPr lang="en-US" baseline="0" dirty="0" smtClean="0"/>
+          </a:p>
+          <a:p>
+            <a:r>
+              <a:rPr lang="en-US" baseline="0" dirty="0" smtClean="0"/>
+              <a:t>[show animation]</a:t>
+            </a:r>
+          </a:p>
+          <a:p>
+            <a:r>
+              <a:rPr lang="en-US" baseline="0" dirty="0" smtClean="0"/>
+              <a:t>The first thing we have to do of course is give our property a name.  In our case we named it </a:t>
+            </a:r>
+            <a:r>
+              <a:rPr lang="en-US" baseline="0" dirty="0" err="1" smtClean="0"/>
+              <a:t>ToDos</a:t>
+            </a:r>
+            <a:endParaRPr lang="en-US" baseline="0" dirty="0" smtClean="0"/>
+          </a:p>
+          <a:p>
+            <a:endParaRPr lang="en-US" baseline="0" dirty="0" smtClean="0"/>
+          </a:p>
+          <a:p>
+            <a:r>
+              <a:rPr lang="en-US" baseline="0" dirty="0" smtClean="0"/>
+              <a:t>[show animation]</a:t>
+            </a:r>
+          </a:p>
+          <a:p>
+            <a:r>
+              <a:rPr lang="en-US" baseline="0" dirty="0" smtClean="0"/>
+              <a:t>The next part of our property is its type.  In our case here we are going to tell the type script compiler we are using an </a:t>
+            </a:r>
+            <a:r>
+              <a:rPr lang="en-US" baseline="0" dirty="0" err="1" smtClean="0"/>
+              <a:t>KnockoutObservableArray</a:t>
+            </a:r>
+            <a:r>
+              <a:rPr lang="en-US" baseline="0" dirty="0" smtClean="0"/>
+              <a:t>.  This allows the typescript compiler to perform static checking in our code.</a:t>
+            </a:r>
+          </a:p>
+          <a:p>
+            <a:endParaRPr lang="en-US" baseline="0" dirty="0" smtClean="0"/>
+          </a:p>
+          <a:p>
+            <a:r>
+              <a:rPr lang="en-US" baseline="0" dirty="0" smtClean="0"/>
+              <a:t>[show animation]</a:t>
+            </a:r>
+          </a:p>
+          <a:p>
+            <a:r>
+              <a:rPr lang="en-US" baseline="0" dirty="0" smtClean="0"/>
+              <a:t>The last part of our property is where we are initializing our value and actually making it an observable array.  This is critical and is something we will be doing over and over again.</a:t>
+            </a:r>
             <a:endParaRPr lang="en-US" dirty="0"/>
           </a:p>
         </p:txBody>
@@ -3121,7 +4794,7 @@
     </p:spTree>
     <p:extLst>
       <p:ext uri="{BB962C8B-B14F-4D97-AF65-F5344CB8AC3E}">
-        <p14:creationId xmlns:p14="http://schemas.microsoft.com/office/powerpoint/2010/main" val="2154171175"/>
+        <p14:creationId xmlns:p14="http://schemas.microsoft.com/office/powerpoint/2010/main" val="3986740516"/>
       </p:ext>
     </p:extLst>
   </p:cSld>
@@ -3175,6 +4848,96 @@
           <a:bodyPr/>
           <a:lstStyle/>
           <a:p>
+            <a:pPr marL="0" marR="0" indent="0" algn="l" defTabSz="914400" rtl="0" eaLnBrk="0" fontAlgn="base" latinLnBrk="0" hangingPunct="0">
+              <a:lnSpc>
+                <a:spcPct val="100000"/>
+              </a:lnSpc>
+              <a:spcBef>
+                <a:spcPct val="30000"/>
+              </a:spcBef>
+              <a:spcAft>
+                <a:spcPct val="0"/>
+              </a:spcAft>
+              <a:buClrTx/>
+              <a:buSzTx/>
+              <a:buFontTx/>
+              <a:buNone/>
+              <a:tabLst/>
+              <a:defRPr/>
+            </a:pPr>
+            <a:r>
+              <a:rPr lang="en-US" baseline="0" dirty="0" smtClean="0"/>
+              <a:t>[show animation]</a:t>
+            </a:r>
+          </a:p>
+          <a:p>
+            <a:endParaRPr lang="en-US" dirty="0" smtClean="0"/>
+          </a:p>
+          <a:p>
+            <a:r>
+              <a:rPr lang="en-US" dirty="0" smtClean="0"/>
+              <a:t>On</a:t>
+            </a:r>
+            <a:r>
+              <a:rPr lang="en-US" baseline="0" dirty="0" smtClean="0"/>
+              <a:t> the first slide I said that the way we access properties in a C# view model is very different from the way we access them in a knockout view model.</a:t>
+            </a:r>
+          </a:p>
+          <a:p>
+            <a:endParaRPr lang="en-US" baseline="0" dirty="0" smtClean="0"/>
+          </a:p>
+          <a:p>
+            <a:r>
+              <a:rPr lang="en-US" baseline="0" dirty="0" smtClean="0"/>
+              <a:t>[show animation]</a:t>
+            </a:r>
+          </a:p>
+          <a:p>
+            <a:r>
+              <a:rPr lang="en-US" dirty="0" smtClean="0"/>
+              <a:t>In</a:t>
+            </a:r>
+            <a:r>
+              <a:rPr lang="en-US" baseline="0" dirty="0" smtClean="0"/>
+              <a:t> C# if we want to set a value to a property or get a value from a property you would use syntax as seen here</a:t>
+            </a:r>
+          </a:p>
+          <a:p>
+            <a:endParaRPr lang="en-US" baseline="0" dirty="0" smtClean="0"/>
+          </a:p>
+          <a:p>
+            <a:r>
+              <a:rPr lang="en-US" baseline="0" dirty="0" smtClean="0"/>
+              <a:t>[show animation]</a:t>
+            </a:r>
+          </a:p>
+          <a:p>
+            <a:r>
+              <a:rPr lang="en-US" baseline="0" dirty="0" smtClean="0"/>
+              <a:t>However, when using knockout observables we cannot access these as traditional properties we must access these as methods</a:t>
+            </a:r>
+          </a:p>
+          <a:p>
+            <a:endParaRPr lang="en-US" baseline="0" dirty="0" smtClean="0"/>
+          </a:p>
+          <a:p>
+            <a:r>
+              <a:rPr lang="en-US" baseline="0" dirty="0" smtClean="0"/>
+              <a:t>[show animation]</a:t>
+            </a:r>
+          </a:p>
+          <a:p>
+            <a:r>
+              <a:rPr lang="en-US" baseline="0" dirty="0" smtClean="0"/>
+              <a:t>As you can see here we are pushing values to our underlying observable in the same way as if we were calling a method, and we are getting values out of the value by calling it as </a:t>
+            </a:r>
+            <a:r>
+              <a:rPr lang="en-US" baseline="0" smtClean="0"/>
+              <a:t>a method.</a:t>
+            </a:r>
+            <a:endParaRPr lang="en-US" baseline="0" dirty="0" smtClean="0"/>
+          </a:p>
+          <a:p>
             <a:endParaRPr lang="en-US" dirty="0"/>
           </a:p>
         </p:txBody>
@@ -3198,28 +4961,20 @@
               <a:defRPr/>
             </a:pPr>
             <a:fld id="{47C584BF-6945-4E60-B2A7-1638FF8EA8EE}" type="slidenum">
-              <a:rPr lang="en-US" smtClean="0">
-                <a:solidFill>
-                  <a:srgbClr val="000000"/>
-                </a:solidFill>
-              </a:rPr>
+              <a:rPr lang="en-US" smtClean="0"/>
               <a:pPr>
                 <a:defRPr/>
               </a:pPr>
               <a:t>9</a:t>
             </a:fld>
-            <a:endParaRPr lang="en-US">
-              <a:solidFill>
-                <a:srgbClr val="000000"/>
-              </a:solidFill>
-            </a:endParaRPr>
+            <a:endParaRPr lang="en-US"/>
           </a:p>
         </p:txBody>
       </p:sp>
     </p:spTree>
     <p:extLst>
       <p:ext uri="{BB962C8B-B14F-4D97-AF65-F5344CB8AC3E}">
-        <p14:creationId xmlns:p14="http://schemas.microsoft.com/office/powerpoint/2010/main" val="516962397"/>
+        <p14:creationId xmlns:p14="http://schemas.microsoft.com/office/powerpoint/2010/main" val="2154171175"/>
       </p:ext>
     </p:extLst>
   </p:cSld>
@@ -4977,188 +6732,6 @@
 </file>
 
 <file path=ppt/slides/slide10.xml><?xml version="1.0" encoding="utf-8"?>
-<p:sld xmlns:a="http://schemas.openxmlformats.org/drawingml/2006/main" xmlns:r="http://schemas.openxmlformats.org/officeDocument/2006/relationships" xmlns:p="http://schemas.openxmlformats.org/presentationml/2006/main">
-  <p:cSld>
-    <p:spTree>
-      <p:nvGrpSpPr>
-        <p:cNvPr id="1" name=""/>
-        <p:cNvGrpSpPr/>
-        <p:nvPr/>
-      </p:nvGrpSpPr>
-      <p:grpSpPr>
-        <a:xfrm>
-          <a:off x="0" y="0"/>
-          <a:ext cx="0" cy="0"/>
-          <a:chOff x="0" y="0"/>
-          <a:chExt cx="0" cy="0"/>
-        </a:xfrm>
-      </p:grpSpPr>
-      <p:sp>
-        <p:nvSpPr>
-          <p:cNvPr id="2" name="Title 1"/>
-          <p:cNvSpPr>
-            <a:spLocks noGrp="1"/>
-          </p:cNvSpPr>
-          <p:nvPr>
-            <p:ph type="title"/>
-          </p:nvPr>
-        </p:nvSpPr>
-        <p:spPr/>
-        <p:txBody>
-          <a:bodyPr/>
-          <a:lstStyle/>
-          <a:p>
-            <a:r>
-              <a:rPr lang="en-US" dirty="0" smtClean="0"/>
-              <a:t>Implementing our </a:t>
-            </a:r>
-            <a:r>
-              <a:rPr lang="en-US" dirty="0" smtClean="0"/>
-              <a:t>View</a:t>
-            </a:r>
-            <a:r>
-              <a:rPr lang="en-US" dirty="0" smtClean="0"/>
-              <a:t>		</a:t>
-            </a:r>
-            <a:endParaRPr lang="en-GB" dirty="0"/>
-          </a:p>
-        </p:txBody>
-      </p:sp>
-      <p:sp>
-        <p:nvSpPr>
-          <p:cNvPr id="3" name="Text Placeholder 2"/>
-          <p:cNvSpPr>
-            <a:spLocks noGrp="1"/>
-          </p:cNvSpPr>
-          <p:nvPr>
-            <p:ph type="body" idx="1"/>
-          </p:nvPr>
-        </p:nvSpPr>
-        <p:spPr/>
-        <p:txBody>
-          <a:bodyPr/>
-          <a:lstStyle/>
-          <a:p>
-            <a:endParaRPr lang="en-GB" dirty="0"/>
-          </a:p>
-        </p:txBody>
-      </p:sp>
-    </p:spTree>
-    <p:extLst>
-      <p:ext uri="{BB962C8B-B14F-4D97-AF65-F5344CB8AC3E}">
-        <p14:creationId xmlns:p14="http://schemas.microsoft.com/office/powerpoint/2010/main" val="3822145966"/>
-      </p:ext>
-    </p:extLst>
-  </p:cSld>
-  <p:clrMapOvr>
-    <a:masterClrMapping/>
-  </p:clrMapOvr>
-  <p:transition>
-    <p:fade/>
-  </p:transition>
-  <p:timing>
-    <p:tnLst>
-      <p:par>
-        <p:cTn id="1" dur="indefinite" restart="never" nodeType="tmRoot">
-          <p:childTnLst>
-            <p:seq concurrent="1" nextAc="seek">
-              <p:cTn id="2" dur="indefinite" nodeType="mainSeq">
-                <p:childTnLst>
-                  <p:par>
-                    <p:cTn id="3" fill="hold">
-                      <p:stCondLst>
-                        <p:cond delay="indefinite"/>
-                      </p:stCondLst>
-                      <p:childTnLst>
-                        <p:par>
-                          <p:cTn id="4" fill="hold">
-                            <p:stCondLst>
-                              <p:cond delay="0"/>
-                            </p:stCondLst>
-                            <p:childTnLst>
-                              <p:par>
-                                <p:cTn id="5" presetID="10" presetClass="entr" presetSubtype="0" fill="hold" grpId="0" nodeType="clickEffect" nodePh="1">
-                                  <p:stCondLst>
-                                    <p:cond delay="0"/>
-                                  </p:stCondLst>
-                                  <p:endCondLst>
-                                    <p:cond evt="begin" delay="0">
-                                      <p:tn val="5"/>
-                                    </p:cond>
-                                  </p:endCondLst>
-                                  <p:childTnLst>
-                                    <p:set>
-                                      <p:cBhvr>
-                                        <p:cTn id="6" dur="1" fill="hold">
-                                          <p:stCondLst>
-                                            <p:cond delay="0"/>
-                                          </p:stCondLst>
-                                        </p:cTn>
-                                        <p:tgtEl>
-                                          <p:spTgt spid="3">
-                                            <p:txEl>
-                                              <p:pRg st="0" end="0"/>
-                                            </p:txEl>
-                                          </p:spTgt>
-                                        </p:tgtEl>
-                                        <p:attrNameLst>
-                                          <p:attrName>style.visibility</p:attrName>
-                                        </p:attrNameLst>
-                                      </p:cBhvr>
-                                      <p:to>
-                                        <p:strVal val="visible"/>
-                                      </p:to>
-                                    </p:set>
-                                    <p:animEffect transition="in" filter="fade">
-                                      <p:cBhvr>
-                                        <p:cTn id="7" dur="500"/>
-                                        <p:tgtEl>
-                                          <p:spTgt spid="3">
-                                            <p:txEl>
-                                              <p:pRg st="0" end="0"/>
-                                            </p:txEl>
-                                          </p:spTgt>
-                                        </p:tgtEl>
-                                      </p:cBhvr>
-                                    </p:animEffect>
-                                  </p:childTnLst>
-                                </p:cTn>
-                              </p:par>
-                            </p:childTnLst>
-                          </p:cTn>
-                        </p:par>
-                      </p:childTnLst>
-                    </p:cTn>
-                  </p:par>
-                </p:childTnLst>
-              </p:cTn>
-              <p:prevCondLst>
-                <p:cond evt="onPrev" delay="0">
-                  <p:tgtEl>
-                    <p:sldTgt/>
-                  </p:tgtEl>
-                </p:cond>
-              </p:prevCondLst>
-              <p:nextCondLst>
-                <p:cond evt="onNext" delay="0">
-                  <p:tgtEl>
-                    <p:sldTgt/>
-                  </p:tgtEl>
-                </p:cond>
-              </p:nextCondLst>
-            </p:seq>
-          </p:childTnLst>
-        </p:cTn>
-      </p:par>
-    </p:tnLst>
-    <p:bldLst>
-      <p:bldP spid="3" grpId="0" build="p"/>
-    </p:bldLst>
-  </p:timing>
-</p:sld>
-</file>
-
-<file path=ppt/slides/slide11.xml><?xml version="1.0" encoding="utf-8"?>
 <p:sld xmlns:a="http://schemas.openxmlformats.org/drawingml/2006/main" xmlns:r="http://schemas.openxmlformats.org/officeDocument/2006/relationships" xmlns:p="http://schemas.openxmlformats.org/presentationml/2006/main" show="0">
   <p:cSld>
     <p:bg>
@@ -5235,7 +6808,122 @@
     </p:spTree>
     <p:extLst>
       <p:ext uri="{BB962C8B-B14F-4D97-AF65-F5344CB8AC3E}">
-        <p14:creationId xmlns:p14="http://schemas.microsoft.com/office/powerpoint/2010/main" val="4028874041"/>
+        <p14:creationId xmlns:p14="http://schemas.microsoft.com/office/powerpoint/2010/main" val="1801434709"/>
+      </p:ext>
+    </p:extLst>
+  </p:cSld>
+  <p:clrMapOvr>
+    <a:masterClrMapping/>
+  </p:clrMapOvr>
+  <p:transition>
+    <p:fade/>
+  </p:transition>
+  <p:timing>
+    <p:tnLst>
+      <p:par>
+        <p:cTn id="1" dur="indefinite" restart="never" nodeType="tmRoot"/>
+      </p:par>
+    </p:tnLst>
+  </p:timing>
+</p:sld>
+</file>
+
+<file path=ppt/slides/slide11.xml><?xml version="1.0" encoding="utf-8"?>
+<p:sld xmlns:a="http://schemas.openxmlformats.org/drawingml/2006/main" xmlns:r="http://schemas.openxmlformats.org/officeDocument/2006/relationships" xmlns:p="http://schemas.openxmlformats.org/presentationml/2006/main">
+  <p:cSld>
+    <p:spTree>
+      <p:nvGrpSpPr>
+        <p:cNvPr id="1" name=""/>
+        <p:cNvGrpSpPr/>
+        <p:nvPr/>
+      </p:nvGrpSpPr>
+      <p:grpSpPr>
+        <a:xfrm>
+          <a:off x="0" y="0"/>
+          <a:ext cx="0" cy="0"/>
+          <a:chOff x="0" y="0"/>
+          <a:chExt cx="0" cy="0"/>
+        </a:xfrm>
+      </p:grpSpPr>
+      <p:sp>
+        <p:nvSpPr>
+          <p:cNvPr id="2" name="Title 1"/>
+          <p:cNvSpPr>
+            <a:spLocks noGrp="1"/>
+          </p:cNvSpPr>
+          <p:nvPr>
+            <p:ph type="title"/>
+          </p:nvPr>
+        </p:nvSpPr>
+        <p:spPr/>
+        <p:txBody>
+          <a:bodyPr/>
+          <a:lstStyle/>
+          <a:p>
+            <a:r>
+              <a:rPr lang="en-US" dirty="0" smtClean="0"/>
+              <a:t>Agenda		</a:t>
+            </a:r>
+            <a:endParaRPr lang="en-GB" dirty="0"/>
+          </a:p>
+        </p:txBody>
+      </p:sp>
+      <p:sp>
+        <p:nvSpPr>
+          <p:cNvPr id="3" name="Text Placeholder 2"/>
+          <p:cNvSpPr>
+            <a:spLocks noGrp="1"/>
+          </p:cNvSpPr>
+          <p:nvPr>
+            <p:ph type="body" idx="1"/>
+          </p:nvPr>
+        </p:nvSpPr>
+        <p:spPr/>
+        <p:txBody>
+          <a:bodyPr/>
+          <a:lstStyle/>
+          <a:p>
+            <a:r>
+              <a:rPr lang="en-US" dirty="0"/>
+              <a:t>Creating our View Model</a:t>
+            </a:r>
+          </a:p>
+          <a:p>
+            <a:r>
+              <a:rPr lang="en-GB" dirty="0">
+                <a:solidFill>
+                  <a:schemeClr val="accent6">
+                    <a:lumMod val="75000"/>
+                  </a:schemeClr>
+                </a:solidFill>
+              </a:rPr>
+              <a:t>Creating our HTML View</a:t>
+            </a:r>
+          </a:p>
+          <a:p>
+            <a:r>
+              <a:rPr lang="en-GB" dirty="0"/>
+              <a:t>Fetching data via Ajax</a:t>
+            </a:r>
+          </a:p>
+          <a:p>
+            <a:r>
+              <a:rPr lang="en-GB" dirty="0"/>
+              <a:t>Applying styles to an HTML element via Knockout</a:t>
+            </a:r>
+          </a:p>
+          <a:p>
+            <a:r>
+              <a:rPr lang="en-GB" dirty="0"/>
+              <a:t>Formatting data via Computed Observables</a:t>
+            </a:r>
+          </a:p>
+        </p:txBody>
+      </p:sp>
+    </p:spTree>
+    <p:extLst>
+      <p:ext uri="{BB962C8B-B14F-4D97-AF65-F5344CB8AC3E}">
+        <p14:creationId xmlns:p14="http://schemas.microsoft.com/office/powerpoint/2010/main" val="3743691175"/>
       </p:ext>
     </p:extLst>
   </p:cSld>
@@ -5289,11 +6977,7 @@
           <a:p>
             <a:r>
               <a:rPr lang="en-US" dirty="0" smtClean="0"/>
-              <a:t>Fetching Remote Data</a:t>
-            </a:r>
-            <a:r>
-              <a:rPr lang="en-US" dirty="0" smtClean="0"/>
-              <a:t>		</a:t>
+              <a:t>Implementing our View		</a:t>
             </a:r>
             <a:endParaRPr lang="en-GB" dirty="0"/>
           </a:p>
@@ -5314,14 +6998,286 @@
           <a:bodyPr/>
           <a:lstStyle/>
           <a:p>
+            <a:r>
+              <a:rPr lang="en-GB" dirty="0" smtClean="0"/>
+              <a:t>XAML View</a:t>
+            </a:r>
             <a:endParaRPr lang="en-GB" dirty="0"/>
+          </a:p>
+        </p:txBody>
+      </p:sp>
+      <p:pic>
+        <p:nvPicPr>
+          <p:cNvPr id="5" name="Picture 4"/>
+          <p:cNvPicPr>
+            <a:picLocks noChangeAspect="1"/>
+          </p:cNvPicPr>
+          <p:nvPr/>
+        </p:nvPicPr>
+        <p:blipFill>
+          <a:blip r:embed="rId3"/>
+          <a:stretch>
+            <a:fillRect/>
+          </a:stretch>
+        </p:blipFill>
+        <p:spPr>
+          <a:xfrm>
+            <a:off x="757237" y="1879375"/>
+            <a:ext cx="7629525" cy="4267200"/>
+          </a:xfrm>
+          <a:prstGeom prst="rect">
+            <a:avLst/>
+          </a:prstGeom>
+        </p:spPr>
+      </p:pic>
+      <p:cxnSp>
+        <p:nvCxnSpPr>
+          <p:cNvPr id="6" name="Straight Arrow Connector 5"/>
+          <p:cNvCxnSpPr/>
+          <p:nvPr/>
+        </p:nvCxnSpPr>
+        <p:spPr bwMode="auto">
+          <a:xfrm flipH="1">
+            <a:off x="4953000" y="1691640"/>
+            <a:ext cx="1393208" cy="289560"/>
+          </a:xfrm>
+          <a:prstGeom prst="straightConnector1">
+            <a:avLst/>
+          </a:prstGeom>
+          <a:ln w="63500">
+            <a:solidFill>
+              <a:schemeClr val="tx1"/>
+            </a:solidFill>
+            <a:headEnd type="none" w="med" len="med"/>
+            <a:tailEnd type="triangle"/>
+          </a:ln>
+        </p:spPr>
+        <p:style>
+          <a:lnRef idx="1">
+            <a:schemeClr val="accent2"/>
+          </a:lnRef>
+          <a:fillRef idx="0">
+            <a:schemeClr val="accent2"/>
+          </a:fillRef>
+          <a:effectRef idx="0">
+            <a:schemeClr val="accent2"/>
+          </a:effectRef>
+          <a:fontRef idx="minor">
+            <a:schemeClr val="tx1"/>
+          </a:fontRef>
+        </p:style>
+      </p:cxnSp>
+      <p:sp>
+        <p:nvSpPr>
+          <p:cNvPr id="7" name="TextBox 6"/>
+          <p:cNvSpPr txBox="1"/>
+          <p:nvPr/>
+        </p:nvSpPr>
+        <p:spPr bwMode="auto">
+          <a:xfrm>
+            <a:off x="6400800" y="1371600"/>
+            <a:ext cx="2536207" cy="646331"/>
+          </a:xfrm>
+          <a:prstGeom prst="rect">
+            <a:avLst/>
+          </a:prstGeom>
+          <a:noFill/>
+          <a:ln w="9525">
+            <a:noFill/>
+            <a:miter lim="800000"/>
+            <a:headEnd/>
+            <a:tailEnd/>
+          </a:ln>
+        </p:spPr>
+        <p:txBody>
+          <a:bodyPr wrap="square" rtlCol="0">
+            <a:spAutoFit/>
+          </a:bodyPr>
+          <a:lstStyle/>
+          <a:p>
+            <a:r>
+              <a:rPr lang="en-US" dirty="0" smtClean="0">
+                <a:latin typeface="+mj-lt"/>
+              </a:rPr>
+              <a:t>Must declare EACH column/row up front</a:t>
+            </a:r>
+            <a:endParaRPr lang="en-US" sz="1800" dirty="0">
+              <a:latin typeface="+mj-lt"/>
+            </a:endParaRPr>
+          </a:p>
+        </p:txBody>
+      </p:sp>
+      <p:cxnSp>
+        <p:nvCxnSpPr>
+          <p:cNvPr id="10" name="Straight Arrow Connector 9"/>
+          <p:cNvCxnSpPr/>
+          <p:nvPr/>
+        </p:nvCxnSpPr>
+        <p:spPr bwMode="auto">
+          <a:xfrm flipH="1">
+            <a:off x="4953000" y="2721709"/>
+            <a:ext cx="1393208" cy="289560"/>
+          </a:xfrm>
+          <a:prstGeom prst="straightConnector1">
+            <a:avLst/>
+          </a:prstGeom>
+          <a:ln w="63500">
+            <a:solidFill>
+              <a:schemeClr val="tx1"/>
+            </a:solidFill>
+            <a:headEnd type="none" w="med" len="med"/>
+            <a:tailEnd type="triangle"/>
+          </a:ln>
+        </p:spPr>
+        <p:style>
+          <a:lnRef idx="1">
+            <a:schemeClr val="accent2"/>
+          </a:lnRef>
+          <a:fillRef idx="0">
+            <a:schemeClr val="accent2"/>
+          </a:fillRef>
+          <a:effectRef idx="0">
+            <a:schemeClr val="accent2"/>
+          </a:effectRef>
+          <a:fontRef idx="minor">
+            <a:schemeClr val="tx1"/>
+          </a:fontRef>
+        </p:style>
+      </p:cxnSp>
+      <p:sp>
+        <p:nvSpPr>
+          <p:cNvPr id="11" name="TextBox 10"/>
+          <p:cNvSpPr txBox="1"/>
+          <p:nvPr/>
+        </p:nvSpPr>
+        <p:spPr bwMode="auto">
+          <a:xfrm>
+            <a:off x="6400800" y="2286000"/>
+            <a:ext cx="2743200" cy="1015663"/>
+          </a:xfrm>
+          <a:prstGeom prst="rect">
+            <a:avLst/>
+          </a:prstGeom>
+          <a:noFill/>
+          <a:ln w="9525">
+            <a:noFill/>
+            <a:miter lim="800000"/>
+            <a:headEnd/>
+            <a:tailEnd/>
+          </a:ln>
+        </p:spPr>
+        <p:txBody>
+          <a:bodyPr wrap="square" rtlCol="0">
+            <a:spAutoFit/>
+          </a:bodyPr>
+          <a:lstStyle/>
+          <a:p>
+            <a:r>
+              <a:rPr lang="en-US" dirty="0" smtClean="0">
+                <a:latin typeface="+mj-lt"/>
+              </a:rPr>
+              <a:t>Create UI Control for each data point.</a:t>
+            </a:r>
+          </a:p>
+          <a:p>
+            <a:endParaRPr lang="en-US" sz="600" dirty="0" smtClean="0">
+              <a:latin typeface="+mj-lt"/>
+            </a:endParaRPr>
+          </a:p>
+          <a:p>
+            <a:r>
+              <a:rPr lang="en-US" sz="1800" dirty="0" smtClean="0">
+                <a:latin typeface="+mj-lt"/>
+              </a:rPr>
+              <a:t>Assign row/column index</a:t>
+            </a:r>
+            <a:endParaRPr lang="en-US" sz="1800" dirty="0">
+              <a:latin typeface="+mj-lt"/>
+            </a:endParaRPr>
+          </a:p>
+        </p:txBody>
+      </p:sp>
+      <p:cxnSp>
+        <p:nvCxnSpPr>
+          <p:cNvPr id="12" name="Straight Arrow Connector 11"/>
+          <p:cNvCxnSpPr/>
+          <p:nvPr/>
+        </p:nvCxnSpPr>
+        <p:spPr bwMode="auto">
+          <a:xfrm flipH="1" flipV="1">
+            <a:off x="5410200" y="5029200"/>
+            <a:ext cx="936008" cy="1350109"/>
+          </a:xfrm>
+          <a:prstGeom prst="straightConnector1">
+            <a:avLst/>
+          </a:prstGeom>
+          <a:ln w="63500">
+            <a:solidFill>
+              <a:schemeClr val="tx1"/>
+            </a:solidFill>
+            <a:headEnd type="none" w="med" len="med"/>
+            <a:tailEnd type="triangle"/>
+          </a:ln>
+        </p:spPr>
+        <p:style>
+          <a:lnRef idx="1">
+            <a:schemeClr val="accent2"/>
+          </a:lnRef>
+          <a:fillRef idx="0">
+            <a:schemeClr val="accent2"/>
+          </a:fillRef>
+          <a:effectRef idx="0">
+            <a:schemeClr val="accent2"/>
+          </a:effectRef>
+          <a:fontRef idx="minor">
+            <a:schemeClr val="tx1"/>
+          </a:fontRef>
+        </p:style>
+      </p:cxnSp>
+      <p:sp>
+        <p:nvSpPr>
+          <p:cNvPr id="13" name="TextBox 12"/>
+          <p:cNvSpPr txBox="1"/>
+          <p:nvPr/>
+        </p:nvSpPr>
+        <p:spPr bwMode="auto">
+          <a:xfrm>
+            <a:off x="6400800" y="6059269"/>
+            <a:ext cx="2536207" cy="646331"/>
+          </a:xfrm>
+          <a:prstGeom prst="rect">
+            <a:avLst/>
+          </a:prstGeom>
+          <a:noFill/>
+          <a:ln w="9525">
+            <a:noFill/>
+            <a:miter lim="800000"/>
+            <a:headEnd/>
+            <a:tailEnd/>
+          </a:ln>
+        </p:spPr>
+        <p:txBody>
+          <a:bodyPr wrap="square" rtlCol="0">
+            <a:spAutoFit/>
+          </a:bodyPr>
+          <a:lstStyle/>
+          <a:p>
+            <a:r>
+              <a:rPr lang="en-US" dirty="0" smtClean="0">
+                <a:latin typeface="+mj-lt"/>
+              </a:rPr>
+              <a:t>Bind each element to the View Model</a:t>
+            </a:r>
+            <a:endParaRPr lang="en-US" sz="1800" dirty="0">
+              <a:latin typeface="+mj-lt"/>
+            </a:endParaRPr>
           </a:p>
         </p:txBody>
       </p:sp>
     </p:spTree>
     <p:extLst>
       <p:ext uri="{BB962C8B-B14F-4D97-AF65-F5344CB8AC3E}">
-        <p14:creationId xmlns:p14="http://schemas.microsoft.com/office/powerpoint/2010/main" val="3894257488"/>
+        <p14:creationId xmlns:p14="http://schemas.microsoft.com/office/powerpoint/2010/main" val="2813132780"/>
       </p:ext>
     </p:extLst>
   </p:cSld>
@@ -5352,15 +7308,607 @@
                             </p:stCondLst>
                             <p:childTnLst>
                               <p:par>
-                                <p:cTn id="5" presetID="10" presetClass="entr" presetSubtype="0" fill="hold" grpId="0" nodeType="clickEffect" nodePh="1">
+                                <p:cTn id="5" presetID="10" presetClass="entr" presetSubtype="0" fill="hold" grpId="0" nodeType="clickEffect">
                                   <p:stCondLst>
                                     <p:cond delay="0"/>
                                   </p:stCondLst>
-                                  <p:endCondLst>
-                                    <p:cond evt="begin" delay="0">
-                                      <p:tn val="5"/>
-                                    </p:cond>
-                                  </p:endCondLst>
+                                  <p:childTnLst>
+                                    <p:set>
+                                      <p:cBhvr>
+                                        <p:cTn id="6" dur="1" fill="hold">
+                                          <p:stCondLst>
+                                            <p:cond delay="0"/>
+                                          </p:stCondLst>
+                                        </p:cTn>
+                                        <p:tgtEl>
+                                          <p:spTgt spid="3">
+                                            <p:txEl>
+                                              <p:pRg st="0" end="0"/>
+                                            </p:txEl>
+                                          </p:spTgt>
+                                        </p:tgtEl>
+                                        <p:attrNameLst>
+                                          <p:attrName>style.visibility</p:attrName>
+                                        </p:attrNameLst>
+                                      </p:cBhvr>
+                                      <p:to>
+                                        <p:strVal val="visible"/>
+                                      </p:to>
+                                    </p:set>
+                                    <p:animEffect transition="in" filter="fade">
+                                      <p:cBhvr>
+                                        <p:cTn id="7" dur="500"/>
+                                        <p:tgtEl>
+                                          <p:spTgt spid="3">
+                                            <p:txEl>
+                                              <p:pRg st="0" end="0"/>
+                                            </p:txEl>
+                                          </p:spTgt>
+                                        </p:tgtEl>
+                                      </p:cBhvr>
+                                    </p:animEffect>
+                                  </p:childTnLst>
+                                </p:cTn>
+                              </p:par>
+                              <p:par>
+                                <p:cTn id="8" presetID="1" presetClass="entr" presetSubtype="0" fill="hold" nodeType="withEffect">
+                                  <p:stCondLst>
+                                    <p:cond delay="0"/>
+                                  </p:stCondLst>
+                                  <p:childTnLst>
+                                    <p:set>
+                                      <p:cBhvr>
+                                        <p:cTn id="9" dur="1" fill="hold">
+                                          <p:stCondLst>
+                                            <p:cond delay="0"/>
+                                          </p:stCondLst>
+                                        </p:cTn>
+                                        <p:tgtEl>
+                                          <p:spTgt spid="5"/>
+                                        </p:tgtEl>
+                                        <p:attrNameLst>
+                                          <p:attrName>style.visibility</p:attrName>
+                                        </p:attrNameLst>
+                                      </p:cBhvr>
+                                      <p:to>
+                                        <p:strVal val="visible"/>
+                                      </p:to>
+                                    </p:set>
+                                  </p:childTnLst>
+                                </p:cTn>
+                              </p:par>
+                            </p:childTnLst>
+                          </p:cTn>
+                        </p:par>
+                      </p:childTnLst>
+                    </p:cTn>
+                  </p:par>
+                  <p:par>
+                    <p:cTn id="10" fill="hold">
+                      <p:stCondLst>
+                        <p:cond delay="indefinite"/>
+                      </p:stCondLst>
+                      <p:childTnLst>
+                        <p:par>
+                          <p:cTn id="11" fill="hold">
+                            <p:stCondLst>
+                              <p:cond delay="0"/>
+                            </p:stCondLst>
+                            <p:childTnLst>
+                              <p:par>
+                                <p:cTn id="12" presetID="1" presetClass="entr" presetSubtype="0" fill="hold" nodeType="clickEffect">
+                                  <p:stCondLst>
+                                    <p:cond delay="0"/>
+                                  </p:stCondLst>
+                                  <p:childTnLst>
+                                    <p:set>
+                                      <p:cBhvr>
+                                        <p:cTn id="13" dur="1" fill="hold">
+                                          <p:stCondLst>
+                                            <p:cond delay="0"/>
+                                          </p:stCondLst>
+                                        </p:cTn>
+                                        <p:tgtEl>
+                                          <p:spTgt spid="6"/>
+                                        </p:tgtEl>
+                                        <p:attrNameLst>
+                                          <p:attrName>style.visibility</p:attrName>
+                                        </p:attrNameLst>
+                                      </p:cBhvr>
+                                      <p:to>
+                                        <p:strVal val="visible"/>
+                                      </p:to>
+                                    </p:set>
+                                  </p:childTnLst>
+                                </p:cTn>
+                              </p:par>
+                              <p:par>
+                                <p:cTn id="14" presetID="1" presetClass="entr" presetSubtype="0" fill="hold" grpId="0" nodeType="withEffect">
+                                  <p:stCondLst>
+                                    <p:cond delay="0"/>
+                                  </p:stCondLst>
+                                  <p:childTnLst>
+                                    <p:set>
+                                      <p:cBhvr>
+                                        <p:cTn id="15" dur="1" fill="hold">
+                                          <p:stCondLst>
+                                            <p:cond delay="0"/>
+                                          </p:stCondLst>
+                                        </p:cTn>
+                                        <p:tgtEl>
+                                          <p:spTgt spid="7"/>
+                                        </p:tgtEl>
+                                        <p:attrNameLst>
+                                          <p:attrName>style.visibility</p:attrName>
+                                        </p:attrNameLst>
+                                      </p:cBhvr>
+                                      <p:to>
+                                        <p:strVal val="visible"/>
+                                      </p:to>
+                                    </p:set>
+                                  </p:childTnLst>
+                                </p:cTn>
+                              </p:par>
+                            </p:childTnLst>
+                          </p:cTn>
+                        </p:par>
+                      </p:childTnLst>
+                    </p:cTn>
+                  </p:par>
+                  <p:par>
+                    <p:cTn id="16" fill="hold">
+                      <p:stCondLst>
+                        <p:cond delay="indefinite"/>
+                      </p:stCondLst>
+                      <p:childTnLst>
+                        <p:par>
+                          <p:cTn id="17" fill="hold">
+                            <p:stCondLst>
+                              <p:cond delay="0"/>
+                            </p:stCondLst>
+                            <p:childTnLst>
+                              <p:par>
+                                <p:cTn id="18" presetID="1" presetClass="entr" presetSubtype="0" fill="hold" nodeType="clickEffect">
+                                  <p:stCondLst>
+                                    <p:cond delay="0"/>
+                                  </p:stCondLst>
+                                  <p:childTnLst>
+                                    <p:set>
+                                      <p:cBhvr>
+                                        <p:cTn id="19" dur="1" fill="hold">
+                                          <p:stCondLst>
+                                            <p:cond delay="0"/>
+                                          </p:stCondLst>
+                                        </p:cTn>
+                                        <p:tgtEl>
+                                          <p:spTgt spid="10"/>
+                                        </p:tgtEl>
+                                        <p:attrNameLst>
+                                          <p:attrName>style.visibility</p:attrName>
+                                        </p:attrNameLst>
+                                      </p:cBhvr>
+                                      <p:to>
+                                        <p:strVal val="visible"/>
+                                      </p:to>
+                                    </p:set>
+                                  </p:childTnLst>
+                                </p:cTn>
+                              </p:par>
+                              <p:par>
+                                <p:cTn id="20" presetID="1" presetClass="entr" presetSubtype="0" fill="hold" grpId="0" nodeType="withEffect">
+                                  <p:stCondLst>
+                                    <p:cond delay="0"/>
+                                  </p:stCondLst>
+                                  <p:childTnLst>
+                                    <p:set>
+                                      <p:cBhvr>
+                                        <p:cTn id="21" dur="1" fill="hold">
+                                          <p:stCondLst>
+                                            <p:cond delay="0"/>
+                                          </p:stCondLst>
+                                        </p:cTn>
+                                        <p:tgtEl>
+                                          <p:spTgt spid="11"/>
+                                        </p:tgtEl>
+                                        <p:attrNameLst>
+                                          <p:attrName>style.visibility</p:attrName>
+                                        </p:attrNameLst>
+                                      </p:cBhvr>
+                                      <p:to>
+                                        <p:strVal val="visible"/>
+                                      </p:to>
+                                    </p:set>
+                                  </p:childTnLst>
+                                </p:cTn>
+                              </p:par>
+                            </p:childTnLst>
+                          </p:cTn>
+                        </p:par>
+                      </p:childTnLst>
+                    </p:cTn>
+                  </p:par>
+                  <p:par>
+                    <p:cTn id="22" fill="hold">
+                      <p:stCondLst>
+                        <p:cond delay="indefinite"/>
+                      </p:stCondLst>
+                      <p:childTnLst>
+                        <p:par>
+                          <p:cTn id="23" fill="hold">
+                            <p:stCondLst>
+                              <p:cond delay="0"/>
+                            </p:stCondLst>
+                            <p:childTnLst>
+                              <p:par>
+                                <p:cTn id="24" presetID="1" presetClass="entr" presetSubtype="0" fill="hold" nodeType="clickEffect">
+                                  <p:stCondLst>
+                                    <p:cond delay="0"/>
+                                  </p:stCondLst>
+                                  <p:childTnLst>
+                                    <p:set>
+                                      <p:cBhvr>
+                                        <p:cTn id="25" dur="1" fill="hold">
+                                          <p:stCondLst>
+                                            <p:cond delay="0"/>
+                                          </p:stCondLst>
+                                        </p:cTn>
+                                        <p:tgtEl>
+                                          <p:spTgt spid="12"/>
+                                        </p:tgtEl>
+                                        <p:attrNameLst>
+                                          <p:attrName>style.visibility</p:attrName>
+                                        </p:attrNameLst>
+                                      </p:cBhvr>
+                                      <p:to>
+                                        <p:strVal val="visible"/>
+                                      </p:to>
+                                    </p:set>
+                                  </p:childTnLst>
+                                </p:cTn>
+                              </p:par>
+                              <p:par>
+                                <p:cTn id="26" presetID="1" presetClass="entr" presetSubtype="0" fill="hold" grpId="0" nodeType="withEffect">
+                                  <p:stCondLst>
+                                    <p:cond delay="0"/>
+                                  </p:stCondLst>
+                                  <p:childTnLst>
+                                    <p:set>
+                                      <p:cBhvr>
+                                        <p:cTn id="27" dur="1" fill="hold">
+                                          <p:stCondLst>
+                                            <p:cond delay="0"/>
+                                          </p:stCondLst>
+                                        </p:cTn>
+                                        <p:tgtEl>
+                                          <p:spTgt spid="13"/>
+                                        </p:tgtEl>
+                                        <p:attrNameLst>
+                                          <p:attrName>style.visibility</p:attrName>
+                                        </p:attrNameLst>
+                                      </p:cBhvr>
+                                      <p:to>
+                                        <p:strVal val="visible"/>
+                                      </p:to>
+                                    </p:set>
+                                  </p:childTnLst>
+                                </p:cTn>
+                              </p:par>
+                            </p:childTnLst>
+                          </p:cTn>
+                        </p:par>
+                      </p:childTnLst>
+                    </p:cTn>
+                  </p:par>
+                </p:childTnLst>
+              </p:cTn>
+              <p:prevCondLst>
+                <p:cond evt="onPrev" delay="0">
+                  <p:tgtEl>
+                    <p:sldTgt/>
+                  </p:tgtEl>
+                </p:cond>
+              </p:prevCondLst>
+              <p:nextCondLst>
+                <p:cond evt="onNext" delay="0">
+                  <p:tgtEl>
+                    <p:sldTgt/>
+                  </p:tgtEl>
+                </p:cond>
+              </p:nextCondLst>
+            </p:seq>
+          </p:childTnLst>
+        </p:cTn>
+      </p:par>
+    </p:tnLst>
+    <p:bldLst>
+      <p:bldP spid="3" grpId="0" build="p"/>
+      <p:bldP spid="7" grpId="0"/>
+      <p:bldP spid="11" grpId="0"/>
+      <p:bldP spid="13" grpId="0"/>
+    </p:bldLst>
+  </p:timing>
+</p:sld>
+</file>
+
+<file path=ppt/slides/slide13.xml><?xml version="1.0" encoding="utf-8"?>
+<p:sld xmlns:a="http://schemas.openxmlformats.org/drawingml/2006/main" xmlns:r="http://schemas.openxmlformats.org/officeDocument/2006/relationships" xmlns:p="http://schemas.openxmlformats.org/presentationml/2006/main">
+  <p:cSld>
+    <p:spTree>
+      <p:nvGrpSpPr>
+        <p:cNvPr id="1" name=""/>
+        <p:cNvGrpSpPr/>
+        <p:nvPr/>
+      </p:nvGrpSpPr>
+      <p:grpSpPr>
+        <a:xfrm>
+          <a:off x="0" y="0"/>
+          <a:ext cx="0" cy="0"/>
+          <a:chOff x="0" y="0"/>
+          <a:chExt cx="0" cy="0"/>
+        </a:xfrm>
+      </p:grpSpPr>
+      <p:sp>
+        <p:nvSpPr>
+          <p:cNvPr id="2" name="Title 1"/>
+          <p:cNvSpPr>
+            <a:spLocks noGrp="1"/>
+          </p:cNvSpPr>
+          <p:nvPr>
+            <p:ph type="title"/>
+          </p:nvPr>
+        </p:nvSpPr>
+        <p:spPr/>
+        <p:txBody>
+          <a:bodyPr/>
+          <a:lstStyle/>
+          <a:p>
+            <a:r>
+              <a:rPr lang="en-US" dirty="0" smtClean="0"/>
+              <a:t>Implementing our View		</a:t>
+            </a:r>
+            <a:endParaRPr lang="en-GB" dirty="0"/>
+          </a:p>
+        </p:txBody>
+      </p:sp>
+      <p:sp>
+        <p:nvSpPr>
+          <p:cNvPr id="3" name="Text Placeholder 2"/>
+          <p:cNvSpPr>
+            <a:spLocks noGrp="1"/>
+          </p:cNvSpPr>
+          <p:nvPr>
+            <p:ph type="body" idx="1"/>
+          </p:nvPr>
+        </p:nvSpPr>
+        <p:spPr/>
+        <p:txBody>
+          <a:bodyPr/>
+          <a:lstStyle/>
+          <a:p>
+            <a:r>
+              <a:rPr lang="en-GB" dirty="0" smtClean="0"/>
+              <a:t>HTML View</a:t>
+            </a:r>
+            <a:endParaRPr lang="en-GB" dirty="0"/>
+          </a:p>
+        </p:txBody>
+      </p:sp>
+      <p:pic>
+        <p:nvPicPr>
+          <p:cNvPr id="4" name="Picture 3"/>
+          <p:cNvPicPr>
+            <a:picLocks noChangeAspect="1"/>
+          </p:cNvPicPr>
+          <p:nvPr/>
+        </p:nvPicPr>
+        <p:blipFill>
+          <a:blip r:embed="rId3"/>
+          <a:stretch>
+            <a:fillRect/>
+          </a:stretch>
+        </p:blipFill>
+        <p:spPr>
+          <a:xfrm>
+            <a:off x="690487" y="1905000"/>
+            <a:ext cx="8017892" cy="3048000"/>
+          </a:xfrm>
+          <a:prstGeom prst="rect">
+            <a:avLst/>
+          </a:prstGeom>
+        </p:spPr>
+      </p:pic>
+      <p:cxnSp>
+        <p:nvCxnSpPr>
+          <p:cNvPr id="5" name="Straight Arrow Connector 4"/>
+          <p:cNvCxnSpPr/>
+          <p:nvPr/>
+        </p:nvCxnSpPr>
+        <p:spPr bwMode="auto">
+          <a:xfrm flipH="1">
+            <a:off x="4953000" y="1691640"/>
+            <a:ext cx="1393208" cy="289560"/>
+          </a:xfrm>
+          <a:prstGeom prst="straightConnector1">
+            <a:avLst/>
+          </a:prstGeom>
+          <a:ln w="63500">
+            <a:solidFill>
+              <a:schemeClr val="tx1"/>
+            </a:solidFill>
+            <a:headEnd type="none" w="med" len="med"/>
+            <a:tailEnd type="triangle"/>
+          </a:ln>
+        </p:spPr>
+        <p:style>
+          <a:lnRef idx="1">
+            <a:schemeClr val="accent2"/>
+          </a:lnRef>
+          <a:fillRef idx="0">
+            <a:schemeClr val="accent2"/>
+          </a:fillRef>
+          <a:effectRef idx="0">
+            <a:schemeClr val="accent2"/>
+          </a:effectRef>
+          <a:fontRef idx="minor">
+            <a:schemeClr val="tx1"/>
+          </a:fontRef>
+        </p:style>
+      </p:cxnSp>
+      <p:sp>
+        <p:nvSpPr>
+          <p:cNvPr id="6" name="TextBox 5"/>
+          <p:cNvSpPr txBox="1"/>
+          <p:nvPr/>
+        </p:nvSpPr>
+        <p:spPr bwMode="auto">
+          <a:xfrm>
+            <a:off x="6400800" y="1371600"/>
+            <a:ext cx="2536207" cy="646331"/>
+          </a:xfrm>
+          <a:prstGeom prst="rect">
+            <a:avLst/>
+          </a:prstGeom>
+          <a:noFill/>
+          <a:ln w="9525">
+            <a:noFill/>
+            <a:miter lim="800000"/>
+            <a:headEnd/>
+            <a:tailEnd/>
+          </a:ln>
+        </p:spPr>
+        <p:txBody>
+          <a:bodyPr wrap="square" rtlCol="0">
+            <a:spAutoFit/>
+          </a:bodyPr>
+          <a:lstStyle/>
+          <a:p>
+            <a:r>
+              <a:rPr lang="en-US" dirty="0" smtClean="0">
+                <a:latin typeface="+mj-lt"/>
+              </a:rPr>
+              <a:t>No need to declare column/rows upfront</a:t>
+            </a:r>
+            <a:endParaRPr lang="en-US" sz="1800" dirty="0">
+              <a:latin typeface="+mj-lt"/>
+            </a:endParaRPr>
+          </a:p>
+        </p:txBody>
+      </p:sp>
+      <p:cxnSp>
+        <p:nvCxnSpPr>
+          <p:cNvPr id="7" name="Straight Arrow Connector 6"/>
+          <p:cNvCxnSpPr/>
+          <p:nvPr/>
+        </p:nvCxnSpPr>
+        <p:spPr bwMode="auto">
+          <a:xfrm flipH="1">
+            <a:off x="5257800" y="2645509"/>
+            <a:ext cx="1088408" cy="326291"/>
+          </a:xfrm>
+          <a:prstGeom prst="straightConnector1">
+            <a:avLst/>
+          </a:prstGeom>
+          <a:ln w="63500">
+            <a:solidFill>
+              <a:schemeClr val="tx1"/>
+            </a:solidFill>
+            <a:headEnd type="none" w="med" len="med"/>
+            <a:tailEnd type="triangle"/>
+          </a:ln>
+        </p:spPr>
+        <p:style>
+          <a:lnRef idx="1">
+            <a:schemeClr val="accent2"/>
+          </a:lnRef>
+          <a:fillRef idx="0">
+            <a:schemeClr val="accent2"/>
+          </a:fillRef>
+          <a:effectRef idx="0">
+            <a:schemeClr val="accent2"/>
+          </a:effectRef>
+          <a:fontRef idx="minor">
+            <a:schemeClr val="tx1"/>
+          </a:fontRef>
+        </p:style>
+      </p:cxnSp>
+      <p:sp>
+        <p:nvSpPr>
+          <p:cNvPr id="8" name="TextBox 7"/>
+          <p:cNvSpPr txBox="1"/>
+          <p:nvPr/>
+        </p:nvSpPr>
+        <p:spPr bwMode="auto">
+          <a:xfrm>
+            <a:off x="6400800" y="2325469"/>
+            <a:ext cx="2536207" cy="646331"/>
+          </a:xfrm>
+          <a:prstGeom prst="rect">
+            <a:avLst/>
+          </a:prstGeom>
+          <a:noFill/>
+          <a:ln w="9525">
+            <a:noFill/>
+            <a:miter lim="800000"/>
+            <a:headEnd/>
+            <a:tailEnd/>
+          </a:ln>
+        </p:spPr>
+        <p:txBody>
+          <a:bodyPr wrap="square" rtlCol="0">
+            <a:spAutoFit/>
+          </a:bodyPr>
+          <a:lstStyle/>
+          <a:p>
+            <a:r>
+              <a:rPr lang="en-US" dirty="0" smtClean="0">
+                <a:latin typeface="+mj-lt"/>
+              </a:rPr>
+              <a:t>Bind to property in the view model</a:t>
+            </a:r>
+            <a:endParaRPr lang="en-US" sz="1800" dirty="0">
+              <a:latin typeface="+mj-lt"/>
+            </a:endParaRPr>
+          </a:p>
+        </p:txBody>
+      </p:sp>
+    </p:spTree>
+    <p:extLst>
+      <p:ext uri="{BB962C8B-B14F-4D97-AF65-F5344CB8AC3E}">
+        <p14:creationId xmlns:p14="http://schemas.microsoft.com/office/powerpoint/2010/main" val="3822145966"/>
+      </p:ext>
+    </p:extLst>
+  </p:cSld>
+  <p:clrMapOvr>
+    <a:masterClrMapping/>
+  </p:clrMapOvr>
+  <p:transition>
+    <p:fade/>
+  </p:transition>
+  <p:timing>
+    <p:tnLst>
+      <p:par>
+        <p:cTn id="1" dur="indefinite" restart="never" nodeType="tmRoot">
+          <p:childTnLst>
+            <p:seq concurrent="1" nextAc="seek">
+              <p:cTn id="2" dur="indefinite" nodeType="mainSeq">
+                <p:childTnLst>
+                  <p:par>
+                    <p:cTn id="3" fill="hold">
+                      <p:stCondLst>
+                        <p:cond delay="indefinite"/>
+                      </p:stCondLst>
+                      <p:childTnLst>
+                        <p:par>
+                          <p:cTn id="4" fill="hold">
+                            <p:stCondLst>
+                              <p:cond delay="0"/>
+                            </p:stCondLst>
+                            <p:childTnLst>
+                              <p:par>
+                                <p:cTn id="5" presetID="10" presetClass="entr" presetSubtype="0" fill="hold" grpId="0" nodeType="clickEffect">
+                                  <p:stCondLst>
+                                    <p:cond delay="0"/>
+                                  </p:stCondLst>
                                   <p:childTnLst>
                                     <p:set>
                                       <p:cBhvr>
@@ -5405,6 +7953,150 @@
                       </p:childTnLst>
                     </p:cTn>
                   </p:par>
+                  <p:par>
+                    <p:cTn id="8" fill="hold">
+                      <p:stCondLst>
+                        <p:cond delay="indefinite"/>
+                      </p:stCondLst>
+                      <p:childTnLst>
+                        <p:par>
+                          <p:cTn id="9" fill="hold">
+                            <p:stCondLst>
+                              <p:cond delay="0"/>
+                            </p:stCondLst>
+                            <p:childTnLst>
+                              <p:par>
+                                <p:cTn id="10" presetID="1" presetClass="entr" presetSubtype="0" fill="hold" nodeType="clickEffect">
+                                  <p:stCondLst>
+                                    <p:cond delay="0"/>
+                                  </p:stCondLst>
+                                  <p:childTnLst>
+                                    <p:set>
+                                      <p:cBhvr>
+                                        <p:cTn id="11" dur="1" fill="hold">
+                                          <p:stCondLst>
+                                            <p:cond delay="0"/>
+                                          </p:stCondLst>
+                                        </p:cTn>
+                                        <p:tgtEl>
+                                          <p:spTgt spid="5"/>
+                                        </p:tgtEl>
+                                        <p:attrNameLst>
+                                          <p:attrName>style.visibility</p:attrName>
+                                        </p:attrNameLst>
+                                      </p:cBhvr>
+                                      <p:to>
+                                        <p:strVal val="visible"/>
+                                      </p:to>
+                                    </p:set>
+                                  </p:childTnLst>
+                                </p:cTn>
+                              </p:par>
+                              <p:par>
+                                <p:cTn id="12" presetID="1" presetClass="entr" presetSubtype="0" fill="hold" grpId="0" nodeType="withEffect">
+                                  <p:stCondLst>
+                                    <p:cond delay="0"/>
+                                  </p:stCondLst>
+                                  <p:childTnLst>
+                                    <p:set>
+                                      <p:cBhvr>
+                                        <p:cTn id="13" dur="1" fill="hold">
+                                          <p:stCondLst>
+                                            <p:cond delay="0"/>
+                                          </p:stCondLst>
+                                        </p:cTn>
+                                        <p:tgtEl>
+                                          <p:spTgt spid="6"/>
+                                        </p:tgtEl>
+                                        <p:attrNameLst>
+                                          <p:attrName>style.visibility</p:attrName>
+                                        </p:attrNameLst>
+                                      </p:cBhvr>
+                                      <p:to>
+                                        <p:strVal val="visible"/>
+                                      </p:to>
+                                    </p:set>
+                                  </p:childTnLst>
+                                </p:cTn>
+                              </p:par>
+                            </p:childTnLst>
+                          </p:cTn>
+                        </p:par>
+                      </p:childTnLst>
+                    </p:cTn>
+                  </p:par>
+                  <p:par>
+                    <p:cTn id="14" fill="hold">
+                      <p:stCondLst>
+                        <p:cond delay="indefinite"/>
+                      </p:stCondLst>
+                      <p:childTnLst>
+                        <p:par>
+                          <p:cTn id="15" fill="hold">
+                            <p:stCondLst>
+                              <p:cond delay="0"/>
+                            </p:stCondLst>
+                            <p:childTnLst>
+                              <p:par>
+                                <p:cTn id="16" presetID="1" presetClass="entr" presetSubtype="0" fill="hold" nodeType="clickEffect">
+                                  <p:stCondLst>
+                                    <p:cond delay="0"/>
+                                  </p:stCondLst>
+                                  <p:childTnLst>
+                                    <p:set>
+                                      <p:cBhvr>
+                                        <p:cTn id="17" dur="1" fill="hold">
+                                          <p:stCondLst>
+                                            <p:cond delay="0"/>
+                                          </p:stCondLst>
+                                        </p:cTn>
+                                        <p:tgtEl>
+                                          <p:spTgt spid="7"/>
+                                        </p:tgtEl>
+                                        <p:attrNameLst>
+                                          <p:attrName>style.visibility</p:attrName>
+                                        </p:attrNameLst>
+                                      </p:cBhvr>
+                                      <p:to>
+                                        <p:strVal val="visible"/>
+                                      </p:to>
+                                    </p:set>
+                                  </p:childTnLst>
+                                </p:cTn>
+                              </p:par>
+                              <p:par>
+                                <p:cTn id="18" presetID="1" presetClass="entr" presetSubtype="0" fill="hold" grpId="0" nodeType="withEffect">
+                                  <p:stCondLst>
+                                    <p:cond delay="0"/>
+                                  </p:stCondLst>
+                                  <p:childTnLst>
+                                    <p:set>
+                                      <p:cBhvr>
+                                        <p:cTn id="19" dur="1" fill="hold">
+                                          <p:stCondLst>
+                                            <p:cond delay="0"/>
+                                          </p:stCondLst>
+                                        </p:cTn>
+                                        <p:tgtEl>
+                                          <p:spTgt spid="8"/>
+                                        </p:tgtEl>
+                                        <p:attrNameLst>
+                                          <p:attrName>style.visibility</p:attrName>
+                                        </p:attrNameLst>
+                                      </p:cBhvr>
+                                      <p:to>
+                                        <p:strVal val="visible"/>
+                                      </p:to>
+                                    </p:set>
+                                  </p:childTnLst>
+                                </p:cTn>
+                              </p:par>
+                            </p:childTnLst>
+                          </p:cTn>
+                        </p:par>
+                      </p:childTnLst>
+                    </p:cTn>
+                  </p:par>
                 </p:childTnLst>
               </p:cTn>
               <p:prevCondLst>
@@ -5428,12 +8120,14 @@
     </p:tnLst>
     <p:bldLst>
       <p:bldP spid="3" grpId="0" build="p"/>
+      <p:bldP spid="6" grpId="0"/>
+      <p:bldP spid="8" grpId="0"/>
     </p:bldLst>
   </p:timing>
 </p:sld>
 </file>
 
-<file path=ppt/slides/slide13.xml><?xml version="1.0" encoding="utf-8"?>
+<file path=ppt/slides/slide14.xml><?xml version="1.0" encoding="utf-8"?>
 <p:sld xmlns:a="http://schemas.openxmlformats.org/drawingml/2006/main" xmlns:r="http://schemas.openxmlformats.org/officeDocument/2006/relationships" xmlns:p="http://schemas.openxmlformats.org/presentationml/2006/main" show="0">
   <p:cSld>
     <p:bg>
@@ -5510,7 +8204,7 @@
     </p:spTree>
     <p:extLst>
       <p:ext uri="{BB962C8B-B14F-4D97-AF65-F5344CB8AC3E}">
-        <p14:creationId xmlns:p14="http://schemas.microsoft.com/office/powerpoint/2010/main" val="2063079255"/>
+        <p14:creationId xmlns:p14="http://schemas.microsoft.com/office/powerpoint/2010/main" val="4028874041"/>
       </p:ext>
     </p:extLst>
   </p:cSld>
@@ -5530,7 +8224,7 @@
 </p:sld>
 </file>
 
-<file path=ppt/slides/slide14.xml><?xml version="1.0" encoding="utf-8"?>
+<file path=ppt/slides/slide15.xml><?xml version="1.0" encoding="utf-8"?>
 <p:sld xmlns:a="http://schemas.openxmlformats.org/drawingml/2006/main" xmlns:r="http://schemas.openxmlformats.org/officeDocument/2006/relationships" xmlns:p="http://schemas.openxmlformats.org/presentationml/2006/main">
   <p:cSld>
     <p:spTree>
@@ -5564,11 +8258,2744 @@
           <a:p>
             <a:r>
               <a:rPr lang="en-US" dirty="0" smtClean="0"/>
-              <a:t>Changing Styles on the Fly</a:t>
-            </a:r>
+              <a:t>Agenda		</a:t>
+            </a:r>
+            <a:endParaRPr lang="en-GB" dirty="0"/>
+          </a:p>
+        </p:txBody>
+      </p:sp>
+      <p:sp>
+        <p:nvSpPr>
+          <p:cNvPr id="3" name="Text Placeholder 2"/>
+          <p:cNvSpPr>
+            <a:spLocks noGrp="1"/>
+          </p:cNvSpPr>
+          <p:nvPr>
+            <p:ph type="body" idx="1"/>
+          </p:nvPr>
+        </p:nvSpPr>
+        <p:spPr/>
+        <p:txBody>
+          <a:bodyPr/>
+          <a:lstStyle/>
+          <a:p>
+            <a:r>
+              <a:rPr lang="en-US" dirty="0"/>
+              <a:t>Creating our View Model</a:t>
+            </a:r>
+          </a:p>
+          <a:p>
+            <a:r>
+              <a:rPr lang="en-GB" dirty="0"/>
+              <a:t>Creating our HTML View</a:t>
+            </a:r>
+          </a:p>
+          <a:p>
+            <a:r>
+              <a:rPr lang="en-GB" dirty="0">
+                <a:solidFill>
+                  <a:schemeClr val="accent6">
+                    <a:lumMod val="75000"/>
+                  </a:schemeClr>
+                </a:solidFill>
+              </a:rPr>
+              <a:t>Fetching data via Ajax</a:t>
+            </a:r>
+          </a:p>
+          <a:p>
+            <a:r>
+              <a:rPr lang="en-GB" dirty="0"/>
+              <a:t>Applying styles to an HTML element via Knockout</a:t>
+            </a:r>
+          </a:p>
+          <a:p>
+            <a:r>
+              <a:rPr lang="en-GB" dirty="0"/>
+              <a:t>Formatting data via Computed Observables</a:t>
+            </a:r>
+          </a:p>
+        </p:txBody>
+      </p:sp>
+    </p:spTree>
+    <p:extLst>
+      <p:ext uri="{BB962C8B-B14F-4D97-AF65-F5344CB8AC3E}">
+        <p14:creationId xmlns:p14="http://schemas.microsoft.com/office/powerpoint/2010/main" val="1143839501"/>
+      </p:ext>
+    </p:extLst>
+  </p:cSld>
+  <p:clrMapOvr>
+    <a:masterClrMapping/>
+  </p:clrMapOvr>
+  <p:transition>
+    <p:fade/>
+  </p:transition>
+  <p:timing>
+    <p:tnLst>
+      <p:par>
+        <p:cTn id="1" dur="indefinite" restart="never" nodeType="tmRoot"/>
+      </p:par>
+    </p:tnLst>
+  </p:timing>
+</p:sld>
+</file>
+
+<file path=ppt/slides/slide16.xml><?xml version="1.0" encoding="utf-8"?>
+<p:sld xmlns:a="http://schemas.openxmlformats.org/drawingml/2006/main" xmlns:r="http://schemas.openxmlformats.org/officeDocument/2006/relationships" xmlns:p="http://schemas.openxmlformats.org/presentationml/2006/main">
+  <p:cSld>
+    <p:spTree>
+      <p:nvGrpSpPr>
+        <p:cNvPr id="1" name=""/>
+        <p:cNvGrpSpPr/>
+        <p:nvPr/>
+      </p:nvGrpSpPr>
+      <p:grpSpPr>
+        <a:xfrm>
+          <a:off x="0" y="0"/>
+          <a:ext cx="0" cy="0"/>
+          <a:chOff x="0" y="0"/>
+          <a:chExt cx="0" cy="0"/>
+        </a:xfrm>
+      </p:grpSpPr>
+      <p:sp>
+        <p:nvSpPr>
+          <p:cNvPr id="2" name="Title 1"/>
+          <p:cNvSpPr>
+            <a:spLocks noGrp="1"/>
+          </p:cNvSpPr>
+          <p:nvPr>
+            <p:ph type="title"/>
+          </p:nvPr>
+        </p:nvSpPr>
+        <p:spPr/>
+        <p:txBody>
+          <a:bodyPr/>
+          <a:lstStyle/>
+          <a:p>
             <a:r>
               <a:rPr lang="en-US" dirty="0" smtClean="0"/>
-              <a:t>		</a:t>
+              <a:t>Fetching Remote Data		</a:t>
+            </a:r>
+            <a:endParaRPr lang="en-GB" dirty="0"/>
+          </a:p>
+        </p:txBody>
+      </p:sp>
+      <p:sp>
+        <p:nvSpPr>
+          <p:cNvPr id="3" name="Text Placeholder 2"/>
+          <p:cNvSpPr>
+            <a:spLocks noGrp="1"/>
+          </p:cNvSpPr>
+          <p:nvPr>
+            <p:ph type="body" idx="1"/>
+          </p:nvPr>
+        </p:nvSpPr>
+        <p:spPr/>
+        <p:txBody>
+          <a:bodyPr/>
+          <a:lstStyle/>
+          <a:p>
+            <a:r>
+              <a:rPr lang="en-GB" dirty="0" smtClean="0"/>
+              <a:t>Using </a:t>
+            </a:r>
+            <a:r>
+              <a:rPr lang="en-GB" dirty="0" err="1" smtClean="0"/>
+              <a:t>RestClient</a:t>
+            </a:r>
+            <a:r>
+              <a:rPr lang="en-GB" dirty="0" smtClean="0"/>
+              <a:t> in C#</a:t>
+            </a:r>
+            <a:endParaRPr lang="en-GB" dirty="0"/>
+          </a:p>
+        </p:txBody>
+      </p:sp>
+      <p:pic>
+        <p:nvPicPr>
+          <p:cNvPr id="6" name="Picture 5"/>
+          <p:cNvPicPr>
+            <a:picLocks noChangeAspect="1"/>
+          </p:cNvPicPr>
+          <p:nvPr/>
+        </p:nvPicPr>
+        <p:blipFill>
+          <a:blip r:embed="rId3"/>
+          <a:stretch>
+            <a:fillRect/>
+          </a:stretch>
+        </p:blipFill>
+        <p:spPr>
+          <a:xfrm>
+            <a:off x="990600" y="1905000"/>
+            <a:ext cx="6972300" cy="3848100"/>
+          </a:xfrm>
+          <a:prstGeom prst="rect">
+            <a:avLst/>
+          </a:prstGeom>
+        </p:spPr>
+      </p:pic>
+      <p:cxnSp>
+        <p:nvCxnSpPr>
+          <p:cNvPr id="5" name="Straight Arrow Connector 4"/>
+          <p:cNvCxnSpPr/>
+          <p:nvPr/>
+        </p:nvCxnSpPr>
+        <p:spPr bwMode="auto">
+          <a:xfrm flipH="1">
+            <a:off x="5486400" y="1676400"/>
+            <a:ext cx="914400" cy="685800"/>
+          </a:xfrm>
+          <a:prstGeom prst="straightConnector1">
+            <a:avLst/>
+          </a:prstGeom>
+          <a:ln w="63500">
+            <a:solidFill>
+              <a:schemeClr val="tx1"/>
+            </a:solidFill>
+            <a:headEnd type="none" w="med" len="med"/>
+            <a:tailEnd type="triangle"/>
+          </a:ln>
+        </p:spPr>
+        <p:style>
+          <a:lnRef idx="1">
+            <a:schemeClr val="accent2"/>
+          </a:lnRef>
+          <a:fillRef idx="0">
+            <a:schemeClr val="accent2"/>
+          </a:fillRef>
+          <a:effectRef idx="0">
+            <a:schemeClr val="accent2"/>
+          </a:effectRef>
+          <a:fontRef idx="minor">
+            <a:schemeClr val="tx1"/>
+          </a:fontRef>
+        </p:style>
+      </p:cxnSp>
+      <p:sp>
+        <p:nvSpPr>
+          <p:cNvPr id="7" name="TextBox 6"/>
+          <p:cNvSpPr txBox="1"/>
+          <p:nvPr/>
+        </p:nvSpPr>
+        <p:spPr bwMode="auto">
+          <a:xfrm>
+            <a:off x="6400800" y="1447800"/>
+            <a:ext cx="2743200" cy="369332"/>
+          </a:xfrm>
+          <a:prstGeom prst="rect">
+            <a:avLst/>
+          </a:prstGeom>
+          <a:noFill/>
+          <a:ln w="9525">
+            <a:noFill/>
+            <a:miter lim="800000"/>
+            <a:headEnd/>
+            <a:tailEnd/>
+          </a:ln>
+        </p:spPr>
+        <p:txBody>
+          <a:bodyPr wrap="square" rtlCol="0">
+            <a:spAutoFit/>
+          </a:bodyPr>
+          <a:lstStyle/>
+          <a:p>
+            <a:r>
+              <a:rPr lang="en-US" dirty="0" smtClean="0">
+                <a:latin typeface="+mj-lt"/>
+              </a:rPr>
+              <a:t>Web </a:t>
+            </a:r>
+            <a:r>
+              <a:rPr lang="en-US" dirty="0" err="1" smtClean="0">
+                <a:latin typeface="+mj-lt"/>
+              </a:rPr>
+              <a:t>Api</a:t>
+            </a:r>
+            <a:r>
+              <a:rPr lang="en-US" dirty="0" smtClean="0">
+                <a:latin typeface="+mj-lt"/>
+              </a:rPr>
+              <a:t> Route</a:t>
+            </a:r>
+            <a:endParaRPr lang="en-US" sz="1800" dirty="0">
+              <a:latin typeface="+mj-lt"/>
+            </a:endParaRPr>
+          </a:p>
+        </p:txBody>
+      </p:sp>
+      <p:cxnSp>
+        <p:nvCxnSpPr>
+          <p:cNvPr id="8" name="Straight Arrow Connector 7"/>
+          <p:cNvCxnSpPr/>
+          <p:nvPr/>
+        </p:nvCxnSpPr>
+        <p:spPr bwMode="auto">
+          <a:xfrm flipH="1">
+            <a:off x="5334000" y="2847201"/>
+            <a:ext cx="1066800" cy="124599"/>
+          </a:xfrm>
+          <a:prstGeom prst="straightConnector1">
+            <a:avLst/>
+          </a:prstGeom>
+          <a:ln w="63500">
+            <a:solidFill>
+              <a:schemeClr val="tx1"/>
+            </a:solidFill>
+            <a:headEnd type="none" w="med" len="med"/>
+            <a:tailEnd type="triangle"/>
+          </a:ln>
+        </p:spPr>
+        <p:style>
+          <a:lnRef idx="1">
+            <a:schemeClr val="accent2"/>
+          </a:lnRef>
+          <a:fillRef idx="0">
+            <a:schemeClr val="accent2"/>
+          </a:fillRef>
+          <a:effectRef idx="0">
+            <a:schemeClr val="accent2"/>
+          </a:effectRef>
+          <a:fontRef idx="minor">
+            <a:schemeClr val="tx1"/>
+          </a:fontRef>
+        </p:style>
+      </p:cxnSp>
+      <p:sp>
+        <p:nvSpPr>
+          <p:cNvPr id="9" name="TextBox 8"/>
+          <p:cNvSpPr txBox="1"/>
+          <p:nvPr/>
+        </p:nvSpPr>
+        <p:spPr bwMode="auto">
+          <a:xfrm>
+            <a:off x="6400800" y="2590800"/>
+            <a:ext cx="2743200" cy="369332"/>
+          </a:xfrm>
+          <a:prstGeom prst="rect">
+            <a:avLst/>
+          </a:prstGeom>
+          <a:noFill/>
+          <a:ln w="9525">
+            <a:noFill/>
+            <a:miter lim="800000"/>
+            <a:headEnd/>
+            <a:tailEnd/>
+          </a:ln>
+        </p:spPr>
+        <p:txBody>
+          <a:bodyPr wrap="square" rtlCol="0">
+            <a:spAutoFit/>
+          </a:bodyPr>
+          <a:lstStyle/>
+          <a:p>
+            <a:r>
+              <a:rPr lang="en-US" dirty="0" err="1" smtClean="0">
+                <a:latin typeface="+mj-lt"/>
+              </a:rPr>
+              <a:t>Async</a:t>
+            </a:r>
+            <a:r>
+              <a:rPr lang="en-US" dirty="0">
+                <a:latin typeface="+mj-lt"/>
+              </a:rPr>
+              <a:t> </a:t>
+            </a:r>
+            <a:r>
+              <a:rPr lang="en-US" dirty="0" smtClean="0">
+                <a:latin typeface="+mj-lt"/>
+              </a:rPr>
+              <a:t>request to get data</a:t>
+            </a:r>
+            <a:endParaRPr lang="en-US" sz="1800" dirty="0">
+              <a:latin typeface="+mj-lt"/>
+            </a:endParaRPr>
+          </a:p>
+        </p:txBody>
+      </p:sp>
+      <p:sp>
+        <p:nvSpPr>
+          <p:cNvPr id="13" name="Left Brace 12"/>
+          <p:cNvSpPr/>
+          <p:nvPr/>
+        </p:nvSpPr>
+        <p:spPr bwMode="auto">
+          <a:xfrm>
+            <a:off x="1371600" y="3224566"/>
+            <a:ext cx="398336" cy="2338034"/>
+          </a:xfrm>
+          <a:prstGeom prst="leftBrace">
+            <a:avLst>
+              <a:gd name="adj1" fmla="val 8333"/>
+              <a:gd name="adj2" fmla="val 49581"/>
+            </a:avLst>
+          </a:prstGeom>
+          <a:ln>
+            <a:headEnd type="none" w="med" len="med"/>
+            <a:tailEnd type="none" w="med" len="med"/>
+          </a:ln>
+        </p:spPr>
+        <p:style>
+          <a:lnRef idx="2">
+            <a:schemeClr val="accent2"/>
+          </a:lnRef>
+          <a:fillRef idx="0">
+            <a:schemeClr val="accent2"/>
+          </a:fillRef>
+          <a:effectRef idx="1">
+            <a:schemeClr val="accent2"/>
+          </a:effectRef>
+          <a:fontRef idx="minor">
+            <a:schemeClr val="tx1"/>
+          </a:fontRef>
+        </p:style>
+        <p:txBody>
+          <a:bodyPr vert="horz" wrap="none" lIns="91440" tIns="45720" rIns="91440" bIns="45720" rtlCol="0" anchor="ctr" compatLnSpc="1"/>
+          <a:lstStyle/>
+          <a:p>
+            <a:pPr marL="0" marR="0" indent="0" algn="ctr" defTabSz="914400" rtl="0" eaLnBrk="0" fontAlgn="base" latinLnBrk="0" hangingPunct="0">
+              <a:lnSpc>
+                <a:spcPct val="100000"/>
+              </a:lnSpc>
+              <a:spcBef>
+                <a:spcPct val="0"/>
+              </a:spcBef>
+              <a:spcAft>
+                <a:spcPct val="0"/>
+              </a:spcAft>
+              <a:buNone/>
+              <a:tabLst/>
+            </a:pPr>
+            <a:endParaRPr kumimoji="0" lang="en-US" sz="1600" b="1" i="0" u="none" strike="noStrike" baseline="0">
+              <a:solidFill>
+                <a:schemeClr val="tx1">
+                  <a:alpha val="100000"/>
+                </a:schemeClr>
+              </a:solidFill>
+              <a:effectLst/>
+              <a:latin typeface="Arial"/>
+            </a:endParaRPr>
+          </a:p>
+        </p:txBody>
+      </p:sp>
+      <p:cxnSp>
+        <p:nvCxnSpPr>
+          <p:cNvPr id="14" name="Straight Arrow Connector 13"/>
+          <p:cNvCxnSpPr/>
+          <p:nvPr/>
+        </p:nvCxnSpPr>
+        <p:spPr bwMode="auto">
+          <a:xfrm flipH="1" flipV="1">
+            <a:off x="5791200" y="4800600"/>
+            <a:ext cx="609600" cy="293225"/>
+          </a:xfrm>
+          <a:prstGeom prst="straightConnector1">
+            <a:avLst/>
+          </a:prstGeom>
+          <a:ln w="63500">
+            <a:solidFill>
+              <a:schemeClr val="tx1"/>
+            </a:solidFill>
+            <a:headEnd type="none" w="med" len="med"/>
+            <a:tailEnd type="triangle"/>
+          </a:ln>
+        </p:spPr>
+        <p:style>
+          <a:lnRef idx="1">
+            <a:schemeClr val="accent2"/>
+          </a:lnRef>
+          <a:fillRef idx="0">
+            <a:schemeClr val="accent2"/>
+          </a:fillRef>
+          <a:effectRef idx="0">
+            <a:schemeClr val="accent2"/>
+          </a:effectRef>
+          <a:fontRef idx="minor">
+            <a:schemeClr val="tx1"/>
+          </a:fontRef>
+        </p:style>
+      </p:cxnSp>
+      <p:sp>
+        <p:nvSpPr>
+          <p:cNvPr id="15" name="TextBox 14"/>
+          <p:cNvSpPr txBox="1"/>
+          <p:nvPr/>
+        </p:nvSpPr>
+        <p:spPr bwMode="auto">
+          <a:xfrm>
+            <a:off x="6477000" y="4763869"/>
+            <a:ext cx="2743200" cy="646331"/>
+          </a:xfrm>
+          <a:prstGeom prst="rect">
+            <a:avLst/>
+          </a:prstGeom>
+          <a:noFill/>
+          <a:ln w="9525">
+            <a:noFill/>
+            <a:miter lim="800000"/>
+            <a:headEnd/>
+            <a:tailEnd/>
+          </a:ln>
+        </p:spPr>
+        <p:txBody>
+          <a:bodyPr wrap="square" rtlCol="0">
+            <a:spAutoFit/>
+          </a:bodyPr>
+          <a:lstStyle/>
+          <a:p>
+            <a:r>
+              <a:rPr lang="en-US" dirty="0" smtClean="0">
+                <a:latin typeface="+mj-lt"/>
+              </a:rPr>
+              <a:t>Response callback</a:t>
+            </a:r>
+          </a:p>
+          <a:p>
+            <a:r>
+              <a:rPr lang="en-US" sz="1800" dirty="0" smtClean="0">
+                <a:latin typeface="+mj-lt"/>
+              </a:rPr>
+              <a:t>Pushing to UI thread</a:t>
+            </a:r>
+            <a:endParaRPr lang="en-US" sz="1800" dirty="0">
+              <a:latin typeface="+mj-lt"/>
+            </a:endParaRPr>
+          </a:p>
+        </p:txBody>
+      </p:sp>
+    </p:spTree>
+    <p:extLst>
+      <p:ext uri="{BB962C8B-B14F-4D97-AF65-F5344CB8AC3E}">
+        <p14:creationId xmlns:p14="http://schemas.microsoft.com/office/powerpoint/2010/main" val="3894257488"/>
+      </p:ext>
+    </p:extLst>
+  </p:cSld>
+  <p:clrMapOvr>
+    <a:masterClrMapping/>
+  </p:clrMapOvr>
+  <p:transition>
+    <p:fade/>
+  </p:transition>
+  <p:timing>
+    <p:tnLst>
+      <p:par>
+        <p:cTn id="1" dur="indefinite" restart="never" nodeType="tmRoot">
+          <p:childTnLst>
+            <p:seq concurrent="1" nextAc="seek">
+              <p:cTn id="2" dur="indefinite" nodeType="mainSeq">
+                <p:childTnLst>
+                  <p:par>
+                    <p:cTn id="3" fill="hold">
+                      <p:stCondLst>
+                        <p:cond delay="indefinite"/>
+                      </p:stCondLst>
+                      <p:childTnLst>
+                        <p:par>
+                          <p:cTn id="4" fill="hold">
+                            <p:stCondLst>
+                              <p:cond delay="0"/>
+                            </p:stCondLst>
+                            <p:childTnLst>
+                              <p:par>
+                                <p:cTn id="5" presetID="10" presetClass="entr" presetSubtype="0" fill="hold" grpId="0" nodeType="clickEffect">
+                                  <p:stCondLst>
+                                    <p:cond delay="0"/>
+                                  </p:stCondLst>
+                                  <p:childTnLst>
+                                    <p:set>
+                                      <p:cBhvr>
+                                        <p:cTn id="6" dur="1" fill="hold">
+                                          <p:stCondLst>
+                                            <p:cond delay="0"/>
+                                          </p:stCondLst>
+                                        </p:cTn>
+                                        <p:tgtEl>
+                                          <p:spTgt spid="3">
+                                            <p:txEl>
+                                              <p:pRg st="0" end="0"/>
+                                            </p:txEl>
+                                          </p:spTgt>
+                                        </p:tgtEl>
+                                        <p:attrNameLst>
+                                          <p:attrName>style.visibility</p:attrName>
+                                        </p:attrNameLst>
+                                      </p:cBhvr>
+                                      <p:to>
+                                        <p:strVal val="visible"/>
+                                      </p:to>
+                                    </p:set>
+                                    <p:animEffect transition="in" filter="fade">
+                                      <p:cBhvr>
+                                        <p:cTn id="7" dur="500"/>
+                                        <p:tgtEl>
+                                          <p:spTgt spid="3">
+                                            <p:txEl>
+                                              <p:pRg st="0" end="0"/>
+                                            </p:txEl>
+                                          </p:spTgt>
+                                        </p:tgtEl>
+                                      </p:cBhvr>
+                                    </p:animEffect>
+                                  </p:childTnLst>
+                                </p:cTn>
+                              </p:par>
+                              <p:par>
+                                <p:cTn id="8" presetID="1" presetClass="entr" presetSubtype="0" fill="hold" nodeType="withEffect">
+                                  <p:stCondLst>
+                                    <p:cond delay="0"/>
+                                  </p:stCondLst>
+                                  <p:childTnLst>
+                                    <p:set>
+                                      <p:cBhvr>
+                                        <p:cTn id="9" dur="1" fill="hold">
+                                          <p:stCondLst>
+                                            <p:cond delay="0"/>
+                                          </p:stCondLst>
+                                        </p:cTn>
+                                        <p:tgtEl>
+                                          <p:spTgt spid="6"/>
+                                        </p:tgtEl>
+                                        <p:attrNameLst>
+                                          <p:attrName>style.visibility</p:attrName>
+                                        </p:attrNameLst>
+                                      </p:cBhvr>
+                                      <p:to>
+                                        <p:strVal val="visible"/>
+                                      </p:to>
+                                    </p:set>
+                                  </p:childTnLst>
+                                </p:cTn>
+                              </p:par>
+                            </p:childTnLst>
+                          </p:cTn>
+                        </p:par>
+                      </p:childTnLst>
+                    </p:cTn>
+                  </p:par>
+                  <p:par>
+                    <p:cTn id="10" fill="hold">
+                      <p:stCondLst>
+                        <p:cond delay="indefinite"/>
+                      </p:stCondLst>
+                      <p:childTnLst>
+                        <p:par>
+                          <p:cTn id="11" fill="hold">
+                            <p:stCondLst>
+                              <p:cond delay="0"/>
+                            </p:stCondLst>
+                            <p:childTnLst>
+                              <p:par>
+                                <p:cTn id="12" presetID="1" presetClass="entr" presetSubtype="0" fill="hold" nodeType="clickEffect">
+                                  <p:stCondLst>
+                                    <p:cond delay="0"/>
+                                  </p:stCondLst>
+                                  <p:childTnLst>
+                                    <p:set>
+                                      <p:cBhvr>
+                                        <p:cTn id="13" dur="1" fill="hold">
+                                          <p:stCondLst>
+                                            <p:cond delay="0"/>
+                                          </p:stCondLst>
+                                        </p:cTn>
+                                        <p:tgtEl>
+                                          <p:spTgt spid="5"/>
+                                        </p:tgtEl>
+                                        <p:attrNameLst>
+                                          <p:attrName>style.visibility</p:attrName>
+                                        </p:attrNameLst>
+                                      </p:cBhvr>
+                                      <p:to>
+                                        <p:strVal val="visible"/>
+                                      </p:to>
+                                    </p:set>
+                                  </p:childTnLst>
+                                </p:cTn>
+                              </p:par>
+                              <p:par>
+                                <p:cTn id="14" presetID="1" presetClass="entr" presetSubtype="0" fill="hold" grpId="0" nodeType="withEffect">
+                                  <p:stCondLst>
+                                    <p:cond delay="0"/>
+                                  </p:stCondLst>
+                                  <p:childTnLst>
+                                    <p:set>
+                                      <p:cBhvr>
+                                        <p:cTn id="15" dur="1" fill="hold">
+                                          <p:stCondLst>
+                                            <p:cond delay="0"/>
+                                          </p:stCondLst>
+                                        </p:cTn>
+                                        <p:tgtEl>
+                                          <p:spTgt spid="7"/>
+                                        </p:tgtEl>
+                                        <p:attrNameLst>
+                                          <p:attrName>style.visibility</p:attrName>
+                                        </p:attrNameLst>
+                                      </p:cBhvr>
+                                      <p:to>
+                                        <p:strVal val="visible"/>
+                                      </p:to>
+                                    </p:set>
+                                  </p:childTnLst>
+                                </p:cTn>
+                              </p:par>
+                            </p:childTnLst>
+                          </p:cTn>
+                        </p:par>
+                      </p:childTnLst>
+                    </p:cTn>
+                  </p:par>
+                  <p:par>
+                    <p:cTn id="16" fill="hold">
+                      <p:stCondLst>
+                        <p:cond delay="indefinite"/>
+                      </p:stCondLst>
+                      <p:childTnLst>
+                        <p:par>
+                          <p:cTn id="17" fill="hold">
+                            <p:stCondLst>
+                              <p:cond delay="0"/>
+                            </p:stCondLst>
+                            <p:childTnLst>
+                              <p:par>
+                                <p:cTn id="18" presetID="1" presetClass="entr" presetSubtype="0" fill="hold" nodeType="clickEffect">
+                                  <p:stCondLst>
+                                    <p:cond delay="0"/>
+                                  </p:stCondLst>
+                                  <p:childTnLst>
+                                    <p:set>
+                                      <p:cBhvr>
+                                        <p:cTn id="19" dur="1" fill="hold">
+                                          <p:stCondLst>
+                                            <p:cond delay="0"/>
+                                          </p:stCondLst>
+                                        </p:cTn>
+                                        <p:tgtEl>
+                                          <p:spTgt spid="8"/>
+                                        </p:tgtEl>
+                                        <p:attrNameLst>
+                                          <p:attrName>style.visibility</p:attrName>
+                                        </p:attrNameLst>
+                                      </p:cBhvr>
+                                      <p:to>
+                                        <p:strVal val="visible"/>
+                                      </p:to>
+                                    </p:set>
+                                  </p:childTnLst>
+                                </p:cTn>
+                              </p:par>
+                              <p:par>
+                                <p:cTn id="20" presetID="1" presetClass="entr" presetSubtype="0" fill="hold" grpId="0" nodeType="withEffect">
+                                  <p:stCondLst>
+                                    <p:cond delay="0"/>
+                                  </p:stCondLst>
+                                  <p:childTnLst>
+                                    <p:set>
+                                      <p:cBhvr>
+                                        <p:cTn id="21" dur="1" fill="hold">
+                                          <p:stCondLst>
+                                            <p:cond delay="0"/>
+                                          </p:stCondLst>
+                                        </p:cTn>
+                                        <p:tgtEl>
+                                          <p:spTgt spid="9"/>
+                                        </p:tgtEl>
+                                        <p:attrNameLst>
+                                          <p:attrName>style.visibility</p:attrName>
+                                        </p:attrNameLst>
+                                      </p:cBhvr>
+                                      <p:to>
+                                        <p:strVal val="visible"/>
+                                      </p:to>
+                                    </p:set>
+                                  </p:childTnLst>
+                                </p:cTn>
+                              </p:par>
+                            </p:childTnLst>
+                          </p:cTn>
+                        </p:par>
+                      </p:childTnLst>
+                    </p:cTn>
+                  </p:par>
+                  <p:par>
+                    <p:cTn id="22" fill="hold">
+                      <p:stCondLst>
+                        <p:cond delay="indefinite"/>
+                      </p:stCondLst>
+                      <p:childTnLst>
+                        <p:par>
+                          <p:cTn id="23" fill="hold">
+                            <p:stCondLst>
+                              <p:cond delay="0"/>
+                            </p:stCondLst>
+                            <p:childTnLst>
+                              <p:par>
+                                <p:cTn id="24" presetID="1" presetClass="entr" presetSubtype="0" fill="hold" nodeType="clickEffect">
+                                  <p:stCondLst>
+                                    <p:cond delay="0"/>
+                                  </p:stCondLst>
+                                  <p:childTnLst>
+                                    <p:set>
+                                      <p:cBhvr>
+                                        <p:cTn id="25" dur="1" fill="hold">
+                                          <p:stCondLst>
+                                            <p:cond delay="0"/>
+                                          </p:stCondLst>
+                                        </p:cTn>
+                                        <p:tgtEl>
+                                          <p:spTgt spid="14"/>
+                                        </p:tgtEl>
+                                        <p:attrNameLst>
+                                          <p:attrName>style.visibility</p:attrName>
+                                        </p:attrNameLst>
+                                      </p:cBhvr>
+                                      <p:to>
+                                        <p:strVal val="visible"/>
+                                      </p:to>
+                                    </p:set>
+                                  </p:childTnLst>
+                                </p:cTn>
+                              </p:par>
+                              <p:par>
+                                <p:cTn id="26" presetID="1" presetClass="entr" presetSubtype="0" fill="hold" grpId="0" nodeType="withEffect">
+                                  <p:stCondLst>
+                                    <p:cond delay="0"/>
+                                  </p:stCondLst>
+                                  <p:childTnLst>
+                                    <p:set>
+                                      <p:cBhvr>
+                                        <p:cTn id="27" dur="1" fill="hold">
+                                          <p:stCondLst>
+                                            <p:cond delay="0"/>
+                                          </p:stCondLst>
+                                        </p:cTn>
+                                        <p:tgtEl>
+                                          <p:spTgt spid="15"/>
+                                        </p:tgtEl>
+                                        <p:attrNameLst>
+                                          <p:attrName>style.visibility</p:attrName>
+                                        </p:attrNameLst>
+                                      </p:cBhvr>
+                                      <p:to>
+                                        <p:strVal val="visible"/>
+                                      </p:to>
+                                    </p:set>
+                                  </p:childTnLst>
+                                </p:cTn>
+                              </p:par>
+                              <p:par>
+                                <p:cTn id="28" presetID="1" presetClass="entr" presetSubtype="0" fill="hold" grpId="0" nodeType="withEffect">
+                                  <p:stCondLst>
+                                    <p:cond delay="0"/>
+                                  </p:stCondLst>
+                                  <p:childTnLst>
+                                    <p:set>
+                                      <p:cBhvr>
+                                        <p:cTn id="29" dur="1" fill="hold">
+                                          <p:stCondLst>
+                                            <p:cond delay="0"/>
+                                          </p:stCondLst>
+                                        </p:cTn>
+                                        <p:tgtEl>
+                                          <p:spTgt spid="13"/>
+                                        </p:tgtEl>
+                                        <p:attrNameLst>
+                                          <p:attrName>style.visibility</p:attrName>
+                                        </p:attrNameLst>
+                                      </p:cBhvr>
+                                      <p:to>
+                                        <p:strVal val="visible"/>
+                                      </p:to>
+                                    </p:set>
+                                  </p:childTnLst>
+                                </p:cTn>
+                              </p:par>
+                            </p:childTnLst>
+                          </p:cTn>
+                        </p:par>
+                      </p:childTnLst>
+                    </p:cTn>
+                  </p:par>
+                </p:childTnLst>
+              </p:cTn>
+              <p:prevCondLst>
+                <p:cond evt="onPrev" delay="0">
+                  <p:tgtEl>
+                    <p:sldTgt/>
+                  </p:tgtEl>
+                </p:cond>
+              </p:prevCondLst>
+              <p:nextCondLst>
+                <p:cond evt="onNext" delay="0">
+                  <p:tgtEl>
+                    <p:sldTgt/>
+                  </p:tgtEl>
+                </p:cond>
+              </p:nextCondLst>
+            </p:seq>
+          </p:childTnLst>
+        </p:cTn>
+      </p:par>
+    </p:tnLst>
+    <p:bldLst>
+      <p:bldP spid="3" grpId="0" build="p"/>
+      <p:bldP spid="7" grpId="0"/>
+      <p:bldP spid="9" grpId="0"/>
+      <p:bldP spid="13" grpId="0" animBg="1"/>
+      <p:bldP spid="15" grpId="0"/>
+    </p:bldLst>
+  </p:timing>
+</p:sld>
+</file>
+
+<file path=ppt/slides/slide17.xml><?xml version="1.0" encoding="utf-8"?>
+<p:sld xmlns:a="http://schemas.openxmlformats.org/drawingml/2006/main" xmlns:r="http://schemas.openxmlformats.org/officeDocument/2006/relationships" xmlns:p="http://schemas.openxmlformats.org/presentationml/2006/main">
+  <p:cSld>
+    <p:spTree>
+      <p:nvGrpSpPr>
+        <p:cNvPr id="1" name=""/>
+        <p:cNvGrpSpPr/>
+        <p:nvPr/>
+      </p:nvGrpSpPr>
+      <p:grpSpPr>
+        <a:xfrm>
+          <a:off x="0" y="0"/>
+          <a:ext cx="0" cy="0"/>
+          <a:chOff x="0" y="0"/>
+          <a:chExt cx="0" cy="0"/>
+        </a:xfrm>
+      </p:grpSpPr>
+      <p:sp>
+        <p:nvSpPr>
+          <p:cNvPr id="2" name="Title 1"/>
+          <p:cNvSpPr>
+            <a:spLocks noGrp="1"/>
+          </p:cNvSpPr>
+          <p:nvPr>
+            <p:ph type="title"/>
+          </p:nvPr>
+        </p:nvSpPr>
+        <p:spPr/>
+        <p:txBody>
+          <a:bodyPr/>
+          <a:lstStyle/>
+          <a:p>
+            <a:r>
+              <a:rPr lang="en-US" dirty="0" smtClean="0"/>
+              <a:t>Fetching Remote Data		</a:t>
+            </a:r>
+            <a:endParaRPr lang="en-GB" dirty="0"/>
+          </a:p>
+        </p:txBody>
+      </p:sp>
+      <p:sp>
+        <p:nvSpPr>
+          <p:cNvPr id="3" name="Text Placeholder 2"/>
+          <p:cNvSpPr>
+            <a:spLocks noGrp="1"/>
+          </p:cNvSpPr>
+          <p:nvPr>
+            <p:ph type="body" idx="1"/>
+          </p:nvPr>
+        </p:nvSpPr>
+        <p:spPr/>
+        <p:txBody>
+          <a:bodyPr/>
+          <a:lstStyle/>
+          <a:p>
+            <a:r>
+              <a:rPr lang="en-GB" dirty="0" smtClean="0"/>
+              <a:t>Using </a:t>
+            </a:r>
+            <a:r>
+              <a:rPr lang="en-GB" dirty="0" err="1" smtClean="0"/>
+              <a:t>jQuery</a:t>
+            </a:r>
+            <a:r>
+              <a:rPr lang="en-GB" dirty="0" smtClean="0"/>
+              <a:t> </a:t>
+            </a:r>
+            <a:endParaRPr lang="en-GB" dirty="0"/>
+          </a:p>
+        </p:txBody>
+      </p:sp>
+      <p:pic>
+        <p:nvPicPr>
+          <p:cNvPr id="8" name="Picture 7"/>
+          <p:cNvPicPr>
+            <a:picLocks noChangeAspect="1"/>
+          </p:cNvPicPr>
+          <p:nvPr/>
+        </p:nvPicPr>
+        <p:blipFill>
+          <a:blip r:embed="rId3"/>
+          <a:stretch>
+            <a:fillRect/>
+          </a:stretch>
+        </p:blipFill>
+        <p:spPr>
+          <a:xfrm>
+            <a:off x="976312" y="1981200"/>
+            <a:ext cx="7191375" cy="3019425"/>
+          </a:xfrm>
+          <a:prstGeom prst="rect">
+            <a:avLst/>
+          </a:prstGeom>
+        </p:spPr>
+      </p:pic>
+      <p:cxnSp>
+        <p:nvCxnSpPr>
+          <p:cNvPr id="9" name="Straight Arrow Connector 8"/>
+          <p:cNvCxnSpPr/>
+          <p:nvPr/>
+        </p:nvCxnSpPr>
+        <p:spPr bwMode="auto">
+          <a:xfrm flipH="1">
+            <a:off x="5181600" y="1676400"/>
+            <a:ext cx="1219200" cy="239441"/>
+          </a:xfrm>
+          <a:prstGeom prst="straightConnector1">
+            <a:avLst/>
+          </a:prstGeom>
+          <a:ln w="63500">
+            <a:solidFill>
+              <a:schemeClr val="tx1"/>
+            </a:solidFill>
+            <a:headEnd type="none" w="med" len="med"/>
+            <a:tailEnd type="triangle"/>
+          </a:ln>
+        </p:spPr>
+        <p:style>
+          <a:lnRef idx="1">
+            <a:schemeClr val="accent2"/>
+          </a:lnRef>
+          <a:fillRef idx="0">
+            <a:schemeClr val="accent2"/>
+          </a:fillRef>
+          <a:effectRef idx="0">
+            <a:schemeClr val="accent2"/>
+          </a:effectRef>
+          <a:fontRef idx="minor">
+            <a:schemeClr val="tx1"/>
+          </a:fontRef>
+        </p:style>
+      </p:cxnSp>
+      <p:sp>
+        <p:nvSpPr>
+          <p:cNvPr id="10" name="TextBox 9"/>
+          <p:cNvSpPr txBox="1"/>
+          <p:nvPr/>
+        </p:nvSpPr>
+        <p:spPr bwMode="auto">
+          <a:xfrm>
+            <a:off x="6400800" y="1447800"/>
+            <a:ext cx="2743200" cy="369332"/>
+          </a:xfrm>
+          <a:prstGeom prst="rect">
+            <a:avLst/>
+          </a:prstGeom>
+          <a:noFill/>
+          <a:ln w="9525">
+            <a:noFill/>
+            <a:miter lim="800000"/>
+            <a:headEnd/>
+            <a:tailEnd/>
+          </a:ln>
+        </p:spPr>
+        <p:txBody>
+          <a:bodyPr wrap="square" rtlCol="0">
+            <a:spAutoFit/>
+          </a:bodyPr>
+          <a:lstStyle/>
+          <a:p>
+            <a:r>
+              <a:rPr lang="en-US" dirty="0" smtClean="0">
+                <a:latin typeface="+mj-lt"/>
+              </a:rPr>
+              <a:t>Web </a:t>
+            </a:r>
+            <a:r>
+              <a:rPr lang="en-US" dirty="0" err="1" smtClean="0">
+                <a:latin typeface="+mj-lt"/>
+              </a:rPr>
+              <a:t>Api</a:t>
+            </a:r>
+            <a:r>
+              <a:rPr lang="en-US" dirty="0" smtClean="0">
+                <a:latin typeface="+mj-lt"/>
+              </a:rPr>
+              <a:t> Route</a:t>
+            </a:r>
+            <a:endParaRPr lang="en-US" sz="1800" dirty="0">
+              <a:latin typeface="+mj-lt"/>
+            </a:endParaRPr>
+          </a:p>
+        </p:txBody>
+      </p:sp>
+      <p:cxnSp>
+        <p:nvCxnSpPr>
+          <p:cNvPr id="7" name="Straight Arrow Connector 6"/>
+          <p:cNvCxnSpPr/>
+          <p:nvPr/>
+        </p:nvCxnSpPr>
+        <p:spPr bwMode="auto">
+          <a:xfrm flipH="1">
+            <a:off x="2209800" y="2427559"/>
+            <a:ext cx="4191000" cy="87041"/>
+          </a:xfrm>
+          <a:prstGeom prst="straightConnector1">
+            <a:avLst/>
+          </a:prstGeom>
+          <a:ln w="63500">
+            <a:solidFill>
+              <a:schemeClr val="tx1"/>
+            </a:solidFill>
+            <a:headEnd type="none" w="med" len="med"/>
+            <a:tailEnd type="triangle"/>
+          </a:ln>
+        </p:spPr>
+        <p:style>
+          <a:lnRef idx="1">
+            <a:schemeClr val="accent2"/>
+          </a:lnRef>
+          <a:fillRef idx="0">
+            <a:schemeClr val="accent2"/>
+          </a:fillRef>
+          <a:effectRef idx="0">
+            <a:schemeClr val="accent2"/>
+          </a:effectRef>
+          <a:fontRef idx="minor">
+            <a:schemeClr val="tx1"/>
+          </a:fontRef>
+        </p:style>
+      </p:cxnSp>
+      <p:sp>
+        <p:nvSpPr>
+          <p:cNvPr id="11" name="TextBox 10"/>
+          <p:cNvSpPr txBox="1"/>
+          <p:nvPr/>
+        </p:nvSpPr>
+        <p:spPr bwMode="auto">
+          <a:xfrm>
+            <a:off x="6400800" y="2096869"/>
+            <a:ext cx="2743200" cy="646331"/>
+          </a:xfrm>
+          <a:prstGeom prst="rect">
+            <a:avLst/>
+          </a:prstGeom>
+          <a:noFill/>
+          <a:ln w="9525">
+            <a:noFill/>
+            <a:miter lim="800000"/>
+            <a:headEnd/>
+            <a:tailEnd/>
+          </a:ln>
+        </p:spPr>
+        <p:txBody>
+          <a:bodyPr wrap="square" rtlCol="0">
+            <a:spAutoFit/>
+          </a:bodyPr>
+          <a:lstStyle/>
+          <a:p>
+            <a:r>
+              <a:rPr lang="en-US" dirty="0" smtClean="0">
+                <a:latin typeface="+mj-lt"/>
+              </a:rPr>
+              <a:t>Ajax ‘get’ to the web </a:t>
+            </a:r>
+            <a:r>
+              <a:rPr lang="en-US" dirty="0" err="1" smtClean="0">
+                <a:latin typeface="+mj-lt"/>
+              </a:rPr>
+              <a:t>api</a:t>
+            </a:r>
+            <a:r>
+              <a:rPr lang="en-US" dirty="0" smtClean="0">
+                <a:latin typeface="+mj-lt"/>
+              </a:rPr>
+              <a:t> route</a:t>
+            </a:r>
+            <a:endParaRPr lang="en-US" sz="1800" dirty="0">
+              <a:latin typeface="+mj-lt"/>
+            </a:endParaRPr>
+          </a:p>
+        </p:txBody>
+      </p:sp>
+      <p:cxnSp>
+        <p:nvCxnSpPr>
+          <p:cNvPr id="13" name="Straight Arrow Connector 12"/>
+          <p:cNvCxnSpPr/>
+          <p:nvPr/>
+        </p:nvCxnSpPr>
+        <p:spPr bwMode="auto">
+          <a:xfrm flipH="1" flipV="1">
+            <a:off x="5257800" y="4114800"/>
+            <a:ext cx="1143000" cy="522559"/>
+          </a:xfrm>
+          <a:prstGeom prst="straightConnector1">
+            <a:avLst/>
+          </a:prstGeom>
+          <a:ln w="63500">
+            <a:solidFill>
+              <a:schemeClr val="tx1"/>
+            </a:solidFill>
+            <a:headEnd type="none" w="med" len="med"/>
+            <a:tailEnd type="triangle"/>
+          </a:ln>
+        </p:spPr>
+        <p:style>
+          <a:lnRef idx="1">
+            <a:schemeClr val="accent2"/>
+          </a:lnRef>
+          <a:fillRef idx="0">
+            <a:schemeClr val="accent2"/>
+          </a:fillRef>
+          <a:effectRef idx="0">
+            <a:schemeClr val="accent2"/>
+          </a:effectRef>
+          <a:fontRef idx="minor">
+            <a:schemeClr val="tx1"/>
+          </a:fontRef>
+        </p:style>
+      </p:cxnSp>
+      <p:sp>
+        <p:nvSpPr>
+          <p:cNvPr id="14" name="TextBox 13"/>
+          <p:cNvSpPr txBox="1"/>
+          <p:nvPr/>
+        </p:nvSpPr>
+        <p:spPr bwMode="auto">
+          <a:xfrm>
+            <a:off x="6400800" y="4408759"/>
+            <a:ext cx="2743200" cy="646331"/>
+          </a:xfrm>
+          <a:prstGeom prst="rect">
+            <a:avLst/>
+          </a:prstGeom>
+          <a:noFill/>
+          <a:ln w="9525">
+            <a:noFill/>
+            <a:miter lim="800000"/>
+            <a:headEnd/>
+            <a:tailEnd/>
+          </a:ln>
+        </p:spPr>
+        <p:txBody>
+          <a:bodyPr wrap="square" rtlCol="0">
+            <a:spAutoFit/>
+          </a:bodyPr>
+          <a:lstStyle/>
+          <a:p>
+            <a:r>
+              <a:rPr lang="en-US" dirty="0" smtClean="0">
+                <a:latin typeface="+mj-lt"/>
+              </a:rPr>
+              <a:t>Ajax call back to handle processing</a:t>
+            </a:r>
+            <a:endParaRPr lang="en-US" sz="1800" dirty="0">
+              <a:latin typeface="+mj-lt"/>
+            </a:endParaRPr>
+          </a:p>
+        </p:txBody>
+      </p:sp>
+      <p:sp>
+        <p:nvSpPr>
+          <p:cNvPr id="6" name="Left Brace 5"/>
+          <p:cNvSpPr/>
+          <p:nvPr/>
+        </p:nvSpPr>
+        <p:spPr bwMode="auto">
+          <a:xfrm>
+            <a:off x="976312" y="2705100"/>
+            <a:ext cx="398336" cy="1932259"/>
+          </a:xfrm>
+          <a:prstGeom prst="leftBrace">
+            <a:avLst/>
+          </a:prstGeom>
+          <a:ln>
+            <a:headEnd type="none" w="med" len="med"/>
+            <a:tailEnd type="none" w="med" len="med"/>
+          </a:ln>
+        </p:spPr>
+        <p:style>
+          <a:lnRef idx="2">
+            <a:schemeClr val="accent2"/>
+          </a:lnRef>
+          <a:fillRef idx="0">
+            <a:schemeClr val="accent2"/>
+          </a:fillRef>
+          <a:effectRef idx="1">
+            <a:schemeClr val="accent2"/>
+          </a:effectRef>
+          <a:fontRef idx="minor">
+            <a:schemeClr val="tx1"/>
+          </a:fontRef>
+        </p:style>
+        <p:txBody>
+          <a:bodyPr vert="horz" wrap="none" lIns="91440" tIns="45720" rIns="91440" bIns="45720" rtlCol="0" anchor="ctr" compatLnSpc="1"/>
+          <a:lstStyle/>
+          <a:p>
+            <a:pPr marL="0" marR="0" indent="0" algn="ctr" defTabSz="914400" rtl="0" eaLnBrk="0" fontAlgn="base" latinLnBrk="0" hangingPunct="0">
+              <a:lnSpc>
+                <a:spcPct val="100000"/>
+              </a:lnSpc>
+              <a:spcBef>
+                <a:spcPct val="0"/>
+              </a:spcBef>
+              <a:spcAft>
+                <a:spcPct val="0"/>
+              </a:spcAft>
+              <a:buNone/>
+              <a:tabLst/>
+            </a:pPr>
+            <a:endParaRPr kumimoji="0" lang="en-US" sz="1600" b="1" i="0" u="none" strike="noStrike" baseline="0">
+              <a:solidFill>
+                <a:schemeClr val="tx1">
+                  <a:alpha val="100000"/>
+                </a:schemeClr>
+              </a:solidFill>
+              <a:effectLst/>
+              <a:latin typeface="Arial"/>
+            </a:endParaRPr>
+          </a:p>
+        </p:txBody>
+      </p:sp>
+    </p:spTree>
+    <p:extLst>
+      <p:ext uri="{BB962C8B-B14F-4D97-AF65-F5344CB8AC3E}">
+        <p14:creationId xmlns:p14="http://schemas.microsoft.com/office/powerpoint/2010/main" val="1733411614"/>
+      </p:ext>
+    </p:extLst>
+  </p:cSld>
+  <p:clrMapOvr>
+    <a:masterClrMapping/>
+  </p:clrMapOvr>
+  <p:transition>
+    <p:fade/>
+  </p:transition>
+  <p:timing>
+    <p:tnLst>
+      <p:par>
+        <p:cTn id="1" dur="indefinite" restart="never" nodeType="tmRoot">
+          <p:childTnLst>
+            <p:seq concurrent="1" nextAc="seek">
+              <p:cTn id="2" dur="indefinite" nodeType="mainSeq">
+                <p:childTnLst>
+                  <p:par>
+                    <p:cTn id="3" fill="hold">
+                      <p:stCondLst>
+                        <p:cond delay="indefinite"/>
+                      </p:stCondLst>
+                      <p:childTnLst>
+                        <p:par>
+                          <p:cTn id="4" fill="hold">
+                            <p:stCondLst>
+                              <p:cond delay="0"/>
+                            </p:stCondLst>
+                            <p:childTnLst>
+                              <p:par>
+                                <p:cTn id="5" presetID="10" presetClass="entr" presetSubtype="0" fill="hold" grpId="0" nodeType="clickEffect">
+                                  <p:stCondLst>
+                                    <p:cond delay="0"/>
+                                  </p:stCondLst>
+                                  <p:childTnLst>
+                                    <p:set>
+                                      <p:cBhvr>
+                                        <p:cTn id="6" dur="1" fill="hold">
+                                          <p:stCondLst>
+                                            <p:cond delay="0"/>
+                                          </p:stCondLst>
+                                        </p:cTn>
+                                        <p:tgtEl>
+                                          <p:spTgt spid="3">
+                                            <p:txEl>
+                                              <p:pRg st="0" end="0"/>
+                                            </p:txEl>
+                                          </p:spTgt>
+                                        </p:tgtEl>
+                                        <p:attrNameLst>
+                                          <p:attrName>style.visibility</p:attrName>
+                                        </p:attrNameLst>
+                                      </p:cBhvr>
+                                      <p:to>
+                                        <p:strVal val="visible"/>
+                                      </p:to>
+                                    </p:set>
+                                    <p:animEffect transition="in" filter="fade">
+                                      <p:cBhvr>
+                                        <p:cTn id="7" dur="500"/>
+                                        <p:tgtEl>
+                                          <p:spTgt spid="3">
+                                            <p:txEl>
+                                              <p:pRg st="0" end="0"/>
+                                            </p:txEl>
+                                          </p:spTgt>
+                                        </p:tgtEl>
+                                      </p:cBhvr>
+                                    </p:animEffect>
+                                  </p:childTnLst>
+                                </p:cTn>
+                              </p:par>
+                              <p:par>
+                                <p:cTn id="8" presetID="1" presetClass="entr" presetSubtype="0" fill="hold" nodeType="withEffect">
+                                  <p:stCondLst>
+                                    <p:cond delay="0"/>
+                                  </p:stCondLst>
+                                  <p:childTnLst>
+                                    <p:set>
+                                      <p:cBhvr>
+                                        <p:cTn id="9" dur="1" fill="hold">
+                                          <p:stCondLst>
+                                            <p:cond delay="0"/>
+                                          </p:stCondLst>
+                                        </p:cTn>
+                                        <p:tgtEl>
+                                          <p:spTgt spid="8"/>
+                                        </p:tgtEl>
+                                        <p:attrNameLst>
+                                          <p:attrName>style.visibility</p:attrName>
+                                        </p:attrNameLst>
+                                      </p:cBhvr>
+                                      <p:to>
+                                        <p:strVal val="visible"/>
+                                      </p:to>
+                                    </p:set>
+                                  </p:childTnLst>
+                                </p:cTn>
+                              </p:par>
+                            </p:childTnLst>
+                          </p:cTn>
+                        </p:par>
+                      </p:childTnLst>
+                    </p:cTn>
+                  </p:par>
+                  <p:par>
+                    <p:cTn id="10" fill="hold">
+                      <p:stCondLst>
+                        <p:cond delay="indefinite"/>
+                      </p:stCondLst>
+                      <p:childTnLst>
+                        <p:par>
+                          <p:cTn id="11" fill="hold">
+                            <p:stCondLst>
+                              <p:cond delay="0"/>
+                            </p:stCondLst>
+                            <p:childTnLst>
+                              <p:par>
+                                <p:cTn id="12" presetID="1" presetClass="entr" presetSubtype="0" fill="hold" nodeType="clickEffect">
+                                  <p:stCondLst>
+                                    <p:cond delay="0"/>
+                                  </p:stCondLst>
+                                  <p:childTnLst>
+                                    <p:set>
+                                      <p:cBhvr>
+                                        <p:cTn id="13" dur="1" fill="hold">
+                                          <p:stCondLst>
+                                            <p:cond delay="0"/>
+                                          </p:stCondLst>
+                                        </p:cTn>
+                                        <p:tgtEl>
+                                          <p:spTgt spid="9"/>
+                                        </p:tgtEl>
+                                        <p:attrNameLst>
+                                          <p:attrName>style.visibility</p:attrName>
+                                        </p:attrNameLst>
+                                      </p:cBhvr>
+                                      <p:to>
+                                        <p:strVal val="visible"/>
+                                      </p:to>
+                                    </p:set>
+                                  </p:childTnLst>
+                                </p:cTn>
+                              </p:par>
+                              <p:par>
+                                <p:cTn id="14" presetID="1" presetClass="entr" presetSubtype="0" fill="hold" grpId="0" nodeType="withEffect">
+                                  <p:stCondLst>
+                                    <p:cond delay="0"/>
+                                  </p:stCondLst>
+                                  <p:childTnLst>
+                                    <p:set>
+                                      <p:cBhvr>
+                                        <p:cTn id="15" dur="1" fill="hold">
+                                          <p:stCondLst>
+                                            <p:cond delay="0"/>
+                                          </p:stCondLst>
+                                        </p:cTn>
+                                        <p:tgtEl>
+                                          <p:spTgt spid="10"/>
+                                        </p:tgtEl>
+                                        <p:attrNameLst>
+                                          <p:attrName>style.visibility</p:attrName>
+                                        </p:attrNameLst>
+                                      </p:cBhvr>
+                                      <p:to>
+                                        <p:strVal val="visible"/>
+                                      </p:to>
+                                    </p:set>
+                                  </p:childTnLst>
+                                </p:cTn>
+                              </p:par>
+                            </p:childTnLst>
+                          </p:cTn>
+                        </p:par>
+                      </p:childTnLst>
+                    </p:cTn>
+                  </p:par>
+                  <p:par>
+                    <p:cTn id="16" fill="hold">
+                      <p:stCondLst>
+                        <p:cond delay="indefinite"/>
+                      </p:stCondLst>
+                      <p:childTnLst>
+                        <p:par>
+                          <p:cTn id="17" fill="hold">
+                            <p:stCondLst>
+                              <p:cond delay="0"/>
+                            </p:stCondLst>
+                            <p:childTnLst>
+                              <p:par>
+                                <p:cTn id="18" presetID="1" presetClass="entr" presetSubtype="0" fill="hold" nodeType="clickEffect">
+                                  <p:stCondLst>
+                                    <p:cond delay="0"/>
+                                  </p:stCondLst>
+                                  <p:childTnLst>
+                                    <p:set>
+                                      <p:cBhvr>
+                                        <p:cTn id="19" dur="1" fill="hold">
+                                          <p:stCondLst>
+                                            <p:cond delay="0"/>
+                                          </p:stCondLst>
+                                        </p:cTn>
+                                        <p:tgtEl>
+                                          <p:spTgt spid="7"/>
+                                        </p:tgtEl>
+                                        <p:attrNameLst>
+                                          <p:attrName>style.visibility</p:attrName>
+                                        </p:attrNameLst>
+                                      </p:cBhvr>
+                                      <p:to>
+                                        <p:strVal val="visible"/>
+                                      </p:to>
+                                    </p:set>
+                                  </p:childTnLst>
+                                </p:cTn>
+                              </p:par>
+                              <p:par>
+                                <p:cTn id="20" presetID="1" presetClass="entr" presetSubtype="0" fill="hold" grpId="0" nodeType="withEffect">
+                                  <p:stCondLst>
+                                    <p:cond delay="0"/>
+                                  </p:stCondLst>
+                                  <p:childTnLst>
+                                    <p:set>
+                                      <p:cBhvr>
+                                        <p:cTn id="21" dur="1" fill="hold">
+                                          <p:stCondLst>
+                                            <p:cond delay="0"/>
+                                          </p:stCondLst>
+                                        </p:cTn>
+                                        <p:tgtEl>
+                                          <p:spTgt spid="11"/>
+                                        </p:tgtEl>
+                                        <p:attrNameLst>
+                                          <p:attrName>style.visibility</p:attrName>
+                                        </p:attrNameLst>
+                                      </p:cBhvr>
+                                      <p:to>
+                                        <p:strVal val="visible"/>
+                                      </p:to>
+                                    </p:set>
+                                  </p:childTnLst>
+                                </p:cTn>
+                              </p:par>
+                            </p:childTnLst>
+                          </p:cTn>
+                        </p:par>
+                      </p:childTnLst>
+                    </p:cTn>
+                  </p:par>
+                  <p:par>
+                    <p:cTn id="22" fill="hold">
+                      <p:stCondLst>
+                        <p:cond delay="indefinite"/>
+                      </p:stCondLst>
+                      <p:childTnLst>
+                        <p:par>
+                          <p:cTn id="23" fill="hold">
+                            <p:stCondLst>
+                              <p:cond delay="0"/>
+                            </p:stCondLst>
+                            <p:childTnLst>
+                              <p:par>
+                                <p:cTn id="24" presetID="1" presetClass="entr" presetSubtype="0" fill="hold" nodeType="clickEffect">
+                                  <p:stCondLst>
+                                    <p:cond delay="0"/>
+                                  </p:stCondLst>
+                                  <p:childTnLst>
+                                    <p:set>
+                                      <p:cBhvr>
+                                        <p:cTn id="25" dur="1" fill="hold">
+                                          <p:stCondLst>
+                                            <p:cond delay="0"/>
+                                          </p:stCondLst>
+                                        </p:cTn>
+                                        <p:tgtEl>
+                                          <p:spTgt spid="13"/>
+                                        </p:tgtEl>
+                                        <p:attrNameLst>
+                                          <p:attrName>style.visibility</p:attrName>
+                                        </p:attrNameLst>
+                                      </p:cBhvr>
+                                      <p:to>
+                                        <p:strVal val="visible"/>
+                                      </p:to>
+                                    </p:set>
+                                  </p:childTnLst>
+                                </p:cTn>
+                              </p:par>
+                              <p:par>
+                                <p:cTn id="26" presetID="1" presetClass="entr" presetSubtype="0" fill="hold" grpId="0" nodeType="withEffect">
+                                  <p:stCondLst>
+                                    <p:cond delay="0"/>
+                                  </p:stCondLst>
+                                  <p:childTnLst>
+                                    <p:set>
+                                      <p:cBhvr>
+                                        <p:cTn id="27" dur="1" fill="hold">
+                                          <p:stCondLst>
+                                            <p:cond delay="0"/>
+                                          </p:stCondLst>
+                                        </p:cTn>
+                                        <p:tgtEl>
+                                          <p:spTgt spid="14"/>
+                                        </p:tgtEl>
+                                        <p:attrNameLst>
+                                          <p:attrName>style.visibility</p:attrName>
+                                        </p:attrNameLst>
+                                      </p:cBhvr>
+                                      <p:to>
+                                        <p:strVal val="visible"/>
+                                      </p:to>
+                                    </p:set>
+                                  </p:childTnLst>
+                                </p:cTn>
+                              </p:par>
+                              <p:par>
+                                <p:cTn id="28" presetID="1" presetClass="entr" presetSubtype="0" fill="hold" grpId="0" nodeType="withEffect">
+                                  <p:stCondLst>
+                                    <p:cond delay="0"/>
+                                  </p:stCondLst>
+                                  <p:childTnLst>
+                                    <p:set>
+                                      <p:cBhvr>
+                                        <p:cTn id="29" dur="1" fill="hold">
+                                          <p:stCondLst>
+                                            <p:cond delay="0"/>
+                                          </p:stCondLst>
+                                        </p:cTn>
+                                        <p:tgtEl>
+                                          <p:spTgt spid="6"/>
+                                        </p:tgtEl>
+                                        <p:attrNameLst>
+                                          <p:attrName>style.visibility</p:attrName>
+                                        </p:attrNameLst>
+                                      </p:cBhvr>
+                                      <p:to>
+                                        <p:strVal val="visible"/>
+                                      </p:to>
+                                    </p:set>
+                                  </p:childTnLst>
+                                </p:cTn>
+                              </p:par>
+                            </p:childTnLst>
+                          </p:cTn>
+                        </p:par>
+                      </p:childTnLst>
+                    </p:cTn>
+                  </p:par>
+                </p:childTnLst>
+              </p:cTn>
+              <p:prevCondLst>
+                <p:cond evt="onPrev" delay="0">
+                  <p:tgtEl>
+                    <p:sldTgt/>
+                  </p:tgtEl>
+                </p:cond>
+              </p:prevCondLst>
+              <p:nextCondLst>
+                <p:cond evt="onNext" delay="0">
+                  <p:tgtEl>
+                    <p:sldTgt/>
+                  </p:tgtEl>
+                </p:cond>
+              </p:nextCondLst>
+            </p:seq>
+          </p:childTnLst>
+        </p:cTn>
+      </p:par>
+    </p:tnLst>
+    <p:bldLst>
+      <p:bldP spid="3" grpId="0" build="p"/>
+      <p:bldP spid="10" grpId="0"/>
+      <p:bldP spid="11" grpId="0"/>
+      <p:bldP spid="14" grpId="0"/>
+      <p:bldP spid="6" grpId="0" animBg="1"/>
+    </p:bldLst>
+  </p:timing>
+</p:sld>
+</file>
+
+<file path=ppt/slides/slide18.xml><?xml version="1.0" encoding="utf-8"?>
+<p:sld xmlns:a="http://schemas.openxmlformats.org/drawingml/2006/main" xmlns:r="http://schemas.openxmlformats.org/officeDocument/2006/relationships" xmlns:p="http://schemas.openxmlformats.org/presentationml/2006/main" show="0">
+  <p:cSld>
+    <p:bg>
+      <p:bgPr>
+        <a:solidFill>
+          <a:schemeClr val="accent2"/>
+        </a:solidFill>
+        <a:effectLst/>
+      </p:bgPr>
+    </p:bg>
+    <p:spTree>
+      <p:nvGrpSpPr>
+        <p:cNvPr id="1" name=""/>
+        <p:cNvGrpSpPr/>
+        <p:nvPr/>
+      </p:nvGrpSpPr>
+      <p:grpSpPr>
+        <a:xfrm>
+          <a:off x="0" y="0"/>
+          <a:ext cx="0" cy="0"/>
+          <a:chOff x="0" y="0"/>
+          <a:chExt cx="0" cy="0"/>
+        </a:xfrm>
+      </p:grpSpPr>
+      <p:sp>
+        <p:nvSpPr>
+          <p:cNvPr id="2" name="Title 1"/>
+          <p:cNvSpPr>
+            <a:spLocks noGrp="1"/>
+          </p:cNvSpPr>
+          <p:nvPr>
+            <p:ph type="title"/>
+          </p:nvPr>
+        </p:nvSpPr>
+        <p:spPr/>
+        <p:txBody>
+          <a:bodyPr/>
+          <a:lstStyle/>
+          <a:p>
+            <a:r>
+              <a:rPr lang="en-US" dirty="0" smtClean="0"/>
+              <a:t>END OF Overview Slides		</a:t>
+            </a:r>
+            <a:endParaRPr lang="en-GB" dirty="0"/>
+          </a:p>
+        </p:txBody>
+      </p:sp>
+      <p:sp>
+        <p:nvSpPr>
+          <p:cNvPr id="3" name="Text Placeholder 2"/>
+          <p:cNvSpPr>
+            <a:spLocks noGrp="1"/>
+          </p:cNvSpPr>
+          <p:nvPr>
+            <p:ph type="body" idx="1"/>
+          </p:nvPr>
+        </p:nvSpPr>
+        <p:spPr/>
+        <p:txBody>
+          <a:bodyPr/>
+          <a:lstStyle/>
+          <a:p>
+            <a:pPr marL="0" indent="0">
+              <a:buNone/>
+            </a:pPr>
+            <a:r>
+              <a:rPr lang="en-GB" dirty="0" smtClean="0"/>
+              <a:t>	</a:t>
+            </a:r>
+            <a:endParaRPr lang="en-GB" dirty="0"/>
+          </a:p>
+        </p:txBody>
+      </p:sp>
+    </p:spTree>
+    <p:extLst>
+      <p:ext uri="{BB962C8B-B14F-4D97-AF65-F5344CB8AC3E}">
+        <p14:creationId xmlns:p14="http://schemas.microsoft.com/office/powerpoint/2010/main" val="2063079255"/>
+      </p:ext>
+    </p:extLst>
+  </p:cSld>
+  <p:clrMapOvr>
+    <a:masterClrMapping/>
+  </p:clrMapOvr>
+  <p:transition>
+    <p:fade/>
+  </p:transition>
+  <p:timing>
+    <p:tnLst>
+      <p:par>
+        <p:cTn id="1" dur="indefinite" restart="never" nodeType="tmRoot"/>
+      </p:par>
+    </p:tnLst>
+  </p:timing>
+</p:sld>
+</file>
+
+<file path=ppt/slides/slide19.xml><?xml version="1.0" encoding="utf-8"?>
+<p:sld xmlns:a="http://schemas.openxmlformats.org/drawingml/2006/main" xmlns:r="http://schemas.openxmlformats.org/officeDocument/2006/relationships" xmlns:p="http://schemas.openxmlformats.org/presentationml/2006/main">
+  <p:cSld>
+    <p:spTree>
+      <p:nvGrpSpPr>
+        <p:cNvPr id="1" name=""/>
+        <p:cNvGrpSpPr/>
+        <p:nvPr/>
+      </p:nvGrpSpPr>
+      <p:grpSpPr>
+        <a:xfrm>
+          <a:off x="0" y="0"/>
+          <a:ext cx="0" cy="0"/>
+          <a:chOff x="0" y="0"/>
+          <a:chExt cx="0" cy="0"/>
+        </a:xfrm>
+      </p:grpSpPr>
+      <p:sp>
+        <p:nvSpPr>
+          <p:cNvPr id="2" name="Title 1"/>
+          <p:cNvSpPr>
+            <a:spLocks noGrp="1"/>
+          </p:cNvSpPr>
+          <p:nvPr>
+            <p:ph type="title"/>
+          </p:nvPr>
+        </p:nvSpPr>
+        <p:spPr/>
+        <p:txBody>
+          <a:bodyPr/>
+          <a:lstStyle/>
+          <a:p>
+            <a:r>
+              <a:rPr lang="en-US" dirty="0" smtClean="0"/>
+              <a:t>Agenda		</a:t>
+            </a:r>
+            <a:endParaRPr lang="en-GB" dirty="0"/>
+          </a:p>
+        </p:txBody>
+      </p:sp>
+      <p:sp>
+        <p:nvSpPr>
+          <p:cNvPr id="3" name="Text Placeholder 2"/>
+          <p:cNvSpPr>
+            <a:spLocks noGrp="1"/>
+          </p:cNvSpPr>
+          <p:nvPr>
+            <p:ph type="body" idx="1"/>
+          </p:nvPr>
+        </p:nvSpPr>
+        <p:spPr/>
+        <p:txBody>
+          <a:bodyPr/>
+          <a:lstStyle/>
+          <a:p>
+            <a:r>
+              <a:rPr lang="en-US" dirty="0"/>
+              <a:t>Creating our View Model</a:t>
+            </a:r>
+          </a:p>
+          <a:p>
+            <a:r>
+              <a:rPr lang="en-GB" dirty="0"/>
+              <a:t>Creating our HTML View</a:t>
+            </a:r>
+          </a:p>
+          <a:p>
+            <a:r>
+              <a:rPr lang="en-GB" dirty="0"/>
+              <a:t>Fetching data via Ajax</a:t>
+            </a:r>
+          </a:p>
+          <a:p>
+            <a:r>
+              <a:rPr lang="en-GB" dirty="0">
+                <a:solidFill>
+                  <a:schemeClr val="accent6">
+                    <a:lumMod val="75000"/>
+                  </a:schemeClr>
+                </a:solidFill>
+              </a:rPr>
+              <a:t>Applying styles to an HTML element via Knockout</a:t>
+            </a:r>
+          </a:p>
+          <a:p>
+            <a:r>
+              <a:rPr lang="en-GB" dirty="0"/>
+              <a:t>Formatting data via Computed Observables</a:t>
+            </a:r>
+          </a:p>
+        </p:txBody>
+      </p:sp>
+    </p:spTree>
+    <p:extLst>
+      <p:ext uri="{BB962C8B-B14F-4D97-AF65-F5344CB8AC3E}">
+        <p14:creationId xmlns:p14="http://schemas.microsoft.com/office/powerpoint/2010/main" val="1096466256"/>
+      </p:ext>
+    </p:extLst>
+  </p:cSld>
+  <p:clrMapOvr>
+    <a:masterClrMapping/>
+  </p:clrMapOvr>
+  <p:transition>
+    <p:fade/>
+  </p:transition>
+  <p:timing>
+    <p:tnLst>
+      <p:par>
+        <p:cTn id="1" dur="indefinite" restart="never" nodeType="tmRoot"/>
+      </p:par>
+    </p:tnLst>
+  </p:timing>
+</p:sld>
+</file>
+
+<file path=ppt/slides/slide2.xml><?xml version="1.0" encoding="utf-8"?>
+<p:sld xmlns:a="http://schemas.openxmlformats.org/drawingml/2006/main" xmlns:r="http://schemas.openxmlformats.org/officeDocument/2006/relationships" xmlns:p="http://schemas.openxmlformats.org/presentationml/2006/main">
+  <p:cSld>
+    <p:spTree>
+      <p:nvGrpSpPr>
+        <p:cNvPr id="1" name=""/>
+        <p:cNvGrpSpPr/>
+        <p:nvPr/>
+      </p:nvGrpSpPr>
+      <p:grpSpPr>
+        <a:xfrm>
+          <a:off x="0" y="0"/>
+          <a:ext cx="0" cy="0"/>
+          <a:chOff x="0" y="0"/>
+          <a:chExt cx="0" cy="0"/>
+        </a:xfrm>
+      </p:grpSpPr>
+      <p:sp>
+        <p:nvSpPr>
+          <p:cNvPr id="2" name="Title 1"/>
+          <p:cNvSpPr>
+            <a:spLocks noGrp="1"/>
+          </p:cNvSpPr>
+          <p:nvPr>
+            <p:ph type="title"/>
+          </p:nvPr>
+        </p:nvSpPr>
+        <p:spPr/>
+        <p:txBody>
+          <a:bodyPr/>
+          <a:lstStyle/>
+          <a:p>
+            <a:r>
+              <a:rPr lang="en-US" dirty="0" smtClean="0"/>
+              <a:t>Agenda		</a:t>
+            </a:r>
+            <a:endParaRPr lang="en-GB" dirty="0"/>
+          </a:p>
+        </p:txBody>
+      </p:sp>
+      <p:sp>
+        <p:nvSpPr>
+          <p:cNvPr id="3" name="Text Placeholder 2"/>
+          <p:cNvSpPr>
+            <a:spLocks noGrp="1"/>
+          </p:cNvSpPr>
+          <p:nvPr>
+            <p:ph type="body" idx="1"/>
+          </p:nvPr>
+        </p:nvSpPr>
+        <p:spPr/>
+        <p:txBody>
+          <a:bodyPr/>
+          <a:lstStyle/>
+          <a:p>
+            <a:r>
+              <a:rPr lang="en-US" dirty="0" smtClean="0">
+                <a:latin typeface="+mn-lt"/>
+              </a:rPr>
+              <a:t>Create our first Knockout View Model</a:t>
+            </a:r>
+          </a:p>
+          <a:p>
+            <a:pPr lvl="1"/>
+            <a:r>
+              <a:rPr lang="en-US" dirty="0" smtClean="0">
+                <a:latin typeface="+mn-lt"/>
+              </a:rPr>
+              <a:t>Knockout </a:t>
+            </a:r>
+            <a:r>
+              <a:rPr lang="en-US" dirty="0" err="1" smtClean="0">
+                <a:latin typeface="+mn-lt"/>
+              </a:rPr>
+              <a:t>vs</a:t>
+            </a:r>
+            <a:r>
+              <a:rPr lang="en-US" dirty="0" smtClean="0">
+                <a:latin typeface="+mn-lt"/>
+              </a:rPr>
+              <a:t> XAML </a:t>
+            </a:r>
+            <a:r>
+              <a:rPr lang="en-US" dirty="0" err="1" smtClean="0">
+                <a:latin typeface="+mn-lt"/>
+              </a:rPr>
+              <a:t>ViewModel</a:t>
+            </a:r>
+            <a:endParaRPr lang="en-US" dirty="0" smtClean="0">
+              <a:latin typeface="+mn-lt"/>
+            </a:endParaRPr>
+          </a:p>
+          <a:p>
+            <a:pPr marL="457200" lvl="1" indent="0">
+              <a:buNone/>
+            </a:pPr>
+            <a:endParaRPr lang="en-US" dirty="0" smtClean="0">
+              <a:latin typeface="+mn-lt"/>
+            </a:endParaRPr>
+          </a:p>
+          <a:p>
+            <a:r>
+              <a:rPr lang="en-GB" dirty="0" smtClean="0"/>
+              <a:t>Create our first HTML View</a:t>
+            </a:r>
+          </a:p>
+          <a:p>
+            <a:pPr lvl="1"/>
+            <a:r>
+              <a:rPr lang="en-GB" dirty="0" smtClean="0"/>
+              <a:t>Compare layout in HTML </a:t>
+            </a:r>
+            <a:r>
+              <a:rPr lang="en-GB" dirty="0" err="1" smtClean="0"/>
+              <a:t>vs</a:t>
+            </a:r>
+            <a:r>
+              <a:rPr lang="en-GB" dirty="0" smtClean="0"/>
+              <a:t> XAML</a:t>
+            </a:r>
+          </a:p>
+          <a:p>
+            <a:pPr marL="457200" lvl="1" indent="0">
+              <a:buNone/>
+            </a:pPr>
+            <a:endParaRPr lang="en-GB" dirty="0" smtClean="0"/>
+          </a:p>
+          <a:p>
+            <a:r>
+              <a:rPr lang="en-GB" dirty="0" smtClean="0"/>
+              <a:t>Fetch data via </a:t>
+            </a:r>
+            <a:r>
+              <a:rPr lang="en-GB" dirty="0" err="1" smtClean="0"/>
+              <a:t>ajax</a:t>
+            </a:r>
+            <a:r>
+              <a:rPr lang="en-GB" dirty="0" smtClean="0"/>
+              <a:t> from our Web API endpoint</a:t>
+            </a:r>
+          </a:p>
+          <a:p>
+            <a:pPr lvl="1"/>
+            <a:r>
+              <a:rPr lang="en-GB" dirty="0" smtClean="0"/>
+              <a:t>Ajax </a:t>
+            </a:r>
+            <a:r>
+              <a:rPr lang="en-GB" dirty="0" err="1" smtClean="0"/>
+              <a:t>vs</a:t>
+            </a:r>
+            <a:r>
+              <a:rPr lang="en-GB" dirty="0" smtClean="0"/>
+              <a:t> </a:t>
+            </a:r>
+            <a:r>
+              <a:rPr lang="en-GB" dirty="0" err="1" smtClean="0"/>
+              <a:t>RestClient</a:t>
+            </a:r>
+            <a:endParaRPr lang="en-GB" dirty="0" smtClean="0"/>
+          </a:p>
+          <a:p>
+            <a:pPr lvl="1"/>
+            <a:endParaRPr lang="en-GB" dirty="0"/>
+          </a:p>
+          <a:p>
+            <a:r>
+              <a:rPr lang="en-GB" dirty="0"/>
+              <a:t>Apply styles to an HTML element via Knockout</a:t>
+            </a:r>
+          </a:p>
+          <a:p>
+            <a:pPr lvl="1"/>
+            <a:r>
+              <a:rPr lang="en-GB" dirty="0"/>
+              <a:t>Knockout </a:t>
+            </a:r>
+            <a:r>
+              <a:rPr lang="en-GB" dirty="0" err="1"/>
+              <a:t>css</a:t>
+            </a:r>
+            <a:r>
+              <a:rPr lang="en-GB" dirty="0"/>
+              <a:t> binding </a:t>
+            </a:r>
+            <a:r>
+              <a:rPr lang="en-GB" dirty="0" err="1"/>
+              <a:t>vs</a:t>
+            </a:r>
+            <a:r>
+              <a:rPr lang="en-GB" dirty="0"/>
+              <a:t> </a:t>
+            </a:r>
+            <a:r>
+              <a:rPr lang="en-GB" dirty="0" err="1" smtClean="0"/>
+              <a:t>StyleConverters</a:t>
+            </a:r>
+            <a:endParaRPr lang="en-GB" dirty="0" smtClean="0"/>
+          </a:p>
+          <a:p>
+            <a:pPr lvl="1"/>
+            <a:endParaRPr lang="en-GB" dirty="0"/>
+          </a:p>
+          <a:p>
+            <a:r>
+              <a:rPr lang="en-GB" dirty="0" smtClean="0"/>
+              <a:t>Formatting data via Computed Observables</a:t>
+            </a:r>
+            <a:endParaRPr lang="en-GB" dirty="0"/>
+          </a:p>
+          <a:p>
+            <a:pPr lvl="1"/>
+            <a:r>
+              <a:rPr lang="en-GB" dirty="0"/>
+              <a:t>Knockout </a:t>
+            </a:r>
+            <a:r>
+              <a:rPr lang="en-GB" dirty="0" smtClean="0"/>
+              <a:t>computed </a:t>
+            </a:r>
+            <a:r>
+              <a:rPr lang="en-GB" dirty="0" err="1" smtClean="0"/>
+              <a:t>vs</a:t>
+            </a:r>
+            <a:r>
+              <a:rPr lang="en-GB" dirty="0" smtClean="0"/>
+              <a:t> Formatters</a:t>
+            </a:r>
+            <a:endParaRPr lang="en-GB" dirty="0"/>
+          </a:p>
+          <a:p>
+            <a:pPr marL="457200" lvl="1" indent="0">
+              <a:buNone/>
+            </a:pPr>
+            <a:endParaRPr lang="en-GB" dirty="0"/>
+          </a:p>
+        </p:txBody>
+      </p:sp>
+    </p:spTree>
+    <p:extLst>
+      <p:ext uri="{BB962C8B-B14F-4D97-AF65-F5344CB8AC3E}">
+        <p14:creationId xmlns:p14="http://schemas.microsoft.com/office/powerpoint/2010/main" val="1673983500"/>
+      </p:ext>
+    </p:extLst>
+  </p:cSld>
+  <p:clrMapOvr>
+    <a:masterClrMapping/>
+  </p:clrMapOvr>
+  <p:transition>
+    <p:fade/>
+  </p:transition>
+  <p:timing>
+    <p:tnLst>
+      <p:par>
+        <p:cTn id="1" dur="indefinite" restart="never" nodeType="tmRoot">
+          <p:childTnLst>
+            <p:seq concurrent="1" nextAc="seek">
+              <p:cTn id="2" dur="indefinite" nodeType="mainSeq">
+                <p:childTnLst>
+                  <p:par>
+                    <p:cTn id="3" fill="hold">
+                      <p:stCondLst>
+                        <p:cond delay="indefinite"/>
+                      </p:stCondLst>
+                      <p:childTnLst>
+                        <p:par>
+                          <p:cTn id="4" fill="hold">
+                            <p:stCondLst>
+                              <p:cond delay="0"/>
+                            </p:stCondLst>
+                            <p:childTnLst>
+                              <p:par>
+                                <p:cTn id="5" presetID="10" presetClass="entr" presetSubtype="0" fill="hold" grpId="0" nodeType="clickEffect">
+                                  <p:stCondLst>
+                                    <p:cond delay="0"/>
+                                  </p:stCondLst>
+                                  <p:childTnLst>
+                                    <p:set>
+                                      <p:cBhvr>
+                                        <p:cTn id="6" dur="1" fill="hold">
+                                          <p:stCondLst>
+                                            <p:cond delay="0"/>
+                                          </p:stCondLst>
+                                        </p:cTn>
+                                        <p:tgtEl>
+                                          <p:spTgt spid="3">
+                                            <p:txEl>
+                                              <p:pRg st="0" end="0"/>
+                                            </p:txEl>
+                                          </p:spTgt>
+                                        </p:tgtEl>
+                                        <p:attrNameLst>
+                                          <p:attrName>style.visibility</p:attrName>
+                                        </p:attrNameLst>
+                                      </p:cBhvr>
+                                      <p:to>
+                                        <p:strVal val="visible"/>
+                                      </p:to>
+                                    </p:set>
+                                    <p:animEffect transition="in" filter="fade">
+                                      <p:cBhvr>
+                                        <p:cTn id="7" dur="500"/>
+                                        <p:tgtEl>
+                                          <p:spTgt spid="3">
+                                            <p:txEl>
+                                              <p:pRg st="0" end="0"/>
+                                            </p:txEl>
+                                          </p:spTgt>
+                                        </p:tgtEl>
+                                      </p:cBhvr>
+                                    </p:animEffect>
+                                  </p:childTnLst>
+                                </p:cTn>
+                              </p:par>
+                              <p:par>
+                                <p:cTn id="8" presetID="10" presetClass="entr" presetSubtype="0" fill="hold" grpId="0" nodeType="withEffect">
+                                  <p:stCondLst>
+                                    <p:cond delay="0"/>
+                                  </p:stCondLst>
+                                  <p:childTnLst>
+                                    <p:set>
+                                      <p:cBhvr>
+                                        <p:cTn id="9" dur="1" fill="hold">
+                                          <p:stCondLst>
+                                            <p:cond delay="0"/>
+                                          </p:stCondLst>
+                                        </p:cTn>
+                                        <p:tgtEl>
+                                          <p:spTgt spid="3">
+                                            <p:txEl>
+                                              <p:pRg st="1" end="1"/>
+                                            </p:txEl>
+                                          </p:spTgt>
+                                        </p:tgtEl>
+                                        <p:attrNameLst>
+                                          <p:attrName>style.visibility</p:attrName>
+                                        </p:attrNameLst>
+                                      </p:cBhvr>
+                                      <p:to>
+                                        <p:strVal val="visible"/>
+                                      </p:to>
+                                    </p:set>
+                                    <p:animEffect transition="in" filter="fade">
+                                      <p:cBhvr>
+                                        <p:cTn id="10" dur="500"/>
+                                        <p:tgtEl>
+                                          <p:spTgt spid="3">
+                                            <p:txEl>
+                                              <p:pRg st="1" end="1"/>
+                                            </p:txEl>
+                                          </p:spTgt>
+                                        </p:tgtEl>
+                                      </p:cBhvr>
+                                    </p:animEffect>
+                                  </p:childTnLst>
+                                </p:cTn>
+                              </p:par>
+                            </p:childTnLst>
+                          </p:cTn>
+                        </p:par>
+                      </p:childTnLst>
+                    </p:cTn>
+                  </p:par>
+                  <p:par>
+                    <p:cTn id="11" fill="hold">
+                      <p:stCondLst>
+                        <p:cond delay="indefinite"/>
+                      </p:stCondLst>
+                      <p:childTnLst>
+                        <p:par>
+                          <p:cTn id="12" fill="hold">
+                            <p:stCondLst>
+                              <p:cond delay="0"/>
+                            </p:stCondLst>
+                            <p:childTnLst>
+                              <p:par>
+                                <p:cTn id="13" presetID="10" presetClass="entr" presetSubtype="0" fill="hold" grpId="0" nodeType="clickEffect">
+                                  <p:stCondLst>
+                                    <p:cond delay="0"/>
+                                  </p:stCondLst>
+                                  <p:childTnLst>
+                                    <p:set>
+                                      <p:cBhvr>
+                                        <p:cTn id="14" dur="1" fill="hold">
+                                          <p:stCondLst>
+                                            <p:cond delay="0"/>
+                                          </p:stCondLst>
+                                        </p:cTn>
+                                        <p:tgtEl>
+                                          <p:spTgt spid="3">
+                                            <p:txEl>
+                                              <p:pRg st="3" end="3"/>
+                                            </p:txEl>
+                                          </p:spTgt>
+                                        </p:tgtEl>
+                                        <p:attrNameLst>
+                                          <p:attrName>style.visibility</p:attrName>
+                                        </p:attrNameLst>
+                                      </p:cBhvr>
+                                      <p:to>
+                                        <p:strVal val="visible"/>
+                                      </p:to>
+                                    </p:set>
+                                    <p:animEffect transition="in" filter="fade">
+                                      <p:cBhvr>
+                                        <p:cTn id="15" dur="500"/>
+                                        <p:tgtEl>
+                                          <p:spTgt spid="3">
+                                            <p:txEl>
+                                              <p:pRg st="3" end="3"/>
+                                            </p:txEl>
+                                          </p:spTgt>
+                                        </p:tgtEl>
+                                      </p:cBhvr>
+                                    </p:animEffect>
+                                  </p:childTnLst>
+                                </p:cTn>
+                              </p:par>
+                              <p:par>
+                                <p:cTn id="16" presetID="10" presetClass="entr" presetSubtype="0" fill="hold" grpId="0" nodeType="withEffect">
+                                  <p:stCondLst>
+                                    <p:cond delay="0"/>
+                                  </p:stCondLst>
+                                  <p:childTnLst>
+                                    <p:set>
+                                      <p:cBhvr>
+                                        <p:cTn id="17" dur="1" fill="hold">
+                                          <p:stCondLst>
+                                            <p:cond delay="0"/>
+                                          </p:stCondLst>
+                                        </p:cTn>
+                                        <p:tgtEl>
+                                          <p:spTgt spid="3">
+                                            <p:txEl>
+                                              <p:pRg st="4" end="4"/>
+                                            </p:txEl>
+                                          </p:spTgt>
+                                        </p:tgtEl>
+                                        <p:attrNameLst>
+                                          <p:attrName>style.visibility</p:attrName>
+                                        </p:attrNameLst>
+                                      </p:cBhvr>
+                                      <p:to>
+                                        <p:strVal val="visible"/>
+                                      </p:to>
+                                    </p:set>
+                                    <p:animEffect transition="in" filter="fade">
+                                      <p:cBhvr>
+                                        <p:cTn id="18" dur="500"/>
+                                        <p:tgtEl>
+                                          <p:spTgt spid="3">
+                                            <p:txEl>
+                                              <p:pRg st="4" end="4"/>
+                                            </p:txEl>
+                                          </p:spTgt>
+                                        </p:tgtEl>
+                                      </p:cBhvr>
+                                    </p:animEffect>
+                                  </p:childTnLst>
+                                </p:cTn>
+                              </p:par>
+                            </p:childTnLst>
+                          </p:cTn>
+                        </p:par>
+                      </p:childTnLst>
+                    </p:cTn>
+                  </p:par>
+                  <p:par>
+                    <p:cTn id="19" fill="hold">
+                      <p:stCondLst>
+                        <p:cond delay="indefinite"/>
+                      </p:stCondLst>
+                      <p:childTnLst>
+                        <p:par>
+                          <p:cTn id="20" fill="hold">
+                            <p:stCondLst>
+                              <p:cond delay="0"/>
+                            </p:stCondLst>
+                            <p:childTnLst>
+                              <p:par>
+                                <p:cTn id="21" presetID="10" presetClass="entr" presetSubtype="0" fill="hold" grpId="0" nodeType="clickEffect">
+                                  <p:stCondLst>
+                                    <p:cond delay="0"/>
+                                  </p:stCondLst>
+                                  <p:childTnLst>
+                                    <p:set>
+                                      <p:cBhvr>
+                                        <p:cTn id="22" dur="1" fill="hold">
+                                          <p:stCondLst>
+                                            <p:cond delay="0"/>
+                                          </p:stCondLst>
+                                        </p:cTn>
+                                        <p:tgtEl>
+                                          <p:spTgt spid="3">
+                                            <p:txEl>
+                                              <p:pRg st="6" end="6"/>
+                                            </p:txEl>
+                                          </p:spTgt>
+                                        </p:tgtEl>
+                                        <p:attrNameLst>
+                                          <p:attrName>style.visibility</p:attrName>
+                                        </p:attrNameLst>
+                                      </p:cBhvr>
+                                      <p:to>
+                                        <p:strVal val="visible"/>
+                                      </p:to>
+                                    </p:set>
+                                    <p:animEffect transition="in" filter="fade">
+                                      <p:cBhvr>
+                                        <p:cTn id="23" dur="500"/>
+                                        <p:tgtEl>
+                                          <p:spTgt spid="3">
+                                            <p:txEl>
+                                              <p:pRg st="6" end="6"/>
+                                            </p:txEl>
+                                          </p:spTgt>
+                                        </p:tgtEl>
+                                      </p:cBhvr>
+                                    </p:animEffect>
+                                  </p:childTnLst>
+                                </p:cTn>
+                              </p:par>
+                              <p:par>
+                                <p:cTn id="24" presetID="10" presetClass="entr" presetSubtype="0" fill="hold" grpId="0" nodeType="withEffect">
+                                  <p:stCondLst>
+                                    <p:cond delay="0"/>
+                                  </p:stCondLst>
+                                  <p:childTnLst>
+                                    <p:set>
+                                      <p:cBhvr>
+                                        <p:cTn id="25" dur="1" fill="hold">
+                                          <p:stCondLst>
+                                            <p:cond delay="0"/>
+                                          </p:stCondLst>
+                                        </p:cTn>
+                                        <p:tgtEl>
+                                          <p:spTgt spid="3">
+                                            <p:txEl>
+                                              <p:pRg st="7" end="7"/>
+                                            </p:txEl>
+                                          </p:spTgt>
+                                        </p:tgtEl>
+                                        <p:attrNameLst>
+                                          <p:attrName>style.visibility</p:attrName>
+                                        </p:attrNameLst>
+                                      </p:cBhvr>
+                                      <p:to>
+                                        <p:strVal val="visible"/>
+                                      </p:to>
+                                    </p:set>
+                                    <p:animEffect transition="in" filter="fade">
+                                      <p:cBhvr>
+                                        <p:cTn id="26" dur="500"/>
+                                        <p:tgtEl>
+                                          <p:spTgt spid="3">
+                                            <p:txEl>
+                                              <p:pRg st="7" end="7"/>
+                                            </p:txEl>
+                                          </p:spTgt>
+                                        </p:tgtEl>
+                                      </p:cBhvr>
+                                    </p:animEffect>
+                                  </p:childTnLst>
+                                </p:cTn>
+                              </p:par>
+                            </p:childTnLst>
+                          </p:cTn>
+                        </p:par>
+                      </p:childTnLst>
+                    </p:cTn>
+                  </p:par>
+                  <p:par>
+                    <p:cTn id="27" fill="hold">
+                      <p:stCondLst>
+                        <p:cond delay="indefinite"/>
+                      </p:stCondLst>
+                      <p:childTnLst>
+                        <p:par>
+                          <p:cTn id="28" fill="hold">
+                            <p:stCondLst>
+                              <p:cond delay="0"/>
+                            </p:stCondLst>
+                            <p:childTnLst>
+                              <p:par>
+                                <p:cTn id="29" presetID="10" presetClass="entr" presetSubtype="0" fill="hold" grpId="0" nodeType="clickEffect">
+                                  <p:stCondLst>
+                                    <p:cond delay="0"/>
+                                  </p:stCondLst>
+                                  <p:childTnLst>
+                                    <p:set>
+                                      <p:cBhvr>
+                                        <p:cTn id="30" dur="1" fill="hold">
+                                          <p:stCondLst>
+                                            <p:cond delay="0"/>
+                                          </p:stCondLst>
+                                        </p:cTn>
+                                        <p:tgtEl>
+                                          <p:spTgt spid="3">
+                                            <p:txEl>
+                                              <p:pRg st="9" end="9"/>
+                                            </p:txEl>
+                                          </p:spTgt>
+                                        </p:tgtEl>
+                                        <p:attrNameLst>
+                                          <p:attrName>style.visibility</p:attrName>
+                                        </p:attrNameLst>
+                                      </p:cBhvr>
+                                      <p:to>
+                                        <p:strVal val="visible"/>
+                                      </p:to>
+                                    </p:set>
+                                    <p:animEffect transition="in" filter="fade">
+                                      <p:cBhvr>
+                                        <p:cTn id="31" dur="500"/>
+                                        <p:tgtEl>
+                                          <p:spTgt spid="3">
+                                            <p:txEl>
+                                              <p:pRg st="9" end="9"/>
+                                            </p:txEl>
+                                          </p:spTgt>
+                                        </p:tgtEl>
+                                      </p:cBhvr>
+                                    </p:animEffect>
+                                  </p:childTnLst>
+                                </p:cTn>
+                              </p:par>
+                              <p:par>
+                                <p:cTn id="32" presetID="10" presetClass="entr" presetSubtype="0" fill="hold" grpId="0" nodeType="withEffect">
+                                  <p:stCondLst>
+                                    <p:cond delay="0"/>
+                                  </p:stCondLst>
+                                  <p:childTnLst>
+                                    <p:set>
+                                      <p:cBhvr>
+                                        <p:cTn id="33" dur="1" fill="hold">
+                                          <p:stCondLst>
+                                            <p:cond delay="0"/>
+                                          </p:stCondLst>
+                                        </p:cTn>
+                                        <p:tgtEl>
+                                          <p:spTgt spid="3">
+                                            <p:txEl>
+                                              <p:pRg st="10" end="10"/>
+                                            </p:txEl>
+                                          </p:spTgt>
+                                        </p:tgtEl>
+                                        <p:attrNameLst>
+                                          <p:attrName>style.visibility</p:attrName>
+                                        </p:attrNameLst>
+                                      </p:cBhvr>
+                                      <p:to>
+                                        <p:strVal val="visible"/>
+                                      </p:to>
+                                    </p:set>
+                                    <p:animEffect transition="in" filter="fade">
+                                      <p:cBhvr>
+                                        <p:cTn id="34" dur="500"/>
+                                        <p:tgtEl>
+                                          <p:spTgt spid="3">
+                                            <p:txEl>
+                                              <p:pRg st="10" end="10"/>
+                                            </p:txEl>
+                                          </p:spTgt>
+                                        </p:tgtEl>
+                                      </p:cBhvr>
+                                    </p:animEffect>
+                                  </p:childTnLst>
+                                </p:cTn>
+                              </p:par>
+                            </p:childTnLst>
+                          </p:cTn>
+                        </p:par>
+                      </p:childTnLst>
+                    </p:cTn>
+                  </p:par>
+                  <p:par>
+                    <p:cTn id="35" fill="hold">
+                      <p:stCondLst>
+                        <p:cond delay="indefinite"/>
+                      </p:stCondLst>
+                      <p:childTnLst>
+                        <p:par>
+                          <p:cTn id="36" fill="hold">
+                            <p:stCondLst>
+                              <p:cond delay="0"/>
+                            </p:stCondLst>
+                            <p:childTnLst>
+                              <p:par>
+                                <p:cTn id="37" presetID="10" presetClass="entr" presetSubtype="0" fill="hold" grpId="0" nodeType="clickEffect">
+                                  <p:stCondLst>
+                                    <p:cond delay="0"/>
+                                  </p:stCondLst>
+                                  <p:childTnLst>
+                                    <p:set>
+                                      <p:cBhvr>
+                                        <p:cTn id="38" dur="1" fill="hold">
+                                          <p:stCondLst>
+                                            <p:cond delay="0"/>
+                                          </p:stCondLst>
+                                        </p:cTn>
+                                        <p:tgtEl>
+                                          <p:spTgt spid="3">
+                                            <p:txEl>
+                                              <p:pRg st="12" end="12"/>
+                                            </p:txEl>
+                                          </p:spTgt>
+                                        </p:tgtEl>
+                                        <p:attrNameLst>
+                                          <p:attrName>style.visibility</p:attrName>
+                                        </p:attrNameLst>
+                                      </p:cBhvr>
+                                      <p:to>
+                                        <p:strVal val="visible"/>
+                                      </p:to>
+                                    </p:set>
+                                    <p:animEffect transition="in" filter="fade">
+                                      <p:cBhvr>
+                                        <p:cTn id="39" dur="500"/>
+                                        <p:tgtEl>
+                                          <p:spTgt spid="3">
+                                            <p:txEl>
+                                              <p:pRg st="12" end="12"/>
+                                            </p:txEl>
+                                          </p:spTgt>
+                                        </p:tgtEl>
+                                      </p:cBhvr>
+                                    </p:animEffect>
+                                  </p:childTnLst>
+                                </p:cTn>
+                              </p:par>
+                              <p:par>
+                                <p:cTn id="40" presetID="10" presetClass="entr" presetSubtype="0" fill="hold" grpId="0" nodeType="withEffect">
+                                  <p:stCondLst>
+                                    <p:cond delay="0"/>
+                                  </p:stCondLst>
+                                  <p:childTnLst>
+                                    <p:set>
+                                      <p:cBhvr>
+                                        <p:cTn id="41" dur="1" fill="hold">
+                                          <p:stCondLst>
+                                            <p:cond delay="0"/>
+                                          </p:stCondLst>
+                                        </p:cTn>
+                                        <p:tgtEl>
+                                          <p:spTgt spid="3">
+                                            <p:txEl>
+                                              <p:pRg st="13" end="13"/>
+                                            </p:txEl>
+                                          </p:spTgt>
+                                        </p:tgtEl>
+                                        <p:attrNameLst>
+                                          <p:attrName>style.visibility</p:attrName>
+                                        </p:attrNameLst>
+                                      </p:cBhvr>
+                                      <p:to>
+                                        <p:strVal val="visible"/>
+                                      </p:to>
+                                    </p:set>
+                                    <p:animEffect transition="in" filter="fade">
+                                      <p:cBhvr>
+                                        <p:cTn id="42" dur="500"/>
+                                        <p:tgtEl>
+                                          <p:spTgt spid="3">
+                                            <p:txEl>
+                                              <p:pRg st="13" end="13"/>
+                                            </p:txEl>
+                                          </p:spTgt>
+                                        </p:tgtEl>
+                                      </p:cBhvr>
+                                    </p:animEffect>
+                                  </p:childTnLst>
+                                </p:cTn>
+                              </p:par>
+                            </p:childTnLst>
+                          </p:cTn>
+                        </p:par>
+                      </p:childTnLst>
+                    </p:cTn>
+                  </p:par>
+                </p:childTnLst>
+              </p:cTn>
+              <p:prevCondLst>
+                <p:cond evt="onPrev" delay="0">
+                  <p:tgtEl>
+                    <p:sldTgt/>
+                  </p:tgtEl>
+                </p:cond>
+              </p:prevCondLst>
+              <p:nextCondLst>
+                <p:cond evt="onNext" delay="0">
+                  <p:tgtEl>
+                    <p:sldTgt/>
+                  </p:tgtEl>
+                </p:cond>
+              </p:nextCondLst>
+            </p:seq>
+          </p:childTnLst>
+        </p:cTn>
+      </p:par>
+    </p:tnLst>
+    <p:bldLst>
+      <p:bldP spid="3" grpId="0" uiExpand="1" build="p"/>
+    </p:bldLst>
+  </p:timing>
+</p:sld>
+</file>
+
+<file path=ppt/slides/slide20.xml><?xml version="1.0" encoding="utf-8"?>
+<p:sld xmlns:a="http://schemas.openxmlformats.org/drawingml/2006/main" xmlns:r="http://schemas.openxmlformats.org/officeDocument/2006/relationships" xmlns:p="http://schemas.openxmlformats.org/presentationml/2006/main">
+  <p:cSld>
+    <p:spTree>
+      <p:nvGrpSpPr>
+        <p:cNvPr id="1" name=""/>
+        <p:cNvGrpSpPr/>
+        <p:nvPr/>
+      </p:nvGrpSpPr>
+      <p:grpSpPr>
+        <a:xfrm>
+          <a:off x="0" y="0"/>
+          <a:ext cx="0" cy="0"/>
+          <a:chOff x="0" y="0"/>
+          <a:chExt cx="0" cy="0"/>
+        </a:xfrm>
+      </p:grpSpPr>
+      <p:sp>
+        <p:nvSpPr>
+          <p:cNvPr id="2" name="Title 1"/>
+          <p:cNvSpPr>
+            <a:spLocks noGrp="1"/>
+          </p:cNvSpPr>
+          <p:nvPr>
+            <p:ph type="title"/>
+          </p:nvPr>
+        </p:nvSpPr>
+        <p:spPr/>
+        <p:txBody>
+          <a:bodyPr/>
+          <a:lstStyle/>
+          <a:p>
+            <a:r>
+              <a:rPr lang="en-US" dirty="0" smtClean="0"/>
+              <a:t>Changing Styles on the Fly		</a:t>
             </a:r>
             <a:endParaRPr lang="en-GB" dirty="0"/>
           </a:p>
@@ -5601,7 +11028,6 @@
               <a:rPr lang="en-GB" dirty="0" smtClean="0"/>
               <a:t>Silverlight Value Converter</a:t>
             </a:r>
-            <a:endParaRPr lang="en-GB" dirty="0" smtClean="0"/>
           </a:p>
           <a:p>
             <a:pPr marL="0" indent="0">
@@ -5661,7 +11087,6 @@
               <a:rPr lang="en-GB" dirty="0" smtClean="0"/>
               <a:t>XAML Implementation</a:t>
             </a:r>
-            <a:endParaRPr lang="en-GB" dirty="0" smtClean="0"/>
           </a:p>
           <a:p>
             <a:pPr marL="0" indent="0">
@@ -5847,13 +11272,7 @@
               <a:rPr lang="en-US" dirty="0" smtClean="0">
                 <a:latin typeface="+mj-lt"/>
               </a:rPr>
-              <a:t>Value to ‘test’ agains</a:t>
-            </a:r>
-            <a:r>
-              <a:rPr lang="en-US" dirty="0" smtClean="0">
-                <a:latin typeface="+mj-lt"/>
-              </a:rPr>
-              <a:t>t</a:t>
+              <a:t>Value to ‘test’ against</a:t>
             </a:r>
           </a:p>
           <a:p>
@@ -6570,7 +11989,7 @@
 </p:sld>
 </file>
 
-<file path=ppt/slides/slide15.xml><?xml version="1.0" encoding="utf-8"?>
+<file path=ppt/slides/slide21.xml><?xml version="1.0" encoding="utf-8"?>
 <p:sld xmlns:a="http://schemas.openxmlformats.org/drawingml/2006/main" xmlns:r="http://schemas.openxmlformats.org/officeDocument/2006/relationships" xmlns:p="http://schemas.openxmlformats.org/presentationml/2006/main">
   <p:cSld>
     <p:spTree>
@@ -6604,11 +12023,7 @@
           <a:p>
             <a:r>
               <a:rPr lang="en-US" dirty="0" smtClean="0"/>
-              <a:t>Changing Styles on the Fly</a:t>
-            </a:r>
-            <a:r>
-              <a:rPr lang="en-US" dirty="0" smtClean="0"/>
-              <a:t>		</a:t>
+              <a:t>Changing Styles on the Fly		</a:t>
             </a:r>
             <a:endParaRPr lang="en-GB" dirty="0"/>
           </a:p>
@@ -6641,7 +12056,6 @@
               <a:rPr lang="en-GB" dirty="0" smtClean="0"/>
               <a:t>Knockout Computed Method</a:t>
             </a:r>
-            <a:endParaRPr lang="en-GB" dirty="0" smtClean="0"/>
           </a:p>
           <a:p>
             <a:pPr marL="0" indent="0">
@@ -6687,7 +12101,6 @@
               <a:rPr lang="en-GB" dirty="0" smtClean="0"/>
               <a:t>HTML Implementation</a:t>
             </a:r>
-            <a:endParaRPr lang="en-GB" dirty="0" smtClean="0"/>
           </a:p>
           <a:p>
             <a:pPr marL="0" indent="0">
@@ -6890,9 +12303,6 @@
               </a:rPr>
               <a:t>Triggers off another Observable</a:t>
             </a:r>
-            <a:endParaRPr lang="en-US" dirty="0" smtClean="0">
-              <a:latin typeface="+mj-lt"/>
-            </a:endParaRPr>
           </a:p>
         </p:txBody>
       </p:sp>
@@ -7573,7 +12983,7 @@
 </p:sld>
 </file>
 
-<file path=ppt/slides/slide16.xml><?xml version="1.0" encoding="utf-8"?>
+<file path=ppt/slides/slide22.xml><?xml version="1.0" encoding="utf-8"?>
 <p:sld xmlns:a="http://schemas.openxmlformats.org/drawingml/2006/main" xmlns:r="http://schemas.openxmlformats.org/officeDocument/2006/relationships" xmlns:p="http://schemas.openxmlformats.org/presentationml/2006/main" show="0">
   <p:cSld>
     <p:bg>
@@ -7670,7 +13080,7 @@
 </p:sld>
 </file>
 
-<file path=ppt/slides/slide17.xml><?xml version="1.0" encoding="utf-8"?>
+<file path=ppt/slides/slide23.xml><?xml version="1.0" encoding="utf-8"?>
 <p:sld xmlns:a="http://schemas.openxmlformats.org/drawingml/2006/main" xmlns:r="http://schemas.openxmlformats.org/officeDocument/2006/relationships" xmlns:p="http://schemas.openxmlformats.org/presentationml/2006/main">
   <p:cSld>
     <p:spTree>
@@ -7704,11 +13114,7 @@
           <a:p>
             <a:r>
               <a:rPr lang="en-US" dirty="0" smtClean="0"/>
-              <a:t>Formatting Data</a:t>
-            </a:r>
-            <a:r>
-              <a:rPr lang="en-US" dirty="0" smtClean="0"/>
-              <a:t>		</a:t>
+              <a:t>Agenda		</a:t>
             </a:r>
             <a:endParaRPr lang="en-GB" dirty="0"/>
           </a:p>
@@ -7729,203 +13135,52 @@
           <a:bodyPr/>
           <a:lstStyle/>
           <a:p>
+            <a:r>
+              <a:rPr lang="en-US" dirty="0"/>
+              <a:t>Creating our View Model</a:t>
+            </a:r>
+          </a:p>
+          <a:p>
+            <a:r>
+              <a:rPr lang="en-GB" dirty="0"/>
+              <a:t>Creating our HTML View</a:t>
+            </a:r>
+          </a:p>
+          <a:p>
+            <a:r>
+              <a:rPr lang="en-GB" dirty="0"/>
+              <a:t>Fetching data via </a:t>
+            </a:r>
+            <a:r>
+              <a:rPr lang="en-GB" dirty="0" smtClean="0"/>
+              <a:t>Ajax</a:t>
+            </a:r>
             <a:endParaRPr lang="en-GB" dirty="0"/>
+          </a:p>
+          <a:p>
+            <a:r>
+              <a:rPr lang="en-GB" dirty="0"/>
+              <a:t>Applying styles to an HTML element via Knockout</a:t>
+            </a:r>
+          </a:p>
+          <a:p>
+            <a:r>
+              <a:rPr lang="en-GB" dirty="0">
+                <a:solidFill>
+                  <a:schemeClr val="accent6">
+                    <a:lumMod val="75000"/>
+                  </a:schemeClr>
+                </a:solidFill>
+              </a:rPr>
+              <a:t>Formatting data via Computed Observables</a:t>
+            </a:r>
           </a:p>
         </p:txBody>
       </p:sp>
     </p:spTree>
     <p:extLst>
       <p:ext uri="{BB962C8B-B14F-4D97-AF65-F5344CB8AC3E}">
-        <p14:creationId xmlns:p14="http://schemas.microsoft.com/office/powerpoint/2010/main" val="2719798708"/>
-      </p:ext>
-    </p:extLst>
-  </p:cSld>
-  <p:clrMapOvr>
-    <a:masterClrMapping/>
-  </p:clrMapOvr>
-  <p:transition>
-    <p:fade/>
-  </p:transition>
-  <p:timing>
-    <p:tnLst>
-      <p:par>
-        <p:cTn id="1" dur="indefinite" restart="never" nodeType="tmRoot">
-          <p:childTnLst>
-            <p:seq concurrent="1" nextAc="seek">
-              <p:cTn id="2" dur="indefinite" nodeType="mainSeq">
-                <p:childTnLst>
-                  <p:par>
-                    <p:cTn id="3" fill="hold">
-                      <p:stCondLst>
-                        <p:cond delay="indefinite"/>
-                      </p:stCondLst>
-                      <p:childTnLst>
-                        <p:par>
-                          <p:cTn id="4" fill="hold">
-                            <p:stCondLst>
-                              <p:cond delay="0"/>
-                            </p:stCondLst>
-                            <p:childTnLst>
-                              <p:par>
-                                <p:cTn id="5" presetID="10" presetClass="entr" presetSubtype="0" fill="hold" grpId="0" nodeType="clickEffect" nodePh="1">
-                                  <p:stCondLst>
-                                    <p:cond delay="0"/>
-                                  </p:stCondLst>
-                                  <p:endCondLst>
-                                    <p:cond evt="begin" delay="0">
-                                      <p:tn val="5"/>
-                                    </p:cond>
-                                  </p:endCondLst>
-                                  <p:childTnLst>
-                                    <p:set>
-                                      <p:cBhvr>
-                                        <p:cTn id="6" dur="1" fill="hold">
-                                          <p:stCondLst>
-                                            <p:cond delay="0"/>
-                                          </p:stCondLst>
-                                        </p:cTn>
-                                        <p:tgtEl>
-                                          <p:spTgt spid="3">
-                                            <p:txEl>
-                                              <p:pRg st="0" end="0"/>
-                                            </p:txEl>
-                                          </p:spTgt>
-                                        </p:tgtEl>
-                                        <p:attrNameLst>
-                                          <p:attrName>style.visibility</p:attrName>
-                                        </p:attrNameLst>
-                                      </p:cBhvr>
-                                      <p:to>
-                                        <p:strVal val="visible"/>
-                                      </p:to>
-                                    </p:set>
-                                    <p:animEffect transition="in" filter="fade">
-                                      <p:cBhvr>
-                                        <p:cTn id="7" dur="500"/>
-                                        <p:tgtEl>
-                                          <p:spTgt spid="3">
-                                            <p:txEl>
-                                              <p:pRg st="0" end="0"/>
-                                            </p:txEl>
-                                          </p:spTgt>
-                                        </p:tgtEl>
-                                      </p:cBhvr>
-                                    </p:animEffect>
-                                  </p:childTnLst>
-                                </p:cTn>
-                              </p:par>
-                            </p:childTnLst>
-                          </p:cTn>
-                        </p:par>
-                      </p:childTnLst>
-                    </p:cTn>
-                  </p:par>
-                </p:childTnLst>
-              </p:cTn>
-              <p:prevCondLst>
-                <p:cond evt="onPrev" delay="0">
-                  <p:tgtEl>
-                    <p:sldTgt/>
-                  </p:tgtEl>
-                </p:cond>
-              </p:prevCondLst>
-              <p:nextCondLst>
-                <p:cond evt="onNext" delay="0">
-                  <p:tgtEl>
-                    <p:sldTgt/>
-                  </p:tgtEl>
-                </p:cond>
-              </p:nextCondLst>
-            </p:seq>
-          </p:childTnLst>
-        </p:cTn>
-      </p:par>
-    </p:tnLst>
-    <p:bldLst>
-      <p:bldP spid="3" grpId="0" build="p"/>
-    </p:bldLst>
-  </p:timing>
-</p:sld>
-</file>
-
-<file path=ppt/slides/slide18.xml><?xml version="1.0" encoding="utf-8"?>
-<p:sld xmlns:a="http://schemas.openxmlformats.org/drawingml/2006/main" xmlns:r="http://schemas.openxmlformats.org/officeDocument/2006/relationships" xmlns:p="http://schemas.openxmlformats.org/presentationml/2006/main" show="0">
-  <p:cSld>
-    <p:bg>
-      <p:bgPr>
-        <a:solidFill>
-          <a:schemeClr val="accent2"/>
-        </a:solidFill>
-        <a:effectLst/>
-      </p:bgPr>
-    </p:bg>
-    <p:spTree>
-      <p:nvGrpSpPr>
-        <p:cNvPr id="1" name=""/>
-        <p:cNvGrpSpPr/>
-        <p:nvPr/>
-      </p:nvGrpSpPr>
-      <p:grpSpPr>
-        <a:xfrm>
-          <a:off x="0" y="0"/>
-          <a:ext cx="0" cy="0"/>
-          <a:chOff x="0" y="0"/>
-          <a:chExt cx="0" cy="0"/>
-        </a:xfrm>
-      </p:grpSpPr>
-      <p:sp>
-        <p:nvSpPr>
-          <p:cNvPr id="2" name="Title 1"/>
-          <p:cNvSpPr>
-            <a:spLocks noGrp="1"/>
-          </p:cNvSpPr>
-          <p:nvPr>
-            <p:ph type="title"/>
-          </p:nvPr>
-        </p:nvSpPr>
-        <p:spPr/>
-        <p:txBody>
-          <a:bodyPr/>
-          <a:lstStyle/>
-          <a:p>
-            <a:r>
-              <a:rPr lang="en-US" dirty="0" smtClean="0"/>
-              <a:t>END OF Overview Slides		</a:t>
-            </a:r>
-            <a:endParaRPr lang="en-GB" dirty="0"/>
-          </a:p>
-        </p:txBody>
-      </p:sp>
-      <p:sp>
-        <p:nvSpPr>
-          <p:cNvPr id="3" name="Text Placeholder 2"/>
-          <p:cNvSpPr>
-            <a:spLocks noGrp="1"/>
-          </p:cNvSpPr>
-          <p:nvPr>
-            <p:ph type="body" idx="1"/>
-          </p:nvPr>
-        </p:nvSpPr>
-        <p:spPr/>
-        <p:txBody>
-          <a:bodyPr/>
-          <a:lstStyle/>
-          <a:p>
-            <a:pPr marL="0" indent="0">
-              <a:buNone/>
-            </a:pPr>
-            <a:r>
-              <a:rPr lang="en-GB" dirty="0" smtClean="0"/>
-              <a:t>	</a:t>
-            </a:r>
-            <a:endParaRPr lang="en-GB" dirty="0"/>
-          </a:p>
-        </p:txBody>
-      </p:sp>
-    </p:spTree>
-    <p:extLst>
-      <p:ext uri="{BB962C8B-B14F-4D97-AF65-F5344CB8AC3E}">
-        <p14:creationId xmlns:p14="http://schemas.microsoft.com/office/powerpoint/2010/main" val="1213900605"/>
+        <p14:creationId xmlns:p14="http://schemas.microsoft.com/office/powerpoint/2010/main" val="4137737418"/>
       </p:ext>
     </p:extLst>
   </p:cSld>
@@ -7945,7 +13200,7 @@
 </p:sld>
 </file>
 
-<file path=ppt/slides/slide2.xml><?xml version="1.0" encoding="utf-8"?>
+<file path=ppt/slides/slide24.xml><?xml version="1.0" encoding="utf-8"?>
 <p:sld xmlns:a="http://schemas.openxmlformats.org/drawingml/2006/main" xmlns:r="http://schemas.openxmlformats.org/officeDocument/2006/relationships" xmlns:p="http://schemas.openxmlformats.org/presentationml/2006/main">
   <p:cSld>
     <p:spTree>
@@ -7979,7 +13234,7 @@
           <a:p>
             <a:r>
               <a:rPr lang="en-US" dirty="0" smtClean="0"/>
-              <a:t>Agenda		</a:t>
+              <a:t>Formatting Data		</a:t>
             </a:r>
             <a:endParaRPr lang="en-GB" dirty="0"/>
           </a:p>
@@ -8001,192 +13256,428 @@
           <a:lstStyle/>
           <a:p>
             <a:r>
-              <a:rPr lang="en-US" dirty="0" smtClean="0">
-                <a:latin typeface="+mn-lt"/>
-              </a:rPr>
-              <a:t>Create our first Knockout View Model</a:t>
-            </a:r>
-          </a:p>
-          <a:p>
-            <a:pPr lvl="1"/>
-            <a:r>
-              <a:rPr lang="en-US" dirty="0" smtClean="0">
-                <a:latin typeface="+mn-lt"/>
-              </a:rPr>
-              <a:t>Knockout </a:t>
-            </a:r>
-            <a:r>
-              <a:rPr lang="en-US" dirty="0" err="1" smtClean="0">
-                <a:latin typeface="+mn-lt"/>
-              </a:rPr>
-              <a:t>vs</a:t>
-            </a:r>
-            <a:r>
-              <a:rPr lang="en-US" dirty="0" smtClean="0">
-                <a:latin typeface="+mn-lt"/>
-              </a:rPr>
-              <a:t> XAML </a:t>
-            </a:r>
-            <a:r>
-              <a:rPr lang="en-US" dirty="0" err="1" smtClean="0">
-                <a:latin typeface="+mn-lt"/>
-              </a:rPr>
-              <a:t>ViewModel</a:t>
-            </a:r>
-            <a:endParaRPr lang="en-US" dirty="0" smtClean="0">
-              <a:latin typeface="+mn-lt"/>
-            </a:endParaRPr>
-          </a:p>
-          <a:p>
-            <a:pPr marL="457200" lvl="1" indent="0">
-              <a:buNone/>
-            </a:pPr>
-            <a:endParaRPr lang="en-US" dirty="0" smtClean="0">
-              <a:latin typeface="+mn-lt"/>
-            </a:endParaRPr>
-          </a:p>
-          <a:p>
-            <a:r>
               <a:rPr lang="en-GB" dirty="0" smtClean="0"/>
-              <a:t>Create our first HTML View</a:t>
-            </a:r>
-          </a:p>
-          <a:p>
-            <a:pPr lvl="1"/>
-            <a:r>
-              <a:rPr lang="en-GB" dirty="0" smtClean="0"/>
-              <a:t>Compare layout in HTML </a:t>
+              <a:t>Silverlight </a:t>
             </a:r>
             <a:r>
               <a:rPr lang="en-GB" dirty="0" err="1" smtClean="0"/>
-              <a:t>vs</a:t>
-            </a:r>
-            <a:r>
-              <a:rPr lang="en-GB" dirty="0" smtClean="0"/>
-              <a:t> XAML</a:t>
-            </a:r>
-          </a:p>
-          <a:p>
-            <a:pPr marL="457200" lvl="1" indent="0">
-              <a:buNone/>
-            </a:pPr>
+              <a:t>StringFormat</a:t>
+            </a:r>
             <a:endParaRPr lang="en-GB" dirty="0" smtClean="0"/>
           </a:p>
           <a:p>
-            <a:r>
-              <a:rPr lang="en-GB" dirty="0" smtClean="0"/>
-              <a:t>Fetch data via </a:t>
-            </a:r>
-            <a:r>
-              <a:rPr lang="en-GB" dirty="0" err="1" smtClean="0"/>
-              <a:t>ajax</a:t>
-            </a:r>
-            <a:r>
-              <a:rPr lang="en-GB" dirty="0" smtClean="0"/>
-              <a:t> from our Web API endpoint</a:t>
-            </a:r>
-          </a:p>
-          <a:p>
-            <a:pPr lvl="1"/>
-            <a:r>
-              <a:rPr lang="en-GB" dirty="0" smtClean="0"/>
-              <a:t>Ajax </a:t>
-            </a:r>
-            <a:r>
-              <a:rPr lang="en-GB" dirty="0" err="1" smtClean="0"/>
-              <a:t>vs</a:t>
-            </a:r>
-            <a:r>
-              <a:rPr lang="en-GB" dirty="0" smtClean="0"/>
-              <a:t> </a:t>
-            </a:r>
-            <a:r>
-              <a:rPr lang="en-GB" dirty="0" err="1" smtClean="0"/>
-              <a:t>HttpClient</a:t>
-            </a:r>
+            <a:endParaRPr lang="en-GB" dirty="0"/>
+          </a:p>
+          <a:p>
             <a:endParaRPr lang="en-GB" dirty="0" smtClean="0"/>
           </a:p>
           <a:p>
-            <a:pPr lvl="1"/>
-            <a:endParaRPr lang="en-GB" dirty="0"/>
-          </a:p>
-          <a:p>
-            <a:r>
-              <a:rPr lang="en-GB" dirty="0"/>
-              <a:t>Apply styles to an HTML element via Knockout</a:t>
-            </a:r>
-          </a:p>
-          <a:p>
-            <a:pPr lvl="1"/>
-            <a:r>
-              <a:rPr lang="en-GB" dirty="0"/>
-              <a:t>Knockout </a:t>
-            </a:r>
-            <a:r>
-              <a:rPr lang="en-GB" dirty="0" err="1"/>
-              <a:t>css</a:t>
-            </a:r>
-            <a:r>
-              <a:rPr lang="en-GB" dirty="0"/>
-              <a:t> binding </a:t>
-            </a:r>
-            <a:r>
-              <a:rPr lang="en-GB" dirty="0" err="1"/>
-              <a:t>vs</a:t>
-            </a:r>
-            <a:r>
-              <a:rPr lang="en-GB" dirty="0"/>
-              <a:t> </a:t>
-            </a:r>
-            <a:r>
-              <a:rPr lang="en-GB" dirty="0" err="1" smtClean="0"/>
-              <a:t>StyleConverters</a:t>
-            </a:r>
-            <a:endParaRPr lang="en-GB" dirty="0" smtClean="0"/>
-          </a:p>
-          <a:p>
-            <a:pPr lvl="1"/>
-            <a:endParaRPr lang="en-GB" dirty="0"/>
-          </a:p>
-          <a:p>
-            <a:r>
-              <a:rPr lang="en-GB" dirty="0" smtClean="0"/>
-              <a:t>Formatting data via Computed Observables</a:t>
-            </a:r>
-            <a:endParaRPr lang="en-GB" dirty="0"/>
-          </a:p>
-          <a:p>
-            <a:pPr lvl="1"/>
-            <a:r>
-              <a:rPr lang="en-GB" dirty="0"/>
-              <a:t>Knockout </a:t>
-            </a:r>
-            <a:r>
-              <a:rPr lang="en-GB" dirty="0" smtClean="0"/>
-              <a:t>computed </a:t>
-            </a:r>
-            <a:r>
-              <a:rPr lang="en-GB" dirty="0" err="1" smtClean="0"/>
-              <a:t>vs</a:t>
-            </a:r>
-            <a:r>
-              <a:rPr lang="en-GB" dirty="0" smtClean="0"/>
-              <a:t> Formatters</a:t>
-            </a:r>
-            <a:endParaRPr lang="en-GB" dirty="0"/>
-          </a:p>
-          <a:p>
-            <a:pPr marL="457200" lvl="1" indent="0">
+            <a:pPr marL="0" indent="0">
               <a:buNone/>
             </a:pPr>
             <a:endParaRPr lang="en-GB" dirty="0"/>
+          </a:p>
+          <a:p>
+            <a:r>
+              <a:rPr lang="en-GB" dirty="0" smtClean="0"/>
+              <a:t>Knockout Formatting</a:t>
+            </a:r>
+            <a:endParaRPr lang="en-GB" dirty="0"/>
+          </a:p>
+        </p:txBody>
+      </p:sp>
+      <p:pic>
+        <p:nvPicPr>
+          <p:cNvPr id="4" name="Picture 3"/>
+          <p:cNvPicPr>
+            <a:picLocks noChangeAspect="1"/>
+          </p:cNvPicPr>
+          <p:nvPr/>
+        </p:nvPicPr>
+        <p:blipFill>
+          <a:blip r:embed="rId3"/>
+          <a:stretch>
+            <a:fillRect/>
+          </a:stretch>
+        </p:blipFill>
+        <p:spPr>
+          <a:xfrm>
+            <a:off x="990600" y="1905000"/>
+            <a:ext cx="4705350" cy="771525"/>
+          </a:xfrm>
+          <a:prstGeom prst="rect">
+            <a:avLst/>
+          </a:prstGeom>
+        </p:spPr>
+      </p:pic>
+      <p:pic>
+        <p:nvPicPr>
+          <p:cNvPr id="5" name="Picture 4"/>
+          <p:cNvPicPr>
+            <a:picLocks noChangeAspect="1"/>
+          </p:cNvPicPr>
+          <p:nvPr/>
+        </p:nvPicPr>
+        <p:blipFill>
+          <a:blip r:embed="rId4"/>
+          <a:stretch>
+            <a:fillRect/>
+          </a:stretch>
+        </p:blipFill>
+        <p:spPr>
+          <a:xfrm>
+            <a:off x="903514" y="3352800"/>
+            <a:ext cx="4419600" cy="542925"/>
+          </a:xfrm>
+          <a:prstGeom prst="rect">
+            <a:avLst/>
+          </a:prstGeom>
+        </p:spPr>
+      </p:pic>
+      <p:pic>
+        <p:nvPicPr>
+          <p:cNvPr id="6" name="Picture 5"/>
+          <p:cNvPicPr>
+            <a:picLocks noChangeAspect="1"/>
+          </p:cNvPicPr>
+          <p:nvPr/>
+        </p:nvPicPr>
+        <p:blipFill>
+          <a:blip r:embed="rId5"/>
+          <a:stretch>
+            <a:fillRect/>
+          </a:stretch>
+        </p:blipFill>
+        <p:spPr>
+          <a:xfrm>
+            <a:off x="1000125" y="3990975"/>
+            <a:ext cx="3495675" cy="295275"/>
+          </a:xfrm>
+          <a:prstGeom prst="rect">
+            <a:avLst/>
+          </a:prstGeom>
+        </p:spPr>
+      </p:pic>
+      <p:pic>
+        <p:nvPicPr>
+          <p:cNvPr id="7" name="Picture 6"/>
+          <p:cNvPicPr>
+            <a:picLocks noChangeAspect="1"/>
+          </p:cNvPicPr>
+          <p:nvPr/>
+        </p:nvPicPr>
+        <p:blipFill>
+          <a:blip r:embed="rId6"/>
+          <a:stretch>
+            <a:fillRect/>
+          </a:stretch>
+        </p:blipFill>
+        <p:spPr>
+          <a:xfrm>
+            <a:off x="923925" y="4229100"/>
+            <a:ext cx="5553075" cy="1485900"/>
+          </a:xfrm>
+          <a:prstGeom prst="rect">
+            <a:avLst/>
+          </a:prstGeom>
+        </p:spPr>
+      </p:pic>
+      <p:cxnSp>
+        <p:nvCxnSpPr>
+          <p:cNvPr id="12" name="Straight Arrow Connector 11"/>
+          <p:cNvCxnSpPr/>
+          <p:nvPr/>
+        </p:nvCxnSpPr>
+        <p:spPr bwMode="auto">
+          <a:xfrm flipH="1">
+            <a:off x="5181600" y="1676400"/>
+            <a:ext cx="1219200" cy="381000"/>
+          </a:xfrm>
+          <a:prstGeom prst="straightConnector1">
+            <a:avLst/>
+          </a:prstGeom>
+          <a:ln w="63500">
+            <a:solidFill>
+              <a:schemeClr val="tx1"/>
+            </a:solidFill>
+            <a:headEnd type="none" w="med" len="med"/>
+            <a:tailEnd type="triangle"/>
+          </a:ln>
+        </p:spPr>
+        <p:style>
+          <a:lnRef idx="1">
+            <a:schemeClr val="accent2"/>
+          </a:lnRef>
+          <a:fillRef idx="0">
+            <a:schemeClr val="accent2"/>
+          </a:fillRef>
+          <a:effectRef idx="0">
+            <a:schemeClr val="accent2"/>
+          </a:effectRef>
+          <a:fontRef idx="minor">
+            <a:schemeClr val="tx1"/>
+          </a:fontRef>
+        </p:style>
+      </p:cxnSp>
+      <p:sp>
+        <p:nvSpPr>
+          <p:cNvPr id="13" name="TextBox 12"/>
+          <p:cNvSpPr txBox="1"/>
+          <p:nvPr/>
+        </p:nvSpPr>
+        <p:spPr bwMode="auto">
+          <a:xfrm>
+            <a:off x="6400800" y="1219200"/>
+            <a:ext cx="2743200" cy="923330"/>
+          </a:xfrm>
+          <a:prstGeom prst="rect">
+            <a:avLst/>
+          </a:prstGeom>
+          <a:noFill/>
+          <a:ln w="9525">
+            <a:noFill/>
+            <a:miter lim="800000"/>
+            <a:headEnd/>
+            <a:tailEnd/>
+          </a:ln>
+        </p:spPr>
+        <p:txBody>
+          <a:bodyPr wrap="square" rtlCol="0">
+            <a:spAutoFit/>
+          </a:bodyPr>
+          <a:lstStyle/>
+          <a:p>
+            <a:r>
+              <a:rPr lang="en-US" dirty="0" smtClean="0">
+                <a:latin typeface="+mj-lt"/>
+              </a:rPr>
+              <a:t>Can use the built in </a:t>
+            </a:r>
+            <a:r>
+              <a:rPr lang="en-US" dirty="0" err="1" smtClean="0">
+                <a:latin typeface="+mj-lt"/>
+              </a:rPr>
+              <a:t>StringFormat</a:t>
+            </a:r>
+            <a:r>
+              <a:rPr lang="en-US" dirty="0" smtClean="0">
+                <a:latin typeface="+mj-lt"/>
+              </a:rPr>
+              <a:t> on bound field</a:t>
+            </a:r>
+            <a:endParaRPr lang="en-US" sz="1800" dirty="0">
+              <a:latin typeface="+mj-lt"/>
+            </a:endParaRPr>
+          </a:p>
+        </p:txBody>
+      </p:sp>
+      <p:cxnSp>
+        <p:nvCxnSpPr>
+          <p:cNvPr id="15" name="Straight Arrow Connector 14"/>
+          <p:cNvCxnSpPr/>
+          <p:nvPr/>
+        </p:nvCxnSpPr>
+        <p:spPr bwMode="auto">
+          <a:xfrm flipH="1">
+            <a:off x="4267200" y="3039070"/>
+            <a:ext cx="2133600" cy="427256"/>
+          </a:xfrm>
+          <a:prstGeom prst="straightConnector1">
+            <a:avLst/>
+          </a:prstGeom>
+          <a:ln w="63500">
+            <a:solidFill>
+              <a:schemeClr val="tx1"/>
+            </a:solidFill>
+            <a:headEnd type="none" w="med" len="med"/>
+            <a:tailEnd type="triangle"/>
+          </a:ln>
+        </p:spPr>
+        <p:style>
+          <a:lnRef idx="1">
+            <a:schemeClr val="accent2"/>
+          </a:lnRef>
+          <a:fillRef idx="0">
+            <a:schemeClr val="accent2"/>
+          </a:fillRef>
+          <a:effectRef idx="0">
+            <a:schemeClr val="accent2"/>
+          </a:effectRef>
+          <a:fontRef idx="minor">
+            <a:schemeClr val="tx1"/>
+          </a:fontRef>
+        </p:style>
+      </p:cxnSp>
+      <p:sp>
+        <p:nvSpPr>
+          <p:cNvPr id="16" name="TextBox 15"/>
+          <p:cNvSpPr txBox="1"/>
+          <p:nvPr/>
+        </p:nvSpPr>
+        <p:spPr bwMode="auto">
+          <a:xfrm>
+            <a:off x="6400800" y="2581870"/>
+            <a:ext cx="2743200" cy="646331"/>
+          </a:xfrm>
+          <a:prstGeom prst="rect">
+            <a:avLst/>
+          </a:prstGeom>
+          <a:noFill/>
+          <a:ln w="9525">
+            <a:noFill/>
+            <a:miter lim="800000"/>
+            <a:headEnd/>
+            <a:tailEnd/>
+          </a:ln>
+        </p:spPr>
+        <p:txBody>
+          <a:bodyPr wrap="square" rtlCol="0">
+            <a:spAutoFit/>
+          </a:bodyPr>
+          <a:lstStyle/>
+          <a:p>
+            <a:r>
+              <a:rPr lang="en-US" dirty="0" smtClean="0">
+                <a:latin typeface="+mj-lt"/>
+              </a:rPr>
+              <a:t>Can bind to an observable</a:t>
+            </a:r>
+          </a:p>
+          <a:p>
+            <a:r>
+              <a:rPr lang="en-US" sz="1800" dirty="0" smtClean="0">
+                <a:latin typeface="+mj-lt"/>
+              </a:rPr>
+              <a:t>property</a:t>
+            </a:r>
+            <a:endParaRPr lang="en-US" sz="1800" dirty="0">
+              <a:latin typeface="+mj-lt"/>
+            </a:endParaRPr>
+          </a:p>
+        </p:txBody>
+      </p:sp>
+      <p:cxnSp>
+        <p:nvCxnSpPr>
+          <p:cNvPr id="18" name="Straight Arrow Connector 17"/>
+          <p:cNvCxnSpPr/>
+          <p:nvPr/>
+        </p:nvCxnSpPr>
+        <p:spPr bwMode="auto">
+          <a:xfrm flipH="1">
+            <a:off x="5181600" y="4182070"/>
+            <a:ext cx="1219200" cy="104180"/>
+          </a:xfrm>
+          <a:prstGeom prst="straightConnector1">
+            <a:avLst/>
+          </a:prstGeom>
+          <a:ln w="63500">
+            <a:solidFill>
+              <a:schemeClr val="tx1"/>
+            </a:solidFill>
+            <a:headEnd type="none" w="med" len="med"/>
+            <a:tailEnd type="triangle"/>
+          </a:ln>
+        </p:spPr>
+        <p:style>
+          <a:lnRef idx="1">
+            <a:schemeClr val="accent2"/>
+          </a:lnRef>
+          <a:fillRef idx="0">
+            <a:schemeClr val="accent2"/>
+          </a:fillRef>
+          <a:effectRef idx="0">
+            <a:schemeClr val="accent2"/>
+          </a:effectRef>
+          <a:fontRef idx="minor">
+            <a:schemeClr val="tx1"/>
+          </a:fontRef>
+        </p:style>
+      </p:cxnSp>
+      <p:sp>
+        <p:nvSpPr>
+          <p:cNvPr id="19" name="TextBox 18"/>
+          <p:cNvSpPr txBox="1"/>
+          <p:nvPr/>
+        </p:nvSpPr>
+        <p:spPr bwMode="auto">
+          <a:xfrm>
+            <a:off x="6400800" y="3724870"/>
+            <a:ext cx="2743200" cy="646331"/>
+          </a:xfrm>
+          <a:prstGeom prst="rect">
+            <a:avLst/>
+          </a:prstGeom>
+          <a:noFill/>
+          <a:ln w="9525">
+            <a:noFill/>
+            <a:miter lim="800000"/>
+            <a:headEnd/>
+            <a:tailEnd/>
+          </a:ln>
+        </p:spPr>
+        <p:txBody>
+          <a:bodyPr wrap="square" rtlCol="0">
+            <a:spAutoFit/>
+          </a:bodyPr>
+          <a:lstStyle/>
+          <a:p>
+            <a:r>
+              <a:rPr lang="en-US" dirty="0" smtClean="0">
+                <a:latin typeface="+mj-lt"/>
+              </a:rPr>
+              <a:t>Create a Computed Field to do the formatting</a:t>
+            </a:r>
+            <a:endParaRPr lang="en-US" sz="1800" dirty="0">
+              <a:latin typeface="+mj-lt"/>
+            </a:endParaRPr>
+          </a:p>
+        </p:txBody>
+      </p:sp>
+      <p:sp>
+        <p:nvSpPr>
+          <p:cNvPr id="21" name="TextBox 20"/>
+          <p:cNvSpPr txBox="1"/>
+          <p:nvPr/>
+        </p:nvSpPr>
+        <p:spPr bwMode="auto">
+          <a:xfrm>
+            <a:off x="0" y="5726668"/>
+            <a:ext cx="9144000" cy="369332"/>
+          </a:xfrm>
+          <a:prstGeom prst="rect">
+            <a:avLst/>
+          </a:prstGeom>
+          <a:noFill/>
+          <a:ln w="9525">
+            <a:noFill/>
+            <a:miter lim="800000"/>
+            <a:headEnd/>
+            <a:tailEnd/>
+          </a:ln>
+        </p:spPr>
+        <p:txBody>
+          <a:bodyPr wrap="square" rtlCol="0">
+            <a:spAutoFit/>
+          </a:bodyPr>
+          <a:lstStyle/>
+          <a:p>
+            <a:pPr algn="ctr"/>
+            <a:r>
+              <a:rPr lang="en-US" dirty="0" smtClean="0">
+                <a:latin typeface="+mj-lt"/>
+              </a:rPr>
+              <a:t>Could also use Custom Bindings in Knockout.</a:t>
+            </a:r>
+            <a:endParaRPr lang="en-US" sz="1800" dirty="0">
+              <a:latin typeface="+mj-lt"/>
+            </a:endParaRPr>
           </a:p>
         </p:txBody>
       </p:sp>
     </p:spTree>
     <p:extLst>
       <p:ext uri="{BB962C8B-B14F-4D97-AF65-F5344CB8AC3E}">
-        <p14:creationId xmlns:p14="http://schemas.microsoft.com/office/powerpoint/2010/main" val="1673983500"/>
+        <p14:creationId xmlns:p14="http://schemas.microsoft.com/office/powerpoint/2010/main" val="2719798708"/>
       </p:ext>
     </p:extLst>
   </p:cSld>
@@ -8260,7 +13751,7 @@
                                 </p:cTn>
                               </p:par>
                               <p:par>
-                                <p:cTn id="8" presetID="10" presetClass="entr" presetSubtype="0" fill="hold" grpId="0" nodeType="withEffect">
+                                <p:cTn id="8" presetID="1" presetClass="entr" presetSubtype="0" fill="hold" nodeType="withEffect">
                                   <p:stCondLst>
                                     <p:cond delay="0"/>
                                   </p:stCondLst>
@@ -8273,11 +13764,7 @@
                                           </p:stCondLst>
                                         </p:cTn>
                                         <p:tgtEl>
-                                          <p:spTgt spid="3">
-                                            <p:txEl>
-                                              <p:pRg st="1" end="1"/>
-                                            </p:txEl>
-                                          </p:spTgt>
+                                          <p:spTgt spid="4"/>
                                         </p:tgtEl>
                                         <p:attrNameLst>
                                           <p:attrName>style.visibility</p:attrName>
@@ -8287,18 +13774,6 @@
                                         <p:strVal val="visible"/>
                                       </p:to>
                                     </p:set>
-                                    <p:animEffect transition="in" filter="fade">
-                                      <p:cBhvr>
-                                        <p:cTn id="10" dur="500"/>
-                                        <p:tgtEl>
-                                          <p:spTgt spid="3">
-                                            <p:txEl>
-                                              <p:pRg st="1" end="1"/>
-                                            </p:txEl>
-                                          </p:spTgt>
-                                        </p:tgtEl>
-                                      </p:cBhvr>
-                                    </p:animEffect>
                                   </p:childTnLst>
                                 </p:cTn>
                               </p:par>
@@ -8309,36 +13784,32 @@
                     </p:cTn>
                   </p:par>
                   <p:par>
-                    <p:cTn id="11" fill="hold">
+                    <p:cTn id="10" fill="hold">
                       <p:stCondLst>
                         <p:cond delay="indefinite"/>
                       </p:stCondLst>
                       <p:childTnLst>
                         <p:par>
-                          <p:cTn id="12" fill="hold">
+                          <p:cTn id="11" fill="hold">
                             <p:stCondLst>
                               <p:cond delay="0"/>
                             </p:stCondLst>
                             <p:childTnLst>
                               <p:par>
-                                <p:cTn id="13" presetID="10" presetClass="entr" presetSubtype="0" fill="hold" grpId="0" nodeType="clickEffect">
+                                <p:cTn id="12" presetID="1" presetClass="entr" presetSubtype="0" fill="hold" nodeType="clickEffect">
                                   <p:stCondLst>
                                     <p:cond delay="0"/>
                                   </p:stCondLst>
                                   <p:childTnLst>
                                     <p:set>
                                       <p:cBhvr>
-                                        <p:cTn id="14" dur="1" fill="hold">
+                                        <p:cTn id="13" dur="1" fill="hold">
                                           <p:stCondLst>
                                             <p:cond delay="0"/>
                                           </p:stCondLst>
                                         </p:cTn>
                                         <p:tgtEl>
-                                          <p:spTgt spid="3">
-                                            <p:txEl>
-                                              <p:pRg st="3" end="3"/>
-                                            </p:txEl>
-                                          </p:spTgt>
+                                          <p:spTgt spid="12"/>
                                         </p:tgtEl>
                                         <p:attrNameLst>
                                           <p:attrName>style.visibility</p:attrName>
@@ -8348,30 +13819,63 @@
                                         <p:strVal val="visible"/>
                                       </p:to>
                                     </p:set>
-                                    <p:animEffect transition="in" filter="fade">
-                                      <p:cBhvr>
-                                        <p:cTn id="15" dur="500"/>
-                                        <p:tgtEl>
-                                          <p:spTgt spid="3">
-                                            <p:txEl>
-                                              <p:pRg st="3" end="3"/>
-                                            </p:txEl>
-                                          </p:spTgt>
-                                        </p:tgtEl>
-                                      </p:cBhvr>
-                                    </p:animEffect>
                                   </p:childTnLst>
                                 </p:cTn>
                               </p:par>
                               <p:par>
-                                <p:cTn id="16" presetID="10" presetClass="entr" presetSubtype="0" fill="hold" grpId="0" nodeType="withEffect">
+                                <p:cTn id="14" presetID="1" presetClass="entr" presetSubtype="0" fill="hold" grpId="0" nodeType="withEffect">
                                   <p:stCondLst>
                                     <p:cond delay="0"/>
                                   </p:stCondLst>
                                   <p:childTnLst>
                                     <p:set>
                                       <p:cBhvr>
-                                        <p:cTn id="17" dur="1" fill="hold">
+                                        <p:cTn id="15" dur="1" fill="hold">
+                                          <p:stCondLst>
+                                            <p:cond delay="0"/>
+                                          </p:stCondLst>
+                                        </p:cTn>
+                                        <p:tgtEl>
+                                          <p:spTgt spid="13"/>
+                                        </p:tgtEl>
+                                        <p:attrNameLst>
+                                          <p:attrName>style.visibility</p:attrName>
+                                        </p:attrNameLst>
+                                      </p:cBhvr>
+                                      <p:to>
+                                        <p:strVal val="visible"/>
+                                      </p:to>
+                                    </p:set>
+                                  </p:childTnLst>
+                                </p:cTn>
+                              </p:par>
+                            </p:childTnLst>
+                          </p:cTn>
+                        </p:par>
+                      </p:childTnLst>
+                    </p:cTn>
+                  </p:par>
+                  <p:par>
+                    <p:cTn id="16" fill="hold">
+                      <p:stCondLst>
+                        <p:cond delay="indefinite"/>
+                      </p:stCondLst>
+                      <p:childTnLst>
+                        <p:par>
+                          <p:cTn id="17" fill="hold">
+                            <p:stCondLst>
+                              <p:cond delay="0"/>
+                            </p:stCondLst>
+                            <p:childTnLst>
+                              <p:par>
+                                <p:cTn id="18" presetID="10" presetClass="entr" presetSubtype="0" fill="hold" grpId="0" nodeType="clickEffect">
+                                  <p:stCondLst>
+                                    <p:cond delay="0"/>
+                                  </p:stCondLst>
+                                  <p:childTnLst>
+                                    <p:set>
+                                      <p:cBhvr>
+                                        <p:cTn id="19" dur="1" fill="hold">
                                           <p:stCondLst>
                                             <p:cond delay="0"/>
                                           </p:stCondLst>
@@ -8393,7 +13897,7 @@
                                     </p:set>
                                     <p:animEffect transition="in" filter="fade">
                                       <p:cBhvr>
-                                        <p:cTn id="18" dur="500"/>
+                                        <p:cTn id="20" dur="500"/>
                                         <p:tgtEl>
                                           <p:spTgt spid="3">
                                             <p:txEl>
@@ -8406,26 +13910,8 @@
                                   </p:childTnLst>
                                 </p:cTn>
                               </p:par>
-                            </p:childTnLst>
-                          </p:cTn>
-                        </p:par>
-                      </p:childTnLst>
-                    </p:cTn>
-                  </p:par>
-                  <p:par>
-                    <p:cTn id="19" fill="hold">
-                      <p:stCondLst>
-                        <p:cond delay="indefinite"/>
-                      </p:stCondLst>
-                      <p:childTnLst>
-                        <p:par>
-                          <p:cTn id="20" fill="hold">
-                            <p:stCondLst>
-                              <p:cond delay="0"/>
-                            </p:stCondLst>
-                            <p:childTnLst>
                               <p:par>
-                                <p:cTn id="21" presetID="10" presetClass="entr" presetSubtype="0" fill="hold" grpId="0" nodeType="clickEffect">
+                                <p:cTn id="21" presetID="1" presetClass="entr" presetSubtype="0" fill="hold" nodeType="withEffect">
                                   <p:stCondLst>
                                     <p:cond delay="0"/>
                                   </p:stCondLst>
@@ -8438,11 +13924,7 @@
                                           </p:stCondLst>
                                         </p:cTn>
                                         <p:tgtEl>
-                                          <p:spTgt spid="3">
-                                            <p:txEl>
-                                              <p:pRg st="6" end="6"/>
-                                            </p:txEl>
-                                          </p:spTgt>
+                                          <p:spTgt spid="6"/>
                                         </p:tgtEl>
                                         <p:attrNameLst>
                                           <p:attrName>style.visibility</p:attrName>
@@ -8452,40 +13934,24 @@
                                         <p:strVal val="visible"/>
                                       </p:to>
                                     </p:set>
-                                    <p:animEffect transition="in" filter="fade">
-                                      <p:cBhvr>
-                                        <p:cTn id="23" dur="500"/>
-                                        <p:tgtEl>
-                                          <p:spTgt spid="3">
-                                            <p:txEl>
-                                              <p:pRg st="6" end="6"/>
-                                            </p:txEl>
-                                          </p:spTgt>
-                                        </p:tgtEl>
-                                      </p:cBhvr>
-                                    </p:animEffect>
                                   </p:childTnLst>
                                 </p:cTn>
                               </p:par>
                               <p:par>
-                                <p:cTn id="24" presetID="10" presetClass="entr" presetSubtype="0" fill="hold" grpId="0" nodeType="withEffect">
+                                <p:cTn id="23" presetID="1" presetClass="entr" presetSubtype="0" fill="hold" nodeType="withEffect">
                                   <p:stCondLst>
                                     <p:cond delay="0"/>
                                   </p:stCondLst>
                                   <p:childTnLst>
                                     <p:set>
                                       <p:cBhvr>
-                                        <p:cTn id="25" dur="1" fill="hold">
+                                        <p:cTn id="24" dur="1" fill="hold">
                                           <p:stCondLst>
                                             <p:cond delay="0"/>
                                           </p:stCondLst>
                                         </p:cTn>
                                         <p:tgtEl>
-                                          <p:spTgt spid="3">
-                                            <p:txEl>
-                                              <p:pRg st="7" end="7"/>
-                                            </p:txEl>
-                                          </p:spTgt>
+                                          <p:spTgt spid="7"/>
                                         </p:tgtEl>
                                         <p:attrNameLst>
                                           <p:attrName>style.visibility</p:attrName>
@@ -8495,18 +13961,33 @@
                                         <p:strVal val="visible"/>
                                       </p:to>
                                     </p:set>
-                                    <p:animEffect transition="in" filter="fade">
+                                  </p:childTnLst>
+                                </p:cTn>
+                              </p:par>
+                              <p:par>
+                                <p:cTn id="25" presetID="1" presetClass="entr" presetSubtype="0" fill="hold" nodeType="withEffect">
+                                  <p:stCondLst>
+                                    <p:cond delay="0"/>
+                                  </p:stCondLst>
+                                  <p:childTnLst>
+                                    <p:set>
                                       <p:cBhvr>
-                                        <p:cTn id="26" dur="500"/>
+                                        <p:cTn id="26" dur="1" fill="hold">
+                                          <p:stCondLst>
+                                            <p:cond delay="0"/>
+                                          </p:stCondLst>
+                                        </p:cTn>
                                         <p:tgtEl>
-                                          <p:spTgt spid="3">
-                                            <p:txEl>
-                                              <p:pRg st="7" end="7"/>
-                                            </p:txEl>
-                                          </p:spTgt>
+                                          <p:spTgt spid="5"/>
                                         </p:tgtEl>
+                                        <p:attrNameLst>
+                                          <p:attrName>style.visibility</p:attrName>
+                                        </p:attrNameLst>
                                       </p:cBhvr>
-                                    </p:animEffect>
+                                      <p:to>
+                                        <p:strVal val="visible"/>
+                                      </p:to>
+                                    </p:set>
                                   </p:childTnLst>
                                 </p:cTn>
                               </p:par>
@@ -8529,7 +14010,7 @@
                             </p:stCondLst>
                             <p:childTnLst>
                               <p:par>
-                                <p:cTn id="29" presetID="10" presetClass="entr" presetSubtype="0" fill="hold" grpId="0" nodeType="clickEffect">
+                                <p:cTn id="29" presetID="1" presetClass="entr" presetSubtype="0" fill="hold" nodeType="clickEffect">
                                   <p:stCondLst>
                                     <p:cond delay="0"/>
                                   </p:stCondLst>
@@ -8542,11 +14023,7 @@
                                           </p:stCondLst>
                                         </p:cTn>
                                         <p:tgtEl>
-                                          <p:spTgt spid="3">
-                                            <p:txEl>
-                                              <p:pRg st="9" end="9"/>
-                                            </p:txEl>
-                                          </p:spTgt>
+                                          <p:spTgt spid="15"/>
                                         </p:tgtEl>
                                         <p:attrNameLst>
                                           <p:attrName>style.visibility</p:attrName>
@@ -8556,40 +14033,24 @@
                                         <p:strVal val="visible"/>
                                       </p:to>
                                     </p:set>
-                                    <p:animEffect transition="in" filter="fade">
-                                      <p:cBhvr>
-                                        <p:cTn id="31" dur="500"/>
-                                        <p:tgtEl>
-                                          <p:spTgt spid="3">
-                                            <p:txEl>
-                                              <p:pRg st="9" end="9"/>
-                                            </p:txEl>
-                                          </p:spTgt>
-                                        </p:tgtEl>
-                                      </p:cBhvr>
-                                    </p:animEffect>
                                   </p:childTnLst>
                                 </p:cTn>
                               </p:par>
                               <p:par>
-                                <p:cTn id="32" presetID="10" presetClass="entr" presetSubtype="0" fill="hold" grpId="0" nodeType="withEffect">
+                                <p:cTn id="31" presetID="1" presetClass="entr" presetSubtype="0" fill="hold" grpId="0" nodeType="withEffect">
                                   <p:stCondLst>
                                     <p:cond delay="0"/>
                                   </p:stCondLst>
                                   <p:childTnLst>
                                     <p:set>
                                       <p:cBhvr>
-                                        <p:cTn id="33" dur="1" fill="hold">
+                                        <p:cTn id="32" dur="1" fill="hold">
                                           <p:stCondLst>
                                             <p:cond delay="0"/>
                                           </p:stCondLst>
                                         </p:cTn>
                                         <p:tgtEl>
-                                          <p:spTgt spid="3">
-                                            <p:txEl>
-                                              <p:pRg st="10" end="10"/>
-                                            </p:txEl>
-                                          </p:spTgt>
+                                          <p:spTgt spid="16"/>
                                         </p:tgtEl>
                                         <p:attrNameLst>
                                           <p:attrName>style.visibility</p:attrName>
@@ -8599,18 +14060,6 @@
                                         <p:strVal val="visible"/>
                                       </p:to>
                                     </p:set>
-                                    <p:animEffect transition="in" filter="fade">
-                                      <p:cBhvr>
-                                        <p:cTn id="34" dur="500"/>
-                                        <p:tgtEl>
-                                          <p:spTgt spid="3">
-                                            <p:txEl>
-                                              <p:pRg st="10" end="10"/>
-                                            </p:txEl>
-                                          </p:spTgt>
-                                        </p:tgtEl>
-                                      </p:cBhvr>
-                                    </p:animEffect>
                                   </p:childTnLst>
                                 </p:cTn>
                               </p:par>
@@ -8621,19 +14070,46 @@
                     </p:cTn>
                   </p:par>
                   <p:par>
-                    <p:cTn id="35" fill="hold">
+                    <p:cTn id="33" fill="hold">
                       <p:stCondLst>
                         <p:cond delay="indefinite"/>
                       </p:stCondLst>
                       <p:childTnLst>
                         <p:par>
-                          <p:cTn id="36" fill="hold">
+                          <p:cTn id="34" fill="hold">
                             <p:stCondLst>
                               <p:cond delay="0"/>
                             </p:stCondLst>
                             <p:childTnLst>
                               <p:par>
-                                <p:cTn id="37" presetID="10" presetClass="entr" presetSubtype="0" fill="hold" grpId="0" nodeType="clickEffect">
+                                <p:cTn id="35" presetID="1" presetClass="entr" presetSubtype="0" fill="hold" nodeType="clickEffect">
+                                  <p:stCondLst>
+                                    <p:cond delay="0"/>
+                                  </p:stCondLst>
+                                  <p:childTnLst>
+                                    <p:set>
+                                      <p:cBhvr>
+                                        <p:cTn id="36" dur="1" fill="hold">
+                                          <p:stCondLst>
+                                            <p:cond delay="0"/>
+                                          </p:stCondLst>
+                                        </p:cTn>
+                                        <p:tgtEl>
+                                          <p:spTgt spid="18"/>
+                                        </p:tgtEl>
+                                        <p:attrNameLst>
+                                          <p:attrName>style.visibility</p:attrName>
+                                        </p:attrNameLst>
+                                      </p:cBhvr>
+                                      <p:to>
+                                        <p:strVal val="visible"/>
+                                      </p:to>
+                                    </p:set>
+                                  </p:childTnLst>
+                                </p:cTn>
+                              </p:par>
+                              <p:par>
+                                <p:cTn id="37" presetID="1" presetClass="entr" presetSubtype="0" fill="hold" grpId="0" nodeType="withEffect">
                                   <p:stCondLst>
                                     <p:cond delay="0"/>
                                   </p:stCondLst>
@@ -8646,11 +14122,7 @@
                                           </p:stCondLst>
                                         </p:cTn>
                                         <p:tgtEl>
-                                          <p:spTgt spid="3">
-                                            <p:txEl>
-                                              <p:pRg st="12" end="12"/>
-                                            </p:txEl>
-                                          </p:spTgt>
+                                          <p:spTgt spid="19"/>
                                         </p:tgtEl>
                                         <p:attrNameLst>
                                           <p:attrName>style.visibility</p:attrName>
@@ -8660,40 +14132,42 @@
                                         <p:strVal val="visible"/>
                                       </p:to>
                                     </p:set>
-                                    <p:animEffect transition="in" filter="fade">
-                                      <p:cBhvr>
-                                        <p:cTn id="39" dur="500"/>
-                                        <p:tgtEl>
-                                          <p:spTgt spid="3">
-                                            <p:txEl>
-                                              <p:pRg st="12" end="12"/>
-                                            </p:txEl>
-                                          </p:spTgt>
-                                        </p:tgtEl>
-                                      </p:cBhvr>
-                                    </p:animEffect>
                                   </p:childTnLst>
                                 </p:cTn>
                               </p:par>
+                            </p:childTnLst>
+                          </p:cTn>
+                        </p:par>
+                      </p:childTnLst>
+                    </p:cTn>
+                  </p:par>
+                  <p:par>
+                    <p:cTn id="39" fill="hold">
+                      <p:stCondLst>
+                        <p:cond delay="indefinite"/>
+                      </p:stCondLst>
+                      <p:childTnLst>
+                        <p:par>
+                          <p:cTn id="40" fill="hold">
+                            <p:stCondLst>
+                              <p:cond delay="0"/>
+                            </p:stCondLst>
+                            <p:childTnLst>
                               <p:par>
-                                <p:cTn id="40" presetID="10" presetClass="entr" presetSubtype="0" fill="hold" grpId="0" nodeType="withEffect">
+                                <p:cTn id="41" presetID="1" presetClass="entr" presetSubtype="0" fill="hold" grpId="0" nodeType="clickEffect">
                                   <p:stCondLst>
                                     <p:cond delay="0"/>
                                   </p:stCondLst>
                                   <p:childTnLst>
                                     <p:set>
                                       <p:cBhvr>
-                                        <p:cTn id="41" dur="1" fill="hold">
+                                        <p:cTn id="42" dur="1" fill="hold">
                                           <p:stCondLst>
                                             <p:cond delay="0"/>
                                           </p:stCondLst>
                                         </p:cTn>
                                         <p:tgtEl>
-                                          <p:spTgt spid="3">
-                                            <p:txEl>
-                                              <p:pRg st="13" end="13"/>
-                                            </p:txEl>
-                                          </p:spTgt>
+                                          <p:spTgt spid="21"/>
                                         </p:tgtEl>
                                         <p:attrNameLst>
                                           <p:attrName>style.visibility</p:attrName>
@@ -8703,18 +14177,6 @@
                                         <p:strVal val="visible"/>
                                       </p:to>
                                     </p:set>
-                                    <p:animEffect transition="in" filter="fade">
-                                      <p:cBhvr>
-                                        <p:cTn id="42" dur="500"/>
-                                        <p:tgtEl>
-                                          <p:spTgt spid="3">
-                                            <p:txEl>
-                                              <p:pRg st="13" end="13"/>
-                                            </p:txEl>
-                                          </p:spTgt>
-                                        </p:tgtEl>
-                                      </p:cBhvr>
-                                    </p:animEffect>
                                   </p:childTnLst>
                                 </p:cTn>
                               </p:par>
@@ -8747,7 +14209,108 @@
     </p:tnLst>
     <p:bldLst>
       <p:bldP spid="3" grpId="0" uiExpand="1" build="p"/>
+      <p:bldP spid="13" grpId="0"/>
+      <p:bldP spid="16" grpId="0"/>
+      <p:bldP spid="19" grpId="0"/>
+      <p:bldP spid="21" grpId="0"/>
     </p:bldLst>
+  </p:timing>
+</p:sld>
+</file>
+
+<file path=ppt/slides/slide25.xml><?xml version="1.0" encoding="utf-8"?>
+<p:sld xmlns:a="http://schemas.openxmlformats.org/drawingml/2006/main" xmlns:r="http://schemas.openxmlformats.org/officeDocument/2006/relationships" xmlns:p="http://schemas.openxmlformats.org/presentationml/2006/main" show="0">
+  <p:cSld>
+    <p:bg>
+      <p:bgPr>
+        <a:solidFill>
+          <a:schemeClr val="accent2"/>
+        </a:solidFill>
+        <a:effectLst/>
+      </p:bgPr>
+    </p:bg>
+    <p:spTree>
+      <p:nvGrpSpPr>
+        <p:cNvPr id="1" name=""/>
+        <p:cNvGrpSpPr/>
+        <p:nvPr/>
+      </p:nvGrpSpPr>
+      <p:grpSpPr>
+        <a:xfrm>
+          <a:off x="0" y="0"/>
+          <a:ext cx="0" cy="0"/>
+          <a:chOff x="0" y="0"/>
+          <a:chExt cx="0" cy="0"/>
+        </a:xfrm>
+      </p:grpSpPr>
+      <p:sp>
+        <p:nvSpPr>
+          <p:cNvPr id="2" name="Title 1"/>
+          <p:cNvSpPr>
+            <a:spLocks noGrp="1"/>
+          </p:cNvSpPr>
+          <p:nvPr>
+            <p:ph type="title"/>
+          </p:nvPr>
+        </p:nvSpPr>
+        <p:spPr/>
+        <p:txBody>
+          <a:bodyPr/>
+          <a:lstStyle/>
+          <a:p>
+            <a:r>
+              <a:rPr lang="en-US" dirty="0" smtClean="0"/>
+              <a:t>END OF Overview Slides		</a:t>
+            </a:r>
+            <a:endParaRPr lang="en-GB" dirty="0"/>
+          </a:p>
+        </p:txBody>
+      </p:sp>
+      <p:sp>
+        <p:nvSpPr>
+          <p:cNvPr id="3" name="Text Placeholder 2"/>
+          <p:cNvSpPr>
+            <a:spLocks noGrp="1"/>
+          </p:cNvSpPr>
+          <p:nvPr>
+            <p:ph type="body" idx="1"/>
+          </p:nvPr>
+        </p:nvSpPr>
+        <p:spPr/>
+        <p:txBody>
+          <a:bodyPr/>
+          <a:lstStyle/>
+          <a:p>
+            <a:pPr marL="0" indent="0">
+              <a:buNone/>
+            </a:pPr>
+            <a:r>
+              <a:rPr lang="en-GB" dirty="0" smtClean="0"/>
+              <a:t>	</a:t>
+            </a:r>
+            <a:endParaRPr lang="en-GB" dirty="0"/>
+          </a:p>
+        </p:txBody>
+      </p:sp>
+    </p:spTree>
+    <p:extLst>
+      <p:ext uri="{BB962C8B-B14F-4D97-AF65-F5344CB8AC3E}">
+        <p14:creationId xmlns:p14="http://schemas.microsoft.com/office/powerpoint/2010/main" val="1213900605"/>
+      </p:ext>
+    </p:extLst>
+  </p:cSld>
+  <p:clrMapOvr>
+    <a:masterClrMapping/>
+  </p:clrMapOvr>
+  <p:transition>
+    <p:fade/>
+  </p:transition>
+  <p:timing>
+    <p:tnLst>
+      <p:par>
+        <p:cTn id="1" dur="indefinite" restart="never" nodeType="tmRoot"/>
+      </p:par>
+    </p:tnLst>
   </p:timing>
 </p:sld>
 </file>
@@ -8850,6 +14413,132 @@
 </file>
 
 <file path=ppt/slides/slide4.xml><?xml version="1.0" encoding="utf-8"?>
+<p:sld xmlns:a="http://schemas.openxmlformats.org/drawingml/2006/main" xmlns:r="http://schemas.openxmlformats.org/officeDocument/2006/relationships" xmlns:p="http://schemas.openxmlformats.org/presentationml/2006/main">
+  <p:cSld>
+    <p:spTree>
+      <p:nvGrpSpPr>
+        <p:cNvPr id="1" name=""/>
+        <p:cNvGrpSpPr/>
+        <p:nvPr/>
+      </p:nvGrpSpPr>
+      <p:grpSpPr>
+        <a:xfrm>
+          <a:off x="0" y="0"/>
+          <a:ext cx="0" cy="0"/>
+          <a:chOff x="0" y="0"/>
+          <a:chExt cx="0" cy="0"/>
+        </a:xfrm>
+      </p:grpSpPr>
+      <p:sp>
+        <p:nvSpPr>
+          <p:cNvPr id="2" name="Title 1"/>
+          <p:cNvSpPr>
+            <a:spLocks noGrp="1"/>
+          </p:cNvSpPr>
+          <p:nvPr>
+            <p:ph type="title"/>
+          </p:nvPr>
+        </p:nvSpPr>
+        <p:spPr/>
+        <p:txBody>
+          <a:bodyPr/>
+          <a:lstStyle/>
+          <a:p>
+            <a:r>
+              <a:rPr lang="en-US" dirty="0" smtClean="0"/>
+              <a:t>Agenda		</a:t>
+            </a:r>
+            <a:endParaRPr lang="en-GB" dirty="0"/>
+          </a:p>
+        </p:txBody>
+      </p:sp>
+      <p:sp>
+        <p:nvSpPr>
+          <p:cNvPr id="3" name="Text Placeholder 2"/>
+          <p:cNvSpPr>
+            <a:spLocks noGrp="1"/>
+          </p:cNvSpPr>
+          <p:nvPr>
+            <p:ph type="body" idx="1"/>
+          </p:nvPr>
+        </p:nvSpPr>
+        <p:spPr/>
+        <p:txBody>
+          <a:bodyPr/>
+          <a:lstStyle/>
+          <a:p>
+            <a:r>
+              <a:rPr lang="en-US" dirty="0" smtClean="0">
+                <a:solidFill>
+                  <a:schemeClr val="accent6">
+                    <a:lumMod val="75000"/>
+                  </a:schemeClr>
+                </a:solidFill>
+                <a:latin typeface="+mn-lt"/>
+              </a:rPr>
+              <a:t>Creating our View Model</a:t>
+            </a:r>
+          </a:p>
+          <a:p>
+            <a:r>
+              <a:rPr lang="en-GB" dirty="0" smtClean="0"/>
+              <a:t>Creating our HTML View</a:t>
+            </a:r>
+          </a:p>
+          <a:p>
+            <a:r>
+              <a:rPr lang="en-GB" dirty="0" smtClean="0"/>
+              <a:t>Fetching data via Ajax</a:t>
+            </a:r>
+          </a:p>
+          <a:p>
+            <a:r>
+              <a:rPr lang="en-GB" dirty="0" smtClean="0"/>
+              <a:t>Applying </a:t>
+            </a:r>
+            <a:r>
+              <a:rPr lang="en-GB" dirty="0"/>
+              <a:t>styles to an HTML element via </a:t>
+            </a:r>
+            <a:r>
+              <a:rPr lang="en-GB" dirty="0" smtClean="0"/>
+              <a:t>Knockout</a:t>
+            </a:r>
+            <a:endParaRPr lang="en-GB" dirty="0"/>
+          </a:p>
+          <a:p>
+            <a:r>
+              <a:rPr lang="en-GB" dirty="0" smtClean="0"/>
+              <a:t>Formatting data via Computed Observables</a:t>
+            </a:r>
+            <a:endParaRPr lang="en-GB" dirty="0"/>
+          </a:p>
+        </p:txBody>
+      </p:sp>
+    </p:spTree>
+    <p:extLst>
+      <p:ext uri="{BB962C8B-B14F-4D97-AF65-F5344CB8AC3E}">
+        <p14:creationId xmlns:p14="http://schemas.microsoft.com/office/powerpoint/2010/main" val="1257046534"/>
+      </p:ext>
+    </p:extLst>
+  </p:cSld>
+  <p:clrMapOvr>
+    <a:masterClrMapping/>
+  </p:clrMapOvr>
+  <p:transition>
+    <p:fade/>
+  </p:transition>
+  <p:timing>
+    <p:tnLst>
+      <p:par>
+        <p:cTn id="1" dur="indefinite" restart="never" nodeType="tmRoot"/>
+      </p:par>
+    </p:tnLst>
+  </p:timing>
+</p:sld>
+</file>
+
+<file path=ppt/slides/slide5.xml><?xml version="1.0" encoding="utf-8"?>
 <p:sld xmlns:a="http://schemas.openxmlformats.org/drawingml/2006/main" xmlns:r="http://schemas.openxmlformats.org/officeDocument/2006/relationships" xmlns:p="http://schemas.openxmlformats.org/presentationml/2006/main">
   <p:cSld>
     <p:spTree>
@@ -9238,7 +14927,7 @@
 </p:sld>
 </file>
 
-<file path=ppt/slides/slide5.xml><?xml version="1.0" encoding="utf-8"?>
+<file path=ppt/slides/slide6.xml><?xml version="1.0" encoding="utf-8"?>
 <p:sld xmlns:a="http://schemas.openxmlformats.org/drawingml/2006/main" xmlns:r="http://schemas.openxmlformats.org/officeDocument/2006/relationships" xmlns:p="http://schemas.openxmlformats.org/presentationml/2006/main">
   <p:cSld>
     <p:spTree>
@@ -9937,7 +15626,7 @@
 </p:sld>
 </file>
 
-<file path=ppt/slides/slide6.xml><?xml version="1.0" encoding="utf-8"?>
+<file path=ppt/slides/slide7.xml><?xml version="1.0" encoding="utf-8"?>
 <p:sld xmlns:a="http://schemas.openxmlformats.org/drawingml/2006/main" xmlns:r="http://schemas.openxmlformats.org/officeDocument/2006/relationships" xmlns:p="http://schemas.openxmlformats.org/presentationml/2006/main">
   <p:cSld>
     <p:spTree>
@@ -10975,7 +16664,7 @@
 </p:sld>
 </file>
 
-<file path=ppt/slides/slide7.xml><?xml version="1.0" encoding="utf-8"?>
+<file path=ppt/slides/slide8.xml><?xml version="1.0" encoding="utf-8"?>
 <p:sld xmlns:a="http://schemas.openxmlformats.org/drawingml/2006/main" xmlns:r="http://schemas.openxmlformats.org/officeDocument/2006/relationships" xmlns:p="http://schemas.openxmlformats.org/presentationml/2006/main">
   <p:cSld>
     <p:spTree>
@@ -11537,7 +17226,7 @@
 </p:sld>
 </file>
 
-<file path=ppt/slides/slide8.xml><?xml version="1.0" encoding="utf-8"?>
+<file path=ppt/slides/slide9.xml><?xml version="1.0" encoding="utf-8"?>
 <p:sld xmlns:a="http://schemas.openxmlformats.org/drawingml/2006/main" xmlns:r="http://schemas.openxmlformats.org/officeDocument/2006/relationships" xmlns:p="http://schemas.openxmlformats.org/presentationml/2006/main">
   <p:cSld>
     <p:spTree>
@@ -12025,8 +17714,8 @@
         </p:nvSpPr>
         <p:spPr bwMode="auto">
           <a:xfrm>
-            <a:off x="1447800" y="5572958"/>
-            <a:ext cx="5638800" cy="369332"/>
+            <a:off x="0" y="5572958"/>
+            <a:ext cx="9144000" cy="369332"/>
           </a:xfrm>
           <a:prstGeom prst="rect">
             <a:avLst/>
@@ -12045,6 +17734,7 @@
           </a:bodyPr>
           <a:lstStyle/>
           <a:p>
+            <a:pPr algn="ctr"/>
             <a:r>
               <a:rPr lang="en-US" dirty="0" smtClean="0">
                 <a:latin typeface="+mj-lt"/>
@@ -12057,6 +17747,74 @@
           </a:p>
         </p:txBody>
       </p:sp>
+      <p:cxnSp>
+        <p:nvCxnSpPr>
+          <p:cNvPr id="4" name="Straight Connector 3"/>
+          <p:cNvCxnSpPr/>
+          <p:nvPr/>
+        </p:nvCxnSpPr>
+        <p:spPr bwMode="auto">
+          <a:xfrm>
+            <a:off x="1371600" y="4495800"/>
+            <a:ext cx="1676400" cy="0"/>
+          </a:xfrm>
+          <a:prstGeom prst="line">
+            <a:avLst/>
+          </a:prstGeom>
+          <a:ln>
+            <a:headEnd type="none" w="med" len="med"/>
+            <a:tailEnd type="none" w="med" len="med"/>
+          </a:ln>
+        </p:spPr>
+        <p:style>
+          <a:lnRef idx="2">
+            <a:schemeClr val="accent2"/>
+          </a:lnRef>
+          <a:fillRef idx="0">
+            <a:schemeClr val="accent2"/>
+          </a:fillRef>
+          <a:effectRef idx="1">
+            <a:schemeClr val="accent2"/>
+          </a:effectRef>
+          <a:fontRef idx="minor">
+            <a:schemeClr val="tx1"/>
+          </a:fontRef>
+        </p:style>
+      </p:cxnSp>
+      <p:cxnSp>
+        <p:nvCxnSpPr>
+          <p:cNvPr id="17" name="Straight Connector 16"/>
+          <p:cNvCxnSpPr/>
+          <p:nvPr/>
+        </p:nvCxnSpPr>
+        <p:spPr bwMode="auto">
+          <a:xfrm>
+            <a:off x="2057400" y="5334000"/>
+            <a:ext cx="1676400" cy="0"/>
+          </a:xfrm>
+          <a:prstGeom prst="line">
+            <a:avLst/>
+          </a:prstGeom>
+          <a:ln>
+            <a:headEnd type="none" w="med" len="med"/>
+            <a:tailEnd type="none" w="med" len="med"/>
+          </a:ln>
+        </p:spPr>
+        <p:style>
+          <a:lnRef idx="2">
+            <a:schemeClr val="accent2"/>
+          </a:lnRef>
+          <a:fillRef idx="0">
+            <a:schemeClr val="accent2"/>
+          </a:fillRef>
+          <a:effectRef idx="1">
+            <a:schemeClr val="accent2"/>
+          </a:effectRef>
+          <a:fontRef idx="minor">
+            <a:schemeClr val="tx1"/>
+          </a:fontRef>
+        </p:style>
+      </p:cxnSp>
     </p:spTree>
     <p:extLst>
       <p:ext uri="{BB962C8B-B14F-4D97-AF65-F5344CB8AC3E}">
@@ -12232,33 +17990,15 @@
                                   </p:childTnLst>
                                 </p:cTn>
                               </p:par>
-                            </p:childTnLst>
-                          </p:cTn>
-                        </p:par>
-                      </p:childTnLst>
-                    </p:cTn>
-                  </p:par>
-                  <p:par>
-                    <p:cTn id="16" fill="hold">
-                      <p:stCondLst>
-                        <p:cond delay="indefinite"/>
-                      </p:stCondLst>
-                      <p:childTnLst>
-                        <p:par>
-                          <p:cTn id="17" fill="hold">
-                            <p:stCondLst>
-                              <p:cond delay="0"/>
-                            </p:stCondLst>
-                            <p:childTnLst>
                               <p:par>
-                                <p:cTn id="18" presetID="1" presetClass="entr" presetSubtype="0" fill="hold" nodeType="clickEffect">
+                                <p:cTn id="16" presetID="1" presetClass="entr" presetSubtype="0" fill="hold" nodeType="withEffect">
                                   <p:stCondLst>
                                     <p:cond delay="0"/>
                                   </p:stCondLst>
                                   <p:childTnLst>
                                     <p:set>
                                       <p:cBhvr>
-                                        <p:cTn id="19" dur="1" fill="hold">
+                                        <p:cTn id="17" dur="1" fill="hold">
                                           <p:stCondLst>
                                             <p:cond delay="0"/>
                                           </p:stCondLst>
@@ -12278,14 +18018,14 @@
                                 </p:cTn>
                               </p:par>
                               <p:par>
-                                <p:cTn id="20" presetID="1" presetClass="entr" presetSubtype="0" fill="hold" grpId="0" nodeType="withEffect">
+                                <p:cTn id="18" presetID="1" presetClass="entr" presetSubtype="0" fill="hold" grpId="0" nodeType="withEffect">
                                   <p:stCondLst>
                                     <p:cond delay="0"/>
                                   </p:stCondLst>
                                   <p:childTnLst>
                                     <p:set>
                                       <p:cBhvr>
-                                        <p:cTn id="21" dur="1" fill="hold">
+                                        <p:cTn id="19" dur="1" fill="hold">
                                           <p:stCondLst>
                                             <p:cond delay="0"/>
                                           </p:stCondLst>
@@ -12311,26 +18051,26 @@
                     </p:cTn>
                   </p:par>
                   <p:par>
-                    <p:cTn id="22" fill="hold">
+                    <p:cTn id="20" fill="hold">
                       <p:stCondLst>
                         <p:cond delay="indefinite"/>
                       </p:stCondLst>
                       <p:childTnLst>
                         <p:par>
-                          <p:cTn id="23" fill="hold">
+                          <p:cTn id="21" fill="hold">
                             <p:stCondLst>
                               <p:cond delay="0"/>
                             </p:stCondLst>
                             <p:childTnLst>
                               <p:par>
-                                <p:cTn id="24" presetID="10" presetClass="entr" presetSubtype="0" fill="hold" grpId="0" nodeType="clickEffect">
+                                <p:cTn id="22" presetID="10" presetClass="entr" presetSubtype="0" fill="hold" grpId="0" nodeType="clickEffect">
                                   <p:stCondLst>
                                     <p:cond delay="0"/>
                                   </p:stCondLst>
                                   <p:childTnLst>
                                     <p:set>
                                       <p:cBhvr>
-                                        <p:cTn id="25" dur="1" fill="hold">
+                                        <p:cTn id="23" dur="1" fill="hold">
                                           <p:stCondLst>
                                             <p:cond delay="0"/>
                                           </p:stCondLst>
@@ -12352,7 +18092,7 @@
                                     </p:set>
                                     <p:animEffect transition="in" filter="fade">
                                       <p:cBhvr>
-                                        <p:cTn id="26" dur="500"/>
+                                        <p:cTn id="24" dur="500"/>
                                         <p:tgtEl>
                                           <p:spTgt spid="10">
                                             <p:txEl>
@@ -12366,14 +18106,14 @@
                                 </p:cTn>
                               </p:par>
                               <p:par>
-                                <p:cTn id="27" presetID="1" presetClass="entr" presetSubtype="0" fill="hold" nodeType="withEffect">
+                                <p:cTn id="25" presetID="1" presetClass="entr" presetSubtype="0" fill="hold" nodeType="withEffect">
                                   <p:stCondLst>
                                     <p:cond delay="0"/>
                                   </p:stCondLst>
                                   <p:childTnLst>
                                     <p:set>
                                       <p:cBhvr>
-                                        <p:cTn id="28" dur="1" fill="hold">
+                                        <p:cTn id="26" dur="1" fill="hold">
                                           <p:stCondLst>
                                             <p:cond delay="0"/>
                                           </p:stCondLst>
@@ -12399,26 +18139,26 @@
                     </p:cTn>
                   </p:par>
                   <p:par>
-                    <p:cTn id="29" fill="hold">
+                    <p:cTn id="27" fill="hold">
                       <p:stCondLst>
                         <p:cond delay="indefinite"/>
                       </p:stCondLst>
                       <p:childTnLst>
                         <p:par>
-                          <p:cTn id="30" fill="hold">
+                          <p:cTn id="28" fill="hold">
                             <p:stCondLst>
                               <p:cond delay="0"/>
                             </p:stCondLst>
                             <p:childTnLst>
                               <p:par>
-                                <p:cTn id="31" presetID="1" presetClass="entr" presetSubtype="0" fill="hold" nodeType="clickEffect">
+                                <p:cTn id="29" presetID="1" presetClass="entr" presetSubtype="0" fill="hold" nodeType="clickEffect">
                                   <p:stCondLst>
                                     <p:cond delay="0"/>
                                   </p:stCondLst>
                                   <p:childTnLst>
                                     <p:set>
                                       <p:cBhvr>
-                                        <p:cTn id="32" dur="1" fill="hold">
+                                        <p:cTn id="30" dur="1" fill="hold">
                                           <p:stCondLst>
                                             <p:cond delay="0"/>
                                           </p:stCondLst>
@@ -12438,14 +18178,14 @@
                                 </p:cTn>
                               </p:par>
                               <p:par>
-                                <p:cTn id="33" presetID="1" presetClass="entr" presetSubtype="0" fill="hold" grpId="0" nodeType="withEffect">
+                                <p:cTn id="31" presetID="1" presetClass="entr" presetSubtype="0" fill="hold" grpId="0" nodeType="withEffect">
                                   <p:stCondLst>
                                     <p:cond delay="0"/>
                                   </p:stCondLst>
                                   <p:childTnLst>
                                     <p:set>
                                       <p:cBhvr>
-                                        <p:cTn id="34" dur="1" fill="hold">
+                                        <p:cTn id="32" dur="1" fill="hold">
                                           <p:stCondLst>
                                             <p:cond delay="0"/>
                                           </p:stCondLst>
@@ -12464,33 +18204,15 @@
                                   </p:childTnLst>
                                 </p:cTn>
                               </p:par>
-                            </p:childTnLst>
-                          </p:cTn>
-                        </p:par>
-                      </p:childTnLst>
-                    </p:cTn>
-                  </p:par>
-                  <p:par>
-                    <p:cTn id="35" fill="hold">
-                      <p:stCondLst>
-                        <p:cond delay="indefinite"/>
-                      </p:stCondLst>
-                      <p:childTnLst>
-                        <p:par>
-                          <p:cTn id="36" fill="hold">
-                            <p:stCondLst>
-                              <p:cond delay="0"/>
-                            </p:stCondLst>
-                            <p:childTnLst>
                               <p:par>
-                                <p:cTn id="37" presetID="1" presetClass="entr" presetSubtype="0" fill="hold" nodeType="clickEffect">
+                                <p:cTn id="33" presetID="1" presetClass="entr" presetSubtype="0" fill="hold" nodeType="withEffect">
                                   <p:stCondLst>
                                     <p:cond delay="0"/>
                                   </p:stCondLst>
                                   <p:childTnLst>
                                     <p:set>
                                       <p:cBhvr>
-                                        <p:cTn id="38" dur="1" fill="hold">
+                                        <p:cTn id="34" dur="1" fill="hold">
                                           <p:stCondLst>
                                             <p:cond delay="0"/>
                                           </p:stCondLst>
@@ -12510,7 +18232,61 @@
                                 </p:cTn>
                               </p:par>
                               <p:par>
-                                <p:cTn id="39" presetID="1" presetClass="entr" presetSubtype="0" fill="hold" grpId="0" nodeType="withEffect">
+                                <p:cTn id="35" presetID="1" presetClass="entr" presetSubtype="0" fill="hold" grpId="0" nodeType="withEffect">
+                                  <p:stCondLst>
+                                    <p:cond delay="0"/>
+                                  </p:stCondLst>
+                                  <p:childTnLst>
+                                    <p:set>
+                                      <p:cBhvr>
+                                        <p:cTn id="36" dur="1" fill="hold">
+                                          <p:stCondLst>
+                                            <p:cond delay="0"/>
+                                          </p:stCondLst>
+                                        </p:cTn>
+                                        <p:tgtEl>
+                                          <p:spTgt spid="28"/>
+                                        </p:tgtEl>
+                                        <p:attrNameLst>
+                                          <p:attrName>style.visibility</p:attrName>
+                                        </p:attrNameLst>
+                                      </p:cBhvr>
+                                      <p:to>
+                                        <p:strVal val="visible"/>
+                                      </p:to>
+                                    </p:set>
+                                  </p:childTnLst>
+                                </p:cTn>
+                              </p:par>
+                              <p:par>
+                                <p:cTn id="37" presetID="1" presetClass="entr" presetSubtype="0" fill="hold" nodeType="withEffect">
+                                  <p:stCondLst>
+                                    <p:cond delay="0"/>
+                                  </p:stCondLst>
+                                  <p:childTnLst>
+                                    <p:set>
+                                      <p:cBhvr>
+                                        <p:cTn id="38" dur="1" fill="hold">
+                                          <p:stCondLst>
+                                            <p:cond delay="0"/>
+                                          </p:stCondLst>
+                                        </p:cTn>
+                                        <p:tgtEl>
+                                          <p:spTgt spid="17"/>
+                                        </p:tgtEl>
+                                        <p:attrNameLst>
+                                          <p:attrName>style.visibility</p:attrName>
+                                        </p:attrNameLst>
+                                      </p:cBhvr>
+                                      <p:to>
+                                        <p:strVal val="visible"/>
+                                      </p:to>
+                                    </p:set>
+                                  </p:childTnLst>
+                                </p:cTn>
+                              </p:par>
+                              <p:par>
+                                <p:cTn id="39" presetID="1" presetClass="entr" presetSubtype="0" fill="hold" nodeType="withEffect">
                                   <p:stCondLst>
                                     <p:cond delay="0"/>
                                   </p:stCondLst>
@@ -12523,7 +18299,7 @@
                                           </p:stCondLst>
                                         </p:cTn>
                                         <p:tgtEl>
-                                          <p:spTgt spid="28"/>
+                                          <p:spTgt spid="4"/>
                                         </p:tgtEl>
                                         <p:attrNameLst>
                                           <p:attrName>style.visibility</p:attrName>
@@ -12616,103 +18392,6 @@
       <p:bldP spid="28" grpId="0"/>
       <p:bldP spid="29" grpId="0"/>
     </p:bldLst>
-  </p:timing>
-</p:sld>
-</file>
-
-<file path=ppt/slides/slide9.xml><?xml version="1.0" encoding="utf-8"?>
-<p:sld xmlns:a="http://schemas.openxmlformats.org/drawingml/2006/main" xmlns:r="http://schemas.openxmlformats.org/officeDocument/2006/relationships" xmlns:p="http://schemas.openxmlformats.org/presentationml/2006/main" show="0">
-  <p:cSld>
-    <p:bg>
-      <p:bgPr>
-        <a:solidFill>
-          <a:schemeClr val="accent2"/>
-        </a:solidFill>
-        <a:effectLst/>
-      </p:bgPr>
-    </p:bg>
-    <p:spTree>
-      <p:nvGrpSpPr>
-        <p:cNvPr id="1" name=""/>
-        <p:cNvGrpSpPr/>
-        <p:nvPr/>
-      </p:nvGrpSpPr>
-      <p:grpSpPr>
-        <a:xfrm>
-          <a:off x="0" y="0"/>
-          <a:ext cx="0" cy="0"/>
-          <a:chOff x="0" y="0"/>
-          <a:chExt cx="0" cy="0"/>
-        </a:xfrm>
-      </p:grpSpPr>
-      <p:sp>
-        <p:nvSpPr>
-          <p:cNvPr id="2" name="Title 1"/>
-          <p:cNvSpPr>
-            <a:spLocks noGrp="1"/>
-          </p:cNvSpPr>
-          <p:nvPr>
-            <p:ph type="title"/>
-          </p:nvPr>
-        </p:nvSpPr>
-        <p:spPr/>
-        <p:txBody>
-          <a:bodyPr/>
-          <a:lstStyle/>
-          <a:p>
-            <a:r>
-              <a:rPr lang="en-US" dirty="0" smtClean="0"/>
-              <a:t>END OF Overview Slides		</a:t>
-            </a:r>
-            <a:endParaRPr lang="en-GB" dirty="0"/>
-          </a:p>
-        </p:txBody>
-      </p:sp>
-      <p:sp>
-        <p:nvSpPr>
-          <p:cNvPr id="3" name="Text Placeholder 2"/>
-          <p:cNvSpPr>
-            <a:spLocks noGrp="1"/>
-          </p:cNvSpPr>
-          <p:nvPr>
-            <p:ph type="body" idx="1"/>
-          </p:nvPr>
-        </p:nvSpPr>
-        <p:spPr/>
-        <p:txBody>
-          <a:bodyPr/>
-          <a:lstStyle/>
-          <a:p>
-            <a:pPr marL="0" indent="0">
-              <a:buNone/>
-            </a:pPr>
-            <a:r>
-              <a:rPr lang="en-GB" dirty="0" smtClean="0"/>
-              <a:t>	</a:t>
-            </a:r>
-            <a:endParaRPr lang="en-GB" dirty="0"/>
-          </a:p>
-        </p:txBody>
-      </p:sp>
-    </p:spTree>
-    <p:extLst>
-      <p:ext uri="{BB962C8B-B14F-4D97-AF65-F5344CB8AC3E}">
-        <p14:creationId xmlns:p14="http://schemas.microsoft.com/office/powerpoint/2010/main" val="1801434709"/>
-      </p:ext>
-    </p:extLst>
-  </p:cSld>
-  <p:clrMapOvr>
-    <a:masterClrMapping/>
-  </p:clrMapOvr>
-  <p:transition>
-    <p:fade/>
-  </p:transition>
-  <p:timing>
-    <p:tnLst>
-      <p:par>
-        <p:cTn id="1" dur="indefinite" restart="never" nodeType="tmRoot"/>
-      </p:par>
-    </p:tnLst>
   </p:timing>
 </p:sld>
 </file>
@@ -14006,21 +19685,6 @@
 </file>
 
 <file path=customXml/item1.xml><?xml version="1.0" encoding="utf-8"?>
-<?mso-contentType ?>
-<FormTemplates xmlns="http://schemas.microsoft.com/sharepoint/v3/contenttype/forms">
-  <Display>DocumentLibraryForm</Display>
-  <Edit>DocumentLibraryForm</Edit>
-  <New>DocumentLibraryForm</New>
-</FormTemplates>
-</file>
-
-<file path=customXml/item2.xml><?xml version="1.0" encoding="utf-8"?>
-<p:properties xmlns:p="http://schemas.microsoft.com/office/2006/metadata/properties" xmlns:xsi="http://www.w3.org/2001/XMLSchema-instance">
-  <documentManagement/>
-</p:properties>
-</file>
-
-<file path=customXml/item3.xml><?xml version="1.0" encoding="utf-8"?>
 <ct:contentTypeSchema xmlns:ct="http://schemas.microsoft.com/office/2006/metadata/contentType" xmlns:ma="http://schemas.microsoft.com/office/2006/metadata/properties/metaAttributes" ct:_="" ma:_="" ma:contentTypeName="Document" ma:contentTypeID="0x0101003865B9DCC8F7FB4A82840FBDE1FC983A" ma:contentTypeVersion="0" ma:contentTypeDescription="Create a new document." ma:contentTypeScope="" ma:versionID="ecd0916681f32cda70880b341f4a8911">
   <xsd:schema xmlns:xsd="http://www.w3.org/2001/XMLSchema" xmlns:p="http://schemas.microsoft.com/office/2006/metadata/properties" targetNamespace="http://schemas.microsoft.com/office/2006/metadata/properties" ma:root="true" ma:fieldsID="4aeb20c0e3442673af7ee10786458764">
     <xsd:element name="properties">
@@ -14069,10 +19733,32 @@
 </ct:contentTypeSchema>
 </file>
 
+<file path=customXml/item2.xml><?xml version="1.0" encoding="utf-8"?>
+<p:properties xmlns:p="http://schemas.microsoft.com/office/2006/metadata/properties" xmlns:xsi="http://www.w3.org/2001/XMLSchema-instance">
+  <documentManagement/>
+</p:properties>
+</file>
+
+<file path=customXml/item3.xml><?xml version="1.0" encoding="utf-8"?>
+<?mso-contentType ?>
+<FormTemplates xmlns="http://schemas.microsoft.com/sharepoint/v3/contenttype/forms">
+  <Display>DocumentLibraryForm</Display>
+  <Edit>DocumentLibraryForm</Edit>
+  <New>DocumentLibraryForm</New>
+</FormTemplates>
+</file>
+
 <file path=customXml/itemProps1.xml><?xml version="1.0" encoding="utf-8"?>
-<ds:datastoreItem xmlns:ds="http://schemas.openxmlformats.org/officeDocument/2006/customXml" ds:itemID="{1685463B-57CE-4CE4-B1CF-FE44EB79BFA3}">
+<ds:datastoreItem xmlns:ds="http://schemas.openxmlformats.org/officeDocument/2006/customXml" ds:itemID="{1DEB1AF8-B785-4B22-89EC-168618F34A5B}">
   <ds:schemaRefs>
-    <ds:schemaRef ds:uri="http://schemas.microsoft.com/sharepoint/v3/contenttype/forms"/>
+    <ds:schemaRef ds:uri="http://schemas.microsoft.com/office/2006/metadata/contentType"/>
+    <ds:schemaRef ds:uri="http://schemas.microsoft.com/office/2006/metadata/properties/metaAttributes"/>
+    <ds:schemaRef ds:uri="http://www.w3.org/2001/XMLSchema"/>
+    <ds:schemaRef ds:uri="http://schemas.microsoft.com/office/2006/metadata/properties"/>
+    <ds:schemaRef ds:uri="http://schemas.openxmlformats.org/package/2006/metadata/core-properties"/>
+    <ds:schemaRef ds:uri="http://purl.org/dc/elements/1.1/"/>
+    <ds:schemaRef ds:uri="http://purl.org/dc/terms/"/>
+    <ds:schemaRef ds:uri="http://schemas.microsoft.com/office/internal/2005/internalDocumentation"/>
   </ds:schemaRefs>
 </ds:datastoreItem>
 </file>
@@ -14092,16 +19778,9 @@
 </file>
 
 <file path=customXml/itemProps3.xml><?xml version="1.0" encoding="utf-8"?>
-<ds:datastoreItem xmlns:ds="http://schemas.openxmlformats.org/officeDocument/2006/customXml" ds:itemID="{1DEB1AF8-B785-4B22-89EC-168618F34A5B}">
+<ds:datastoreItem xmlns:ds="http://schemas.openxmlformats.org/officeDocument/2006/customXml" ds:itemID="{1685463B-57CE-4CE4-B1CF-FE44EB79BFA3}">
   <ds:schemaRefs>
-    <ds:schemaRef ds:uri="http://schemas.microsoft.com/office/2006/metadata/contentType"/>
-    <ds:schemaRef ds:uri="http://schemas.microsoft.com/office/2006/metadata/properties/metaAttributes"/>
-    <ds:schemaRef ds:uri="http://www.w3.org/2001/XMLSchema"/>
-    <ds:schemaRef ds:uri="http://schemas.microsoft.com/office/2006/metadata/properties"/>
-    <ds:schemaRef ds:uri="http://schemas.openxmlformats.org/package/2006/metadata/core-properties"/>
-    <ds:schemaRef ds:uri="http://purl.org/dc/elements/1.1/"/>
-    <ds:schemaRef ds:uri="http://purl.org/dc/terms/"/>
-    <ds:schemaRef ds:uri="http://schemas.microsoft.com/office/internal/2005/internalDocumentation"/>
+    <ds:schemaRef ds:uri="http://schemas.microsoft.com/sharepoint/v3/contenttype/forms"/>
   </ds:schemaRefs>
 </ds:datastoreItem>
 </file>